--- a/Final Presenation/CS_633_Zac3_term_project_report_FINAL_draft.pptx
+++ b/Final Presenation/CS_633_Zac3_term_project_report_FINAL_draft.pptx
@@ -5,7 +5,7 @@
     <p:sldMasterId id="2147483660" r:id="rId1"/>
   </p:sldMasterIdLst>
   <p:notesMasterIdLst>
-    <p:notesMasterId r:id="rId41"/>
+    <p:notesMasterId r:id="rId44"/>
   </p:notesMasterIdLst>
   <p:sldIdLst>
     <p:sldId id="311" r:id="rId2"/>
@@ -28,25 +28,28 @@
     <p:sldId id="305" r:id="rId19"/>
     <p:sldId id="281" r:id="rId20"/>
     <p:sldId id="282" r:id="rId21"/>
-    <p:sldId id="277" r:id="rId22"/>
-    <p:sldId id="274" r:id="rId23"/>
-    <p:sldId id="275" r:id="rId24"/>
-    <p:sldId id="276" r:id="rId25"/>
-    <p:sldId id="279" r:id="rId26"/>
-    <p:sldId id="278" r:id="rId27"/>
-    <p:sldId id="280" r:id="rId28"/>
-    <p:sldId id="302" r:id="rId29"/>
-    <p:sldId id="303" r:id="rId30"/>
-    <p:sldId id="304" r:id="rId31"/>
-    <p:sldId id="284" r:id="rId32"/>
-    <p:sldId id="288" r:id="rId33"/>
-    <p:sldId id="312" r:id="rId34"/>
-    <p:sldId id="313" r:id="rId35"/>
-    <p:sldId id="289" r:id="rId36"/>
-    <p:sldId id="298" r:id="rId37"/>
-    <p:sldId id="293" r:id="rId38"/>
-    <p:sldId id="292" r:id="rId39"/>
-    <p:sldId id="295" r:id="rId40"/>
+    <p:sldId id="318" r:id="rId22"/>
+    <p:sldId id="319" r:id="rId23"/>
+    <p:sldId id="320" r:id="rId24"/>
+    <p:sldId id="321" r:id="rId25"/>
+    <p:sldId id="274" r:id="rId26"/>
+    <p:sldId id="279" r:id="rId27"/>
+    <p:sldId id="278" r:id="rId28"/>
+    <p:sldId id="280" r:id="rId29"/>
+    <p:sldId id="314" r:id="rId30"/>
+    <p:sldId id="315" r:id="rId31"/>
+    <p:sldId id="316" r:id="rId32"/>
+    <p:sldId id="317" r:id="rId33"/>
+    <p:sldId id="284" r:id="rId34"/>
+    <p:sldId id="288" r:id="rId35"/>
+    <p:sldId id="312" r:id="rId36"/>
+    <p:sldId id="313" r:id="rId37"/>
+    <p:sldId id="289" r:id="rId38"/>
+    <p:sldId id="298" r:id="rId39"/>
+    <p:sldId id="293" r:id="rId40"/>
+    <p:sldId id="292" r:id="rId41"/>
+    <p:sldId id="322" r:id="rId42"/>
+    <p:sldId id="295" r:id="rId43"/>
   </p:sldIdLst>
   <p:sldSz cx="9144000" cy="5143500" type="screen16x9"/>
   <p:notesSz cx="6858000" cy="9144000"/>
@@ -167,11 +170,7 @@
 <file path=ppt/commentAuthors.xml><?xml version="1.0" encoding="utf-8"?>
 <p:cmAuthorLst xmlns:a="http://schemas.openxmlformats.org/drawingml/2006/main" xmlns:r="http://schemas.openxmlformats.org/officeDocument/2006/relationships" xmlns:p="http://schemas.openxmlformats.org/presentationml/2006/main">
   <p:cmAuthor id="1" name="Microsoft Office User" initials="MOU" lastIdx="18" clrIdx="0">
-    <p:extLst>
-      <p:ext uri="{19B8F6BF-5375-455C-9EA6-DF929625EA0E}">
-        <p15:presenceInfo xmlns:p15="http://schemas.microsoft.com/office/powerpoint/2012/main" userId="Microsoft Office User" providerId="None"/>
-      </p:ext>
-    </p:extLst>
+    <p:extLst/>
   </p:cmAuthor>
 </p:cmAuthorLst>
 </file>
@@ -457,11 +456,11 @@
           <c:showBubbleSize val="0"/>
         </c:dLbls>
         <c:smooth val="0"/>
-        <c:axId val="1325863615"/>
-        <c:axId val="1292026495"/>
+        <c:axId val="2133387976"/>
+        <c:axId val="2135896056"/>
       </c:lineChart>
       <c:catAx>
-        <c:axId val="1325863615"/>
+        <c:axId val="2133387976"/>
         <c:scaling>
           <c:orientation val="minMax"/>
         </c:scaling>
@@ -504,7 +503,7 @@
             <a:endParaRPr lang="en-US"/>
           </a:p>
         </c:txPr>
-        <c:crossAx val="1292026495"/>
+        <c:crossAx val="2135896056"/>
         <c:crosses val="autoZero"/>
         <c:auto val="1"/>
         <c:lblAlgn val="ctr"/>
@@ -512,7 +511,7 @@
         <c:noMultiLvlLbl val="0"/>
       </c:catAx>
       <c:valAx>
-        <c:axId val="1292026495"/>
+        <c:axId val="2135896056"/>
         <c:scaling>
           <c:orientation val="minMax"/>
         </c:scaling>
@@ -563,7 +562,7 @@
             <a:endParaRPr lang="en-US"/>
           </a:p>
         </c:txPr>
-        <c:crossAx val="1325863615"/>
+        <c:crossAx val="2133387976"/>
         <c:crosses val="autoZero"/>
         <c:crossBetween val="between"/>
       </c:valAx>
@@ -1517,7 +1516,7 @@
           <a:p>
             <a:fld id="{9B8A9A2D-E852-3844-9DB4-1B4DAD75F3D7}" type="datetimeFigureOut">
               <a:rPr lang="en-US" smtClean="0"/>
-              <a:t>2/18/18</a:t>
+              <a:t>2/24/18</a:t>
             </a:fld>
             <a:endParaRPr lang="en-US"/>
           </a:p>
@@ -1849,6 +1848,90 @@
           <a:p>
             <a:fld id="{4F7A579F-9BF5-CC4C-8D8C-36F12F760E42}" type="slidenum">
               <a:rPr lang="en-US" smtClean="0"/>
+              <a:t>1</a:t>
+            </a:fld>
+            <a:endParaRPr lang="en-US"/>
+          </a:p>
+        </p:txBody>
+      </p:sp>
+    </p:spTree>
+    <p:extLst>
+      <p:ext uri="{BB962C8B-B14F-4D97-AF65-F5344CB8AC3E}">
+        <p14:creationId xmlns:p14="http://schemas.microsoft.com/office/powerpoint/2010/main" val="1977604967"/>
+      </p:ext>
+    </p:extLst>
+  </p:cSld>
+  <p:clrMapOvr>
+    <a:masterClrMapping/>
+  </p:clrMapOvr>
+</p:notes>
+</file>
+
+<file path=ppt/notesSlides/notesSlide2.xml><?xml version="1.0" encoding="utf-8"?>
+<p:notes xmlns:a="http://schemas.openxmlformats.org/drawingml/2006/main" xmlns:r="http://schemas.openxmlformats.org/officeDocument/2006/relationships" xmlns:p="http://schemas.openxmlformats.org/presentationml/2006/main">
+  <p:cSld>
+    <p:spTree>
+      <p:nvGrpSpPr>
+        <p:cNvPr id="1" name=""/>
+        <p:cNvGrpSpPr/>
+        <p:nvPr/>
+      </p:nvGrpSpPr>
+      <p:grpSpPr>
+        <a:xfrm>
+          <a:off x="0" y="0"/>
+          <a:ext cx="0" cy="0"/>
+          <a:chOff x="0" y="0"/>
+          <a:chExt cx="0" cy="0"/>
+        </a:xfrm>
+      </p:grpSpPr>
+      <p:sp>
+        <p:nvSpPr>
+          <p:cNvPr id="2" name="Slide Image Placeholder 1"/>
+          <p:cNvSpPr>
+            <a:spLocks noGrp="1" noRot="1" noChangeAspect="1"/>
+          </p:cNvSpPr>
+          <p:nvPr>
+            <p:ph type="sldImg"/>
+          </p:nvPr>
+        </p:nvSpPr>
+        <p:spPr/>
+      </p:sp>
+      <p:sp>
+        <p:nvSpPr>
+          <p:cNvPr id="3" name="Notes Placeholder 2"/>
+          <p:cNvSpPr>
+            <a:spLocks noGrp="1"/>
+          </p:cNvSpPr>
+          <p:nvPr>
+            <p:ph type="body" idx="1"/>
+          </p:nvPr>
+        </p:nvSpPr>
+        <p:spPr/>
+        <p:txBody>
+          <a:bodyPr/>
+          <a:lstStyle/>
+          <a:p>
+            <a:endParaRPr lang="en-US" dirty="0"/>
+          </a:p>
+        </p:txBody>
+      </p:sp>
+      <p:sp>
+        <p:nvSpPr>
+          <p:cNvPr id="4" name="Slide Number Placeholder 3"/>
+          <p:cNvSpPr>
+            <a:spLocks noGrp="1"/>
+          </p:cNvSpPr>
+          <p:nvPr>
+            <p:ph type="sldNum" sz="quarter" idx="10"/>
+          </p:nvPr>
+        </p:nvSpPr>
+        <p:spPr/>
+        <p:txBody>
+          <a:bodyPr/>
+          <a:lstStyle/>
+          <a:p>
+            <a:fld id="{4F7A579F-9BF5-CC4C-8D8C-36F12F760E42}" type="slidenum">
+              <a:rPr lang="en-US" smtClean="0"/>
               <a:t>2</a:t>
             </a:fld>
             <a:endParaRPr lang="en-US"/>
@@ -1868,7 +1951,7 @@
 </p:notes>
 </file>
 
-<file path=ppt/notesSlides/notesSlide2.xml><?xml version="1.0" encoding="utf-8"?>
+<file path=ppt/notesSlides/notesSlide3.xml><?xml version="1.0" encoding="utf-8"?>
 <p:notes xmlns:a="http://schemas.openxmlformats.org/drawingml/2006/main" xmlns:r="http://schemas.openxmlformats.org/officeDocument/2006/relationships" xmlns:p="http://schemas.openxmlformats.org/presentationml/2006/main">
   <p:cSld>
     <p:spTree>
@@ -1986,7 +2069,7 @@
 </p:notes>
 </file>
 
-<file path=ppt/notesSlides/notesSlide3.xml><?xml version="1.0" encoding="utf-8"?>
+<file path=ppt/notesSlides/notesSlide4.xml><?xml version="1.0" encoding="utf-8"?>
 <p:notes xmlns:a="http://schemas.openxmlformats.org/drawingml/2006/main" xmlns:r="http://schemas.openxmlformats.org/officeDocument/2006/relationships" xmlns:p="http://schemas.openxmlformats.org/presentationml/2006/main">
   <p:cSld>
     <p:spTree>
@@ -2061,6 +2144,90 @@
     <p:extLst>
       <p:ext uri="{BB962C8B-B14F-4D97-AF65-F5344CB8AC3E}">
         <p14:creationId xmlns:p14="http://schemas.microsoft.com/office/powerpoint/2010/main" val="2926514514"/>
+      </p:ext>
+    </p:extLst>
+  </p:cSld>
+  <p:clrMapOvr>
+    <a:masterClrMapping/>
+  </p:clrMapOvr>
+</p:notes>
+</file>
+
+<file path=ppt/notesSlides/notesSlide5.xml><?xml version="1.0" encoding="utf-8"?>
+<p:notes xmlns:a="http://schemas.openxmlformats.org/drawingml/2006/main" xmlns:r="http://schemas.openxmlformats.org/officeDocument/2006/relationships" xmlns:p="http://schemas.openxmlformats.org/presentationml/2006/main">
+  <p:cSld>
+    <p:spTree>
+      <p:nvGrpSpPr>
+        <p:cNvPr id="1" name=""/>
+        <p:cNvGrpSpPr/>
+        <p:nvPr/>
+      </p:nvGrpSpPr>
+      <p:grpSpPr>
+        <a:xfrm>
+          <a:off x="0" y="0"/>
+          <a:ext cx="0" cy="0"/>
+          <a:chOff x="0" y="0"/>
+          <a:chExt cx="0" cy="0"/>
+        </a:xfrm>
+      </p:grpSpPr>
+      <p:sp>
+        <p:nvSpPr>
+          <p:cNvPr id="2" name="Slide Image Placeholder 1"/>
+          <p:cNvSpPr>
+            <a:spLocks noGrp="1" noRot="1" noChangeAspect="1"/>
+          </p:cNvSpPr>
+          <p:nvPr>
+            <p:ph type="sldImg"/>
+          </p:nvPr>
+        </p:nvSpPr>
+        <p:spPr/>
+      </p:sp>
+      <p:sp>
+        <p:nvSpPr>
+          <p:cNvPr id="3" name="Notes Placeholder 2"/>
+          <p:cNvSpPr>
+            <a:spLocks noGrp="1"/>
+          </p:cNvSpPr>
+          <p:nvPr>
+            <p:ph type="body" idx="1"/>
+          </p:nvPr>
+        </p:nvSpPr>
+        <p:spPr/>
+        <p:txBody>
+          <a:bodyPr/>
+          <a:lstStyle/>
+          <a:p>
+            <a:endParaRPr lang="en-US" dirty="0"/>
+          </a:p>
+        </p:txBody>
+      </p:sp>
+      <p:sp>
+        <p:nvSpPr>
+          <p:cNvPr id="4" name="Slide Number Placeholder 3"/>
+          <p:cNvSpPr>
+            <a:spLocks noGrp="1"/>
+          </p:cNvSpPr>
+          <p:nvPr>
+            <p:ph type="sldNum" sz="quarter" idx="10"/>
+          </p:nvPr>
+        </p:nvSpPr>
+        <p:spPr/>
+        <p:txBody>
+          <a:bodyPr/>
+          <a:lstStyle/>
+          <a:p>
+            <a:fld id="{4F7A579F-9BF5-CC4C-8D8C-36F12F760E42}" type="slidenum">
+              <a:rPr lang="en-US" smtClean="0"/>
+              <a:t>27</a:t>
+            </a:fld>
+            <a:endParaRPr lang="en-US"/>
+          </a:p>
+        </p:txBody>
+      </p:sp>
+    </p:spTree>
+    <p:extLst>
+      <p:ext uri="{BB962C8B-B14F-4D97-AF65-F5344CB8AC3E}">
+        <p14:creationId xmlns:p14="http://schemas.microsoft.com/office/powerpoint/2010/main" val="3373853551"/>
       </p:ext>
     </p:extLst>
   </p:cSld>
@@ -2359,7 +2526,7 @@
           <a:p>
             <a:fld id="{CBBBF805-5D4B-8F4E-93F2-E4965DAE73BF}" type="datetimeFigureOut">
               <a:rPr lang="en-US" smtClean="0"/>
-              <a:t>2/18/18</a:t>
+              <a:t>2/24/18</a:t>
             </a:fld>
             <a:endParaRPr lang="en-US"/>
           </a:p>
@@ -2549,7 +2716,7 @@
           <a:p>
             <a:fld id="{CBBBF805-5D4B-8F4E-93F2-E4965DAE73BF}" type="datetimeFigureOut">
               <a:rPr lang="en-US" smtClean="0"/>
-              <a:t>2/18/18</a:t>
+              <a:t>2/24/18</a:t>
             </a:fld>
             <a:endParaRPr lang="en-US"/>
           </a:p>
@@ -2733,7 +2900,7 @@
           <a:p>
             <a:fld id="{CBBBF805-5D4B-8F4E-93F2-E4965DAE73BF}" type="datetimeFigureOut">
               <a:rPr lang="en-US" smtClean="0"/>
-              <a:t>2/18/18</a:t>
+              <a:t>2/24/18</a:t>
             </a:fld>
             <a:endParaRPr lang="en-US"/>
           </a:p>
@@ -2995,7 +3162,7 @@
           <a:p>
             <a:fld id="{CBBBF805-5D4B-8F4E-93F2-E4965DAE73BF}" type="datetimeFigureOut">
               <a:rPr lang="en-US" smtClean="0"/>
-              <a:t>2/18/18</a:t>
+              <a:t>2/24/18</a:t>
             </a:fld>
             <a:endParaRPr lang="en-US"/>
           </a:p>
@@ -3410,7 +3577,7 @@
           <a:p>
             <a:fld id="{CBBBF805-5D4B-8F4E-93F2-E4965DAE73BF}" type="datetimeFigureOut">
               <a:rPr lang="en-US" smtClean="0"/>
-              <a:t>2/18/18</a:t>
+              <a:t>2/24/18</a:t>
             </a:fld>
             <a:endParaRPr lang="en-US"/>
           </a:p>
@@ -3681,7 +3848,7 @@
           <a:p>
             <a:fld id="{CBBBF805-5D4B-8F4E-93F2-E4965DAE73BF}" type="datetimeFigureOut">
               <a:rPr lang="en-US" smtClean="0"/>
-              <a:t>2/18/18</a:t>
+              <a:t>2/24/18</a:t>
             </a:fld>
             <a:endParaRPr lang="en-US"/>
           </a:p>
@@ -3916,7 +4083,7 @@
           <a:p>
             <a:fld id="{CBBBF805-5D4B-8F4E-93F2-E4965DAE73BF}" type="datetimeFigureOut">
               <a:rPr lang="en-US" smtClean="0"/>
-              <a:t>2/18/18</a:t>
+              <a:t>2/24/18</a:t>
             </a:fld>
             <a:endParaRPr lang="en-US"/>
           </a:p>
@@ -4110,7 +4277,7 @@
           <a:p>
             <a:fld id="{CBBBF805-5D4B-8F4E-93F2-E4965DAE73BF}" type="datetimeFigureOut">
               <a:rPr lang="en-US" smtClean="0"/>
-              <a:t>2/18/18</a:t>
+              <a:t>2/24/18</a:t>
             </a:fld>
             <a:endParaRPr lang="en-US"/>
           </a:p>
@@ -4208,7 +4375,7 @@
           <a:p>
             <a:fld id="{CBBBF805-5D4B-8F4E-93F2-E4965DAE73BF}" type="datetimeFigureOut">
               <a:rPr lang="en-US" smtClean="0"/>
-              <a:t>2/18/18</a:t>
+              <a:t>2/24/18</a:t>
             </a:fld>
             <a:endParaRPr lang="en-US"/>
           </a:p>
@@ -4343,7 +4510,7 @@
           <a:p>
             <a:fld id="{CBBBF805-5D4B-8F4E-93F2-E4965DAE73BF}" type="datetimeFigureOut">
               <a:rPr lang="en-US" smtClean="0"/>
-              <a:t>2/18/18</a:t>
+              <a:t>2/24/18</a:t>
             </a:fld>
             <a:endParaRPr lang="en-US"/>
           </a:p>
@@ -4860,7 +5027,7 @@
           <a:p>
             <a:fld id="{CBBBF805-5D4B-8F4E-93F2-E4965DAE73BF}" type="datetimeFigureOut">
               <a:rPr lang="en-US" smtClean="0"/>
-              <a:t>2/18/18</a:t>
+              <a:t>2/24/18</a:t>
             </a:fld>
             <a:endParaRPr lang="en-US"/>
           </a:p>
@@ -5300,7 +5467,7 @@
           <a:p>
             <a:fld id="{CBBBF805-5D4B-8F4E-93F2-E4965DAE73BF}" type="datetimeFigureOut">
               <a:rPr lang="en-US" smtClean="0"/>
-              <a:t>2/18/18</a:t>
+              <a:t>2/24/18</a:t>
             </a:fld>
             <a:endParaRPr lang="en-US"/>
           </a:p>
@@ -5672,7 +5839,7 @@
 </file>
 
 <file path=ppt/slides/slide1.xml><?xml version="1.0" encoding="utf-8"?>
-<p:sld xmlns:a="http://schemas.openxmlformats.org/drawingml/2006/main" xmlns:r="http://schemas.openxmlformats.org/officeDocument/2006/relationships" xmlns:p="http://schemas.openxmlformats.org/presentationml/2006/main">
+<p:sld xmlns:a="http://schemas.openxmlformats.org/drawingml/2006/main" xmlns:r="http://schemas.openxmlformats.org/officeDocument/2006/relationships" xmlns:p="http://schemas.openxmlformats.org/presentationml/2006/main" show="0">
   <p:cSld>
     <p:spTree>
       <p:nvGrpSpPr>
@@ -5741,7 +5908,7 @@
           <a:p>
             <a:r>
               <a:rPr lang="en-US" dirty="0"/>
-              <a:t>Zac Feedback</a:t>
+              <a:t>Weekly Feedback</a:t>
             </a:r>
           </a:p>
         </p:txBody>
@@ -10111,7 +10278,7 @@
 </file>
 
 <file path=ppt/slides/slide12.xml><?xml version="1.0" encoding="utf-8"?>
-<p:sld xmlns:a="http://schemas.openxmlformats.org/drawingml/2006/main" xmlns:r="http://schemas.openxmlformats.org/officeDocument/2006/relationships" xmlns:p="http://schemas.openxmlformats.org/presentationml/2006/main">
+<p:sld xmlns:a="http://schemas.openxmlformats.org/drawingml/2006/main" xmlns:r="http://schemas.openxmlformats.org/officeDocument/2006/relationships" xmlns:p="http://schemas.openxmlformats.org/presentationml/2006/main" show="0">
   <p:cSld>
     <p:spTree>
       <p:nvGrpSpPr>
@@ -19760,7 +19927,7 @@
         </p:blipFill>
         <p:spPr>
           <a:xfrm>
-            <a:off x="3575023" y="3185563"/>
+            <a:off x="3564630" y="2953573"/>
             <a:ext cx="1097280" cy="938695"/>
           </a:xfrm>
           <a:prstGeom prst="rect">
@@ -19784,7 +19951,7 @@
         </p:nvSpPr>
         <p:spPr>
           <a:xfrm>
-            <a:off x="3575023" y="1954501"/>
+            <a:off x="3564630" y="1954501"/>
             <a:ext cx="1097280" cy="658368"/>
           </a:xfrm>
           <a:prstGeom prst="rect">
@@ -19947,7 +20114,7 @@
         </p:nvSpPr>
         <p:spPr>
           <a:xfrm>
-            <a:off x="621792" y="1216925"/>
+            <a:off x="687983" y="1216925"/>
             <a:ext cx="1374084" cy="1280160"/>
           </a:xfrm>
           <a:prstGeom prst="rect">
@@ -20008,7 +20175,7 @@
         </p:nvSpPr>
         <p:spPr>
           <a:xfrm>
-            <a:off x="3575023" y="1411518"/>
+            <a:off x="3564630" y="1411518"/>
             <a:ext cx="1097280" cy="540913"/>
           </a:xfrm>
           <a:prstGeom prst="rect">
@@ -20069,7 +20236,7 @@
         </p:nvSpPr>
         <p:spPr>
           <a:xfrm>
-            <a:off x="2248624" y="3198153"/>
+            <a:off x="2248624" y="2966163"/>
             <a:ext cx="914400" cy="913364"/>
           </a:xfrm>
           <a:prstGeom prst="rect">
@@ -20130,7 +20297,7 @@
         </p:nvSpPr>
         <p:spPr>
           <a:xfrm>
-            <a:off x="805914" y="3153549"/>
+            <a:off x="894965" y="2932148"/>
             <a:ext cx="960120" cy="960120"/>
           </a:xfrm>
           <a:prstGeom prst="rect">
@@ -20197,7 +20364,7 @@
         </p:nvSpPr>
         <p:spPr>
           <a:xfrm>
-            <a:off x="7859601" y="3198153"/>
+            <a:off x="7859601" y="2966163"/>
             <a:ext cx="914400" cy="914400"/>
           </a:xfrm>
           <a:prstGeom prst="rect">
@@ -20319,7 +20486,7 @@
         </p:nvSpPr>
         <p:spPr>
           <a:xfrm>
-            <a:off x="5102783" y="3195219"/>
+            <a:off x="5102783" y="2963229"/>
             <a:ext cx="914400" cy="914400"/>
           </a:xfrm>
           <a:prstGeom prst="rect">
@@ -20380,7 +20547,7 @@
         </p:nvSpPr>
         <p:spPr>
           <a:xfrm>
-            <a:off x="6535732" y="3196361"/>
+            <a:off x="6535732" y="2964371"/>
             <a:ext cx="914400" cy="913366"/>
           </a:xfrm>
           <a:prstGeom prst="rect">
@@ -20425,6 +20592,39 @@
           </a:fontRef>
         </p:style>
       </p:sp>
+      <p:pic>
+        <p:nvPicPr>
+          <p:cNvPr id="3" name="Picture 2" descr="heroku_logo-purple-08fb38cebb99e3aac5202df018eb337c5be74d5214768c90a8198c97420e4201.png"/>
+          <p:cNvPicPr>
+            <a:picLocks noChangeAspect="1"/>
+          </p:cNvPicPr>
+          <p:nvPr/>
+        </p:nvPicPr>
+        <p:blipFill rotWithShape="1">
+          <a:blip r:embed="rId15">
+            <a:extLst>
+              <a:ext uri="{28A0092B-C50C-407E-A947-70E740481C1C}">
+                <a14:useLocalDpi xmlns:a14="http://schemas.microsoft.com/office/drawing/2010/main" val="0"/>
+              </a:ext>
+            </a:extLst>
+          </a:blip>
+          <a:srcRect l="-1194" t="-2544" r="-1377" b="-7"/>
+          <a:stretch/>
+        </p:blipFill>
+        <p:spPr>
+          <a:xfrm>
+            <a:off x="3371058" y="4339215"/>
+            <a:ext cx="1508849" cy="452564"/>
+          </a:xfrm>
+          <a:prstGeom prst="rect">
+            <a:avLst/>
+          </a:prstGeom>
+          <a:noFill/>
+          <a:ln>
+            <a:noFill/>
+          </a:ln>
+        </p:spPr>
+      </p:pic>
     </p:spTree>
     <p:extLst>
       <p:ext uri="{BB962C8B-B14F-4D97-AF65-F5344CB8AC3E}">
@@ -20640,7 +20840,7 @@
         <p:spPr/>
         <p:txBody>
           <a:bodyPr>
-            <a:normAutofit fontScale="92500"/>
+            <a:normAutofit/>
           </a:bodyPr>
           <a:lstStyle/>
           <a:p>
@@ -22165,7 +22365,7 @@
 </file>
 
 <file path=ppt/slides/slide2.xml><?xml version="1.0" encoding="utf-8"?>
-<p:sld xmlns:a="http://schemas.openxmlformats.org/drawingml/2006/main" xmlns:r="http://schemas.openxmlformats.org/officeDocument/2006/relationships" xmlns:p="http://schemas.openxmlformats.org/presentationml/2006/main">
+<p:sld xmlns:a="http://schemas.openxmlformats.org/drawingml/2006/main" xmlns:r="http://schemas.openxmlformats.org/officeDocument/2006/relationships" xmlns:p="http://schemas.openxmlformats.org/presentationml/2006/main" show="0">
   <p:cSld>
     <p:spTree>
       <p:nvGrpSpPr>
@@ -24188,7 +24388,7 @@
     </p:spTree>
     <p:extLst>
       <p:ext uri="{BB962C8B-B14F-4D97-AF65-F5344CB8AC3E}">
-        <p14:creationId xmlns:p14="http://schemas.microsoft.com/office/powerpoint/2010/main" val="3904647073"/>
+        <p14:creationId xmlns:p14="http://schemas.microsoft.com/office/powerpoint/2010/main" val="934223911"/>
       </p:ext>
     </p:extLst>
   </p:cSld>
@@ -24293,15 +24493,16 @@
             <p:ph sz="quarter" idx="1"/>
           </p:nvPr>
         </p:nvPicPr>
-        <p:blipFill rotWithShape="1">
+        <p:blipFill>
           <a:blip r:embed="rId3"/>
-          <a:srcRect t="583" b="5445"/>
-          <a:stretch/>
+          <a:stretch>
+            <a:fillRect/>
+          </a:stretch>
         </p:blipFill>
         <p:spPr>
           <a:xfrm>
-            <a:off x="609600" y="1192213"/>
-            <a:ext cx="3886200" cy="3246120"/>
+            <a:off x="629543" y="1192213"/>
+            <a:ext cx="3846314" cy="3246120"/>
           </a:xfrm>
           <a:prstGeom prst="rect">
             <a:avLst/>
@@ -24325,7 +24526,7 @@
     </p:spTree>
     <p:extLst>
       <p:ext uri="{BB962C8B-B14F-4D97-AF65-F5344CB8AC3E}">
-        <p14:creationId xmlns:p14="http://schemas.microsoft.com/office/powerpoint/2010/main" val="1857974111"/>
+        <p14:creationId xmlns:p14="http://schemas.microsoft.com/office/powerpoint/2010/main" val="510545323"/>
       </p:ext>
     </p:extLst>
   </p:cSld>
@@ -24460,13 +24661,13 @@
         </p:nvPicPr>
         <p:blipFill rotWithShape="1">
           <a:blip r:embed="rId4"/>
-          <a:srcRect t="-19" b="28345"/>
+          <a:srcRect l="-23" t="181" r="-23" b="787"/>
           <a:stretch/>
         </p:blipFill>
         <p:spPr>
           <a:xfrm>
-            <a:off x="609600" y="1192213"/>
-            <a:ext cx="3886200" cy="3767328"/>
+            <a:off x="621792" y="1234440"/>
+            <a:ext cx="3858768" cy="3730752"/>
           </a:xfrm>
           <a:prstGeom prst="rect">
             <a:avLst/>
@@ -24700,7 +24901,7 @@
     </p:spTree>
     <p:extLst>
       <p:ext uri="{BB962C8B-B14F-4D97-AF65-F5344CB8AC3E}">
-        <p14:creationId xmlns:p14="http://schemas.microsoft.com/office/powerpoint/2010/main" val="2006315930"/>
+        <p14:creationId xmlns:p14="http://schemas.microsoft.com/office/powerpoint/2010/main" val="389057712"/>
       </p:ext>
     </p:extLst>
   </p:cSld>
@@ -24761,15 +24962,16 @@
             <p:ph sz="quarter" idx="1"/>
           </p:nvPr>
         </p:nvPicPr>
-        <p:blipFill rotWithShape="1">
+        <p:blipFill>
           <a:blip r:embed="rId2"/>
-          <a:srcRect t="672" b="5824"/>
-          <a:stretch/>
+          <a:stretch>
+            <a:fillRect/>
+          </a:stretch>
         </p:blipFill>
         <p:spPr>
           <a:xfrm>
-            <a:off x="609600" y="1192213"/>
-            <a:ext cx="3886200" cy="3026664"/>
+            <a:off x="621755" y="1192213"/>
+            <a:ext cx="3861890" cy="3026664"/>
           </a:xfrm>
           <a:prstGeom prst="rect">
             <a:avLst/>
@@ -24836,7 +25038,7 @@
     </p:spTree>
     <p:extLst>
       <p:ext uri="{BB962C8B-B14F-4D97-AF65-F5344CB8AC3E}">
-        <p14:creationId xmlns:p14="http://schemas.microsoft.com/office/powerpoint/2010/main" val="2760430701"/>
+        <p14:creationId xmlns:p14="http://schemas.microsoft.com/office/powerpoint/2010/main" val="2881687777"/>
       </p:ext>
     </p:extLst>
   </p:cSld>
@@ -24847,6 +25049,143 @@
 </file>
 
 <file path=ppt/slides/slide25.xml><?xml version="1.0" encoding="utf-8"?>
+<p:sld xmlns:a="http://schemas.openxmlformats.org/drawingml/2006/main" xmlns:r="http://schemas.openxmlformats.org/officeDocument/2006/relationships" xmlns:p="http://schemas.openxmlformats.org/presentationml/2006/main">
+  <p:cSld>
+    <p:spTree>
+      <p:nvGrpSpPr>
+        <p:cNvPr id="1" name=""/>
+        <p:cNvGrpSpPr/>
+        <p:nvPr/>
+      </p:nvGrpSpPr>
+      <p:grpSpPr>
+        <a:xfrm>
+          <a:off x="0" y="0"/>
+          <a:ext cx="0" cy="0"/>
+          <a:chOff x="0" y="0"/>
+          <a:chExt cx="0" cy="0"/>
+        </a:xfrm>
+      </p:grpSpPr>
+      <p:pic>
+        <p:nvPicPr>
+          <p:cNvPr id="7" name="Content Placeholder 6" descr="EnterBodyMeasurements.png"/>
+          <p:cNvPicPr>
+            <a:picLocks noGrp="1" noChangeAspect="1"/>
+          </p:cNvPicPr>
+          <p:nvPr>
+            <p:ph sz="quarter" idx="2"/>
+          </p:nvPr>
+        </p:nvPicPr>
+        <p:blipFill>
+          <a:blip r:embed="rId2">
+            <a:extLst>
+              <a:ext uri="{28A0092B-C50C-407E-A947-70E740481C1C}">
+                <a14:useLocalDpi xmlns:a14="http://schemas.microsoft.com/office/drawing/2010/main" val="0"/>
+              </a:ext>
+            </a:extLst>
+          </a:blip>
+          <a:srcRect l="256" r="256"/>
+          <a:stretch>
+            <a:fillRect/>
+          </a:stretch>
+        </p:blipFill>
+        <p:spPr>
+          <a:xfrm>
+            <a:off x="4845050" y="1192213"/>
+            <a:ext cx="3886200" cy="3246437"/>
+          </a:xfrm>
+        </p:spPr>
+        <p:style>
+          <a:lnRef idx="2">
+            <a:schemeClr val="dk1"/>
+          </a:lnRef>
+          <a:fillRef idx="1">
+            <a:schemeClr val="lt1"/>
+          </a:fillRef>
+          <a:effectRef idx="0">
+            <a:schemeClr val="dk1"/>
+          </a:effectRef>
+          <a:fontRef idx="minor">
+            <a:schemeClr val="dk1"/>
+          </a:fontRef>
+        </p:style>
+      </p:pic>
+      <p:sp>
+        <p:nvSpPr>
+          <p:cNvPr id="2" name="Title 1"/>
+          <p:cNvSpPr>
+            <a:spLocks noGrp="1"/>
+          </p:cNvSpPr>
+          <p:nvPr>
+            <p:ph type="title"/>
+          </p:nvPr>
+        </p:nvSpPr>
+        <p:spPr/>
+        <p:txBody>
+          <a:bodyPr>
+            <a:normAutofit fontScale="90000"/>
+          </a:bodyPr>
+          <a:lstStyle/>
+          <a:p>
+            <a:r>
+              <a:rPr lang="en-US" dirty="0"/>
+              <a:t>Enter Measurements Use Case</a:t>
+            </a:r>
+          </a:p>
+        </p:txBody>
+      </p:sp>
+      <p:pic>
+        <p:nvPicPr>
+          <p:cNvPr id="10" name="Content Placeholder 9"/>
+          <p:cNvPicPr>
+            <a:picLocks noGrp="1" noChangeAspect="1"/>
+          </p:cNvPicPr>
+          <p:nvPr>
+            <p:ph sz="quarter" idx="1"/>
+          </p:nvPr>
+        </p:nvPicPr>
+        <p:blipFill rotWithShape="1">
+          <a:blip r:embed="rId3"/>
+          <a:srcRect t="583" b="5445"/>
+          <a:stretch/>
+        </p:blipFill>
+        <p:spPr>
+          <a:xfrm>
+            <a:off x="609600" y="1192213"/>
+            <a:ext cx="3886200" cy="3246120"/>
+          </a:xfrm>
+          <a:prstGeom prst="rect">
+            <a:avLst/>
+          </a:prstGeom>
+        </p:spPr>
+        <p:style>
+          <a:lnRef idx="2">
+            <a:schemeClr val="dk1"/>
+          </a:lnRef>
+          <a:fillRef idx="1">
+            <a:schemeClr val="lt1"/>
+          </a:fillRef>
+          <a:effectRef idx="0">
+            <a:schemeClr val="dk1"/>
+          </a:effectRef>
+          <a:fontRef idx="minor">
+            <a:schemeClr val="dk1"/>
+          </a:fontRef>
+        </p:style>
+      </p:pic>
+    </p:spTree>
+    <p:extLst>
+      <p:ext uri="{BB962C8B-B14F-4D97-AF65-F5344CB8AC3E}">
+        <p14:creationId xmlns:p14="http://schemas.microsoft.com/office/powerpoint/2010/main" val="1857974111"/>
+      </p:ext>
+    </p:extLst>
+  </p:cSld>
+  <p:clrMapOvr>
+    <a:masterClrMapping/>
+  </p:clrMapOvr>
+</p:sld>
+</file>
+
+<file path=ppt/slides/slide26.xml><?xml version="1.0" encoding="utf-8"?>
 <p:sld xmlns:a="http://schemas.openxmlformats.org/drawingml/2006/main" xmlns:r="http://schemas.openxmlformats.org/officeDocument/2006/relationships" xmlns:p="http://schemas.openxmlformats.org/presentationml/2006/main">
   <p:cSld>
     <p:spTree>
@@ -24898,22 +25237,15 @@
           </p:nvPr>
         </p:nvPicPr>
         <p:blipFill>
-          <a:blip r:embed="rId2">
-            <a:extLst>
-              <a:ext uri="{28A0092B-C50C-407E-A947-70E740481C1C}">
-                <a14:useLocalDpi xmlns:a14="http://schemas.microsoft.com/office/drawing/2010/main" val="0"/>
-              </a:ext>
-            </a:extLst>
-          </a:blip>
-          <a:srcRect t="460" b="460"/>
+          <a:blip r:embed="rId2"/>
           <a:stretch>
             <a:fillRect/>
           </a:stretch>
         </p:blipFill>
         <p:spPr bwMode="auto">
           <a:xfrm>
-            <a:off x="612775" y="1200150"/>
-            <a:ext cx="8312150" cy="3706813"/>
+            <a:off x="612775" y="1256730"/>
+            <a:ext cx="8156448" cy="3526337"/>
           </a:xfrm>
           <a:prstGeom prst="rect">
             <a:avLst/>
@@ -24925,14 +25257,14 @@
           <a:effectLst/>
           <a:extLst>
             <a:ext uri="{909E8E84-426E-40dd-AFC4-6F175D3DCCD1}">
-              <a14:hiddenFill xmlns:a14="http://schemas.microsoft.com/office/drawing/2010/main" xmlns="">
+              <a14:hiddenFill xmlns="" xmlns:a14="http://schemas.microsoft.com/office/drawing/2010/main">
                 <a:solidFill>
                   <a:schemeClr val="accent1"/>
                 </a:solidFill>
               </a14:hiddenFill>
             </a:ext>
             <a:ext uri="{91240B29-F687-4f45-9708-019B960494DF}">
-              <a14:hiddenLine xmlns:a14="http://schemas.microsoft.com/office/drawing/2010/main" xmlns="" w="9525">
+              <a14:hiddenLine xmlns="" xmlns:a14="http://schemas.microsoft.com/office/drawing/2010/main" w="9525">
                 <a:solidFill>
                   <a:schemeClr val="tx1"/>
                 </a:solidFill>
@@ -24942,7 +25274,7 @@
               </a14:hiddenLine>
             </a:ext>
             <a:ext uri="{AF507438-7753-43e0-B8FC-AC1667EBCBE1}">
-              <a14:hiddenEffects xmlns:a14="http://schemas.microsoft.com/office/drawing/2010/main" xmlns="">
+              <a14:hiddenEffects xmlns="" xmlns:a14="http://schemas.microsoft.com/office/drawing/2010/main">
                 <a:effectLst>
                   <a:outerShdw dist="35921" dir="2700000" algn="ctr" rotWithShape="0">
                     <a:schemeClr val="bg2"/>
@@ -24966,7 +25298,7 @@
 </p:sld>
 </file>
 
-<file path=ppt/slides/slide26.xml><?xml version="1.0" encoding="utf-8"?>
+<file path=ppt/slides/slide27.xml><?xml version="1.0" encoding="utf-8"?>
 <p:sld xmlns:a="http://schemas.openxmlformats.org/drawingml/2006/main" xmlns:r="http://schemas.openxmlformats.org/officeDocument/2006/relationships" xmlns:p="http://schemas.openxmlformats.org/presentationml/2006/main">
   <p:cSld>
     <p:spTree>
@@ -24993,7 +25325,12 @@
             <p:ph type="title"/>
           </p:nvPr>
         </p:nvSpPr>
-        <p:spPr/>
+        <p:spPr>
+          <a:xfrm>
+            <a:off x="612648" y="356616"/>
+            <a:ext cx="8153400" cy="742950"/>
+          </a:xfrm>
+        </p:spPr>
         <p:txBody>
           <a:bodyPr>
             <a:normAutofit fontScale="90000"/>
@@ -25016,22 +25353,15 @@
           <p:nvPr/>
         </p:nvPicPr>
         <p:blipFill>
-          <a:blip r:embed="rId2">
-            <a:extLst>
-              <a:ext uri="{28A0092B-C50C-407E-A947-70E740481C1C}">
-                <a14:useLocalDpi xmlns:a14="http://schemas.microsoft.com/office/drawing/2010/main" val="0"/>
-              </a:ext>
-            </a:extLst>
-          </a:blip>
-          <a:srcRect/>
+          <a:blip r:embed="rId3"/>
           <a:stretch>
             <a:fillRect/>
           </a:stretch>
         </p:blipFill>
         <p:spPr bwMode="auto">
           <a:xfrm>
-            <a:off x="612233" y="1254598"/>
-            <a:ext cx="8429625" cy="3159125"/>
+            <a:off x="609600" y="1525332"/>
+            <a:ext cx="8156448" cy="2888138"/>
           </a:xfrm>
           <a:prstGeom prst="rect">
             <a:avLst/>
@@ -25043,14 +25373,14 @@
           <a:effectLst/>
           <a:extLst>
             <a:ext uri="{909E8E84-426E-40dd-AFC4-6F175D3DCCD1}">
-              <a14:hiddenFill xmlns:a14="http://schemas.microsoft.com/office/drawing/2010/main" xmlns="">
+              <a14:hiddenFill xmlns="" xmlns:a14="http://schemas.microsoft.com/office/drawing/2010/main">
                 <a:solidFill>
                   <a:schemeClr val="accent1"/>
                 </a:solidFill>
               </a14:hiddenFill>
             </a:ext>
             <a:ext uri="{91240B29-F687-4f45-9708-019B960494DF}">
-              <a14:hiddenLine xmlns:a14="http://schemas.microsoft.com/office/drawing/2010/main" xmlns="" w="9525">
+              <a14:hiddenLine xmlns="" xmlns:a14="http://schemas.microsoft.com/office/drawing/2010/main" w="9525">
                 <a:solidFill>
                   <a:schemeClr val="tx1"/>
                 </a:solidFill>
@@ -25060,7 +25390,7 @@
               </a14:hiddenLine>
             </a:ext>
             <a:ext uri="{AF507438-7753-43e0-B8FC-AC1667EBCBE1}">
-              <a14:hiddenEffects xmlns:a14="http://schemas.microsoft.com/office/drawing/2010/main" xmlns="">
+              <a14:hiddenEffects xmlns="" xmlns:a14="http://schemas.microsoft.com/office/drawing/2010/main">
                 <a:effectLst>
                   <a:outerShdw dist="35921" dir="2700000" algn="ctr" rotWithShape="0">
                     <a:schemeClr val="bg2"/>
@@ -25084,7 +25414,7 @@
 </p:sld>
 </file>
 
-<file path=ppt/slides/slide27.xml><?xml version="1.0" encoding="utf-8"?>
+<file path=ppt/slides/slide28.xml><?xml version="1.0" encoding="utf-8"?>
 <p:sld xmlns:a="http://schemas.openxmlformats.org/drawingml/2006/main" xmlns:r="http://schemas.openxmlformats.org/officeDocument/2006/relationships" xmlns:p="http://schemas.openxmlformats.org/presentationml/2006/main">
   <p:cSld>
     <p:spTree>
@@ -25154,8 +25484,8 @@
         </p:blipFill>
         <p:spPr>
           <a:xfrm>
-            <a:off x="1148271" y="1200150"/>
-            <a:ext cx="7082155" cy="3945255"/>
+            <a:off x="1148271" y="1200836"/>
+            <a:ext cx="7082155" cy="3943882"/>
           </a:xfrm>
         </p:spPr>
       </p:pic>
@@ -25172,7 +25502,7 @@
 </p:sld>
 </file>
 
-<file path=ppt/slides/slide28.xml><?xml version="1.0" encoding="utf-8"?>
+<file path=ppt/slides/slide29.xml><?xml version="1.0" encoding="utf-8"?>
 <p:sld xmlns:a="http://schemas.openxmlformats.org/drawingml/2006/main" xmlns:r="http://schemas.openxmlformats.org/officeDocument/2006/relationships" xmlns:p="http://schemas.openxmlformats.org/presentationml/2006/main">
   <p:cSld>
     <p:spTree>
@@ -25191,10 +25521,43 @@
       </p:grpSpPr>
       <p:sp>
         <p:nvSpPr>
+          <p:cNvPr id="5" name="Text Placeholder 4">
+            <a:extLst>
+              <a:ext uri="{FF2B5EF4-FFF2-40B4-BE49-F238E27FC236}">
+                <a16:creationId xmlns:a16="http://schemas.microsoft.com/office/drawing/2014/main" id="{4297ADF3-BC92-B548-B50D-6294C3AFCBC5}"/>
+              </a:ext>
+            </a:extLst>
+          </p:cNvPr>
+          <p:cNvSpPr>
+            <a:spLocks noGrp="1"/>
+          </p:cNvSpPr>
+          <p:nvPr>
+            <p:ph type="body" idx="1"/>
+          </p:nvPr>
+        </p:nvSpPr>
+        <p:spPr>
+          <a:xfrm>
+            <a:off x="1277530" y="1998125"/>
+            <a:ext cx="7123113" cy="1254919"/>
+          </a:xfrm>
+        </p:spPr>
+        <p:txBody>
+          <a:bodyPr/>
+          <a:lstStyle/>
+          <a:p>
+            <a:r>
+              <a:rPr lang="en-US" dirty="0"/>
+              <a:t> </a:t>
+            </a:r>
+          </a:p>
+        </p:txBody>
+      </p:sp>
+      <p:sp>
+        <p:nvSpPr>
           <p:cNvPr id="4" name="Title 3">
             <a:extLst>
               <a:ext uri="{FF2B5EF4-FFF2-40B4-BE49-F238E27FC236}">
-                <a16:creationId xmlns:a16="http://schemas.microsoft.com/office/drawing/2014/main" id="{2E86297E-C051-F642-8EBB-A25E2805B3E4}"/>
+                <a16:creationId xmlns:a16="http://schemas.microsoft.com/office/drawing/2014/main" id="{5AC4E82C-61B5-3F4E-B395-7FB7D51AAAA4}"/>
               </a:ext>
             </a:extLst>
           </p:cNvPr>
@@ -25207,10 +25570,70 @@
         </p:nvSpPr>
         <p:spPr>
           <a:xfrm>
-            <a:off x="533400" y="356616"/>
-            <a:ext cx="8153400" cy="652463"/>
+            <a:off x="1371600" y="1200150"/>
+            <a:ext cx="7772400" cy="742950"/>
           </a:xfrm>
         </p:spPr>
+        <p:txBody>
+          <a:bodyPr lIns="0" rIns="0">
+            <a:noAutofit/>
+          </a:bodyPr>
+          <a:lstStyle/>
+          <a:p>
+            <a:r>
+              <a:rPr lang="en-US" sz="4000" dirty="0"/>
+              <a:t>Wireframes</a:t>
+            </a:r>
+          </a:p>
+        </p:txBody>
+      </p:sp>
+    </p:spTree>
+    <p:extLst>
+      <p:ext uri="{BB962C8B-B14F-4D97-AF65-F5344CB8AC3E}">
+        <p14:creationId xmlns:p14="http://schemas.microsoft.com/office/powerpoint/2010/main" val="215999996"/>
+      </p:ext>
+    </p:extLst>
+  </p:cSld>
+  <p:clrMapOvr>
+    <a:masterClrMapping/>
+  </p:clrMapOvr>
+</p:sld>
+</file>
+
+<file path=ppt/slides/slide3.xml><?xml version="1.0" encoding="utf-8"?>
+<p:sld xmlns:a="http://schemas.openxmlformats.org/drawingml/2006/main" xmlns:r="http://schemas.openxmlformats.org/officeDocument/2006/relationships" xmlns:p="http://schemas.openxmlformats.org/presentationml/2006/main" show="0">
+  <p:cSld>
+    <p:spTree>
+      <p:nvGrpSpPr>
+        <p:cNvPr id="1" name=""/>
+        <p:cNvGrpSpPr/>
+        <p:nvPr/>
+      </p:nvGrpSpPr>
+      <p:grpSpPr>
+        <a:xfrm>
+          <a:off x="0" y="0"/>
+          <a:ext cx="0" cy="0"/>
+          <a:chOff x="0" y="0"/>
+          <a:chExt cx="0" cy="0"/>
+        </a:xfrm>
+      </p:grpSpPr>
+      <p:sp>
+        <p:nvSpPr>
+          <p:cNvPr id="2" name="Title 1">
+            <a:extLst>
+              <a:ext uri="{FF2B5EF4-FFF2-40B4-BE49-F238E27FC236}">
+                <a16:creationId xmlns:a16="http://schemas.microsoft.com/office/drawing/2014/main" id="{F3EC393F-6B89-E348-AEDB-92836FCF027A}"/>
+              </a:ext>
+            </a:extLst>
+          </p:cNvPr>
+          <p:cNvSpPr>
+            <a:spLocks noGrp="1"/>
+          </p:cNvSpPr>
+          <p:nvPr>
+            <p:ph type="title"/>
+          </p:nvPr>
+        </p:nvSpPr>
+        <p:spPr/>
         <p:txBody>
           <a:bodyPr>
             <a:normAutofit fontScale="90000"/>
@@ -25219,11 +25642,206 @@
           <a:p>
             <a:r>
               <a:rPr lang="en-US" dirty="0"/>
-              <a:t>Wireframes</a:t>
+              <a:t>Zac Feedback</a:t>
             </a:r>
           </a:p>
         </p:txBody>
       </p:sp>
+      <p:sp>
+        <p:nvSpPr>
+          <p:cNvPr id="3" name="Text Placeholder 2">
+            <a:extLst>
+              <a:ext uri="{FF2B5EF4-FFF2-40B4-BE49-F238E27FC236}">
+                <a16:creationId xmlns:a16="http://schemas.microsoft.com/office/drawing/2014/main" id="{DF4AB8E8-02BD-A945-8C04-5D3051132811}"/>
+              </a:ext>
+            </a:extLst>
+          </p:cNvPr>
+          <p:cNvSpPr>
+            <a:spLocks noGrp="1"/>
+          </p:cNvSpPr>
+          <p:nvPr>
+            <p:ph type="body" idx="2"/>
+          </p:nvPr>
+        </p:nvSpPr>
+        <p:spPr/>
+        <p:txBody>
+          <a:bodyPr/>
+          <a:lstStyle/>
+          <a:p>
+            <a:r>
+              <a:rPr lang="en-US" dirty="0"/>
+              <a:t>Week 2</a:t>
+            </a:r>
+          </a:p>
+        </p:txBody>
+      </p:sp>
+      <p:sp>
+        <p:nvSpPr>
+          <p:cNvPr id="4" name="Content Placeholder 3">
+            <a:extLst>
+              <a:ext uri="{FF2B5EF4-FFF2-40B4-BE49-F238E27FC236}">
+                <a16:creationId xmlns:a16="http://schemas.microsoft.com/office/drawing/2014/main" id="{930750C0-1AB0-A249-8406-C8FCFB802CF6}"/>
+              </a:ext>
+            </a:extLst>
+          </p:cNvPr>
+          <p:cNvSpPr>
+            <a:spLocks noGrp="1"/>
+          </p:cNvSpPr>
+          <p:nvPr>
+            <p:ph sz="quarter" idx="1"/>
+          </p:nvPr>
+        </p:nvSpPr>
+        <p:spPr/>
+        <p:txBody>
+          <a:bodyPr>
+            <a:normAutofit lnSpcReduction="10000"/>
+          </a:bodyPr>
+          <a:lstStyle/>
+          <a:p>
+            <a:pPr marL="0" indent="0">
+              <a:buNone/>
+            </a:pPr>
+            <a:r>
+              <a:rPr lang="en-US" altLang="ja-JP" sz="1600" b="1" dirty="0">
+                <a:latin typeface="Times New Roman" panose="02020603050405020304" pitchFamily="18" charset="0"/>
+              </a:rPr>
+              <a:t>Observations:</a:t>
+            </a:r>
+          </a:p>
+          <a:p>
+            <a:pPr marL="0" indent="0">
+              <a:buNone/>
+            </a:pPr>
+            <a:r>
+              <a:rPr lang="en-US" altLang="ja-JP" sz="1200" dirty="0">
+                <a:latin typeface="Times New Roman" panose="02020603050405020304" pitchFamily="18" charset="0"/>
+              </a:rPr>
+              <a:t>Great work this module. It looks like your team is really hitting it’s stride, and producing some great stuff. Your persona deliverable is excellent – I get a great sense of the potential users of the system, and their potential needs and desires. Your summary </a:t>
+            </a:r>
+            <a:r>
+              <a:rPr lang="en-US" altLang="ja-JP" sz="1200" dirty="0" err="1">
+                <a:latin typeface="Times New Roman" panose="02020603050405020304" pitchFamily="18" charset="0"/>
+              </a:rPr>
+              <a:t>powerpoint</a:t>
+            </a:r>
+            <a:r>
+              <a:rPr lang="en-US" altLang="ja-JP" sz="1200" dirty="0">
+                <a:latin typeface="Times New Roman" panose="02020603050405020304" pitchFamily="18" charset="0"/>
+              </a:rPr>
+              <a:t> continues to be excellent – very well organized and presented; nice and polished – keep up the amazing work there!</a:t>
+            </a:r>
+            <a:endParaRPr lang="en-US" altLang="ja-JP" sz="1600" b="1" dirty="0">
+              <a:latin typeface="Times New Roman" panose="02020603050405020304" pitchFamily="18" charset="0"/>
+            </a:endParaRPr>
+          </a:p>
+          <a:p>
+            <a:pPr marL="0" indent="0">
+              <a:buNone/>
+            </a:pPr>
+            <a:r>
+              <a:rPr lang="en-US" altLang="ja-JP" sz="1600" b="1" dirty="0">
+                <a:latin typeface="Times New Roman" panose="02020603050405020304" pitchFamily="18" charset="0"/>
+              </a:rPr>
+              <a:t>Insights:</a:t>
+            </a:r>
+          </a:p>
+          <a:p>
+            <a:pPr marL="0" indent="0">
+              <a:buNone/>
+            </a:pPr>
+            <a:r>
+              <a:rPr lang="en-US" altLang="ja-JP" sz="1200" dirty="0">
+                <a:latin typeface="Times New Roman" panose="02020603050405020304" pitchFamily="18" charset="0"/>
+              </a:rPr>
+              <a:t>I continue to be impressed with the level of organization of this team. The work I see in Pivotal, and the communication I see in slack shows that thought and care is being taken – so continue that trend and you will have great success. I am really impressed with the level of collaboration and communication that this team displays – it will certainly aid you in the end, and your project will reflect the quality of your collaboration. If I had anything to tweak/suggest for improvement, it might be this; I hope by now that some coding has started (judging from your milestones, it appears it has already had some great progress). To that end – it would be nice if you could please provide access to the code repository you are using (</a:t>
+            </a:r>
+            <a:r>
+              <a:rPr lang="en-US" altLang="ja-JP" sz="1200" dirty="0" err="1">
+                <a:latin typeface="Times New Roman" panose="02020603050405020304" pitchFamily="18" charset="0"/>
+              </a:rPr>
+              <a:t>github</a:t>
+            </a:r>
+            <a:r>
+              <a:rPr lang="en-US" altLang="ja-JP" sz="1200" dirty="0">
+                <a:latin typeface="Times New Roman" panose="02020603050405020304" pitchFamily="18" charset="0"/>
+              </a:rPr>
+              <a:t>, </a:t>
+            </a:r>
+            <a:r>
+              <a:rPr lang="en-US" altLang="ja-JP" sz="1200" dirty="0" err="1">
+                <a:latin typeface="Times New Roman" panose="02020603050405020304" pitchFamily="18" charset="0"/>
+              </a:rPr>
+              <a:t>etc</a:t>
+            </a:r>
+            <a:r>
+              <a:rPr lang="en-US" altLang="ja-JP" sz="1200" dirty="0">
+                <a:latin typeface="Times New Roman" panose="02020603050405020304" pitchFamily="18" charset="0"/>
+              </a:rPr>
+              <a:t>). Since this is not a programming course, we will not be judging the code itself, but more of the process that you are using to develop (branching strategies, code reviews, </a:t>
+            </a:r>
+            <a:r>
+              <a:rPr lang="en-US" altLang="ja-JP" sz="1200" dirty="0" err="1">
+                <a:latin typeface="Times New Roman" panose="02020603050405020304" pitchFamily="18" charset="0"/>
+              </a:rPr>
+              <a:t>etc</a:t>
+            </a:r>
+            <a:r>
+              <a:rPr lang="en-US" altLang="ja-JP" sz="1200" dirty="0">
+                <a:latin typeface="Times New Roman" panose="02020603050405020304" pitchFamily="18" charset="0"/>
+              </a:rPr>
+              <a:t>). </a:t>
+            </a:r>
+            <a:r>
+              <a:rPr lang="en-US" altLang="ja-JP" sz="1200" dirty="0" err="1">
+                <a:latin typeface="Times New Roman" panose="02020603050405020304" pitchFamily="18" charset="0"/>
+              </a:rPr>
+              <a:t>Github</a:t>
+            </a:r>
+            <a:r>
+              <a:rPr lang="en-US" altLang="ja-JP" sz="1200" dirty="0">
+                <a:latin typeface="Times New Roman" panose="02020603050405020304" pitchFamily="18" charset="0"/>
+              </a:rPr>
+              <a:t>, and other public repositories really help demonstrate those things, so any insight into your repo would be much appreciated.</a:t>
+            </a:r>
+          </a:p>
+          <a:p>
+            <a:pPr marL="0" indent="0">
+              <a:buNone/>
+            </a:pPr>
+            <a:endParaRPr lang="en-US" sz="1050" dirty="0"/>
+          </a:p>
+        </p:txBody>
+      </p:sp>
+    </p:spTree>
+    <p:extLst>
+      <p:ext uri="{BB962C8B-B14F-4D97-AF65-F5344CB8AC3E}">
+        <p14:creationId xmlns:p14="http://schemas.microsoft.com/office/powerpoint/2010/main" val="300110549"/>
+      </p:ext>
+    </p:extLst>
+  </p:cSld>
+  <p:clrMapOvr>
+    <a:masterClrMapping/>
+  </p:clrMapOvr>
+</p:sld>
+</file>
+
+<file path=ppt/slides/slide30.xml><?xml version="1.0" encoding="utf-8"?>
+<p:sld xmlns:a="http://schemas.openxmlformats.org/drawingml/2006/main" xmlns:r="http://schemas.openxmlformats.org/officeDocument/2006/relationships" xmlns:p="http://schemas.openxmlformats.org/presentationml/2006/main">
+  <p:cSld>
+    <p:spTree>
+      <p:nvGrpSpPr>
+        <p:cNvPr id="1" name=""/>
+        <p:cNvGrpSpPr/>
+        <p:nvPr/>
+      </p:nvGrpSpPr>
+      <p:grpSpPr>
+        <a:xfrm>
+          <a:off x="0" y="0"/>
+          <a:ext cx="0" cy="0"/>
+          <a:chOff x="0" y="0"/>
+          <a:chExt cx="0" cy="0"/>
+        </a:xfrm>
+      </p:grpSpPr>
       <p:pic>
         <p:nvPicPr>
           <p:cNvPr id="29" name="Content Placeholder 28">
@@ -25588,10 +26206,40 @@
           </a:p>
         </p:txBody>
       </p:sp>
+      <p:sp>
+        <p:nvSpPr>
+          <p:cNvPr id="3" name="Title 2">
+            <a:extLst>
+              <a:ext uri="{FF2B5EF4-FFF2-40B4-BE49-F238E27FC236}">
+                <a16:creationId xmlns:a16="http://schemas.microsoft.com/office/drawing/2014/main" id="{DA709914-219D-164A-8DCB-8E4BA0D708D6}"/>
+              </a:ext>
+            </a:extLst>
+          </p:cNvPr>
+          <p:cNvSpPr>
+            <a:spLocks noGrp="1"/>
+          </p:cNvSpPr>
+          <p:nvPr>
+            <p:ph type="title"/>
+          </p:nvPr>
+        </p:nvSpPr>
+        <p:spPr/>
+        <p:txBody>
+          <a:bodyPr>
+            <a:normAutofit fontScale="90000"/>
+          </a:bodyPr>
+          <a:lstStyle/>
+          <a:p>
+            <a:r>
+              <a:rPr lang="en-US" dirty="0"/>
+              <a:t>Register &amp; Login</a:t>
+            </a:r>
+          </a:p>
+        </p:txBody>
+      </p:sp>
     </p:spTree>
     <p:extLst>
       <p:ext uri="{BB962C8B-B14F-4D97-AF65-F5344CB8AC3E}">
-        <p14:creationId xmlns:p14="http://schemas.microsoft.com/office/powerpoint/2010/main" val="1339772598"/>
+        <p14:creationId xmlns:p14="http://schemas.microsoft.com/office/powerpoint/2010/main" val="2823581102"/>
       </p:ext>
     </p:extLst>
   </p:cSld>
@@ -25601,7 +26249,7 @@
 </p:sld>
 </file>
 
-<file path=ppt/slides/slide29.xml><?xml version="1.0" encoding="utf-8"?>
+<file path=ppt/slides/slide31.xml><?xml version="1.0" encoding="utf-8"?>
 <p:sld xmlns:a="http://schemas.openxmlformats.org/drawingml/2006/main" xmlns:r="http://schemas.openxmlformats.org/officeDocument/2006/relationships" xmlns:p="http://schemas.openxmlformats.org/presentationml/2006/main">
   <p:cSld>
     <p:spTree>
@@ -25642,8 +26290,8 @@
         </p:blipFill>
         <p:spPr>
           <a:xfrm>
-            <a:off x="861870" y="1828799"/>
-            <a:ext cx="1600200" cy="3281679"/>
+            <a:off x="609600" y="1828800"/>
+            <a:ext cx="2104739" cy="2686049"/>
           </a:xfrm>
         </p:spPr>
       </p:pic>
@@ -25671,46 +26319,11 @@
         </p:blipFill>
         <p:spPr>
           <a:xfrm>
-            <a:off x="3810000" y="1828799"/>
-            <a:ext cx="1600200" cy="3281679"/>
+            <a:off x="3557730" y="1828800"/>
+            <a:ext cx="2104739" cy="2686049"/>
           </a:xfrm>
         </p:spPr>
       </p:pic>
-      <p:sp>
-        <p:nvSpPr>
-          <p:cNvPr id="4" name="Title 3">
-            <a:extLst>
-              <a:ext uri="{FF2B5EF4-FFF2-40B4-BE49-F238E27FC236}">
-                <a16:creationId xmlns:a16="http://schemas.microsoft.com/office/drawing/2014/main" id="{2E86297E-C051-F642-8EBB-A25E2805B3E4}"/>
-              </a:ext>
-            </a:extLst>
-          </p:cNvPr>
-          <p:cNvSpPr>
-            <a:spLocks noGrp="1"/>
-          </p:cNvSpPr>
-          <p:nvPr>
-            <p:ph type="title"/>
-          </p:nvPr>
-        </p:nvSpPr>
-        <p:spPr>
-          <a:xfrm>
-            <a:off x="533400" y="356616"/>
-            <a:ext cx="8153400" cy="652463"/>
-          </a:xfrm>
-        </p:spPr>
-        <p:txBody>
-          <a:bodyPr>
-            <a:normAutofit fontScale="90000"/>
-          </a:bodyPr>
-          <a:lstStyle/>
-          <a:p>
-            <a:r>
-              <a:rPr lang="en-US" dirty="0"/>
-              <a:t>Wireframes</a:t>
-            </a:r>
-          </a:p>
-        </p:txBody>
-      </p:sp>
       <p:sp>
         <p:nvSpPr>
           <p:cNvPr id="24" name="Text Placeholder 23">
@@ -25801,8 +26414,8 @@
         </p:blipFill>
         <p:spPr>
           <a:xfrm>
-            <a:off x="6834330" y="1828799"/>
-            <a:ext cx="1600200" cy="3281679"/>
+            <a:off x="6582060" y="1828801"/>
+            <a:ext cx="2104739" cy="2686047"/>
           </a:xfrm>
           <a:prstGeom prst="rect">
             <a:avLst/>
@@ -26012,47 +26625,17 @@
             <a:pPr algn="ctr" defTabSz="914400"/>
             <a:r>
               <a:rPr lang="en-US" dirty="0"/>
-              <a:t>Capture Stats</a:t>
+              <a:t>Capture Stats </a:t>
             </a:r>
           </a:p>
         </p:txBody>
       </p:sp>
-    </p:spTree>
-    <p:extLst>
-      <p:ext uri="{BB962C8B-B14F-4D97-AF65-F5344CB8AC3E}">
-        <p14:creationId xmlns:p14="http://schemas.microsoft.com/office/powerpoint/2010/main" val="2413044311"/>
-      </p:ext>
-    </p:extLst>
-  </p:cSld>
-  <p:clrMapOvr>
-    <a:masterClrMapping/>
-  </p:clrMapOvr>
-</p:sld>
-</file>
-
-<file path=ppt/slides/slide3.xml><?xml version="1.0" encoding="utf-8"?>
-<p:sld xmlns:a="http://schemas.openxmlformats.org/drawingml/2006/main" xmlns:r="http://schemas.openxmlformats.org/officeDocument/2006/relationships" xmlns:p="http://schemas.openxmlformats.org/presentationml/2006/main">
-  <p:cSld>
-    <p:spTree>
-      <p:nvGrpSpPr>
-        <p:cNvPr id="1" name=""/>
-        <p:cNvGrpSpPr/>
-        <p:nvPr/>
-      </p:nvGrpSpPr>
-      <p:grpSpPr>
-        <a:xfrm>
-          <a:off x="0" y="0"/>
-          <a:ext cx="0" cy="0"/>
-          <a:chOff x="0" y="0"/>
-          <a:chExt cx="0" cy="0"/>
-        </a:xfrm>
-      </p:grpSpPr>
       <p:sp>
         <p:nvSpPr>
-          <p:cNvPr id="2" name="Title 1">
+          <p:cNvPr id="11" name="Title 3">
             <a:extLst>
               <a:ext uri="{FF2B5EF4-FFF2-40B4-BE49-F238E27FC236}">
-                <a16:creationId xmlns:a16="http://schemas.microsoft.com/office/drawing/2014/main" id="{F3EC393F-6B89-E348-AEDB-92836FCF027A}"/>
+                <a16:creationId xmlns:a16="http://schemas.microsoft.com/office/drawing/2014/main" id="{1B7C1956-D8F0-E146-AB20-C66E3C0F98DC}"/>
               </a:ext>
             </a:extLst>
           </p:cNvPr>
@@ -26072,180 +26655,15 @@
           <a:p>
             <a:r>
               <a:rPr lang="en-US" dirty="0"/>
-              <a:t>Zac Feedback</a:t>
+              <a:t>Capture Measurements</a:t>
             </a:r>
-          </a:p>
-        </p:txBody>
-      </p:sp>
-      <p:sp>
-        <p:nvSpPr>
-          <p:cNvPr id="3" name="Text Placeholder 2">
-            <a:extLst>
-              <a:ext uri="{FF2B5EF4-FFF2-40B4-BE49-F238E27FC236}">
-                <a16:creationId xmlns:a16="http://schemas.microsoft.com/office/drawing/2014/main" id="{DF4AB8E8-02BD-A945-8C04-5D3051132811}"/>
-              </a:ext>
-            </a:extLst>
-          </p:cNvPr>
-          <p:cNvSpPr>
-            <a:spLocks noGrp="1"/>
-          </p:cNvSpPr>
-          <p:nvPr>
-            <p:ph type="body" idx="2"/>
-          </p:nvPr>
-        </p:nvSpPr>
-        <p:spPr/>
-        <p:txBody>
-          <a:bodyPr/>
-          <a:lstStyle/>
-          <a:p>
-            <a:r>
-              <a:rPr lang="en-US" dirty="0"/>
-              <a:t>Week 2</a:t>
-            </a:r>
-          </a:p>
-        </p:txBody>
-      </p:sp>
-      <p:sp>
-        <p:nvSpPr>
-          <p:cNvPr id="4" name="Content Placeholder 3">
-            <a:extLst>
-              <a:ext uri="{FF2B5EF4-FFF2-40B4-BE49-F238E27FC236}">
-                <a16:creationId xmlns:a16="http://schemas.microsoft.com/office/drawing/2014/main" id="{930750C0-1AB0-A249-8406-C8FCFB802CF6}"/>
-              </a:ext>
-            </a:extLst>
-          </p:cNvPr>
-          <p:cNvSpPr>
-            <a:spLocks noGrp="1"/>
-          </p:cNvSpPr>
-          <p:nvPr>
-            <p:ph sz="quarter" idx="1"/>
-          </p:nvPr>
-        </p:nvSpPr>
-        <p:spPr/>
-        <p:txBody>
-          <a:bodyPr>
-            <a:normAutofit lnSpcReduction="10000"/>
-          </a:bodyPr>
-          <a:lstStyle/>
-          <a:p>
-            <a:pPr marL="0" indent="0">
-              <a:buNone/>
-            </a:pPr>
-            <a:r>
-              <a:rPr lang="en-US" altLang="ja-JP" sz="1600" b="1" dirty="0">
-                <a:latin typeface="Times New Roman" panose="02020603050405020304" pitchFamily="18" charset="0"/>
-              </a:rPr>
-              <a:t>Observations:</a:t>
-            </a:r>
-          </a:p>
-          <a:p>
-            <a:pPr marL="0" indent="0">
-              <a:buNone/>
-            </a:pPr>
-            <a:r>
-              <a:rPr lang="en-US" altLang="ja-JP" sz="1200" dirty="0">
-                <a:latin typeface="Times New Roman" panose="02020603050405020304" pitchFamily="18" charset="0"/>
-              </a:rPr>
-              <a:t>Great work this module. It looks like your team is really hitting it’s stride, and producing some great stuff. Your persona deliverable is excellent – I get a great sense of the potential users of the system, and their potential needs and desires. Your summary </a:t>
-            </a:r>
-            <a:r>
-              <a:rPr lang="en-US" altLang="ja-JP" sz="1200" dirty="0" err="1">
-                <a:latin typeface="Times New Roman" panose="02020603050405020304" pitchFamily="18" charset="0"/>
-              </a:rPr>
-              <a:t>powerpoint</a:t>
-            </a:r>
-            <a:r>
-              <a:rPr lang="en-US" altLang="ja-JP" sz="1200" dirty="0">
-                <a:latin typeface="Times New Roman" panose="02020603050405020304" pitchFamily="18" charset="0"/>
-              </a:rPr>
-              <a:t> continues to be excellent – very well organized and presented; nice and polished – keep up the amazing work there!</a:t>
-            </a:r>
-            <a:endParaRPr lang="en-US" altLang="ja-JP" sz="1600" b="1" dirty="0">
-              <a:latin typeface="Times New Roman" panose="02020603050405020304" pitchFamily="18" charset="0"/>
-            </a:endParaRPr>
-          </a:p>
-          <a:p>
-            <a:pPr marL="0" indent="0">
-              <a:buNone/>
-            </a:pPr>
-            <a:r>
-              <a:rPr lang="en-US" altLang="ja-JP" sz="1600" b="1" dirty="0">
-                <a:latin typeface="Times New Roman" panose="02020603050405020304" pitchFamily="18" charset="0"/>
-              </a:rPr>
-              <a:t>Insights:</a:t>
-            </a:r>
-          </a:p>
-          <a:p>
-            <a:pPr marL="0" indent="0">
-              <a:buNone/>
-            </a:pPr>
-            <a:r>
-              <a:rPr lang="en-US" altLang="ja-JP" sz="1200" dirty="0">
-                <a:latin typeface="Times New Roman" panose="02020603050405020304" pitchFamily="18" charset="0"/>
-              </a:rPr>
-              <a:t>I continue to be impressed with the level of organization of this team. The work I see in Pivotal, and the communication I see in slack shows that thought and care is being taken – so continue that trend and you will have great success. I am really impressed with the level of collaboration and communication that this team displays – it will certainly aid you in the end, and your project will reflect the quality of your collaboration. If I had anything to tweak/suggest for improvement, it might be this; I hope by now that some coding has started (judging from your milestones, it appears it has already had some great progress). To that end – it would be nice if you could please provide access to the code repository you are using (</a:t>
-            </a:r>
-            <a:r>
-              <a:rPr lang="en-US" altLang="ja-JP" sz="1200" dirty="0" err="1">
-                <a:latin typeface="Times New Roman" panose="02020603050405020304" pitchFamily="18" charset="0"/>
-              </a:rPr>
-              <a:t>github</a:t>
-            </a:r>
-            <a:r>
-              <a:rPr lang="en-US" altLang="ja-JP" sz="1200" dirty="0">
-                <a:latin typeface="Times New Roman" panose="02020603050405020304" pitchFamily="18" charset="0"/>
-              </a:rPr>
-              <a:t>, </a:t>
-            </a:r>
-            <a:r>
-              <a:rPr lang="en-US" altLang="ja-JP" sz="1200" dirty="0" err="1">
-                <a:latin typeface="Times New Roman" panose="02020603050405020304" pitchFamily="18" charset="0"/>
-              </a:rPr>
-              <a:t>etc</a:t>
-            </a:r>
-            <a:r>
-              <a:rPr lang="en-US" altLang="ja-JP" sz="1200" dirty="0">
-                <a:latin typeface="Times New Roman" panose="02020603050405020304" pitchFamily="18" charset="0"/>
-              </a:rPr>
-              <a:t>). Since this is not a programming course, we will not be judging the code itself, but more of the process that you are using to develop (branching strategies, code reviews, </a:t>
-            </a:r>
-            <a:r>
-              <a:rPr lang="en-US" altLang="ja-JP" sz="1200" dirty="0" err="1">
-                <a:latin typeface="Times New Roman" panose="02020603050405020304" pitchFamily="18" charset="0"/>
-              </a:rPr>
-              <a:t>etc</a:t>
-            </a:r>
-            <a:r>
-              <a:rPr lang="en-US" altLang="ja-JP" sz="1200" dirty="0">
-                <a:latin typeface="Times New Roman" panose="02020603050405020304" pitchFamily="18" charset="0"/>
-              </a:rPr>
-              <a:t>). </a:t>
-            </a:r>
-            <a:r>
-              <a:rPr lang="en-US" altLang="ja-JP" sz="1200" dirty="0" err="1">
-                <a:latin typeface="Times New Roman" panose="02020603050405020304" pitchFamily="18" charset="0"/>
-              </a:rPr>
-              <a:t>Github</a:t>
-            </a:r>
-            <a:r>
-              <a:rPr lang="en-US" altLang="ja-JP" sz="1200" dirty="0">
-                <a:latin typeface="Times New Roman" panose="02020603050405020304" pitchFamily="18" charset="0"/>
-              </a:rPr>
-              <a:t>, and other public repositories really help demonstrate those things, so any insight into your repo would be much appreciated.</a:t>
-            </a:r>
-          </a:p>
-          <a:p>
-            <a:pPr marL="0" indent="0">
-              <a:buNone/>
-            </a:pPr>
-            <a:endParaRPr lang="en-US" sz="1050" dirty="0"/>
           </a:p>
         </p:txBody>
       </p:sp>
     </p:spTree>
     <p:extLst>
       <p:ext uri="{BB962C8B-B14F-4D97-AF65-F5344CB8AC3E}">
-        <p14:creationId xmlns:p14="http://schemas.microsoft.com/office/powerpoint/2010/main" val="300110549"/>
+        <p14:creationId xmlns:p14="http://schemas.microsoft.com/office/powerpoint/2010/main" val="2187889416"/>
       </p:ext>
     </p:extLst>
   </p:cSld>
@@ -26255,7 +26673,7 @@
 </p:sld>
 </file>
 
-<file path=ppt/slides/slide30.xml><?xml version="1.0" encoding="utf-8"?>
+<file path=ppt/slides/slide32.xml><?xml version="1.0" encoding="utf-8"?>
 <p:sld xmlns:a="http://schemas.openxmlformats.org/drawingml/2006/main" xmlns:r="http://schemas.openxmlformats.org/officeDocument/2006/relationships" xmlns:p="http://schemas.openxmlformats.org/presentationml/2006/main">
   <p:cSld>
     <p:spTree>
@@ -26272,41 +26690,6 @@
           <a:chExt cx="0" cy="0"/>
         </a:xfrm>
       </p:grpSpPr>
-      <p:sp>
-        <p:nvSpPr>
-          <p:cNvPr id="4" name="Title 3">
-            <a:extLst>
-              <a:ext uri="{FF2B5EF4-FFF2-40B4-BE49-F238E27FC236}">
-                <a16:creationId xmlns:a16="http://schemas.microsoft.com/office/drawing/2014/main" id="{2E86297E-C051-F642-8EBB-A25E2805B3E4}"/>
-              </a:ext>
-            </a:extLst>
-          </p:cNvPr>
-          <p:cNvSpPr>
-            <a:spLocks noGrp="1"/>
-          </p:cNvSpPr>
-          <p:nvPr>
-            <p:ph type="title"/>
-          </p:nvPr>
-        </p:nvSpPr>
-        <p:spPr>
-          <a:xfrm>
-            <a:off x="533400" y="356616"/>
-            <a:ext cx="8153400" cy="652463"/>
-          </a:xfrm>
-        </p:spPr>
-        <p:txBody>
-          <a:bodyPr>
-            <a:normAutofit fontScale="90000"/>
-          </a:bodyPr>
-          <a:lstStyle/>
-          <a:p>
-            <a:r>
-              <a:rPr lang="en-US" dirty="0"/>
-              <a:t>Wireframes</a:t>
-            </a:r>
-          </a:p>
-        </p:txBody>
-      </p:sp>
       <p:pic>
         <p:nvPicPr>
           <p:cNvPr id="29" name="Content Placeholder 28">
@@ -26331,8 +26714,8 @@
         </p:blipFill>
         <p:spPr>
           <a:xfrm>
-            <a:off x="3810000" y="1828800"/>
-            <a:ext cx="1600200" cy="3281679"/>
+            <a:off x="609600" y="1828800"/>
+            <a:ext cx="2104739" cy="2686049"/>
           </a:xfrm>
         </p:spPr>
       </p:pic>
@@ -26360,8 +26743,8 @@
         </p:blipFill>
         <p:spPr>
           <a:xfrm>
-            <a:off x="861870" y="1828799"/>
-            <a:ext cx="1600200" cy="3281679"/>
+            <a:off x="3557730" y="1828800"/>
+            <a:ext cx="2104739" cy="2686049"/>
           </a:xfrm>
         </p:spPr>
       </p:pic>
@@ -26455,8 +26838,8 @@
         </p:blipFill>
         <p:spPr>
           <a:xfrm>
-            <a:off x="6834330" y="1828800"/>
-            <a:ext cx="1600200" cy="3281679"/>
+            <a:off x="6582060" y="1828801"/>
+            <a:ext cx="2104739" cy="2686047"/>
           </a:xfrm>
           <a:prstGeom prst="rect">
             <a:avLst/>
@@ -26671,10 +27054,40 @@
           </a:p>
         </p:txBody>
       </p:sp>
+      <p:sp>
+        <p:nvSpPr>
+          <p:cNvPr id="3" name="Title 2">
+            <a:extLst>
+              <a:ext uri="{FF2B5EF4-FFF2-40B4-BE49-F238E27FC236}">
+                <a16:creationId xmlns:a16="http://schemas.microsoft.com/office/drawing/2014/main" id="{6CA6599D-CD76-324B-9B18-4C49C249CBEC}"/>
+              </a:ext>
+            </a:extLst>
+          </p:cNvPr>
+          <p:cNvSpPr>
+            <a:spLocks noGrp="1"/>
+          </p:cNvSpPr>
+          <p:nvPr>
+            <p:ph type="title"/>
+          </p:nvPr>
+        </p:nvSpPr>
+        <p:spPr/>
+        <p:txBody>
+          <a:bodyPr>
+            <a:normAutofit fontScale="90000"/>
+          </a:bodyPr>
+          <a:lstStyle/>
+          <a:p>
+            <a:r>
+              <a:rPr lang="en-US" dirty="0"/>
+              <a:t>Design Workout &amp; Track Food</a:t>
+            </a:r>
+          </a:p>
+        </p:txBody>
+      </p:sp>
     </p:spTree>
     <p:extLst>
       <p:ext uri="{BB962C8B-B14F-4D97-AF65-F5344CB8AC3E}">
-        <p14:creationId xmlns:p14="http://schemas.microsoft.com/office/powerpoint/2010/main" val="4118023652"/>
+        <p14:creationId xmlns:p14="http://schemas.microsoft.com/office/powerpoint/2010/main" val="2259443144"/>
       </p:ext>
     </p:extLst>
   </p:cSld>
@@ -26684,7 +27097,7 @@
 </p:sld>
 </file>
 
-<file path=ppt/slides/slide31.xml><?xml version="1.0" encoding="utf-8"?>
+<file path=ppt/slides/slide33.xml><?xml version="1.0" encoding="utf-8"?>
 <p:sld xmlns:a="http://schemas.openxmlformats.org/drawingml/2006/main" xmlns:r="http://schemas.openxmlformats.org/officeDocument/2006/relationships" xmlns:p="http://schemas.openxmlformats.org/presentationml/2006/main">
   <p:cSld>
     <p:spTree>
@@ -26772,7 +27185,7 @@
 </p:sld>
 </file>
 
-<file path=ppt/slides/slide32.xml><?xml version="1.0" encoding="utf-8"?>
+<file path=ppt/slides/slide34.xml><?xml version="1.0" encoding="utf-8"?>
 <p:sld xmlns:a="http://schemas.openxmlformats.org/drawingml/2006/main" xmlns:r="http://schemas.openxmlformats.org/officeDocument/2006/relationships" xmlns:p="http://schemas.openxmlformats.org/presentationml/2006/main">
   <p:cSld>
     <p:spTree>
@@ -26979,7 +27392,7 @@
 </p:sld>
 </file>
 
-<file path=ppt/slides/slide33.xml><?xml version="1.0" encoding="utf-8"?>
+<file path=ppt/slides/slide35.xml><?xml version="1.0" encoding="utf-8"?>
 <p:sld xmlns:a="http://schemas.openxmlformats.org/drawingml/2006/main" xmlns:r="http://schemas.openxmlformats.org/officeDocument/2006/relationships" xmlns:p="http://schemas.openxmlformats.org/presentationml/2006/main">
   <p:cSld>
     <p:spTree>
@@ -27064,7 +27477,7 @@
 </p:sld>
 </file>
 
-<file path=ppt/slides/slide34.xml><?xml version="1.0" encoding="utf-8"?>
+<file path=ppt/slides/slide36.xml><?xml version="1.0" encoding="utf-8"?>
 <p:sld xmlns:a="http://schemas.openxmlformats.org/drawingml/2006/main" xmlns:r="http://schemas.openxmlformats.org/officeDocument/2006/relationships" xmlns:p="http://schemas.openxmlformats.org/presentationml/2006/main">
   <p:cSld>
     <p:spTree>
@@ -27149,7 +27562,7 @@
 </p:sld>
 </file>
 
-<file path=ppt/slides/slide35.xml><?xml version="1.0" encoding="utf-8"?>
+<file path=ppt/slides/slide37.xml><?xml version="1.0" encoding="utf-8"?>
 <p:sld xmlns:a="http://schemas.openxmlformats.org/drawingml/2006/main" xmlns:r="http://schemas.openxmlformats.org/officeDocument/2006/relationships" xmlns:p="http://schemas.openxmlformats.org/presentationml/2006/main">
   <p:cSld>
     <p:spTree>
@@ -27237,7 +27650,7 @@
 </p:sld>
 </file>
 
-<file path=ppt/slides/slide36.xml><?xml version="1.0" encoding="utf-8"?>
+<file path=ppt/slides/slide38.xml><?xml version="1.0" encoding="utf-8"?>
 <p:sld xmlns:a="http://schemas.openxmlformats.org/drawingml/2006/main" xmlns:r="http://schemas.openxmlformats.org/officeDocument/2006/relationships" xmlns:p="http://schemas.openxmlformats.org/presentationml/2006/main">
   <p:cSld>
     <p:spTree>
@@ -27347,7 +27760,7 @@
 </p:sld>
 </file>
 
-<file path=ppt/slides/slide37.xml><?xml version="1.0" encoding="utf-8"?>
+<file path=ppt/slides/slide39.xml><?xml version="1.0" encoding="utf-8"?>
 <p:sld xmlns:a="http://schemas.openxmlformats.org/drawingml/2006/main" xmlns:r="http://schemas.openxmlformats.org/officeDocument/2006/relationships" xmlns:p="http://schemas.openxmlformats.org/presentationml/2006/main">
   <p:cSld>
     <p:spTree>
@@ -27435,7 +27848,171 @@
 </p:sld>
 </file>
 
-<file path=ppt/slides/slide38.xml><?xml version="1.0" encoding="utf-8"?>
+<file path=ppt/slides/slide4.xml><?xml version="1.0" encoding="utf-8"?>
+<p:sld xmlns:a="http://schemas.openxmlformats.org/drawingml/2006/main" xmlns:r="http://schemas.openxmlformats.org/officeDocument/2006/relationships" xmlns:p="http://schemas.openxmlformats.org/presentationml/2006/main" show="0">
+  <p:cSld>
+    <p:spTree>
+      <p:nvGrpSpPr>
+        <p:cNvPr id="1" name=""/>
+        <p:cNvGrpSpPr/>
+        <p:nvPr/>
+      </p:nvGrpSpPr>
+      <p:grpSpPr>
+        <a:xfrm>
+          <a:off x="0" y="0"/>
+          <a:ext cx="0" cy="0"/>
+          <a:chOff x="0" y="0"/>
+          <a:chExt cx="0" cy="0"/>
+        </a:xfrm>
+      </p:grpSpPr>
+      <p:sp>
+        <p:nvSpPr>
+          <p:cNvPr id="2" name="Title 1">
+            <a:extLst>
+              <a:ext uri="{FF2B5EF4-FFF2-40B4-BE49-F238E27FC236}">
+                <a16:creationId xmlns:a16="http://schemas.microsoft.com/office/drawing/2014/main" id="{F3EC393F-6B89-E348-AEDB-92836FCF027A}"/>
+              </a:ext>
+            </a:extLst>
+          </p:cNvPr>
+          <p:cNvSpPr>
+            <a:spLocks noGrp="1"/>
+          </p:cNvSpPr>
+          <p:nvPr>
+            <p:ph type="title"/>
+          </p:nvPr>
+        </p:nvSpPr>
+        <p:spPr/>
+        <p:txBody>
+          <a:bodyPr>
+            <a:normAutofit fontScale="90000"/>
+          </a:bodyPr>
+          <a:lstStyle/>
+          <a:p>
+            <a:r>
+              <a:rPr lang="en-US" dirty="0"/>
+              <a:t>Zac Feedback</a:t>
+            </a:r>
+          </a:p>
+        </p:txBody>
+      </p:sp>
+      <p:sp>
+        <p:nvSpPr>
+          <p:cNvPr id="3" name="Text Placeholder 2">
+            <a:extLst>
+              <a:ext uri="{FF2B5EF4-FFF2-40B4-BE49-F238E27FC236}">
+                <a16:creationId xmlns:a16="http://schemas.microsoft.com/office/drawing/2014/main" id="{DF4AB8E8-02BD-A945-8C04-5D3051132811}"/>
+              </a:ext>
+            </a:extLst>
+          </p:cNvPr>
+          <p:cNvSpPr>
+            <a:spLocks noGrp="1"/>
+          </p:cNvSpPr>
+          <p:nvPr>
+            <p:ph type="body" idx="2"/>
+          </p:nvPr>
+        </p:nvSpPr>
+        <p:spPr/>
+        <p:txBody>
+          <a:bodyPr/>
+          <a:lstStyle/>
+          <a:p>
+            <a:r>
+              <a:rPr lang="en-US" dirty="0"/>
+              <a:t>Week 3</a:t>
+            </a:r>
+          </a:p>
+        </p:txBody>
+      </p:sp>
+      <p:sp>
+        <p:nvSpPr>
+          <p:cNvPr id="4" name="Content Placeholder 3">
+            <a:extLst>
+              <a:ext uri="{FF2B5EF4-FFF2-40B4-BE49-F238E27FC236}">
+                <a16:creationId xmlns:a16="http://schemas.microsoft.com/office/drawing/2014/main" id="{930750C0-1AB0-A249-8406-C8FCFB802CF6}"/>
+              </a:ext>
+            </a:extLst>
+          </p:cNvPr>
+          <p:cNvSpPr>
+            <a:spLocks noGrp="1"/>
+          </p:cNvSpPr>
+          <p:nvPr>
+            <p:ph sz="quarter" idx="1"/>
+          </p:nvPr>
+        </p:nvSpPr>
+        <p:spPr>
+          <a:xfrm>
+            <a:off x="2362200" y="1314450"/>
+            <a:ext cx="6400800" cy="3314700"/>
+          </a:xfrm>
+        </p:spPr>
+        <p:txBody>
+          <a:bodyPr>
+            <a:normAutofit fontScale="92500"/>
+          </a:bodyPr>
+          <a:lstStyle/>
+          <a:p>
+            <a:pPr marL="0" indent="0">
+              <a:buNone/>
+            </a:pPr>
+            <a:r>
+              <a:rPr lang="en-US" altLang="ja-JP" sz="1600" b="1" dirty="0">
+                <a:latin typeface="Times New Roman" panose="02020603050405020304" pitchFamily="18" charset="0"/>
+              </a:rPr>
+              <a:t>Observations:</a:t>
+            </a:r>
+          </a:p>
+          <a:p>
+            <a:pPr marL="0" indent="0">
+              <a:buNone/>
+            </a:pPr>
+            <a:r>
+              <a:rPr lang="en-US" altLang="ja-JP" sz="1200" dirty="0">
+                <a:latin typeface="Times New Roman" panose="02020603050405020304" pitchFamily="18" charset="0"/>
+              </a:rPr>
+              <a:t>Awesome stuff this week! First off, I really like the update to the persona’s page – it’s much cleaner and easier to get the full picture, great job there. For this week’s deliverables – great job on the CI list – it seems very complete and thorough. Your Estimation Record is also great – it really captures the totality of the project. As always – formatting and look/feel is spot-on. Very polished. Great job there – keep it up!</a:t>
+            </a:r>
+            <a:endParaRPr lang="en-US" altLang="ja-JP" sz="1600" b="1" dirty="0">
+              <a:latin typeface="Times New Roman" panose="02020603050405020304" pitchFamily="18" charset="0"/>
+            </a:endParaRPr>
+          </a:p>
+          <a:p>
+            <a:pPr marL="0" indent="0">
+              <a:buNone/>
+            </a:pPr>
+            <a:r>
+              <a:rPr lang="en-US" altLang="ja-JP" sz="1600" b="1" dirty="0">
+                <a:latin typeface="Times New Roman" panose="02020603050405020304" pitchFamily="18" charset="0"/>
+              </a:rPr>
+              <a:t>Insights:</a:t>
+            </a:r>
+          </a:p>
+          <a:p>
+            <a:pPr marL="0" indent="0">
+              <a:buNone/>
+            </a:pPr>
+            <a:r>
+              <a:rPr lang="en-US" altLang="ja-JP" sz="1200" dirty="0">
+                <a:latin typeface="Times New Roman" panose="02020603050405020304" pitchFamily="18" charset="0"/>
+              </a:rPr>
+              <a:t>Great job on the CI List – I like how you’ve already identified roles/responsibilities for the upcoming deliverables – shows really good organization and foresight. As for the estimation record – everything looks good. I just have one piece of feedback (and don’t worry – it was common amongst all the projects, so you’re not alone). For the Estimation item: “Implementation” – perhaps it’s a bit too high level? Trying to estimate the totality of the development work could be rather difficult to be accurate. Special tip: in next week’s module, you will be asked to provide a Component Interaction Diagram, meaning you will need to break up the development work into components. Perhaps it would be easier to estimate, and more accurate, if you were to provide estimates at the component level – so that the “Implementation” line item is broken down further. Other than that – everything is looking incredible, and I’m continually impressed with your hard work thus far. Keep it up – halfway there!</a:t>
+            </a:r>
+          </a:p>
+        </p:txBody>
+      </p:sp>
+    </p:spTree>
+    <p:extLst>
+      <p:ext uri="{BB962C8B-B14F-4D97-AF65-F5344CB8AC3E}">
+        <p14:creationId xmlns:p14="http://schemas.microsoft.com/office/powerpoint/2010/main" val="1176454950"/>
+      </p:ext>
+    </p:extLst>
+  </p:cSld>
+  <p:clrMapOvr>
+    <a:masterClrMapping/>
+  </p:clrMapOvr>
+</p:sld>
+</file>
+
+<file path=ppt/slides/slide40.xml><?xml version="1.0" encoding="utf-8"?>
 <p:sld xmlns:a="http://schemas.openxmlformats.org/drawingml/2006/main" xmlns:r="http://schemas.openxmlformats.org/officeDocument/2006/relationships" xmlns:p="http://schemas.openxmlformats.org/presentationml/2006/main">
   <p:cSld>
     <p:spTree>
@@ -27468,7 +28045,12 @@
             <p:ph type="title"/>
           </p:nvPr>
         </p:nvSpPr>
-        <p:spPr/>
+        <p:spPr>
+          <a:xfrm>
+            <a:off x="609600" y="411480"/>
+            <a:ext cx="8077200" cy="652463"/>
+          </a:xfrm>
+        </p:spPr>
         <p:txBody>
           <a:bodyPr>
             <a:normAutofit fontScale="90000"/>
@@ -27500,7 +28082,7 @@
         </p:nvSpPr>
         <p:spPr>
           <a:xfrm>
-            <a:off x="609600" y="1872000"/>
+            <a:off x="2507177" y="1317809"/>
             <a:ext cx="1600200" cy="548640"/>
           </a:xfrm>
         </p:spPr>
@@ -27519,898 +28101,15 @@
           </a:fontRef>
         </p:style>
         <p:txBody>
-          <a:bodyPr>
-            <a:normAutofit fontScale="85000" lnSpcReduction="10000"/>
+          <a:bodyPr lIns="45720" tIns="45720" rIns="45720" bIns="45720" anchor="ctr">
+            <a:normAutofit/>
           </a:bodyPr>
           <a:lstStyle/>
           <a:p>
-            <a:r>
-              <a:rPr lang="en-US" dirty="0"/>
-              <a:t>What went right</a:t>
-            </a:r>
-          </a:p>
-        </p:txBody>
-      </p:sp>
-      <p:graphicFrame>
-        <p:nvGraphicFramePr>
-          <p:cNvPr id="14" name="Content Placeholder 13">
-            <a:extLst>
-              <a:ext uri="{FF2B5EF4-FFF2-40B4-BE49-F238E27FC236}">
-                <a16:creationId xmlns:a16="http://schemas.microsoft.com/office/drawing/2014/main" id="{89FAE3D6-4EA9-7743-96BF-7BFCFCC1F1C5}"/>
-              </a:ext>
-            </a:extLst>
-          </p:cNvPr>
-          <p:cNvGraphicFramePr>
-            <a:graphicFrameLocks noGrp="1"/>
-          </p:cNvGraphicFramePr>
-          <p:nvPr>
-            <p:ph sz="quarter" idx="1"/>
-            <p:extLst>
-              <p:ext uri="{D42A27DB-BD31-4B8C-83A1-F6EECF244321}">
-                <p14:modId xmlns:p14="http://schemas.microsoft.com/office/powerpoint/2010/main" val="3883957283"/>
-              </p:ext>
-            </p:extLst>
-          </p:nvPr>
-        </p:nvGraphicFramePr>
-        <p:xfrm>
-          <a:off x="2362200" y="1316038"/>
-          <a:ext cx="6400800" cy="3166628"/>
-        </p:xfrm>
-        <a:graphic>
-          <a:graphicData uri="http://schemas.openxmlformats.org/drawingml/2006/table">
-            <a:tbl>
-              <a:tblPr firstRow="1" bandRow="1">
-                <a:tableStyleId>{3B4B98B0-60AC-42C2-AFA5-B58CD77FA1E5}</a:tableStyleId>
-              </a:tblPr>
-              <a:tblGrid>
-                <a:gridCol w="1280160">
-                  <a:extLst>
-                    <a:ext uri="{9D8B030D-6E8A-4147-A177-3AD203B41FA5}">
-                      <a16:colId xmlns:a16="http://schemas.microsoft.com/office/drawing/2014/main" val="95447529"/>
-                    </a:ext>
-                  </a:extLst>
-                </a:gridCol>
-                <a:gridCol w="1280160">
-                  <a:extLst>
-                    <a:ext uri="{9D8B030D-6E8A-4147-A177-3AD203B41FA5}">
-                      <a16:colId xmlns:a16="http://schemas.microsoft.com/office/drawing/2014/main" val="2626345296"/>
-                    </a:ext>
-                  </a:extLst>
-                </a:gridCol>
-                <a:gridCol w="1280160">
-                  <a:extLst>
-                    <a:ext uri="{9D8B030D-6E8A-4147-A177-3AD203B41FA5}">
-                      <a16:colId xmlns:a16="http://schemas.microsoft.com/office/drawing/2014/main" val="2585556346"/>
-                    </a:ext>
-                  </a:extLst>
-                </a:gridCol>
-                <a:gridCol w="1280160">
-                  <a:extLst>
-                    <a:ext uri="{9D8B030D-6E8A-4147-A177-3AD203B41FA5}">
-                      <a16:colId xmlns:a16="http://schemas.microsoft.com/office/drawing/2014/main" val="2536927853"/>
-                    </a:ext>
-                  </a:extLst>
-                </a:gridCol>
-                <a:gridCol w="1280160">
-                  <a:extLst>
-                    <a:ext uri="{9D8B030D-6E8A-4147-A177-3AD203B41FA5}">
-                      <a16:colId xmlns:a16="http://schemas.microsoft.com/office/drawing/2014/main" val="3425635834"/>
-                    </a:ext>
-                  </a:extLst>
-                </a:gridCol>
-              </a:tblGrid>
-              <a:tr h="481764">
-                <a:tc>
-                  <a:txBody>
-                    <a:bodyPr/>
-                    <a:lstStyle/>
-                    <a:p>
-                      <a:pPr algn="ctr"/>
-                      <a:r>
-                        <a:rPr lang="en-US" sz="1400" dirty="0"/>
-                        <a:t>Project Management</a:t>
-                      </a:r>
-                    </a:p>
-                  </a:txBody>
-                  <a:tcPr anchor="ctr">
-                    <a:lnR w="12700" cap="flat" cmpd="sng" algn="ctr">
-                      <a:solidFill>
-                        <a:schemeClr val="tx1"/>
-                      </a:solidFill>
-                      <a:prstDash val="solid"/>
-                      <a:round/>
-                      <a:headEnd type="none" w="med" len="med"/>
-                      <a:tailEnd type="none" w="med" len="med"/>
-                    </a:lnR>
-                  </a:tcPr>
-                </a:tc>
-                <a:tc>
-                  <a:txBody>
-                    <a:bodyPr/>
-                    <a:lstStyle/>
-                    <a:p>
-                      <a:pPr algn="ctr"/>
-                      <a:r>
-                        <a:rPr lang="en-US" sz="1400" dirty="0"/>
-                        <a:t>Requirements</a:t>
-                      </a:r>
-                    </a:p>
-                  </a:txBody>
-                  <a:tcPr anchor="ctr">
-                    <a:lnL w="12700" cap="flat" cmpd="sng" algn="ctr">
-                      <a:solidFill>
-                        <a:schemeClr val="tx1"/>
-                      </a:solidFill>
-                      <a:prstDash val="solid"/>
-                      <a:round/>
-                      <a:headEnd type="none" w="med" len="med"/>
-                      <a:tailEnd type="none" w="med" len="med"/>
-                    </a:lnL>
-                    <a:lnR w="12700" cap="flat" cmpd="sng" algn="ctr">
-                      <a:solidFill>
-                        <a:schemeClr val="tx1"/>
-                      </a:solidFill>
-                      <a:prstDash val="solid"/>
-                      <a:round/>
-                      <a:headEnd type="none" w="med" len="med"/>
-                      <a:tailEnd type="none" w="med" len="med"/>
-                    </a:lnR>
-                  </a:tcPr>
-                </a:tc>
-                <a:tc>
-                  <a:txBody>
-                    <a:bodyPr/>
-                    <a:lstStyle/>
-                    <a:p>
-                      <a:pPr algn="ctr"/>
-                      <a:r>
-                        <a:rPr lang="en-US" sz="1400" dirty="0"/>
-                        <a:t>Front-end Development</a:t>
-                      </a:r>
-                    </a:p>
-                  </a:txBody>
-                  <a:tcPr anchor="ctr">
-                    <a:lnL w="12700" cap="flat" cmpd="sng" algn="ctr">
-                      <a:solidFill>
-                        <a:schemeClr val="tx1"/>
-                      </a:solidFill>
-                      <a:prstDash val="solid"/>
-                      <a:round/>
-                      <a:headEnd type="none" w="med" len="med"/>
-                      <a:tailEnd type="none" w="med" len="med"/>
-                    </a:lnL>
-                    <a:lnR w="12700" cap="flat" cmpd="sng" algn="ctr">
-                      <a:solidFill>
-                        <a:schemeClr val="tx1"/>
-                      </a:solidFill>
-                      <a:prstDash val="solid"/>
-                      <a:round/>
-                      <a:headEnd type="none" w="med" len="med"/>
-                      <a:tailEnd type="none" w="med" len="med"/>
-                    </a:lnR>
-                  </a:tcPr>
-                </a:tc>
-                <a:tc>
-                  <a:txBody>
-                    <a:bodyPr/>
-                    <a:lstStyle/>
-                    <a:p>
-                      <a:pPr algn="ctr"/>
-                      <a:r>
-                        <a:rPr lang="en-US" sz="1400" dirty="0"/>
-                        <a:t>Back-end Development</a:t>
-                      </a:r>
-                    </a:p>
-                  </a:txBody>
-                  <a:tcPr anchor="ctr">
-                    <a:lnL w="12700" cap="flat" cmpd="sng" algn="ctr">
-                      <a:solidFill>
-                        <a:schemeClr val="tx1"/>
-                      </a:solidFill>
-                      <a:prstDash val="solid"/>
-                      <a:round/>
-                      <a:headEnd type="none" w="med" len="med"/>
-                      <a:tailEnd type="none" w="med" len="med"/>
-                    </a:lnL>
-                    <a:lnR w="12700" cap="flat" cmpd="sng" algn="ctr">
-                      <a:solidFill>
-                        <a:schemeClr val="tx1"/>
-                      </a:solidFill>
-                      <a:prstDash val="solid"/>
-                      <a:round/>
-                      <a:headEnd type="none" w="med" len="med"/>
-                      <a:tailEnd type="none" w="med" len="med"/>
-                    </a:lnR>
-                  </a:tcPr>
-                </a:tc>
-                <a:tc>
-                  <a:txBody>
-                    <a:bodyPr/>
-                    <a:lstStyle/>
-                    <a:p>
-                      <a:pPr algn="ctr"/>
-                      <a:r>
-                        <a:rPr lang="en-US" sz="1400" dirty="0"/>
-                        <a:t>Testing</a:t>
-                      </a:r>
-                    </a:p>
-                  </a:txBody>
-                  <a:tcPr anchor="ctr">
-                    <a:lnL w="12700" cap="flat" cmpd="sng" algn="ctr">
-                      <a:solidFill>
-                        <a:schemeClr val="tx1"/>
-                      </a:solidFill>
-                      <a:prstDash val="solid"/>
-                      <a:round/>
-                      <a:headEnd type="none" w="med" len="med"/>
-                      <a:tailEnd type="none" w="med" len="med"/>
-                    </a:lnL>
-                  </a:tcPr>
-                </a:tc>
-                <a:extLst>
-                  <a:ext uri="{0D108BD9-81ED-4DB2-BD59-A6C34878D82A}">
-                    <a16:rowId xmlns:a16="http://schemas.microsoft.com/office/drawing/2014/main" val="3747426767"/>
-                  </a:ext>
-                </a:extLst>
-              </a:tr>
-              <a:tr h="662117">
-                <a:tc>
-                  <a:txBody>
-                    <a:bodyPr/>
-                    <a:lstStyle/>
-                    <a:p>
-                      <a:endParaRPr lang="en-US" dirty="0"/>
-                    </a:p>
-                  </a:txBody>
-                  <a:tcPr>
-                    <a:lnR w="12700" cap="flat" cmpd="sng" algn="ctr">
-                      <a:solidFill>
-                        <a:schemeClr val="tx1"/>
-                      </a:solidFill>
-                      <a:prstDash val="solid"/>
-                      <a:round/>
-                      <a:headEnd type="none" w="med" len="med"/>
-                      <a:tailEnd type="none" w="med" len="med"/>
-                    </a:lnR>
-                  </a:tcPr>
-                </a:tc>
-                <a:tc>
-                  <a:txBody>
-                    <a:bodyPr/>
-                    <a:lstStyle/>
-                    <a:p>
-                      <a:endParaRPr lang="en-US"/>
-                    </a:p>
-                  </a:txBody>
-                  <a:tcPr>
-                    <a:lnL w="12700" cap="flat" cmpd="sng" algn="ctr">
-                      <a:solidFill>
-                        <a:schemeClr val="tx1"/>
-                      </a:solidFill>
-                      <a:prstDash val="solid"/>
-                      <a:round/>
-                      <a:headEnd type="none" w="med" len="med"/>
-                      <a:tailEnd type="none" w="med" len="med"/>
-                    </a:lnL>
-                    <a:lnR w="12700" cap="flat" cmpd="sng" algn="ctr">
-                      <a:solidFill>
-                        <a:schemeClr val="tx1"/>
-                      </a:solidFill>
-                      <a:prstDash val="solid"/>
-                      <a:round/>
-                      <a:headEnd type="none" w="med" len="med"/>
-                      <a:tailEnd type="none" w="med" len="med"/>
-                    </a:lnR>
-                  </a:tcPr>
-                </a:tc>
-                <a:tc>
-                  <a:txBody>
-                    <a:bodyPr/>
-                    <a:lstStyle/>
-                    <a:p>
-                      <a:endParaRPr lang="en-US"/>
-                    </a:p>
-                  </a:txBody>
-                  <a:tcPr>
-                    <a:lnL w="12700" cap="flat" cmpd="sng" algn="ctr">
-                      <a:solidFill>
-                        <a:schemeClr val="tx1"/>
-                      </a:solidFill>
-                      <a:prstDash val="solid"/>
-                      <a:round/>
-                      <a:headEnd type="none" w="med" len="med"/>
-                      <a:tailEnd type="none" w="med" len="med"/>
-                    </a:lnL>
-                    <a:lnR w="12700" cap="flat" cmpd="sng" algn="ctr">
-                      <a:solidFill>
-                        <a:schemeClr val="tx1"/>
-                      </a:solidFill>
-                      <a:prstDash val="solid"/>
-                      <a:round/>
-                      <a:headEnd type="none" w="med" len="med"/>
-                      <a:tailEnd type="none" w="med" len="med"/>
-                    </a:lnR>
-                  </a:tcPr>
-                </a:tc>
-                <a:tc>
-                  <a:txBody>
-                    <a:bodyPr/>
-                    <a:lstStyle/>
-                    <a:p>
-                      <a:endParaRPr lang="en-US"/>
-                    </a:p>
-                  </a:txBody>
-                  <a:tcPr>
-                    <a:lnL w="12700" cap="flat" cmpd="sng" algn="ctr">
-                      <a:solidFill>
-                        <a:schemeClr val="tx1"/>
-                      </a:solidFill>
-                      <a:prstDash val="solid"/>
-                      <a:round/>
-                      <a:headEnd type="none" w="med" len="med"/>
-                      <a:tailEnd type="none" w="med" len="med"/>
-                    </a:lnL>
-                    <a:lnR w="12700" cap="flat" cmpd="sng" algn="ctr">
-                      <a:solidFill>
-                        <a:schemeClr val="tx1"/>
-                      </a:solidFill>
-                      <a:prstDash val="solid"/>
-                      <a:round/>
-                      <a:headEnd type="none" w="med" len="med"/>
-                      <a:tailEnd type="none" w="med" len="med"/>
-                    </a:lnR>
-                  </a:tcPr>
-                </a:tc>
-                <a:tc>
-                  <a:txBody>
-                    <a:bodyPr/>
-                    <a:lstStyle/>
-                    <a:p>
-                      <a:endParaRPr lang="en-US" dirty="0"/>
-                    </a:p>
-                  </a:txBody>
-                  <a:tcPr>
-                    <a:lnL w="12700" cap="flat" cmpd="sng" algn="ctr">
-                      <a:solidFill>
-                        <a:schemeClr val="tx1"/>
-                      </a:solidFill>
-                      <a:prstDash val="solid"/>
-                      <a:round/>
-                      <a:headEnd type="none" w="med" len="med"/>
-                      <a:tailEnd type="none" w="med" len="med"/>
-                    </a:lnL>
-                  </a:tcPr>
-                </a:tc>
-                <a:extLst>
-                  <a:ext uri="{0D108BD9-81ED-4DB2-BD59-A6C34878D82A}">
-                    <a16:rowId xmlns:a16="http://schemas.microsoft.com/office/drawing/2014/main" val="4045115890"/>
-                  </a:ext>
-                </a:extLst>
-              </a:tr>
-              <a:tr h="662117">
-                <a:tc>
-                  <a:txBody>
-                    <a:bodyPr/>
-                    <a:lstStyle/>
-                    <a:p>
-                      <a:endParaRPr lang="en-US"/>
-                    </a:p>
-                  </a:txBody>
-                  <a:tcPr>
-                    <a:lnR w="12700" cap="flat" cmpd="sng" algn="ctr">
-                      <a:solidFill>
-                        <a:schemeClr val="tx1"/>
-                      </a:solidFill>
-                      <a:prstDash val="solid"/>
-                      <a:round/>
-                      <a:headEnd type="none" w="med" len="med"/>
-                      <a:tailEnd type="none" w="med" len="med"/>
-                    </a:lnR>
-                  </a:tcPr>
-                </a:tc>
-                <a:tc>
-                  <a:txBody>
-                    <a:bodyPr/>
-                    <a:lstStyle/>
-                    <a:p>
-                      <a:endParaRPr lang="en-US"/>
-                    </a:p>
-                  </a:txBody>
-                  <a:tcPr>
-                    <a:lnL w="12700" cap="flat" cmpd="sng" algn="ctr">
-                      <a:solidFill>
-                        <a:schemeClr val="tx1"/>
-                      </a:solidFill>
-                      <a:prstDash val="solid"/>
-                      <a:round/>
-                      <a:headEnd type="none" w="med" len="med"/>
-                      <a:tailEnd type="none" w="med" len="med"/>
-                    </a:lnL>
-                    <a:lnR w="12700" cap="flat" cmpd="sng" algn="ctr">
-                      <a:solidFill>
-                        <a:schemeClr val="tx1"/>
-                      </a:solidFill>
-                      <a:prstDash val="solid"/>
-                      <a:round/>
-                      <a:headEnd type="none" w="med" len="med"/>
-                      <a:tailEnd type="none" w="med" len="med"/>
-                    </a:lnR>
-                  </a:tcPr>
-                </a:tc>
-                <a:tc>
-                  <a:txBody>
-                    <a:bodyPr/>
-                    <a:lstStyle/>
-                    <a:p>
-                      <a:endParaRPr lang="en-US"/>
-                    </a:p>
-                  </a:txBody>
-                  <a:tcPr>
-                    <a:lnL w="12700" cap="flat" cmpd="sng" algn="ctr">
-                      <a:solidFill>
-                        <a:schemeClr val="tx1"/>
-                      </a:solidFill>
-                      <a:prstDash val="solid"/>
-                      <a:round/>
-                      <a:headEnd type="none" w="med" len="med"/>
-                      <a:tailEnd type="none" w="med" len="med"/>
-                    </a:lnL>
-                    <a:lnR w="12700" cap="flat" cmpd="sng" algn="ctr">
-                      <a:solidFill>
-                        <a:schemeClr val="tx1"/>
-                      </a:solidFill>
-                      <a:prstDash val="solid"/>
-                      <a:round/>
-                      <a:headEnd type="none" w="med" len="med"/>
-                      <a:tailEnd type="none" w="med" len="med"/>
-                    </a:lnR>
-                  </a:tcPr>
-                </a:tc>
-                <a:tc>
-                  <a:txBody>
-                    <a:bodyPr/>
-                    <a:lstStyle/>
-                    <a:p>
-                      <a:endParaRPr lang="en-US"/>
-                    </a:p>
-                  </a:txBody>
-                  <a:tcPr>
-                    <a:lnL w="12700" cap="flat" cmpd="sng" algn="ctr">
-                      <a:solidFill>
-                        <a:schemeClr val="tx1"/>
-                      </a:solidFill>
-                      <a:prstDash val="solid"/>
-                      <a:round/>
-                      <a:headEnd type="none" w="med" len="med"/>
-                      <a:tailEnd type="none" w="med" len="med"/>
-                    </a:lnL>
-                    <a:lnR w="12700" cap="flat" cmpd="sng" algn="ctr">
-                      <a:solidFill>
-                        <a:schemeClr val="tx1"/>
-                      </a:solidFill>
-                      <a:prstDash val="solid"/>
-                      <a:round/>
-                      <a:headEnd type="none" w="med" len="med"/>
-                      <a:tailEnd type="none" w="med" len="med"/>
-                    </a:lnR>
-                  </a:tcPr>
-                </a:tc>
-                <a:tc>
-                  <a:txBody>
-                    <a:bodyPr/>
-                    <a:lstStyle/>
-                    <a:p>
-                      <a:endParaRPr lang="en-US"/>
-                    </a:p>
-                  </a:txBody>
-                  <a:tcPr>
-                    <a:lnL w="12700" cap="flat" cmpd="sng" algn="ctr">
-                      <a:solidFill>
-                        <a:schemeClr val="tx1"/>
-                      </a:solidFill>
-                      <a:prstDash val="solid"/>
-                      <a:round/>
-                      <a:headEnd type="none" w="med" len="med"/>
-                      <a:tailEnd type="none" w="med" len="med"/>
-                    </a:lnL>
-                  </a:tcPr>
-                </a:tc>
-                <a:extLst>
-                  <a:ext uri="{0D108BD9-81ED-4DB2-BD59-A6C34878D82A}">
-                    <a16:rowId xmlns:a16="http://schemas.microsoft.com/office/drawing/2014/main" val="2179344241"/>
-                  </a:ext>
-                </a:extLst>
-              </a:tr>
-              <a:tr h="662117">
-                <a:tc>
-                  <a:txBody>
-                    <a:bodyPr/>
-                    <a:lstStyle/>
-                    <a:p>
-                      <a:endParaRPr lang="en-US"/>
-                    </a:p>
-                  </a:txBody>
-                  <a:tcPr>
-                    <a:lnR w="12700" cap="flat" cmpd="sng" algn="ctr">
-                      <a:solidFill>
-                        <a:schemeClr val="tx1"/>
-                      </a:solidFill>
-                      <a:prstDash val="solid"/>
-                      <a:round/>
-                      <a:headEnd type="none" w="med" len="med"/>
-                      <a:tailEnd type="none" w="med" len="med"/>
-                    </a:lnR>
-                  </a:tcPr>
-                </a:tc>
-                <a:tc>
-                  <a:txBody>
-                    <a:bodyPr/>
-                    <a:lstStyle/>
-                    <a:p>
-                      <a:endParaRPr lang="en-US"/>
-                    </a:p>
-                  </a:txBody>
-                  <a:tcPr>
-                    <a:lnL w="12700" cap="flat" cmpd="sng" algn="ctr">
-                      <a:solidFill>
-                        <a:schemeClr val="tx1"/>
-                      </a:solidFill>
-                      <a:prstDash val="solid"/>
-                      <a:round/>
-                      <a:headEnd type="none" w="med" len="med"/>
-                      <a:tailEnd type="none" w="med" len="med"/>
-                    </a:lnL>
-                    <a:lnR w="12700" cap="flat" cmpd="sng" algn="ctr">
-                      <a:solidFill>
-                        <a:schemeClr val="tx1"/>
-                      </a:solidFill>
-                      <a:prstDash val="solid"/>
-                      <a:round/>
-                      <a:headEnd type="none" w="med" len="med"/>
-                      <a:tailEnd type="none" w="med" len="med"/>
-                    </a:lnR>
-                  </a:tcPr>
-                </a:tc>
-                <a:tc>
-                  <a:txBody>
-                    <a:bodyPr/>
-                    <a:lstStyle/>
-                    <a:p>
-                      <a:endParaRPr lang="en-US"/>
-                    </a:p>
-                  </a:txBody>
-                  <a:tcPr>
-                    <a:lnL w="12700" cap="flat" cmpd="sng" algn="ctr">
-                      <a:solidFill>
-                        <a:schemeClr val="tx1"/>
-                      </a:solidFill>
-                      <a:prstDash val="solid"/>
-                      <a:round/>
-                      <a:headEnd type="none" w="med" len="med"/>
-                      <a:tailEnd type="none" w="med" len="med"/>
-                    </a:lnL>
-                    <a:lnR w="12700" cap="flat" cmpd="sng" algn="ctr">
-                      <a:solidFill>
-                        <a:schemeClr val="tx1"/>
-                      </a:solidFill>
-                      <a:prstDash val="solid"/>
-                      <a:round/>
-                      <a:headEnd type="none" w="med" len="med"/>
-                      <a:tailEnd type="none" w="med" len="med"/>
-                    </a:lnR>
-                  </a:tcPr>
-                </a:tc>
-                <a:tc>
-                  <a:txBody>
-                    <a:bodyPr/>
-                    <a:lstStyle/>
-                    <a:p>
-                      <a:endParaRPr lang="en-US"/>
-                    </a:p>
-                  </a:txBody>
-                  <a:tcPr>
-                    <a:lnL w="12700" cap="flat" cmpd="sng" algn="ctr">
-                      <a:solidFill>
-                        <a:schemeClr val="tx1"/>
-                      </a:solidFill>
-                      <a:prstDash val="solid"/>
-                      <a:round/>
-                      <a:headEnd type="none" w="med" len="med"/>
-                      <a:tailEnd type="none" w="med" len="med"/>
-                    </a:lnL>
-                    <a:lnR w="12700" cap="flat" cmpd="sng" algn="ctr">
-                      <a:solidFill>
-                        <a:schemeClr val="tx1"/>
-                      </a:solidFill>
-                      <a:prstDash val="solid"/>
-                      <a:round/>
-                      <a:headEnd type="none" w="med" len="med"/>
-                      <a:tailEnd type="none" w="med" len="med"/>
-                    </a:lnR>
-                  </a:tcPr>
-                </a:tc>
-                <a:tc>
-                  <a:txBody>
-                    <a:bodyPr/>
-                    <a:lstStyle/>
-                    <a:p>
-                      <a:endParaRPr lang="en-US"/>
-                    </a:p>
-                  </a:txBody>
-                  <a:tcPr>
-                    <a:lnL w="12700" cap="flat" cmpd="sng" algn="ctr">
-                      <a:solidFill>
-                        <a:schemeClr val="tx1"/>
-                      </a:solidFill>
-                      <a:prstDash val="solid"/>
-                      <a:round/>
-                      <a:headEnd type="none" w="med" len="med"/>
-                      <a:tailEnd type="none" w="med" len="med"/>
-                    </a:lnL>
-                  </a:tcPr>
-                </a:tc>
-                <a:extLst>
-                  <a:ext uri="{0D108BD9-81ED-4DB2-BD59-A6C34878D82A}">
-                    <a16:rowId xmlns:a16="http://schemas.microsoft.com/office/drawing/2014/main" val="2153337173"/>
-                  </a:ext>
-                </a:extLst>
-              </a:tr>
-              <a:tr h="662117">
-                <a:tc>
-                  <a:txBody>
-                    <a:bodyPr/>
-                    <a:lstStyle/>
-                    <a:p>
-                      <a:endParaRPr lang="en-US"/>
-                    </a:p>
-                  </a:txBody>
-                  <a:tcPr>
-                    <a:lnR w="12700" cap="flat" cmpd="sng" algn="ctr">
-                      <a:solidFill>
-                        <a:schemeClr val="tx1"/>
-                      </a:solidFill>
-                      <a:prstDash val="solid"/>
-                      <a:round/>
-                      <a:headEnd type="none" w="med" len="med"/>
-                      <a:tailEnd type="none" w="med" len="med"/>
-                    </a:lnR>
-                  </a:tcPr>
-                </a:tc>
-                <a:tc>
-                  <a:txBody>
-                    <a:bodyPr/>
-                    <a:lstStyle/>
-                    <a:p>
-                      <a:endParaRPr lang="en-US" dirty="0"/>
-                    </a:p>
-                  </a:txBody>
-                  <a:tcPr>
-                    <a:lnL w="12700" cap="flat" cmpd="sng" algn="ctr">
-                      <a:solidFill>
-                        <a:schemeClr val="tx1"/>
-                      </a:solidFill>
-                      <a:prstDash val="solid"/>
-                      <a:round/>
-                      <a:headEnd type="none" w="med" len="med"/>
-                      <a:tailEnd type="none" w="med" len="med"/>
-                    </a:lnL>
-                    <a:lnR w="12700" cap="flat" cmpd="sng" algn="ctr">
-                      <a:solidFill>
-                        <a:schemeClr val="tx1"/>
-                      </a:solidFill>
-                      <a:prstDash val="solid"/>
-                      <a:round/>
-                      <a:headEnd type="none" w="med" len="med"/>
-                      <a:tailEnd type="none" w="med" len="med"/>
-                    </a:lnR>
-                  </a:tcPr>
-                </a:tc>
-                <a:tc>
-                  <a:txBody>
-                    <a:bodyPr/>
-                    <a:lstStyle/>
-                    <a:p>
-                      <a:endParaRPr lang="en-US"/>
-                    </a:p>
-                  </a:txBody>
-                  <a:tcPr>
-                    <a:lnL w="12700" cap="flat" cmpd="sng" algn="ctr">
-                      <a:solidFill>
-                        <a:schemeClr val="tx1"/>
-                      </a:solidFill>
-                      <a:prstDash val="solid"/>
-                      <a:round/>
-                      <a:headEnd type="none" w="med" len="med"/>
-                      <a:tailEnd type="none" w="med" len="med"/>
-                    </a:lnL>
-                    <a:lnR w="12700" cap="flat" cmpd="sng" algn="ctr">
-                      <a:solidFill>
-                        <a:schemeClr val="tx1"/>
-                      </a:solidFill>
-                      <a:prstDash val="solid"/>
-                      <a:round/>
-                      <a:headEnd type="none" w="med" len="med"/>
-                      <a:tailEnd type="none" w="med" len="med"/>
-                    </a:lnR>
-                  </a:tcPr>
-                </a:tc>
-                <a:tc>
-                  <a:txBody>
-                    <a:bodyPr/>
-                    <a:lstStyle/>
-                    <a:p>
-                      <a:endParaRPr lang="en-US"/>
-                    </a:p>
-                  </a:txBody>
-                  <a:tcPr>
-                    <a:lnL w="12700" cap="flat" cmpd="sng" algn="ctr">
-                      <a:solidFill>
-                        <a:schemeClr val="tx1"/>
-                      </a:solidFill>
-                      <a:prstDash val="solid"/>
-                      <a:round/>
-                      <a:headEnd type="none" w="med" len="med"/>
-                      <a:tailEnd type="none" w="med" len="med"/>
-                    </a:lnL>
-                    <a:lnR w="12700" cap="flat" cmpd="sng" algn="ctr">
-                      <a:solidFill>
-                        <a:schemeClr val="tx1"/>
-                      </a:solidFill>
-                      <a:prstDash val="solid"/>
-                      <a:round/>
-                      <a:headEnd type="none" w="med" len="med"/>
-                      <a:tailEnd type="none" w="med" len="med"/>
-                    </a:lnR>
-                  </a:tcPr>
-                </a:tc>
-                <a:tc>
-                  <a:txBody>
-                    <a:bodyPr/>
-                    <a:lstStyle/>
-                    <a:p>
-                      <a:endParaRPr lang="en-US" dirty="0"/>
-                    </a:p>
-                  </a:txBody>
-                  <a:tcPr>
-                    <a:lnL w="12700" cap="flat" cmpd="sng" algn="ctr">
-                      <a:solidFill>
-                        <a:schemeClr val="tx1"/>
-                      </a:solidFill>
-                      <a:prstDash val="solid"/>
-                      <a:round/>
-                      <a:headEnd type="none" w="med" len="med"/>
-                      <a:tailEnd type="none" w="med" len="med"/>
-                    </a:lnL>
-                  </a:tcPr>
-                </a:tc>
-                <a:extLst>
-                  <a:ext uri="{0D108BD9-81ED-4DB2-BD59-A6C34878D82A}">
-                    <a16:rowId xmlns:a16="http://schemas.microsoft.com/office/drawing/2014/main" val="37500219"/>
-                  </a:ext>
-                </a:extLst>
-              </a:tr>
-            </a:tbl>
-          </a:graphicData>
-        </a:graphic>
-      </p:graphicFrame>
-      <p:sp>
-        <p:nvSpPr>
-          <p:cNvPr id="6" name="Rectangle 5">
-            <a:extLst>
-              <a:ext uri="{FF2B5EF4-FFF2-40B4-BE49-F238E27FC236}">
-                <a16:creationId xmlns:a16="http://schemas.microsoft.com/office/drawing/2014/main" id="{C674ABD6-3FCC-784B-B5CB-9E750C8884FA}"/>
-              </a:ext>
-            </a:extLst>
-          </p:cNvPr>
-          <p:cNvSpPr/>
-          <p:nvPr/>
-        </p:nvSpPr>
-        <p:spPr>
-          <a:xfrm>
-            <a:off x="3439347" y="2294266"/>
-            <a:ext cx="3536546" cy="923330"/>
-          </a:xfrm>
-          <a:prstGeom prst="rect">
-            <a:avLst/>
-          </a:prstGeom>
-          <a:noFill/>
-        </p:spPr>
-        <p:txBody>
-          <a:bodyPr wrap="none" lIns="91440" tIns="45720" rIns="91440" bIns="45720">
-            <a:spAutoFit/>
-          </a:bodyPr>
-          <a:lstStyle>
-            <a:lvl1pPr marL="0" indent="0">
-              <a:defRPr sz="1100">
-                <a:latin typeface="+mn-lt"/>
-                <a:ea typeface="+mn-ea"/>
-                <a:cs typeface="+mn-cs"/>
-              </a:defRPr>
-            </a:lvl1pPr>
-            <a:lvl2pPr marL="457200" indent="0">
-              <a:defRPr sz="1100">
-                <a:latin typeface="+mn-lt"/>
-                <a:ea typeface="+mn-ea"/>
-                <a:cs typeface="+mn-cs"/>
-              </a:defRPr>
-            </a:lvl2pPr>
-            <a:lvl3pPr marL="914400" indent="0">
-              <a:defRPr sz="1100">
-                <a:latin typeface="+mn-lt"/>
-                <a:ea typeface="+mn-ea"/>
-                <a:cs typeface="+mn-cs"/>
-              </a:defRPr>
-            </a:lvl3pPr>
-            <a:lvl4pPr marL="1371600" indent="0">
-              <a:defRPr sz="1100">
-                <a:latin typeface="+mn-lt"/>
-                <a:ea typeface="+mn-ea"/>
-                <a:cs typeface="+mn-cs"/>
-              </a:defRPr>
-            </a:lvl4pPr>
-            <a:lvl5pPr marL="1828800" indent="0">
-              <a:defRPr sz="1100">
-                <a:latin typeface="+mn-lt"/>
-                <a:ea typeface="+mn-ea"/>
-                <a:cs typeface="+mn-cs"/>
-              </a:defRPr>
-            </a:lvl5pPr>
-            <a:lvl6pPr marL="2286000" indent="0">
-              <a:defRPr sz="1100">
-                <a:latin typeface="+mn-lt"/>
-                <a:ea typeface="+mn-ea"/>
-                <a:cs typeface="+mn-cs"/>
-              </a:defRPr>
-            </a:lvl6pPr>
-            <a:lvl7pPr marL="2743200" indent="0">
-              <a:defRPr sz="1100">
-                <a:latin typeface="+mn-lt"/>
-                <a:ea typeface="+mn-ea"/>
-                <a:cs typeface="+mn-cs"/>
-              </a:defRPr>
-            </a:lvl7pPr>
-            <a:lvl8pPr marL="3200400" indent="0">
-              <a:defRPr sz="1100">
-                <a:latin typeface="+mn-lt"/>
-                <a:ea typeface="+mn-ea"/>
-                <a:cs typeface="+mn-cs"/>
-              </a:defRPr>
-            </a:lvl8pPr>
-            <a:lvl9pPr marL="3657600" indent="0">
-              <a:defRPr sz="1100">
-                <a:latin typeface="+mn-lt"/>
-                <a:ea typeface="+mn-ea"/>
-                <a:cs typeface="+mn-cs"/>
-              </a:defRPr>
-            </a:lvl9pPr>
-          </a:lstStyle>
-          <a:p>
             <a:pPr algn="ctr"/>
             <a:r>
-              <a:rPr lang="en-US" sz="5400" b="1" cap="none" spc="0" dirty="0">
-                <a:ln w="12700">
-                  <a:solidFill>
-                    <a:schemeClr val="tx2">
-                      <a:satMod val="155000"/>
-                    </a:schemeClr>
-                  </a:solidFill>
-                  <a:prstDash val="solid"/>
-                </a:ln>
-                <a:solidFill>
-                  <a:schemeClr val="bg2">
-                    <a:tint val="85000"/>
-                    <a:satMod val="155000"/>
-                  </a:schemeClr>
-                </a:solidFill>
-                <a:effectLst>
-                  <a:outerShdw blurRad="41275" dist="20320" dir="1800000" algn="tl" rotWithShape="0">
-                    <a:srgbClr val="000000">
-                      <a:alpha val="40000"/>
-                    </a:srgbClr>
-                  </a:outerShdw>
-                </a:effectLst>
-              </a:rPr>
-              <a:t>Placeholder</a:t>
+              <a:rPr lang="en-US" sz="1600" dirty="0"/>
+              <a:t>What went well</a:t>
             </a:r>
           </a:p>
         </p:txBody>
@@ -28431,7 +28130,7 @@
         </p:nvSpPr>
         <p:spPr>
           <a:xfrm>
-            <a:off x="609600" y="2526213"/>
+            <a:off x="4689764" y="1314450"/>
             <a:ext cx="1600200" cy="548640"/>
           </a:xfrm>
           <a:prstGeom prst="rect">
@@ -28454,8 +28153,8 @@
           </a:fontRef>
         </p:style>
         <p:txBody>
-          <a:bodyPr vert="horz" lIns="137160" tIns="182880" rIns="137160" bIns="91440">
-            <a:normAutofit fontScale="77500" lnSpcReduction="20000"/>
+          <a:bodyPr vert="horz" lIns="45720" tIns="45720" rIns="45720" bIns="45720" anchor="ctr">
+            <a:noAutofit/>
           </a:bodyPr>
           <a:lstStyle>
             <a:lvl1pPr marL="0" indent="0" algn="l" rtl="0" eaLnBrk="1" latinLnBrk="0" hangingPunct="1">
@@ -28630,20 +28329,20 @@
             </a:lvl9pPr>
           </a:lstStyle>
           <a:p>
-            <a:pPr defTabSz="914400"/>
+            <a:pPr algn="ctr" defTabSz="914400"/>
             <a:r>
-              <a:rPr lang="en-US" dirty="0"/>
-              <a:t>What went wrong</a:t>
+              <a:rPr lang="en-US" sz="1600" dirty="0"/>
+              <a:t>What could have gone better</a:t>
             </a:r>
           </a:p>
         </p:txBody>
       </p:sp>
       <p:sp>
         <p:nvSpPr>
-          <p:cNvPr id="11" name="Text Placeholder 8">
+          <p:cNvPr id="12" name="Text Placeholder 8">
             <a:extLst>
               <a:ext uri="{FF2B5EF4-FFF2-40B4-BE49-F238E27FC236}">
-                <a16:creationId xmlns:a16="http://schemas.microsoft.com/office/drawing/2014/main" id="{CA644418-0EC8-564B-91F1-D8D999C6F756}"/>
+                <a16:creationId xmlns:a16="http://schemas.microsoft.com/office/drawing/2014/main" id="{305DFF3A-52DF-9D4D-BB45-B6CD4C6F1AA1}"/>
               </a:ext>
             </a:extLst>
           </p:cNvPr>
@@ -28654,7 +28353,7 @@
         </p:nvSpPr>
         <p:spPr>
           <a:xfrm>
-            <a:off x="609600" y="3217596"/>
+            <a:off x="6864431" y="1314450"/>
             <a:ext cx="1600200" cy="548640"/>
           </a:xfrm>
           <a:prstGeom prst="rect">
@@ -28667,18 +28366,18 @@
             <a:schemeClr val="lt1"/>
           </a:lnRef>
           <a:fillRef idx="1">
-            <a:schemeClr val="accent5"/>
+            <a:schemeClr val="accent3"/>
           </a:fillRef>
           <a:effectRef idx="1">
-            <a:schemeClr val="accent5"/>
+            <a:schemeClr val="accent3"/>
           </a:effectRef>
           <a:fontRef idx="minor">
             <a:schemeClr val="lt1"/>
           </a:fontRef>
         </p:style>
         <p:txBody>
-          <a:bodyPr vert="horz" lIns="137160" tIns="182880" rIns="137160" bIns="91440">
-            <a:normAutofit fontScale="77500" lnSpcReduction="20000"/>
+          <a:bodyPr vert="horz" lIns="45720" tIns="45720" rIns="45720" bIns="45720" anchor="ctr">
+            <a:noAutofit/>
           </a:bodyPr>
           <a:lstStyle>
             <a:lvl1pPr marL="0" indent="0" algn="l" rtl="0" eaLnBrk="1" latinLnBrk="0" hangingPunct="1">
@@ -28853,463 +28552,993 @@
             </a:lvl9pPr>
           </a:lstStyle>
           <a:p>
-            <a:pPr defTabSz="914400"/>
+            <a:pPr algn="ctr" defTabSz="914400"/>
             <a:r>
-              <a:rPr lang="en-US" dirty="0"/>
-              <a:t>How was it solved</a:t>
+              <a:rPr lang="en-US" sz="1600" dirty="0"/>
+              <a:t>How to apply in real life</a:t>
             </a:r>
           </a:p>
         </p:txBody>
       </p:sp>
-      <p:sp>
-        <p:nvSpPr>
-          <p:cNvPr id="12" name="Text Placeholder 8">
+      <p:graphicFrame>
+        <p:nvGraphicFramePr>
+          <p:cNvPr id="7" name="Content Placeholder 6">
             <a:extLst>
               <a:ext uri="{FF2B5EF4-FFF2-40B4-BE49-F238E27FC236}">
-                <a16:creationId xmlns:a16="http://schemas.microsoft.com/office/drawing/2014/main" id="{305DFF3A-52DF-9D4D-BB45-B6CD4C6F1AA1}"/>
+                <a16:creationId xmlns:a16="http://schemas.microsoft.com/office/drawing/2014/main" id="{27BED72B-C88C-CF4C-BFE2-81BCB9E78731}"/>
               </a:ext>
             </a:extLst>
           </p:cNvPr>
-          <p:cNvSpPr txBox="1">
-            <a:spLocks/>
-          </p:cNvSpPr>
+          <p:cNvGraphicFramePr>
+            <a:graphicFrameLocks noGrp="1"/>
+          </p:cNvGraphicFramePr>
+          <p:nvPr>
+            <p:ph sz="quarter" idx="1"/>
+            <p:extLst>
+              <p:ext uri="{D42A27DB-BD31-4B8C-83A1-F6EECF244321}">
+                <p14:modId xmlns:p14="http://schemas.microsoft.com/office/powerpoint/2010/main" val="2296605755"/>
+              </p:ext>
+            </p:extLst>
+          </p:nvPr>
+        </p:nvGraphicFramePr>
+        <p:xfrm>
+          <a:off x="609600" y="2065599"/>
+          <a:ext cx="8153399" cy="2803285"/>
+        </p:xfrm>
+        <a:graphic>
+          <a:graphicData uri="http://schemas.openxmlformats.org/drawingml/2006/table">
+            <a:tbl>
+              <a:tblPr firstCol="1" bandRow="1">
+                <a:tableStyleId>{21E4AEA4-8DFA-4A89-87EB-49C32662AFE0}</a:tableStyleId>
+              </a:tblPr>
+              <a:tblGrid>
+                <a:gridCol w="1611086">
+                  <a:extLst>
+                    <a:ext uri="{9D8B030D-6E8A-4147-A177-3AD203B41FA5}">
+                      <a16:colId xmlns:a16="http://schemas.microsoft.com/office/drawing/2014/main" val="2519203418"/>
+                    </a:ext>
+                  </a:extLst>
+                </a:gridCol>
+                <a:gridCol w="2180771">
+                  <a:extLst>
+                    <a:ext uri="{9D8B030D-6E8A-4147-A177-3AD203B41FA5}">
+                      <a16:colId xmlns:a16="http://schemas.microsoft.com/office/drawing/2014/main" val="3308810304"/>
+                    </a:ext>
+                  </a:extLst>
+                </a:gridCol>
+                <a:gridCol w="2180771">
+                  <a:extLst>
+                    <a:ext uri="{9D8B030D-6E8A-4147-A177-3AD203B41FA5}">
+                      <a16:colId xmlns:a16="http://schemas.microsoft.com/office/drawing/2014/main" val="3777595575"/>
+                    </a:ext>
+                  </a:extLst>
+                </a:gridCol>
+                <a:gridCol w="2180771">
+                  <a:extLst>
+                    <a:ext uri="{9D8B030D-6E8A-4147-A177-3AD203B41FA5}">
+                      <a16:colId xmlns:a16="http://schemas.microsoft.com/office/drawing/2014/main" val="4161483210"/>
+                    </a:ext>
+                  </a:extLst>
+                </a:gridCol>
+              </a:tblGrid>
+              <a:tr h="560657">
+                <a:tc>
+                  <a:txBody>
+                    <a:bodyPr/>
+                    <a:lstStyle/>
+                    <a:p>
+                      <a:r>
+                        <a:rPr lang="en-US" dirty="0"/>
+                        <a:t>P. Thrall</a:t>
+                      </a:r>
+                    </a:p>
+                  </a:txBody>
+                  <a:tcPr anchor="ctr">
+                    <a:lnR w="12700" cap="flat" cmpd="sng" algn="ctr">
+                      <a:solidFill>
+                        <a:schemeClr val="accent2"/>
+                      </a:solidFill>
+                      <a:prstDash val="solid"/>
+                      <a:round/>
+                      <a:headEnd type="none" w="med" len="med"/>
+                      <a:tailEnd type="none" w="med" len="med"/>
+                    </a:lnR>
+                  </a:tcPr>
+                </a:tc>
+                <a:tc>
+                  <a:txBody>
+                    <a:bodyPr/>
+                    <a:lstStyle/>
+                    <a:p>
+                      <a:endParaRPr lang="en-US" dirty="0"/>
+                    </a:p>
+                  </a:txBody>
+                  <a:tcPr anchor="ctr">
+                    <a:lnL w="12700" cap="flat" cmpd="sng" algn="ctr">
+                      <a:solidFill>
+                        <a:schemeClr val="accent2"/>
+                      </a:solidFill>
+                      <a:prstDash val="solid"/>
+                      <a:round/>
+                      <a:headEnd type="none" w="med" len="med"/>
+                      <a:tailEnd type="none" w="med" len="med"/>
+                    </a:lnL>
+                    <a:lnR w="12700" cap="flat" cmpd="sng" algn="ctr">
+                      <a:solidFill>
+                        <a:schemeClr val="accent2"/>
+                      </a:solidFill>
+                      <a:prstDash val="solid"/>
+                      <a:round/>
+                      <a:headEnd type="none" w="med" len="med"/>
+                      <a:tailEnd type="none" w="med" len="med"/>
+                    </a:lnR>
+                    <a:lnT w="12700" cap="flat" cmpd="sng" algn="ctr">
+                      <a:solidFill>
+                        <a:schemeClr val="accent2"/>
+                      </a:solidFill>
+                      <a:prstDash val="solid"/>
+                      <a:round/>
+                      <a:headEnd type="none" w="med" len="med"/>
+                      <a:tailEnd type="none" w="med" len="med"/>
+                    </a:lnT>
+                    <a:lnB w="12700" cap="flat" cmpd="sng" algn="ctr">
+                      <a:solidFill>
+                        <a:schemeClr val="accent2"/>
+                      </a:solidFill>
+                      <a:prstDash val="solid"/>
+                      <a:round/>
+                      <a:headEnd type="none" w="med" len="med"/>
+                      <a:tailEnd type="none" w="med" len="med"/>
+                    </a:lnB>
+                    <a:noFill/>
+                  </a:tcPr>
+                </a:tc>
+                <a:tc>
+                  <a:txBody>
+                    <a:bodyPr/>
+                    <a:lstStyle/>
+                    <a:p>
+                      <a:endParaRPr lang="en-US"/>
+                    </a:p>
+                  </a:txBody>
+                  <a:tcPr anchor="ctr">
+                    <a:lnL w="12700" cap="flat" cmpd="sng" algn="ctr">
+                      <a:solidFill>
+                        <a:schemeClr val="accent2"/>
+                      </a:solidFill>
+                      <a:prstDash val="solid"/>
+                      <a:round/>
+                      <a:headEnd type="none" w="med" len="med"/>
+                      <a:tailEnd type="none" w="med" len="med"/>
+                    </a:lnL>
+                    <a:lnR w="12700" cap="flat" cmpd="sng" algn="ctr">
+                      <a:solidFill>
+                        <a:schemeClr val="accent2"/>
+                      </a:solidFill>
+                      <a:prstDash val="solid"/>
+                      <a:round/>
+                      <a:headEnd type="none" w="med" len="med"/>
+                      <a:tailEnd type="none" w="med" len="med"/>
+                    </a:lnR>
+                    <a:lnT w="12700" cap="flat" cmpd="sng" algn="ctr">
+                      <a:solidFill>
+                        <a:schemeClr val="accent2"/>
+                      </a:solidFill>
+                      <a:prstDash val="solid"/>
+                      <a:round/>
+                      <a:headEnd type="none" w="med" len="med"/>
+                      <a:tailEnd type="none" w="med" len="med"/>
+                    </a:lnT>
+                    <a:lnB w="12700" cap="flat" cmpd="sng" algn="ctr">
+                      <a:solidFill>
+                        <a:schemeClr val="accent2"/>
+                      </a:solidFill>
+                      <a:prstDash val="solid"/>
+                      <a:round/>
+                      <a:headEnd type="none" w="med" len="med"/>
+                      <a:tailEnd type="none" w="med" len="med"/>
+                    </a:lnB>
+                    <a:noFill/>
+                  </a:tcPr>
+                </a:tc>
+                <a:tc>
+                  <a:txBody>
+                    <a:bodyPr/>
+                    <a:lstStyle/>
+                    <a:p>
+                      <a:endParaRPr lang="en-US" dirty="0"/>
+                    </a:p>
+                  </a:txBody>
+                  <a:tcPr anchor="ctr">
+                    <a:lnL w="12700" cap="flat" cmpd="sng" algn="ctr">
+                      <a:solidFill>
+                        <a:schemeClr val="accent2"/>
+                      </a:solidFill>
+                      <a:prstDash val="solid"/>
+                      <a:round/>
+                      <a:headEnd type="none" w="med" len="med"/>
+                      <a:tailEnd type="none" w="med" len="med"/>
+                    </a:lnL>
+                    <a:lnR w="12700" cap="flat" cmpd="sng" algn="ctr">
+                      <a:solidFill>
+                        <a:schemeClr val="accent2"/>
+                      </a:solidFill>
+                      <a:prstDash val="solid"/>
+                      <a:round/>
+                      <a:headEnd type="none" w="med" len="med"/>
+                      <a:tailEnd type="none" w="med" len="med"/>
+                    </a:lnR>
+                    <a:lnT w="12700" cap="flat" cmpd="sng" algn="ctr">
+                      <a:solidFill>
+                        <a:schemeClr val="accent2"/>
+                      </a:solidFill>
+                      <a:prstDash val="solid"/>
+                      <a:round/>
+                      <a:headEnd type="none" w="med" len="med"/>
+                      <a:tailEnd type="none" w="med" len="med"/>
+                    </a:lnT>
+                    <a:lnB w="12700" cap="flat" cmpd="sng" algn="ctr">
+                      <a:solidFill>
+                        <a:schemeClr val="accent2"/>
+                      </a:solidFill>
+                      <a:prstDash val="solid"/>
+                      <a:round/>
+                      <a:headEnd type="none" w="med" len="med"/>
+                      <a:tailEnd type="none" w="med" len="med"/>
+                    </a:lnB>
+                    <a:noFill/>
+                  </a:tcPr>
+                </a:tc>
+                <a:extLst>
+                  <a:ext uri="{0D108BD9-81ED-4DB2-BD59-A6C34878D82A}">
+                    <a16:rowId xmlns:a16="http://schemas.microsoft.com/office/drawing/2014/main" val="2597663318"/>
+                  </a:ext>
+                </a:extLst>
+              </a:tr>
+              <a:tr h="560657">
+                <a:tc>
+                  <a:txBody>
+                    <a:bodyPr/>
+                    <a:lstStyle/>
+                    <a:p>
+                      <a:r>
+                        <a:rPr lang="en-US" dirty="0"/>
+                        <a:t>G. </a:t>
+                      </a:r>
+                      <a:r>
+                        <a:rPr lang="en-US" dirty="0" err="1"/>
+                        <a:t>Vicarro</a:t>
+                      </a:r>
+                      <a:endParaRPr lang="en-US" dirty="0"/>
+                    </a:p>
+                  </a:txBody>
+                  <a:tcPr anchor="ctr">
+                    <a:lnR w="12700" cap="flat" cmpd="sng" algn="ctr">
+                      <a:solidFill>
+                        <a:schemeClr val="accent2"/>
+                      </a:solidFill>
+                      <a:prstDash val="solid"/>
+                      <a:round/>
+                      <a:headEnd type="none" w="med" len="med"/>
+                      <a:tailEnd type="none" w="med" len="med"/>
+                    </a:lnR>
+                  </a:tcPr>
+                </a:tc>
+                <a:tc>
+                  <a:txBody>
+                    <a:bodyPr/>
+                    <a:lstStyle/>
+                    <a:p>
+                      <a:endParaRPr lang="en-US"/>
+                    </a:p>
+                  </a:txBody>
+                  <a:tcPr anchor="ctr">
+                    <a:lnL w="12700" cap="flat" cmpd="sng" algn="ctr">
+                      <a:solidFill>
+                        <a:schemeClr val="accent2"/>
+                      </a:solidFill>
+                      <a:prstDash val="solid"/>
+                      <a:round/>
+                      <a:headEnd type="none" w="med" len="med"/>
+                      <a:tailEnd type="none" w="med" len="med"/>
+                    </a:lnL>
+                    <a:lnR w="12700" cap="flat" cmpd="sng" algn="ctr">
+                      <a:solidFill>
+                        <a:schemeClr val="accent2"/>
+                      </a:solidFill>
+                      <a:prstDash val="solid"/>
+                      <a:round/>
+                      <a:headEnd type="none" w="med" len="med"/>
+                      <a:tailEnd type="none" w="med" len="med"/>
+                    </a:lnR>
+                    <a:lnT w="12700" cap="flat" cmpd="sng" algn="ctr">
+                      <a:solidFill>
+                        <a:schemeClr val="accent2"/>
+                      </a:solidFill>
+                      <a:prstDash val="solid"/>
+                      <a:round/>
+                      <a:headEnd type="none" w="med" len="med"/>
+                      <a:tailEnd type="none" w="med" len="med"/>
+                    </a:lnT>
+                    <a:lnB w="12700" cap="flat" cmpd="sng" algn="ctr">
+                      <a:solidFill>
+                        <a:schemeClr val="accent2"/>
+                      </a:solidFill>
+                      <a:prstDash val="solid"/>
+                      <a:round/>
+                      <a:headEnd type="none" w="med" len="med"/>
+                      <a:tailEnd type="none" w="med" len="med"/>
+                    </a:lnB>
+                    <a:noFill/>
+                  </a:tcPr>
+                </a:tc>
+                <a:tc>
+                  <a:txBody>
+                    <a:bodyPr/>
+                    <a:lstStyle/>
+                    <a:p>
+                      <a:endParaRPr lang="en-US"/>
+                    </a:p>
+                  </a:txBody>
+                  <a:tcPr anchor="ctr">
+                    <a:lnL w="12700" cap="flat" cmpd="sng" algn="ctr">
+                      <a:solidFill>
+                        <a:schemeClr val="accent2"/>
+                      </a:solidFill>
+                      <a:prstDash val="solid"/>
+                      <a:round/>
+                      <a:headEnd type="none" w="med" len="med"/>
+                      <a:tailEnd type="none" w="med" len="med"/>
+                    </a:lnL>
+                    <a:lnR w="12700" cap="flat" cmpd="sng" algn="ctr">
+                      <a:solidFill>
+                        <a:schemeClr val="accent2"/>
+                      </a:solidFill>
+                      <a:prstDash val="solid"/>
+                      <a:round/>
+                      <a:headEnd type="none" w="med" len="med"/>
+                      <a:tailEnd type="none" w="med" len="med"/>
+                    </a:lnR>
+                    <a:lnT w="12700" cap="flat" cmpd="sng" algn="ctr">
+                      <a:solidFill>
+                        <a:schemeClr val="accent2"/>
+                      </a:solidFill>
+                      <a:prstDash val="solid"/>
+                      <a:round/>
+                      <a:headEnd type="none" w="med" len="med"/>
+                      <a:tailEnd type="none" w="med" len="med"/>
+                    </a:lnT>
+                    <a:lnB w="12700" cap="flat" cmpd="sng" algn="ctr">
+                      <a:solidFill>
+                        <a:schemeClr val="accent2"/>
+                      </a:solidFill>
+                      <a:prstDash val="solid"/>
+                      <a:round/>
+                      <a:headEnd type="none" w="med" len="med"/>
+                      <a:tailEnd type="none" w="med" len="med"/>
+                    </a:lnB>
+                    <a:noFill/>
+                  </a:tcPr>
+                </a:tc>
+                <a:tc>
+                  <a:txBody>
+                    <a:bodyPr/>
+                    <a:lstStyle/>
+                    <a:p>
+                      <a:endParaRPr lang="en-US" dirty="0"/>
+                    </a:p>
+                  </a:txBody>
+                  <a:tcPr anchor="ctr">
+                    <a:lnL w="12700" cap="flat" cmpd="sng" algn="ctr">
+                      <a:solidFill>
+                        <a:schemeClr val="accent2"/>
+                      </a:solidFill>
+                      <a:prstDash val="solid"/>
+                      <a:round/>
+                      <a:headEnd type="none" w="med" len="med"/>
+                      <a:tailEnd type="none" w="med" len="med"/>
+                    </a:lnL>
+                    <a:lnR w="12700" cap="flat" cmpd="sng" algn="ctr">
+                      <a:solidFill>
+                        <a:schemeClr val="accent2"/>
+                      </a:solidFill>
+                      <a:prstDash val="solid"/>
+                      <a:round/>
+                      <a:headEnd type="none" w="med" len="med"/>
+                      <a:tailEnd type="none" w="med" len="med"/>
+                    </a:lnR>
+                    <a:lnT w="12700" cap="flat" cmpd="sng" algn="ctr">
+                      <a:solidFill>
+                        <a:schemeClr val="accent2"/>
+                      </a:solidFill>
+                      <a:prstDash val="solid"/>
+                      <a:round/>
+                      <a:headEnd type="none" w="med" len="med"/>
+                      <a:tailEnd type="none" w="med" len="med"/>
+                    </a:lnT>
+                    <a:lnB w="12700" cap="flat" cmpd="sng" algn="ctr">
+                      <a:solidFill>
+                        <a:schemeClr val="accent2"/>
+                      </a:solidFill>
+                      <a:prstDash val="solid"/>
+                      <a:round/>
+                      <a:headEnd type="none" w="med" len="med"/>
+                      <a:tailEnd type="none" w="med" len="med"/>
+                    </a:lnB>
+                    <a:noFill/>
+                  </a:tcPr>
+                </a:tc>
+                <a:extLst>
+                  <a:ext uri="{0D108BD9-81ED-4DB2-BD59-A6C34878D82A}">
+                    <a16:rowId xmlns:a16="http://schemas.microsoft.com/office/drawing/2014/main" val="572098557"/>
+                  </a:ext>
+                </a:extLst>
+              </a:tr>
+              <a:tr h="560657">
+                <a:tc>
+                  <a:txBody>
+                    <a:bodyPr/>
+                    <a:lstStyle/>
+                    <a:p>
+                      <a:r>
+                        <a:rPr lang="en-US" dirty="0"/>
+                        <a:t>M. Smith</a:t>
+                      </a:r>
+                    </a:p>
+                  </a:txBody>
+                  <a:tcPr anchor="ctr">
+                    <a:lnR w="12700" cap="flat" cmpd="sng" algn="ctr">
+                      <a:solidFill>
+                        <a:schemeClr val="accent2"/>
+                      </a:solidFill>
+                      <a:prstDash val="solid"/>
+                      <a:round/>
+                      <a:headEnd type="none" w="med" len="med"/>
+                      <a:tailEnd type="none" w="med" len="med"/>
+                    </a:lnR>
+                  </a:tcPr>
+                </a:tc>
+                <a:tc>
+                  <a:txBody>
+                    <a:bodyPr/>
+                    <a:lstStyle/>
+                    <a:p>
+                      <a:endParaRPr lang="en-US"/>
+                    </a:p>
+                  </a:txBody>
+                  <a:tcPr anchor="ctr">
+                    <a:lnL w="12700" cap="flat" cmpd="sng" algn="ctr">
+                      <a:solidFill>
+                        <a:schemeClr val="accent2"/>
+                      </a:solidFill>
+                      <a:prstDash val="solid"/>
+                      <a:round/>
+                      <a:headEnd type="none" w="med" len="med"/>
+                      <a:tailEnd type="none" w="med" len="med"/>
+                    </a:lnL>
+                    <a:lnR w="12700" cap="flat" cmpd="sng" algn="ctr">
+                      <a:solidFill>
+                        <a:schemeClr val="accent2"/>
+                      </a:solidFill>
+                      <a:prstDash val="solid"/>
+                      <a:round/>
+                      <a:headEnd type="none" w="med" len="med"/>
+                      <a:tailEnd type="none" w="med" len="med"/>
+                    </a:lnR>
+                    <a:lnT w="12700" cap="flat" cmpd="sng" algn="ctr">
+                      <a:solidFill>
+                        <a:schemeClr val="accent2"/>
+                      </a:solidFill>
+                      <a:prstDash val="solid"/>
+                      <a:round/>
+                      <a:headEnd type="none" w="med" len="med"/>
+                      <a:tailEnd type="none" w="med" len="med"/>
+                    </a:lnT>
+                    <a:lnB w="12700" cap="flat" cmpd="sng" algn="ctr">
+                      <a:solidFill>
+                        <a:schemeClr val="accent2"/>
+                      </a:solidFill>
+                      <a:prstDash val="solid"/>
+                      <a:round/>
+                      <a:headEnd type="none" w="med" len="med"/>
+                      <a:tailEnd type="none" w="med" len="med"/>
+                    </a:lnB>
+                    <a:noFill/>
+                  </a:tcPr>
+                </a:tc>
+                <a:tc>
+                  <a:txBody>
+                    <a:bodyPr/>
+                    <a:lstStyle/>
+                    <a:p>
+                      <a:endParaRPr lang="en-US" dirty="0"/>
+                    </a:p>
+                  </a:txBody>
+                  <a:tcPr anchor="ctr">
+                    <a:lnL w="12700" cap="flat" cmpd="sng" algn="ctr">
+                      <a:solidFill>
+                        <a:schemeClr val="accent2"/>
+                      </a:solidFill>
+                      <a:prstDash val="solid"/>
+                      <a:round/>
+                      <a:headEnd type="none" w="med" len="med"/>
+                      <a:tailEnd type="none" w="med" len="med"/>
+                    </a:lnL>
+                    <a:lnR w="12700" cap="flat" cmpd="sng" algn="ctr">
+                      <a:solidFill>
+                        <a:schemeClr val="accent2"/>
+                      </a:solidFill>
+                      <a:prstDash val="solid"/>
+                      <a:round/>
+                      <a:headEnd type="none" w="med" len="med"/>
+                      <a:tailEnd type="none" w="med" len="med"/>
+                    </a:lnR>
+                    <a:lnT w="12700" cap="flat" cmpd="sng" algn="ctr">
+                      <a:solidFill>
+                        <a:schemeClr val="accent2"/>
+                      </a:solidFill>
+                      <a:prstDash val="solid"/>
+                      <a:round/>
+                      <a:headEnd type="none" w="med" len="med"/>
+                      <a:tailEnd type="none" w="med" len="med"/>
+                    </a:lnT>
+                    <a:lnB w="12700" cap="flat" cmpd="sng" algn="ctr">
+                      <a:solidFill>
+                        <a:schemeClr val="accent2"/>
+                      </a:solidFill>
+                      <a:prstDash val="solid"/>
+                      <a:round/>
+                      <a:headEnd type="none" w="med" len="med"/>
+                      <a:tailEnd type="none" w="med" len="med"/>
+                    </a:lnB>
+                    <a:noFill/>
+                  </a:tcPr>
+                </a:tc>
+                <a:tc>
+                  <a:txBody>
+                    <a:bodyPr/>
+                    <a:lstStyle/>
+                    <a:p>
+                      <a:endParaRPr lang="en-US"/>
+                    </a:p>
+                  </a:txBody>
+                  <a:tcPr anchor="ctr">
+                    <a:lnL w="12700" cap="flat" cmpd="sng" algn="ctr">
+                      <a:solidFill>
+                        <a:schemeClr val="accent2"/>
+                      </a:solidFill>
+                      <a:prstDash val="solid"/>
+                      <a:round/>
+                      <a:headEnd type="none" w="med" len="med"/>
+                      <a:tailEnd type="none" w="med" len="med"/>
+                    </a:lnL>
+                    <a:lnR w="12700" cap="flat" cmpd="sng" algn="ctr">
+                      <a:solidFill>
+                        <a:schemeClr val="accent2"/>
+                      </a:solidFill>
+                      <a:prstDash val="solid"/>
+                      <a:round/>
+                      <a:headEnd type="none" w="med" len="med"/>
+                      <a:tailEnd type="none" w="med" len="med"/>
+                    </a:lnR>
+                    <a:lnT w="12700" cap="flat" cmpd="sng" algn="ctr">
+                      <a:solidFill>
+                        <a:schemeClr val="accent2"/>
+                      </a:solidFill>
+                      <a:prstDash val="solid"/>
+                      <a:round/>
+                      <a:headEnd type="none" w="med" len="med"/>
+                      <a:tailEnd type="none" w="med" len="med"/>
+                    </a:lnT>
+                    <a:lnB w="12700" cap="flat" cmpd="sng" algn="ctr">
+                      <a:solidFill>
+                        <a:schemeClr val="accent2"/>
+                      </a:solidFill>
+                      <a:prstDash val="solid"/>
+                      <a:round/>
+                      <a:headEnd type="none" w="med" len="med"/>
+                      <a:tailEnd type="none" w="med" len="med"/>
+                    </a:lnB>
+                    <a:noFill/>
+                  </a:tcPr>
+                </a:tc>
+                <a:extLst>
+                  <a:ext uri="{0D108BD9-81ED-4DB2-BD59-A6C34878D82A}">
+                    <a16:rowId xmlns:a16="http://schemas.microsoft.com/office/drawing/2014/main" val="4128074460"/>
+                  </a:ext>
+                </a:extLst>
+              </a:tr>
+              <a:tr h="560657">
+                <a:tc>
+                  <a:txBody>
+                    <a:bodyPr/>
+                    <a:lstStyle/>
+                    <a:p>
+                      <a:r>
+                        <a:rPr lang="en-US" dirty="0"/>
+                        <a:t>G. </a:t>
+                      </a:r>
+                      <a:r>
+                        <a:rPr lang="en-US" dirty="0" err="1"/>
+                        <a:t>Rua</a:t>
+                      </a:r>
+                      <a:endParaRPr lang="en-US" dirty="0"/>
+                    </a:p>
+                  </a:txBody>
+                  <a:tcPr anchor="ctr">
+                    <a:lnR w="12700" cap="flat" cmpd="sng" algn="ctr">
+                      <a:solidFill>
+                        <a:schemeClr val="accent2"/>
+                      </a:solidFill>
+                      <a:prstDash val="solid"/>
+                      <a:round/>
+                      <a:headEnd type="none" w="med" len="med"/>
+                      <a:tailEnd type="none" w="med" len="med"/>
+                    </a:lnR>
+                  </a:tcPr>
+                </a:tc>
+                <a:tc>
+                  <a:txBody>
+                    <a:bodyPr/>
+                    <a:lstStyle/>
+                    <a:p>
+                      <a:endParaRPr lang="en-US" dirty="0"/>
+                    </a:p>
+                  </a:txBody>
+                  <a:tcPr anchor="ctr">
+                    <a:lnL w="12700" cap="flat" cmpd="sng" algn="ctr">
+                      <a:solidFill>
+                        <a:schemeClr val="accent2"/>
+                      </a:solidFill>
+                      <a:prstDash val="solid"/>
+                      <a:round/>
+                      <a:headEnd type="none" w="med" len="med"/>
+                      <a:tailEnd type="none" w="med" len="med"/>
+                    </a:lnL>
+                    <a:lnR w="12700" cap="flat" cmpd="sng" algn="ctr">
+                      <a:solidFill>
+                        <a:schemeClr val="accent2"/>
+                      </a:solidFill>
+                      <a:prstDash val="solid"/>
+                      <a:round/>
+                      <a:headEnd type="none" w="med" len="med"/>
+                      <a:tailEnd type="none" w="med" len="med"/>
+                    </a:lnR>
+                    <a:lnT w="12700" cap="flat" cmpd="sng" algn="ctr">
+                      <a:solidFill>
+                        <a:schemeClr val="accent2"/>
+                      </a:solidFill>
+                      <a:prstDash val="solid"/>
+                      <a:round/>
+                      <a:headEnd type="none" w="med" len="med"/>
+                      <a:tailEnd type="none" w="med" len="med"/>
+                    </a:lnT>
+                    <a:lnB w="12700" cap="flat" cmpd="sng" algn="ctr">
+                      <a:solidFill>
+                        <a:schemeClr val="accent2"/>
+                      </a:solidFill>
+                      <a:prstDash val="solid"/>
+                      <a:round/>
+                      <a:headEnd type="none" w="med" len="med"/>
+                      <a:tailEnd type="none" w="med" len="med"/>
+                    </a:lnB>
+                    <a:noFill/>
+                  </a:tcPr>
+                </a:tc>
+                <a:tc>
+                  <a:txBody>
+                    <a:bodyPr/>
+                    <a:lstStyle/>
+                    <a:p>
+                      <a:endParaRPr lang="en-US" dirty="0"/>
+                    </a:p>
+                  </a:txBody>
+                  <a:tcPr anchor="ctr">
+                    <a:lnL w="12700" cap="flat" cmpd="sng" algn="ctr">
+                      <a:solidFill>
+                        <a:schemeClr val="accent2"/>
+                      </a:solidFill>
+                      <a:prstDash val="solid"/>
+                      <a:round/>
+                      <a:headEnd type="none" w="med" len="med"/>
+                      <a:tailEnd type="none" w="med" len="med"/>
+                    </a:lnL>
+                    <a:lnR w="12700" cap="flat" cmpd="sng" algn="ctr">
+                      <a:solidFill>
+                        <a:schemeClr val="accent2"/>
+                      </a:solidFill>
+                      <a:prstDash val="solid"/>
+                      <a:round/>
+                      <a:headEnd type="none" w="med" len="med"/>
+                      <a:tailEnd type="none" w="med" len="med"/>
+                    </a:lnR>
+                    <a:lnT w="12700" cap="flat" cmpd="sng" algn="ctr">
+                      <a:solidFill>
+                        <a:schemeClr val="accent2"/>
+                      </a:solidFill>
+                      <a:prstDash val="solid"/>
+                      <a:round/>
+                      <a:headEnd type="none" w="med" len="med"/>
+                      <a:tailEnd type="none" w="med" len="med"/>
+                    </a:lnT>
+                    <a:lnB w="12700" cap="flat" cmpd="sng" algn="ctr">
+                      <a:solidFill>
+                        <a:schemeClr val="accent2"/>
+                      </a:solidFill>
+                      <a:prstDash val="solid"/>
+                      <a:round/>
+                      <a:headEnd type="none" w="med" len="med"/>
+                      <a:tailEnd type="none" w="med" len="med"/>
+                    </a:lnB>
+                    <a:noFill/>
+                  </a:tcPr>
+                </a:tc>
+                <a:tc>
+                  <a:txBody>
+                    <a:bodyPr/>
+                    <a:lstStyle/>
+                    <a:p>
+                      <a:endParaRPr lang="en-US" dirty="0"/>
+                    </a:p>
+                  </a:txBody>
+                  <a:tcPr anchor="ctr">
+                    <a:lnL w="12700" cap="flat" cmpd="sng" algn="ctr">
+                      <a:solidFill>
+                        <a:schemeClr val="accent2"/>
+                      </a:solidFill>
+                      <a:prstDash val="solid"/>
+                      <a:round/>
+                      <a:headEnd type="none" w="med" len="med"/>
+                      <a:tailEnd type="none" w="med" len="med"/>
+                    </a:lnL>
+                    <a:lnR w="12700" cap="flat" cmpd="sng" algn="ctr">
+                      <a:solidFill>
+                        <a:schemeClr val="accent2"/>
+                      </a:solidFill>
+                      <a:prstDash val="solid"/>
+                      <a:round/>
+                      <a:headEnd type="none" w="med" len="med"/>
+                      <a:tailEnd type="none" w="med" len="med"/>
+                    </a:lnR>
+                    <a:lnT w="12700" cap="flat" cmpd="sng" algn="ctr">
+                      <a:solidFill>
+                        <a:schemeClr val="accent2"/>
+                      </a:solidFill>
+                      <a:prstDash val="solid"/>
+                      <a:round/>
+                      <a:headEnd type="none" w="med" len="med"/>
+                      <a:tailEnd type="none" w="med" len="med"/>
+                    </a:lnT>
+                    <a:lnB w="12700" cap="flat" cmpd="sng" algn="ctr">
+                      <a:solidFill>
+                        <a:schemeClr val="accent2"/>
+                      </a:solidFill>
+                      <a:prstDash val="solid"/>
+                      <a:round/>
+                      <a:headEnd type="none" w="med" len="med"/>
+                      <a:tailEnd type="none" w="med" len="med"/>
+                    </a:lnB>
+                    <a:noFill/>
+                  </a:tcPr>
+                </a:tc>
+                <a:extLst>
+                  <a:ext uri="{0D108BD9-81ED-4DB2-BD59-A6C34878D82A}">
+                    <a16:rowId xmlns:a16="http://schemas.microsoft.com/office/drawing/2014/main" val="1046750601"/>
+                  </a:ext>
+                </a:extLst>
+              </a:tr>
+              <a:tr h="560657">
+                <a:tc>
+                  <a:txBody>
+                    <a:bodyPr/>
+                    <a:lstStyle/>
+                    <a:p>
+                      <a:r>
+                        <a:rPr lang="en-US" dirty="0"/>
+                        <a:t>Y. </a:t>
+                      </a:r>
+                      <a:r>
+                        <a:rPr lang="en-US" dirty="0" err="1"/>
+                        <a:t>Katkici</a:t>
+                      </a:r>
+                      <a:endParaRPr lang="en-US" dirty="0"/>
+                    </a:p>
+                  </a:txBody>
+                  <a:tcPr anchor="ctr">
+                    <a:lnR w="12700" cap="flat" cmpd="sng" algn="ctr">
+                      <a:solidFill>
+                        <a:schemeClr val="accent2"/>
+                      </a:solidFill>
+                      <a:prstDash val="solid"/>
+                      <a:round/>
+                      <a:headEnd type="none" w="med" len="med"/>
+                      <a:tailEnd type="none" w="med" len="med"/>
+                    </a:lnR>
+                  </a:tcPr>
+                </a:tc>
+                <a:tc>
+                  <a:txBody>
+                    <a:bodyPr/>
+                    <a:lstStyle/>
+                    <a:p>
+                      <a:endParaRPr lang="en-US" dirty="0"/>
+                    </a:p>
+                  </a:txBody>
+                  <a:tcPr anchor="ctr">
+                    <a:lnL w="12700" cap="flat" cmpd="sng" algn="ctr">
+                      <a:solidFill>
+                        <a:schemeClr val="accent2"/>
+                      </a:solidFill>
+                      <a:prstDash val="solid"/>
+                      <a:round/>
+                      <a:headEnd type="none" w="med" len="med"/>
+                      <a:tailEnd type="none" w="med" len="med"/>
+                    </a:lnL>
+                    <a:lnR w="12700" cap="flat" cmpd="sng" algn="ctr">
+                      <a:solidFill>
+                        <a:schemeClr val="accent2"/>
+                      </a:solidFill>
+                      <a:prstDash val="solid"/>
+                      <a:round/>
+                      <a:headEnd type="none" w="med" len="med"/>
+                      <a:tailEnd type="none" w="med" len="med"/>
+                    </a:lnR>
+                    <a:lnT w="12700" cap="flat" cmpd="sng" algn="ctr">
+                      <a:solidFill>
+                        <a:schemeClr val="accent2"/>
+                      </a:solidFill>
+                      <a:prstDash val="solid"/>
+                      <a:round/>
+                      <a:headEnd type="none" w="med" len="med"/>
+                      <a:tailEnd type="none" w="med" len="med"/>
+                    </a:lnT>
+                    <a:lnB w="12700" cap="flat" cmpd="sng" algn="ctr">
+                      <a:solidFill>
+                        <a:schemeClr val="accent2"/>
+                      </a:solidFill>
+                      <a:prstDash val="solid"/>
+                      <a:round/>
+                      <a:headEnd type="none" w="med" len="med"/>
+                      <a:tailEnd type="none" w="med" len="med"/>
+                    </a:lnB>
+                    <a:noFill/>
+                  </a:tcPr>
+                </a:tc>
+                <a:tc>
+                  <a:txBody>
+                    <a:bodyPr/>
+                    <a:lstStyle/>
+                    <a:p>
+                      <a:endParaRPr lang="en-US" dirty="0"/>
+                    </a:p>
+                  </a:txBody>
+                  <a:tcPr anchor="ctr">
+                    <a:lnL w="12700" cap="flat" cmpd="sng" algn="ctr">
+                      <a:solidFill>
+                        <a:schemeClr val="accent2"/>
+                      </a:solidFill>
+                      <a:prstDash val="solid"/>
+                      <a:round/>
+                      <a:headEnd type="none" w="med" len="med"/>
+                      <a:tailEnd type="none" w="med" len="med"/>
+                    </a:lnL>
+                    <a:lnR w="12700" cap="flat" cmpd="sng" algn="ctr">
+                      <a:solidFill>
+                        <a:schemeClr val="accent2"/>
+                      </a:solidFill>
+                      <a:prstDash val="solid"/>
+                      <a:round/>
+                      <a:headEnd type="none" w="med" len="med"/>
+                      <a:tailEnd type="none" w="med" len="med"/>
+                    </a:lnR>
+                    <a:lnT w="12700" cap="flat" cmpd="sng" algn="ctr">
+                      <a:solidFill>
+                        <a:schemeClr val="accent2"/>
+                      </a:solidFill>
+                      <a:prstDash val="solid"/>
+                      <a:round/>
+                      <a:headEnd type="none" w="med" len="med"/>
+                      <a:tailEnd type="none" w="med" len="med"/>
+                    </a:lnT>
+                    <a:lnB w="12700" cap="flat" cmpd="sng" algn="ctr">
+                      <a:solidFill>
+                        <a:schemeClr val="accent2"/>
+                      </a:solidFill>
+                      <a:prstDash val="solid"/>
+                      <a:round/>
+                      <a:headEnd type="none" w="med" len="med"/>
+                      <a:tailEnd type="none" w="med" len="med"/>
+                    </a:lnB>
+                    <a:noFill/>
+                  </a:tcPr>
+                </a:tc>
+                <a:tc>
+                  <a:txBody>
+                    <a:bodyPr/>
+                    <a:lstStyle/>
+                    <a:p>
+                      <a:endParaRPr lang="en-US" dirty="0"/>
+                    </a:p>
+                  </a:txBody>
+                  <a:tcPr anchor="ctr">
+                    <a:lnL w="12700" cap="flat" cmpd="sng" algn="ctr">
+                      <a:solidFill>
+                        <a:schemeClr val="accent2"/>
+                      </a:solidFill>
+                      <a:prstDash val="solid"/>
+                      <a:round/>
+                      <a:headEnd type="none" w="med" len="med"/>
+                      <a:tailEnd type="none" w="med" len="med"/>
+                    </a:lnL>
+                    <a:lnR w="12700" cap="flat" cmpd="sng" algn="ctr">
+                      <a:solidFill>
+                        <a:schemeClr val="accent2"/>
+                      </a:solidFill>
+                      <a:prstDash val="solid"/>
+                      <a:round/>
+                      <a:headEnd type="none" w="med" len="med"/>
+                      <a:tailEnd type="none" w="med" len="med"/>
+                    </a:lnR>
+                    <a:lnT w="12700" cap="flat" cmpd="sng" algn="ctr">
+                      <a:solidFill>
+                        <a:schemeClr val="accent2"/>
+                      </a:solidFill>
+                      <a:prstDash val="solid"/>
+                      <a:round/>
+                      <a:headEnd type="none" w="med" len="med"/>
+                      <a:tailEnd type="none" w="med" len="med"/>
+                    </a:lnT>
+                    <a:lnB w="12700" cap="flat" cmpd="sng" algn="ctr">
+                      <a:solidFill>
+                        <a:schemeClr val="accent2"/>
+                      </a:solidFill>
+                      <a:prstDash val="solid"/>
+                      <a:round/>
+                      <a:headEnd type="none" w="med" len="med"/>
+                      <a:tailEnd type="none" w="med" len="med"/>
+                    </a:lnB>
+                    <a:noFill/>
+                  </a:tcPr>
+                </a:tc>
+                <a:extLst>
+                  <a:ext uri="{0D108BD9-81ED-4DB2-BD59-A6C34878D82A}">
+                    <a16:rowId xmlns:a16="http://schemas.microsoft.com/office/drawing/2014/main" val="2018771186"/>
+                  </a:ext>
+                </a:extLst>
+              </a:tr>
+            </a:tbl>
+          </a:graphicData>
+        </a:graphic>
+      </p:graphicFrame>
+      <p:sp>
+        <p:nvSpPr>
+          <p:cNvPr id="8" name="TextBox 7">
+            <a:extLst>
+              <a:ext uri="{FF2B5EF4-FFF2-40B4-BE49-F238E27FC236}">
+                <a16:creationId xmlns:a16="http://schemas.microsoft.com/office/drawing/2014/main" id="{CE7E9200-EA62-204E-B3CB-20A1E3E3AFEF}"/>
+              </a:ext>
+            </a:extLst>
+          </p:cNvPr>
+          <p:cNvSpPr txBox="1"/>
           <p:nvPr/>
         </p:nvSpPr>
         <p:spPr>
           <a:xfrm>
-            <a:off x="609600" y="3897630"/>
-            <a:ext cx="1600200" cy="548640"/>
+            <a:off x="8953995" y="1828800"/>
+            <a:ext cx="184731" cy="369332"/>
           </a:xfrm>
           <a:prstGeom prst="rect">
             <a:avLst/>
           </a:prstGeom>
-          <a:ln/>
+          <a:noFill/>
         </p:spPr>
-        <p:style>
-          <a:lnRef idx="3">
-            <a:schemeClr val="lt1"/>
-          </a:lnRef>
-          <a:fillRef idx="1">
-            <a:schemeClr val="accent3"/>
-          </a:fillRef>
-          <a:effectRef idx="1">
-            <a:schemeClr val="accent3"/>
-          </a:effectRef>
-          <a:fontRef idx="minor">
-            <a:schemeClr val="lt1"/>
-          </a:fontRef>
-        </p:style>
         <p:txBody>
-          <a:bodyPr vert="horz" lIns="137160" tIns="182880" rIns="137160" bIns="91440">
-            <a:normAutofit fontScale="70000" lnSpcReduction="20000"/>
+          <a:bodyPr wrap="none" rtlCol="0">
+            <a:spAutoFit/>
           </a:bodyPr>
-          <a:lstStyle>
-            <a:lvl1pPr marL="0" indent="0" algn="l" rtl="0" eaLnBrk="1" latinLnBrk="0" hangingPunct="1">
-              <a:spcBef>
-                <a:spcPts val="700"/>
-              </a:spcBef>
-              <a:spcAft>
-                <a:spcPts val="1000"/>
-              </a:spcAft>
-              <a:buClr>
-                <a:schemeClr val="accent2"/>
-              </a:buClr>
-              <a:buSzPct val="60000"/>
-              <a:buFont typeface="Wingdings"/>
-              <a:buNone/>
-              <a:defRPr kumimoji="0" sz="1800" kern="1200">
-                <a:solidFill>
-                  <a:schemeClr val="lt1"/>
-                </a:solidFill>
-                <a:latin typeface="+mn-lt"/>
-                <a:ea typeface="+mn-ea"/>
-                <a:cs typeface="+mn-cs"/>
-              </a:defRPr>
-            </a:lvl1pPr>
-            <a:lvl2pPr marL="640080" indent="-274320" algn="l" rtl="0" eaLnBrk="1" latinLnBrk="0" hangingPunct="1">
-              <a:spcBef>
-                <a:spcPts val="550"/>
-              </a:spcBef>
-              <a:buClr>
-                <a:schemeClr val="accent1"/>
-              </a:buClr>
-              <a:buSzPct val="70000"/>
-              <a:buFont typeface="Wingdings 2"/>
-              <a:buNone/>
-              <a:defRPr kumimoji="0" sz="1200" kern="1200">
-                <a:solidFill>
-                  <a:schemeClr val="lt1"/>
-                </a:solidFill>
-                <a:latin typeface="+mn-lt"/>
-                <a:ea typeface="+mn-ea"/>
-                <a:cs typeface="+mn-cs"/>
-              </a:defRPr>
-            </a:lvl2pPr>
-            <a:lvl3pPr marL="914400" indent="-228600" algn="l" rtl="0" eaLnBrk="1" latinLnBrk="0" hangingPunct="1">
-              <a:spcBef>
-                <a:spcPts val="500"/>
-              </a:spcBef>
-              <a:buClr>
-                <a:schemeClr val="accent2"/>
-              </a:buClr>
-              <a:buSzPct val="75000"/>
-              <a:buFont typeface="Wingdings"/>
-              <a:buNone/>
-              <a:defRPr kumimoji="0" sz="1000" kern="1200">
-                <a:solidFill>
-                  <a:schemeClr val="lt1"/>
-                </a:solidFill>
-                <a:latin typeface="+mn-lt"/>
-                <a:ea typeface="+mn-ea"/>
-                <a:cs typeface="+mn-cs"/>
-              </a:defRPr>
-            </a:lvl3pPr>
-            <a:lvl4pPr marL="1371600" indent="-228600" algn="l" rtl="0" eaLnBrk="1" latinLnBrk="0" hangingPunct="1">
-              <a:spcBef>
-                <a:spcPts val="400"/>
-              </a:spcBef>
-              <a:buClr>
-                <a:schemeClr val="accent3"/>
-              </a:buClr>
-              <a:buSzPct val="75000"/>
-              <a:buFont typeface="Wingdings"/>
-              <a:buNone/>
-              <a:defRPr kumimoji="0" sz="900" kern="1200">
-                <a:solidFill>
-                  <a:schemeClr val="lt1"/>
-                </a:solidFill>
-                <a:latin typeface="+mn-lt"/>
-                <a:ea typeface="+mn-ea"/>
-                <a:cs typeface="+mn-cs"/>
-              </a:defRPr>
-            </a:lvl4pPr>
-            <a:lvl5pPr marL="1828800" indent="-228600" algn="l" rtl="0" eaLnBrk="1" latinLnBrk="0" hangingPunct="1">
-              <a:spcBef>
-                <a:spcPts val="400"/>
-              </a:spcBef>
-              <a:buClr>
-                <a:schemeClr val="accent4"/>
-              </a:buClr>
-              <a:buSzPct val="65000"/>
-              <a:buFont typeface="Wingdings"/>
-              <a:buNone/>
-              <a:defRPr kumimoji="0" sz="900" kern="1200">
-                <a:solidFill>
-                  <a:schemeClr val="lt1"/>
-                </a:solidFill>
-                <a:latin typeface="+mn-lt"/>
-                <a:ea typeface="+mn-ea"/>
-                <a:cs typeface="+mn-cs"/>
-              </a:defRPr>
-            </a:lvl5pPr>
-            <a:lvl6pPr marL="2103120" indent="-228600" algn="l" rtl="0" eaLnBrk="1" latinLnBrk="0" hangingPunct="1">
-              <a:spcBef>
-                <a:spcPct val="20000"/>
-              </a:spcBef>
-              <a:buClr>
-                <a:schemeClr val="accent1"/>
-              </a:buClr>
-              <a:buFont typeface="Wingdings"/>
-              <a:buChar char="§"/>
-              <a:defRPr kumimoji="0" sz="1800" kern="1200" baseline="0">
-                <a:solidFill>
-                  <a:schemeClr val="lt1"/>
-                </a:solidFill>
-                <a:latin typeface="+mn-lt"/>
-                <a:ea typeface="+mn-ea"/>
-                <a:cs typeface="+mn-cs"/>
-              </a:defRPr>
-            </a:lvl6pPr>
-            <a:lvl7pPr marL="2377440" indent="-228600" algn="l" rtl="0" eaLnBrk="1" latinLnBrk="0" hangingPunct="1">
-              <a:spcBef>
-                <a:spcPct val="20000"/>
-              </a:spcBef>
-              <a:buClr>
-                <a:schemeClr val="accent2"/>
-              </a:buClr>
-              <a:buFont typeface="Wingdings"/>
-              <a:buChar char="§"/>
-              <a:defRPr kumimoji="0" sz="1800" kern="1200" baseline="0">
-                <a:solidFill>
-                  <a:schemeClr val="lt1"/>
-                </a:solidFill>
-                <a:latin typeface="+mn-lt"/>
-                <a:ea typeface="+mn-ea"/>
-                <a:cs typeface="+mn-cs"/>
-              </a:defRPr>
-            </a:lvl7pPr>
-            <a:lvl8pPr marL="2651760" indent="-228600" algn="l" rtl="0" eaLnBrk="1" latinLnBrk="0" hangingPunct="1">
-              <a:spcBef>
-                <a:spcPct val="20000"/>
-              </a:spcBef>
-              <a:buClr>
-                <a:schemeClr val="accent3"/>
-              </a:buClr>
-              <a:buFont typeface="Wingdings"/>
-              <a:buChar char="§"/>
-              <a:defRPr kumimoji="0" sz="1800" kern="1200" baseline="0">
-                <a:solidFill>
-                  <a:schemeClr val="lt1"/>
-                </a:solidFill>
-                <a:latin typeface="+mn-lt"/>
-                <a:ea typeface="+mn-ea"/>
-                <a:cs typeface="+mn-cs"/>
-              </a:defRPr>
-            </a:lvl8pPr>
-            <a:lvl9pPr marL="2926080" indent="-228600" algn="l" rtl="0" eaLnBrk="1" latinLnBrk="0" hangingPunct="1">
-              <a:spcBef>
-                <a:spcPct val="20000"/>
-              </a:spcBef>
-              <a:buClr>
-                <a:schemeClr val="accent4"/>
-              </a:buClr>
-              <a:buFont typeface="Wingdings"/>
-              <a:buChar char="§"/>
-              <a:defRPr kumimoji="0" sz="1800" kern="1200" baseline="0">
-                <a:solidFill>
-                  <a:schemeClr val="lt1"/>
-                </a:solidFill>
-                <a:latin typeface="+mn-lt"/>
-                <a:ea typeface="+mn-ea"/>
-                <a:cs typeface="+mn-cs"/>
-              </a:defRPr>
-            </a:lvl9pPr>
-          </a:lstStyle>
+          <a:lstStyle/>
           <a:p>
-            <a:pPr defTabSz="914400"/>
-            <a:r>
-              <a:rPr lang="en-US" dirty="0"/>
-              <a:t>How to use in future </a:t>
-            </a:r>
-          </a:p>
-        </p:txBody>
-      </p:sp>
-      <p:sp>
-        <p:nvSpPr>
-          <p:cNvPr id="13" name="Text Placeholder 8">
-            <a:extLst>
-              <a:ext uri="{FF2B5EF4-FFF2-40B4-BE49-F238E27FC236}">
-                <a16:creationId xmlns:a16="http://schemas.microsoft.com/office/drawing/2014/main" id="{B921669A-C178-084E-A761-E3E0E89DD9F2}"/>
-              </a:ext>
-            </a:extLst>
-          </p:cNvPr>
-          <p:cNvSpPr txBox="1">
-            <a:spLocks/>
-          </p:cNvSpPr>
-          <p:nvPr/>
-        </p:nvSpPr>
-        <p:spPr>
-          <a:xfrm>
-            <a:off x="609600" y="1316736"/>
-            <a:ext cx="1600200" cy="457200"/>
-          </a:xfrm>
-          <a:prstGeom prst="rect">
-            <a:avLst/>
-          </a:prstGeom>
-          <a:ln w="47625" cap="flat" cmpd="dbl" algn="ctr">
-            <a:solidFill>
-              <a:schemeClr val="lt1"/>
-            </a:solidFill>
-            <a:prstDash val="solid"/>
-            <a:miter lim="800000"/>
-          </a:ln>
-        </p:spPr>
-        <p:style>
-          <a:lnRef idx="3">
-            <a:schemeClr val="lt1"/>
-          </a:lnRef>
-          <a:fillRef idx="1">
-            <a:schemeClr val="accent2"/>
-          </a:fillRef>
-          <a:effectRef idx="1">
-            <a:schemeClr val="accent2"/>
-          </a:effectRef>
-          <a:fontRef idx="minor">
-            <a:schemeClr val="lt1"/>
-          </a:fontRef>
-        </p:style>
-        <p:txBody>
-          <a:bodyPr vert="horz" lIns="137160" tIns="182880" rIns="137160" bIns="91440">
-            <a:normAutofit fontScale="85000" lnSpcReduction="20000"/>
-          </a:bodyPr>
-          <a:lstStyle>
-            <a:lvl1pPr marL="0" indent="0" algn="l" rtl="0" eaLnBrk="1" latinLnBrk="0" hangingPunct="1">
-              <a:spcBef>
-                <a:spcPts val="700"/>
-              </a:spcBef>
-              <a:spcAft>
-                <a:spcPts val="1000"/>
-              </a:spcAft>
-              <a:buClr>
-                <a:schemeClr val="accent2"/>
-              </a:buClr>
-              <a:buSzPct val="60000"/>
-              <a:buFont typeface="Wingdings"/>
-              <a:buNone/>
-              <a:defRPr kumimoji="0" sz="1800" kern="1200">
-                <a:solidFill>
-                  <a:schemeClr val="lt1"/>
-                </a:solidFill>
-                <a:latin typeface="+mn-lt"/>
-                <a:ea typeface="+mn-ea"/>
-                <a:cs typeface="+mn-cs"/>
-              </a:defRPr>
-            </a:lvl1pPr>
-            <a:lvl2pPr marL="640080" indent="-274320" algn="l" rtl="0" eaLnBrk="1" latinLnBrk="0" hangingPunct="1">
-              <a:spcBef>
-                <a:spcPts val="550"/>
-              </a:spcBef>
-              <a:buClr>
-                <a:schemeClr val="accent1"/>
-              </a:buClr>
-              <a:buSzPct val="70000"/>
-              <a:buFont typeface="Wingdings 2"/>
-              <a:buNone/>
-              <a:defRPr kumimoji="0" sz="1200" kern="1200">
-                <a:solidFill>
-                  <a:schemeClr val="lt1"/>
-                </a:solidFill>
-                <a:latin typeface="+mn-lt"/>
-                <a:ea typeface="+mn-ea"/>
-                <a:cs typeface="+mn-cs"/>
-              </a:defRPr>
-            </a:lvl2pPr>
-            <a:lvl3pPr marL="914400" indent="-228600" algn="l" rtl="0" eaLnBrk="1" latinLnBrk="0" hangingPunct="1">
-              <a:spcBef>
-                <a:spcPts val="500"/>
-              </a:spcBef>
-              <a:buClr>
-                <a:schemeClr val="accent2"/>
-              </a:buClr>
-              <a:buSzPct val="75000"/>
-              <a:buFont typeface="Wingdings"/>
-              <a:buNone/>
-              <a:defRPr kumimoji="0" sz="1000" kern="1200">
-                <a:solidFill>
-                  <a:schemeClr val="lt1"/>
-                </a:solidFill>
-                <a:latin typeface="+mn-lt"/>
-                <a:ea typeface="+mn-ea"/>
-                <a:cs typeface="+mn-cs"/>
-              </a:defRPr>
-            </a:lvl3pPr>
-            <a:lvl4pPr marL="1371600" indent="-228600" algn="l" rtl="0" eaLnBrk="1" latinLnBrk="0" hangingPunct="1">
-              <a:spcBef>
-                <a:spcPts val="400"/>
-              </a:spcBef>
-              <a:buClr>
-                <a:schemeClr val="accent3"/>
-              </a:buClr>
-              <a:buSzPct val="75000"/>
-              <a:buFont typeface="Wingdings"/>
-              <a:buNone/>
-              <a:defRPr kumimoji="0" sz="900" kern="1200">
-                <a:solidFill>
-                  <a:schemeClr val="lt1"/>
-                </a:solidFill>
-                <a:latin typeface="+mn-lt"/>
-                <a:ea typeface="+mn-ea"/>
-                <a:cs typeface="+mn-cs"/>
-              </a:defRPr>
-            </a:lvl4pPr>
-            <a:lvl5pPr marL="1828800" indent="-228600" algn="l" rtl="0" eaLnBrk="1" latinLnBrk="0" hangingPunct="1">
-              <a:spcBef>
-                <a:spcPts val="400"/>
-              </a:spcBef>
-              <a:buClr>
-                <a:schemeClr val="accent4"/>
-              </a:buClr>
-              <a:buSzPct val="65000"/>
-              <a:buFont typeface="Wingdings"/>
-              <a:buNone/>
-              <a:defRPr kumimoji="0" sz="900" kern="1200">
-                <a:solidFill>
-                  <a:schemeClr val="lt1"/>
-                </a:solidFill>
-                <a:latin typeface="+mn-lt"/>
-                <a:ea typeface="+mn-ea"/>
-                <a:cs typeface="+mn-cs"/>
-              </a:defRPr>
-            </a:lvl5pPr>
-            <a:lvl6pPr marL="2103120" indent="-228600" algn="l" rtl="0" eaLnBrk="1" latinLnBrk="0" hangingPunct="1">
-              <a:spcBef>
-                <a:spcPct val="20000"/>
-              </a:spcBef>
-              <a:buClr>
-                <a:schemeClr val="accent1"/>
-              </a:buClr>
-              <a:buFont typeface="Wingdings"/>
-              <a:buChar char="§"/>
-              <a:defRPr kumimoji="0" sz="1800" kern="1200" baseline="0">
-                <a:solidFill>
-                  <a:schemeClr val="lt1"/>
-                </a:solidFill>
-                <a:latin typeface="+mn-lt"/>
-                <a:ea typeface="+mn-ea"/>
-                <a:cs typeface="+mn-cs"/>
-              </a:defRPr>
-            </a:lvl6pPr>
-            <a:lvl7pPr marL="2377440" indent="-228600" algn="l" rtl="0" eaLnBrk="1" latinLnBrk="0" hangingPunct="1">
-              <a:spcBef>
-                <a:spcPct val="20000"/>
-              </a:spcBef>
-              <a:buClr>
-                <a:schemeClr val="accent2"/>
-              </a:buClr>
-              <a:buFont typeface="Wingdings"/>
-              <a:buChar char="§"/>
-              <a:defRPr kumimoji="0" sz="1800" kern="1200" baseline="0">
-                <a:solidFill>
-                  <a:schemeClr val="lt1"/>
-                </a:solidFill>
-                <a:latin typeface="+mn-lt"/>
-                <a:ea typeface="+mn-ea"/>
-                <a:cs typeface="+mn-cs"/>
-              </a:defRPr>
-            </a:lvl7pPr>
-            <a:lvl8pPr marL="2651760" indent="-228600" algn="l" rtl="0" eaLnBrk="1" latinLnBrk="0" hangingPunct="1">
-              <a:spcBef>
-                <a:spcPct val="20000"/>
-              </a:spcBef>
-              <a:buClr>
-                <a:schemeClr val="accent3"/>
-              </a:buClr>
-              <a:buFont typeface="Wingdings"/>
-              <a:buChar char="§"/>
-              <a:defRPr kumimoji="0" sz="1800" kern="1200" baseline="0">
-                <a:solidFill>
-                  <a:schemeClr val="lt1"/>
-                </a:solidFill>
-                <a:latin typeface="+mn-lt"/>
-                <a:ea typeface="+mn-ea"/>
-                <a:cs typeface="+mn-cs"/>
-              </a:defRPr>
-            </a:lvl8pPr>
-            <a:lvl9pPr marL="2926080" indent="-228600" algn="l" rtl="0" eaLnBrk="1" latinLnBrk="0" hangingPunct="1">
-              <a:spcBef>
-                <a:spcPct val="20000"/>
-              </a:spcBef>
-              <a:buClr>
-                <a:schemeClr val="accent4"/>
-              </a:buClr>
-              <a:buFont typeface="Wingdings"/>
-              <a:buChar char="§"/>
-              <a:defRPr kumimoji="0" sz="1800" kern="1200" baseline="0">
-                <a:solidFill>
-                  <a:schemeClr val="lt1"/>
-                </a:solidFill>
-                <a:latin typeface="+mn-lt"/>
-                <a:ea typeface="+mn-ea"/>
-                <a:cs typeface="+mn-cs"/>
-              </a:defRPr>
-            </a:lvl9pPr>
-          </a:lstStyle>
-          <a:p>
-            <a:pPr defTabSz="914400"/>
-            <a:r>
-              <a:rPr lang="en-US" dirty="0"/>
-              <a:t>Process</a:t>
-            </a:r>
+            <a:endParaRPr lang="en-US" dirty="0"/>
           </a:p>
         </p:txBody>
       </p:sp>
@@ -29326,7 +29555,1636 @@
 </p:sld>
 </file>
 
-<file path=ppt/slides/slide39.xml><?xml version="1.0" encoding="utf-8"?>
+<file path=ppt/slides/slide41.xml><?xml version="1.0" encoding="utf-8"?>
+<p:sld xmlns:a="http://schemas.openxmlformats.org/drawingml/2006/main" xmlns:r="http://schemas.openxmlformats.org/officeDocument/2006/relationships" xmlns:p="http://schemas.openxmlformats.org/presentationml/2006/main">
+  <p:cSld>
+    <p:spTree>
+      <p:nvGrpSpPr>
+        <p:cNvPr id="1" name=""/>
+        <p:cNvGrpSpPr/>
+        <p:nvPr/>
+      </p:nvGrpSpPr>
+      <p:grpSpPr>
+        <a:xfrm>
+          <a:off x="0" y="0"/>
+          <a:ext cx="0" cy="0"/>
+          <a:chOff x="0" y="0"/>
+          <a:chExt cx="0" cy="0"/>
+        </a:xfrm>
+      </p:grpSpPr>
+      <p:sp>
+        <p:nvSpPr>
+          <p:cNvPr id="5" name="Title 4">
+            <a:extLst>
+              <a:ext uri="{FF2B5EF4-FFF2-40B4-BE49-F238E27FC236}">
+                <a16:creationId xmlns:a16="http://schemas.microsoft.com/office/drawing/2014/main" id="{89699006-4C69-9245-A071-B64128FA4BC6}"/>
+              </a:ext>
+            </a:extLst>
+          </p:cNvPr>
+          <p:cNvSpPr>
+            <a:spLocks noGrp="1"/>
+          </p:cNvSpPr>
+          <p:nvPr>
+            <p:ph type="title"/>
+          </p:nvPr>
+        </p:nvSpPr>
+        <p:spPr>
+          <a:xfrm>
+            <a:off x="612648" y="356616"/>
+            <a:ext cx="8153400" cy="742950"/>
+          </a:xfrm>
+        </p:spPr>
+        <p:txBody>
+          <a:bodyPr>
+            <a:normAutofit fontScale="90000"/>
+          </a:bodyPr>
+          <a:lstStyle/>
+          <a:p>
+            <a:r>
+              <a:rPr lang="en-US" dirty="0"/>
+              <a:t>Lessons Learned</a:t>
+            </a:r>
+          </a:p>
+        </p:txBody>
+      </p:sp>
+      <p:grpSp>
+        <p:nvGrpSpPr>
+          <p:cNvPr id="47" name="Group 46">
+            <a:extLst>
+              <a:ext uri="{FF2B5EF4-FFF2-40B4-BE49-F238E27FC236}">
+                <a16:creationId xmlns:a16="http://schemas.microsoft.com/office/drawing/2014/main" id="{88B86B65-4816-A242-9383-5C4187E92DEF}"/>
+              </a:ext>
+            </a:extLst>
+          </p:cNvPr>
+          <p:cNvGrpSpPr/>
+          <p:nvPr/>
+        </p:nvGrpSpPr>
+        <p:grpSpPr>
+          <a:xfrm>
+            <a:off x="3845112" y="1244530"/>
+            <a:ext cx="3232464" cy="1503416"/>
+            <a:chOff x="1815738" y="2255124"/>
+            <a:chExt cx="3232464" cy="1503416"/>
+          </a:xfrm>
+        </p:grpSpPr>
+        <p:sp>
+          <p:nvSpPr>
+            <p:cNvPr id="46" name="Rectangle 45">
+              <a:extLst>
+                <a:ext uri="{FF2B5EF4-FFF2-40B4-BE49-F238E27FC236}">
+                  <a16:creationId xmlns:a16="http://schemas.microsoft.com/office/drawing/2014/main" id="{5D7233A5-CD52-7944-A8A6-4F26421E2138}"/>
+                </a:ext>
+              </a:extLst>
+            </p:cNvPr>
+            <p:cNvSpPr/>
+            <p:nvPr/>
+          </p:nvSpPr>
+          <p:spPr>
+            <a:xfrm>
+              <a:off x="2090058" y="2529444"/>
+              <a:ext cx="2683824" cy="954776"/>
+            </a:xfrm>
+            <a:prstGeom prst="rect">
+              <a:avLst/>
+            </a:prstGeom>
+          </p:spPr>
+          <p:style>
+            <a:lnRef idx="2">
+              <a:schemeClr val="accent1"/>
+            </a:lnRef>
+            <a:fillRef idx="1">
+              <a:schemeClr val="lt1"/>
+            </a:fillRef>
+            <a:effectRef idx="0">
+              <a:schemeClr val="accent1"/>
+            </a:effectRef>
+            <a:fontRef idx="minor">
+              <a:schemeClr val="dk1"/>
+            </a:fontRef>
+          </p:style>
+          <p:txBody>
+            <a:bodyPr rtlCol="0" anchor="ctr"/>
+            <a:lstStyle/>
+            <a:p>
+              <a:pPr algn="ctr"/>
+              <a:endParaRPr lang="en-US"/>
+            </a:p>
+          </p:txBody>
+        </p:sp>
+        <p:sp>
+          <p:nvSpPr>
+            <p:cNvPr id="36" name="Oval 35">
+              <a:extLst>
+                <a:ext uri="{FF2B5EF4-FFF2-40B4-BE49-F238E27FC236}">
+                  <a16:creationId xmlns:a16="http://schemas.microsoft.com/office/drawing/2014/main" id="{708BBBEC-89BB-3A42-B784-27DB6F0DB96C}"/>
+                </a:ext>
+              </a:extLst>
+            </p:cNvPr>
+            <p:cNvSpPr/>
+            <p:nvPr/>
+          </p:nvSpPr>
+          <p:spPr>
+            <a:xfrm>
+              <a:off x="1815738" y="2255124"/>
+              <a:ext cx="548640" cy="548640"/>
+            </a:xfrm>
+            <a:prstGeom prst="ellipse">
+              <a:avLst/>
+            </a:prstGeom>
+          </p:spPr>
+          <p:style>
+            <a:lnRef idx="1">
+              <a:schemeClr val="accent1"/>
+            </a:lnRef>
+            <a:fillRef idx="3">
+              <a:schemeClr val="accent1"/>
+            </a:fillRef>
+            <a:effectRef idx="2">
+              <a:schemeClr val="accent1"/>
+            </a:effectRef>
+            <a:fontRef idx="minor">
+              <a:schemeClr val="lt1"/>
+            </a:fontRef>
+          </p:style>
+          <p:txBody>
+            <a:bodyPr lIns="0" tIns="0" rIns="0" bIns="0" rtlCol="0" anchor="ctr" anchorCtr="1"/>
+            <a:lstStyle/>
+            <a:p>
+              <a:pPr algn="ctr"/>
+              <a:endParaRPr lang="en-US" sz="1600" b="1" dirty="0">
+                <a:ln w="6600">
+                  <a:solidFill>
+                    <a:schemeClr val="accent2"/>
+                  </a:solidFill>
+                  <a:prstDash val="solid"/>
+                </a:ln>
+                <a:solidFill>
+                  <a:srgbClr val="FFFFFF"/>
+                </a:solidFill>
+                <a:effectLst>
+                  <a:outerShdw dist="38100" dir="2700000" algn="tl" rotWithShape="0">
+                    <a:schemeClr val="accent2"/>
+                  </a:outerShdw>
+                </a:effectLst>
+              </a:endParaRPr>
+            </a:p>
+            <a:p>
+              <a:pPr algn="ctr"/>
+              <a:r>
+                <a:rPr lang="en-US" sz="7200" b="1" dirty="0">
+                  <a:ln w="6600">
+                    <a:solidFill>
+                      <a:schemeClr val="accent2"/>
+                    </a:solidFill>
+                    <a:prstDash val="solid"/>
+                  </a:ln>
+                  <a:solidFill>
+                    <a:srgbClr val="FFFFFF"/>
+                  </a:solidFill>
+                  <a:effectLst>
+                    <a:outerShdw dist="38100" dir="2700000" algn="tl" rotWithShape="0">
+                      <a:schemeClr val="accent2"/>
+                    </a:outerShdw>
+                  </a:effectLst>
+                </a:rPr>
+                <a:t>“</a:t>
+              </a:r>
+              <a:endParaRPr lang="en-US" sz="7200" dirty="0"/>
+            </a:p>
+          </p:txBody>
+        </p:sp>
+        <p:sp>
+          <p:nvSpPr>
+            <p:cNvPr id="45" name="Oval 44">
+              <a:extLst>
+                <a:ext uri="{FF2B5EF4-FFF2-40B4-BE49-F238E27FC236}">
+                  <a16:creationId xmlns:a16="http://schemas.microsoft.com/office/drawing/2014/main" id="{71BFB612-982C-BE40-B916-F31C96423CDE}"/>
+                </a:ext>
+              </a:extLst>
+            </p:cNvPr>
+            <p:cNvSpPr/>
+            <p:nvPr/>
+          </p:nvSpPr>
+          <p:spPr>
+            <a:xfrm flipV="1">
+              <a:off x="4499562" y="3209900"/>
+              <a:ext cx="548640" cy="548640"/>
+            </a:xfrm>
+            <a:prstGeom prst="ellipse">
+              <a:avLst/>
+            </a:prstGeom>
+          </p:spPr>
+          <p:style>
+            <a:lnRef idx="1">
+              <a:schemeClr val="accent1"/>
+            </a:lnRef>
+            <a:fillRef idx="3">
+              <a:schemeClr val="accent1"/>
+            </a:fillRef>
+            <a:effectRef idx="2">
+              <a:schemeClr val="accent1"/>
+            </a:effectRef>
+            <a:fontRef idx="minor">
+              <a:schemeClr val="lt1"/>
+            </a:fontRef>
+          </p:style>
+          <p:txBody>
+            <a:bodyPr lIns="0" tIns="0" rIns="0" bIns="0" rtlCol="0" anchor="ctr" anchorCtr="1"/>
+            <a:lstStyle/>
+            <a:p>
+              <a:pPr algn="ctr"/>
+              <a:endParaRPr lang="en-US" sz="1600" b="1" dirty="0">
+                <a:ln w="6600">
+                  <a:solidFill>
+                    <a:schemeClr val="accent2"/>
+                  </a:solidFill>
+                  <a:prstDash val="solid"/>
+                </a:ln>
+                <a:solidFill>
+                  <a:srgbClr val="FFFFFF"/>
+                </a:solidFill>
+                <a:effectLst>
+                  <a:outerShdw dist="38100" dir="2700000" algn="tl" rotWithShape="0">
+                    <a:schemeClr val="accent2"/>
+                  </a:outerShdw>
+                </a:effectLst>
+              </a:endParaRPr>
+            </a:p>
+            <a:p>
+              <a:pPr algn="ctr"/>
+              <a:r>
+                <a:rPr lang="en-US" sz="7200" b="1" dirty="0">
+                  <a:ln w="6600">
+                    <a:solidFill>
+                      <a:schemeClr val="accent2"/>
+                    </a:solidFill>
+                    <a:prstDash val="solid"/>
+                  </a:ln>
+                  <a:solidFill>
+                    <a:srgbClr val="FFFFFF"/>
+                  </a:solidFill>
+                  <a:effectLst>
+                    <a:outerShdw dist="38100" dir="2700000" algn="tl" rotWithShape="0">
+                      <a:schemeClr val="accent2"/>
+                    </a:outerShdw>
+                  </a:effectLst>
+                </a:rPr>
+                <a:t>“</a:t>
+              </a:r>
+              <a:endParaRPr lang="en-US" sz="7200" dirty="0"/>
+            </a:p>
+          </p:txBody>
+        </p:sp>
+      </p:grpSp>
+      <p:pic>
+        <p:nvPicPr>
+          <p:cNvPr id="52" name="Picture 51">
+            <a:extLst>
+              <a:ext uri="{FF2B5EF4-FFF2-40B4-BE49-F238E27FC236}">
+                <a16:creationId xmlns:a16="http://schemas.microsoft.com/office/drawing/2014/main" id="{D8F1CBC0-D3C0-E540-94F4-9B8190A33C27}"/>
+              </a:ext>
+            </a:extLst>
+          </p:cNvPr>
+          <p:cNvPicPr>
+            <a:picLocks noChangeAspect="1"/>
+          </p:cNvPicPr>
+          <p:nvPr/>
+        </p:nvPicPr>
+        <p:blipFill>
+          <a:blip r:embed="rId2">
+            <a:extLst>
+              <a:ext uri="{BEBA8EAE-BF5A-486C-A8C5-ECC9F3942E4B}">
+                <a14:imgProps xmlns:a14="http://schemas.microsoft.com/office/drawing/2010/main">
+                  <a14:imgLayer r:embed="rId3">
+                    <a14:imgEffect>
+                      <a14:artisticPaintBrush/>
+                    </a14:imgEffect>
+                  </a14:imgLayer>
+                </a14:imgProps>
+              </a:ext>
+            </a:extLst>
+          </a:blip>
+          <a:stretch>
+            <a:fillRect/>
+          </a:stretch>
+        </p:blipFill>
+        <p:spPr>
+          <a:xfrm>
+            <a:off x="3845112" y="2319251"/>
+            <a:ext cx="2505693" cy="368300"/>
+          </a:xfrm>
+          <a:prstGeom prst="rect">
+            <a:avLst/>
+          </a:prstGeom>
+        </p:spPr>
+      </p:pic>
+      <p:sp>
+        <p:nvSpPr>
+          <p:cNvPr id="53" name="TextBox 52">
+            <a:extLst>
+              <a:ext uri="{FF2B5EF4-FFF2-40B4-BE49-F238E27FC236}">
+                <a16:creationId xmlns:a16="http://schemas.microsoft.com/office/drawing/2014/main" id="{738D5FF6-05D9-B54A-BCF6-1CF1F348564E}"/>
+              </a:ext>
+            </a:extLst>
+          </p:cNvPr>
+          <p:cNvSpPr txBox="1"/>
+          <p:nvPr/>
+        </p:nvSpPr>
+        <p:spPr>
+          <a:xfrm>
+            <a:off x="3929426" y="2307376"/>
+            <a:ext cx="2325190" cy="461665"/>
+          </a:xfrm>
+          <a:prstGeom prst="rect">
+            <a:avLst/>
+          </a:prstGeom>
+          <a:noFill/>
+        </p:spPr>
+        <p:txBody>
+          <a:bodyPr wrap="square" rtlCol="0">
+            <a:spAutoFit/>
+          </a:bodyPr>
+          <a:lstStyle/>
+          <a:p>
+            <a:r>
+              <a:rPr lang="en-US" sz="2400" dirty="0">
+                <a:solidFill>
+                  <a:schemeClr val="bg1"/>
+                </a:solidFill>
+                <a:latin typeface="+mj-lt"/>
+              </a:rPr>
+              <a:t>P. Thrall</a:t>
+            </a:r>
+          </a:p>
+        </p:txBody>
+      </p:sp>
+      <p:grpSp>
+        <p:nvGrpSpPr>
+          <p:cNvPr id="54" name="Group 53">
+            <a:extLst>
+              <a:ext uri="{FF2B5EF4-FFF2-40B4-BE49-F238E27FC236}">
+                <a16:creationId xmlns:a16="http://schemas.microsoft.com/office/drawing/2014/main" id="{302A0580-3CDB-CD4B-AB94-749F1647FA13}"/>
+              </a:ext>
+            </a:extLst>
+          </p:cNvPr>
+          <p:cNvGrpSpPr/>
+          <p:nvPr/>
+        </p:nvGrpSpPr>
+        <p:grpSpPr>
+          <a:xfrm>
+            <a:off x="74577" y="1275507"/>
+            <a:ext cx="3232464" cy="1503416"/>
+            <a:chOff x="1815738" y="2255124"/>
+            <a:chExt cx="3232464" cy="1503416"/>
+          </a:xfrm>
+        </p:grpSpPr>
+        <p:sp>
+          <p:nvSpPr>
+            <p:cNvPr id="55" name="Rectangle 54">
+              <a:extLst>
+                <a:ext uri="{FF2B5EF4-FFF2-40B4-BE49-F238E27FC236}">
+                  <a16:creationId xmlns:a16="http://schemas.microsoft.com/office/drawing/2014/main" id="{C481ABDD-BA50-8547-A480-D1D12817AF23}"/>
+                </a:ext>
+              </a:extLst>
+            </p:cNvPr>
+            <p:cNvSpPr/>
+            <p:nvPr/>
+          </p:nvSpPr>
+          <p:spPr>
+            <a:xfrm>
+              <a:off x="2090058" y="2529444"/>
+              <a:ext cx="2683824" cy="954776"/>
+            </a:xfrm>
+            <a:prstGeom prst="rect">
+              <a:avLst/>
+            </a:prstGeom>
+          </p:spPr>
+          <p:style>
+            <a:lnRef idx="2">
+              <a:schemeClr val="accent1"/>
+            </a:lnRef>
+            <a:fillRef idx="1">
+              <a:schemeClr val="lt1"/>
+            </a:fillRef>
+            <a:effectRef idx="0">
+              <a:schemeClr val="accent1"/>
+            </a:effectRef>
+            <a:fontRef idx="minor">
+              <a:schemeClr val="dk1"/>
+            </a:fontRef>
+          </p:style>
+          <p:txBody>
+            <a:bodyPr rtlCol="0" anchor="ctr"/>
+            <a:lstStyle/>
+            <a:p>
+              <a:pPr algn="ctr"/>
+              <a:endParaRPr lang="en-US"/>
+            </a:p>
+          </p:txBody>
+        </p:sp>
+        <p:sp>
+          <p:nvSpPr>
+            <p:cNvPr id="56" name="Oval 55">
+              <a:extLst>
+                <a:ext uri="{FF2B5EF4-FFF2-40B4-BE49-F238E27FC236}">
+                  <a16:creationId xmlns:a16="http://schemas.microsoft.com/office/drawing/2014/main" id="{1B2AFC5D-0E3C-7849-ACE2-0766E7F21854}"/>
+                </a:ext>
+              </a:extLst>
+            </p:cNvPr>
+            <p:cNvSpPr/>
+            <p:nvPr/>
+          </p:nvSpPr>
+          <p:spPr>
+            <a:xfrm>
+              <a:off x="1815738" y="2255124"/>
+              <a:ext cx="548640" cy="548640"/>
+            </a:xfrm>
+            <a:prstGeom prst="ellipse">
+              <a:avLst/>
+            </a:prstGeom>
+          </p:spPr>
+          <p:style>
+            <a:lnRef idx="1">
+              <a:schemeClr val="accent1"/>
+            </a:lnRef>
+            <a:fillRef idx="3">
+              <a:schemeClr val="accent1"/>
+            </a:fillRef>
+            <a:effectRef idx="2">
+              <a:schemeClr val="accent1"/>
+            </a:effectRef>
+            <a:fontRef idx="minor">
+              <a:schemeClr val="lt1"/>
+            </a:fontRef>
+          </p:style>
+          <p:txBody>
+            <a:bodyPr lIns="0" tIns="0" rIns="0" bIns="0" rtlCol="0" anchor="ctr" anchorCtr="1"/>
+            <a:lstStyle/>
+            <a:p>
+              <a:pPr algn="ctr"/>
+              <a:endParaRPr lang="en-US" sz="1600" b="1" dirty="0">
+                <a:ln w="6600">
+                  <a:solidFill>
+                    <a:schemeClr val="accent2"/>
+                  </a:solidFill>
+                  <a:prstDash val="solid"/>
+                </a:ln>
+                <a:solidFill>
+                  <a:srgbClr val="FFFFFF"/>
+                </a:solidFill>
+                <a:effectLst>
+                  <a:outerShdw dist="38100" dir="2700000" algn="tl" rotWithShape="0">
+                    <a:schemeClr val="accent2"/>
+                  </a:outerShdw>
+                </a:effectLst>
+              </a:endParaRPr>
+            </a:p>
+            <a:p>
+              <a:pPr algn="ctr"/>
+              <a:r>
+                <a:rPr lang="en-US" sz="7200" b="1" dirty="0">
+                  <a:ln w="6600">
+                    <a:solidFill>
+                      <a:schemeClr val="accent2"/>
+                    </a:solidFill>
+                    <a:prstDash val="solid"/>
+                  </a:ln>
+                  <a:solidFill>
+                    <a:srgbClr val="FFFFFF"/>
+                  </a:solidFill>
+                  <a:effectLst>
+                    <a:outerShdw dist="38100" dir="2700000" algn="tl" rotWithShape="0">
+                      <a:schemeClr val="accent2"/>
+                    </a:outerShdw>
+                  </a:effectLst>
+                </a:rPr>
+                <a:t>“</a:t>
+              </a:r>
+              <a:endParaRPr lang="en-US" sz="7200" dirty="0"/>
+            </a:p>
+          </p:txBody>
+        </p:sp>
+        <p:sp>
+          <p:nvSpPr>
+            <p:cNvPr id="57" name="Oval 56">
+              <a:extLst>
+                <a:ext uri="{FF2B5EF4-FFF2-40B4-BE49-F238E27FC236}">
+                  <a16:creationId xmlns:a16="http://schemas.microsoft.com/office/drawing/2014/main" id="{685C5C9F-5735-5F45-AF57-46BE7661C98F}"/>
+                </a:ext>
+              </a:extLst>
+            </p:cNvPr>
+            <p:cNvSpPr/>
+            <p:nvPr/>
+          </p:nvSpPr>
+          <p:spPr>
+            <a:xfrm flipV="1">
+              <a:off x="4499562" y="3209900"/>
+              <a:ext cx="548640" cy="548640"/>
+            </a:xfrm>
+            <a:prstGeom prst="ellipse">
+              <a:avLst/>
+            </a:prstGeom>
+          </p:spPr>
+          <p:style>
+            <a:lnRef idx="1">
+              <a:schemeClr val="accent1"/>
+            </a:lnRef>
+            <a:fillRef idx="3">
+              <a:schemeClr val="accent1"/>
+            </a:fillRef>
+            <a:effectRef idx="2">
+              <a:schemeClr val="accent1"/>
+            </a:effectRef>
+            <a:fontRef idx="minor">
+              <a:schemeClr val="lt1"/>
+            </a:fontRef>
+          </p:style>
+          <p:txBody>
+            <a:bodyPr lIns="0" tIns="0" rIns="0" bIns="0" rtlCol="0" anchor="ctr" anchorCtr="1"/>
+            <a:lstStyle/>
+            <a:p>
+              <a:pPr algn="ctr"/>
+              <a:endParaRPr lang="en-US" sz="1600" b="1" dirty="0">
+                <a:ln w="6600">
+                  <a:solidFill>
+                    <a:schemeClr val="accent2"/>
+                  </a:solidFill>
+                  <a:prstDash val="solid"/>
+                </a:ln>
+                <a:solidFill>
+                  <a:srgbClr val="FFFFFF"/>
+                </a:solidFill>
+                <a:effectLst>
+                  <a:outerShdw dist="38100" dir="2700000" algn="tl" rotWithShape="0">
+                    <a:schemeClr val="accent2"/>
+                  </a:outerShdw>
+                </a:effectLst>
+              </a:endParaRPr>
+            </a:p>
+            <a:p>
+              <a:pPr algn="ctr"/>
+              <a:r>
+                <a:rPr lang="en-US" sz="7200" b="1" dirty="0">
+                  <a:ln w="6600">
+                    <a:solidFill>
+                      <a:schemeClr val="accent2"/>
+                    </a:solidFill>
+                    <a:prstDash val="solid"/>
+                  </a:ln>
+                  <a:solidFill>
+                    <a:srgbClr val="FFFFFF"/>
+                  </a:solidFill>
+                  <a:effectLst>
+                    <a:outerShdw dist="38100" dir="2700000" algn="tl" rotWithShape="0">
+                      <a:schemeClr val="accent2"/>
+                    </a:outerShdw>
+                  </a:effectLst>
+                </a:rPr>
+                <a:t>“</a:t>
+              </a:r>
+              <a:endParaRPr lang="en-US" sz="7200" dirty="0"/>
+            </a:p>
+          </p:txBody>
+        </p:sp>
+      </p:grpSp>
+      <p:pic>
+        <p:nvPicPr>
+          <p:cNvPr id="58" name="Picture 57">
+            <a:extLst>
+              <a:ext uri="{FF2B5EF4-FFF2-40B4-BE49-F238E27FC236}">
+                <a16:creationId xmlns:a16="http://schemas.microsoft.com/office/drawing/2014/main" id="{C8B460CA-CDBE-6146-B327-7135F6393925}"/>
+              </a:ext>
+            </a:extLst>
+          </p:cNvPr>
+          <p:cNvPicPr>
+            <a:picLocks noChangeAspect="1"/>
+          </p:cNvPicPr>
+          <p:nvPr/>
+        </p:nvPicPr>
+        <p:blipFill>
+          <a:blip r:embed="rId2">
+            <a:extLst>
+              <a:ext uri="{BEBA8EAE-BF5A-486C-A8C5-ECC9F3942E4B}">
+                <a14:imgProps xmlns:a14="http://schemas.microsoft.com/office/drawing/2010/main">
+                  <a14:imgLayer r:embed="rId4">
+                    <a14:imgEffect>
+                      <a14:artisticPaintBrush/>
+                    </a14:imgEffect>
+                  </a14:imgLayer>
+                </a14:imgProps>
+              </a:ext>
+            </a:extLst>
+          </a:blip>
+          <a:stretch>
+            <a:fillRect/>
+          </a:stretch>
+        </p:blipFill>
+        <p:spPr>
+          <a:xfrm>
+            <a:off x="74577" y="2504603"/>
+            <a:ext cx="2505693" cy="368300"/>
+          </a:xfrm>
+          <a:prstGeom prst="rect">
+            <a:avLst/>
+          </a:prstGeom>
+        </p:spPr>
+      </p:pic>
+      <p:sp>
+        <p:nvSpPr>
+          <p:cNvPr id="59" name="TextBox 58">
+            <a:extLst>
+              <a:ext uri="{FF2B5EF4-FFF2-40B4-BE49-F238E27FC236}">
+                <a16:creationId xmlns:a16="http://schemas.microsoft.com/office/drawing/2014/main" id="{D64621A7-0085-C948-BB11-A13241903BC2}"/>
+              </a:ext>
+            </a:extLst>
+          </p:cNvPr>
+          <p:cNvSpPr txBox="1"/>
+          <p:nvPr/>
+        </p:nvSpPr>
+        <p:spPr>
+          <a:xfrm>
+            <a:off x="158891" y="2433353"/>
+            <a:ext cx="2325190" cy="461665"/>
+          </a:xfrm>
+          <a:prstGeom prst="rect">
+            <a:avLst/>
+          </a:prstGeom>
+          <a:noFill/>
+        </p:spPr>
+        <p:txBody>
+          <a:bodyPr wrap="square" rtlCol="0">
+            <a:spAutoFit/>
+          </a:bodyPr>
+          <a:lstStyle/>
+          <a:p>
+            <a:r>
+              <a:rPr lang="en-US" sz="2400" dirty="0">
+                <a:solidFill>
+                  <a:schemeClr val="bg1"/>
+                </a:solidFill>
+                <a:latin typeface="+mj-lt"/>
+              </a:rPr>
+              <a:t>G. Vaccaro</a:t>
+            </a:r>
+          </a:p>
+        </p:txBody>
+      </p:sp>
+      <p:grpSp>
+        <p:nvGrpSpPr>
+          <p:cNvPr id="60" name="Group 59">
+            <a:extLst>
+              <a:ext uri="{FF2B5EF4-FFF2-40B4-BE49-F238E27FC236}">
+                <a16:creationId xmlns:a16="http://schemas.microsoft.com/office/drawing/2014/main" id="{A96F56B9-FD1D-4947-86B0-8D4305A1CCA3}"/>
+              </a:ext>
+            </a:extLst>
+          </p:cNvPr>
+          <p:cNvGrpSpPr/>
+          <p:nvPr/>
+        </p:nvGrpSpPr>
+        <p:grpSpPr>
+          <a:xfrm>
+            <a:off x="348897" y="2954864"/>
+            <a:ext cx="3232464" cy="1503416"/>
+            <a:chOff x="1815738" y="2255124"/>
+            <a:chExt cx="3232464" cy="1503416"/>
+          </a:xfrm>
+        </p:grpSpPr>
+        <p:sp>
+          <p:nvSpPr>
+            <p:cNvPr id="61" name="Rectangle 60">
+              <a:extLst>
+                <a:ext uri="{FF2B5EF4-FFF2-40B4-BE49-F238E27FC236}">
+                  <a16:creationId xmlns:a16="http://schemas.microsoft.com/office/drawing/2014/main" id="{F2B48E26-B902-A44A-A760-4CDF87FE28F6}"/>
+                </a:ext>
+              </a:extLst>
+            </p:cNvPr>
+            <p:cNvSpPr/>
+            <p:nvPr/>
+          </p:nvSpPr>
+          <p:spPr>
+            <a:xfrm>
+              <a:off x="2090058" y="2529444"/>
+              <a:ext cx="2683824" cy="954776"/>
+            </a:xfrm>
+            <a:prstGeom prst="rect">
+              <a:avLst/>
+            </a:prstGeom>
+          </p:spPr>
+          <p:style>
+            <a:lnRef idx="2">
+              <a:schemeClr val="accent1"/>
+            </a:lnRef>
+            <a:fillRef idx="1">
+              <a:schemeClr val="lt1"/>
+            </a:fillRef>
+            <a:effectRef idx="0">
+              <a:schemeClr val="accent1"/>
+            </a:effectRef>
+            <a:fontRef idx="minor">
+              <a:schemeClr val="dk1"/>
+            </a:fontRef>
+          </p:style>
+          <p:txBody>
+            <a:bodyPr rtlCol="0" anchor="ctr"/>
+            <a:lstStyle/>
+            <a:p>
+              <a:pPr algn="ctr"/>
+              <a:endParaRPr lang="en-US"/>
+            </a:p>
+          </p:txBody>
+        </p:sp>
+        <p:sp>
+          <p:nvSpPr>
+            <p:cNvPr id="62" name="Oval 61">
+              <a:extLst>
+                <a:ext uri="{FF2B5EF4-FFF2-40B4-BE49-F238E27FC236}">
+                  <a16:creationId xmlns:a16="http://schemas.microsoft.com/office/drawing/2014/main" id="{B23D433E-96F0-6B4F-875C-4B089E05CD36}"/>
+                </a:ext>
+              </a:extLst>
+            </p:cNvPr>
+            <p:cNvSpPr/>
+            <p:nvPr/>
+          </p:nvSpPr>
+          <p:spPr>
+            <a:xfrm>
+              <a:off x="1815738" y="2255124"/>
+              <a:ext cx="548640" cy="548640"/>
+            </a:xfrm>
+            <a:prstGeom prst="ellipse">
+              <a:avLst/>
+            </a:prstGeom>
+          </p:spPr>
+          <p:style>
+            <a:lnRef idx="1">
+              <a:schemeClr val="accent1"/>
+            </a:lnRef>
+            <a:fillRef idx="3">
+              <a:schemeClr val="accent1"/>
+            </a:fillRef>
+            <a:effectRef idx="2">
+              <a:schemeClr val="accent1"/>
+            </a:effectRef>
+            <a:fontRef idx="minor">
+              <a:schemeClr val="lt1"/>
+            </a:fontRef>
+          </p:style>
+          <p:txBody>
+            <a:bodyPr lIns="0" tIns="0" rIns="0" bIns="0" rtlCol="0" anchor="ctr" anchorCtr="1"/>
+            <a:lstStyle/>
+            <a:p>
+              <a:pPr algn="ctr"/>
+              <a:endParaRPr lang="en-US" sz="1600" b="1" dirty="0">
+                <a:ln w="6600">
+                  <a:solidFill>
+                    <a:schemeClr val="accent2"/>
+                  </a:solidFill>
+                  <a:prstDash val="solid"/>
+                </a:ln>
+                <a:solidFill>
+                  <a:srgbClr val="FFFFFF"/>
+                </a:solidFill>
+                <a:effectLst>
+                  <a:outerShdw dist="38100" dir="2700000" algn="tl" rotWithShape="0">
+                    <a:schemeClr val="accent2"/>
+                  </a:outerShdw>
+                </a:effectLst>
+              </a:endParaRPr>
+            </a:p>
+            <a:p>
+              <a:pPr algn="ctr"/>
+              <a:r>
+                <a:rPr lang="en-US" sz="7200" b="1" dirty="0">
+                  <a:ln w="6600">
+                    <a:solidFill>
+                      <a:schemeClr val="accent2"/>
+                    </a:solidFill>
+                    <a:prstDash val="solid"/>
+                  </a:ln>
+                  <a:solidFill>
+                    <a:srgbClr val="FFFFFF"/>
+                  </a:solidFill>
+                  <a:effectLst>
+                    <a:outerShdw dist="38100" dir="2700000" algn="tl" rotWithShape="0">
+                      <a:schemeClr val="accent2"/>
+                    </a:outerShdw>
+                  </a:effectLst>
+                </a:rPr>
+                <a:t>“</a:t>
+              </a:r>
+              <a:endParaRPr lang="en-US" sz="7200" dirty="0"/>
+            </a:p>
+          </p:txBody>
+        </p:sp>
+        <p:sp>
+          <p:nvSpPr>
+            <p:cNvPr id="63" name="Oval 62">
+              <a:extLst>
+                <a:ext uri="{FF2B5EF4-FFF2-40B4-BE49-F238E27FC236}">
+                  <a16:creationId xmlns:a16="http://schemas.microsoft.com/office/drawing/2014/main" id="{CB3C1031-9FE7-7C45-9FF3-ABB74A37D93D}"/>
+                </a:ext>
+              </a:extLst>
+            </p:cNvPr>
+            <p:cNvSpPr/>
+            <p:nvPr/>
+          </p:nvSpPr>
+          <p:spPr>
+            <a:xfrm flipV="1">
+              <a:off x="4499562" y="3209900"/>
+              <a:ext cx="548640" cy="548640"/>
+            </a:xfrm>
+            <a:prstGeom prst="ellipse">
+              <a:avLst/>
+            </a:prstGeom>
+          </p:spPr>
+          <p:style>
+            <a:lnRef idx="1">
+              <a:schemeClr val="accent1"/>
+            </a:lnRef>
+            <a:fillRef idx="3">
+              <a:schemeClr val="accent1"/>
+            </a:fillRef>
+            <a:effectRef idx="2">
+              <a:schemeClr val="accent1"/>
+            </a:effectRef>
+            <a:fontRef idx="minor">
+              <a:schemeClr val="lt1"/>
+            </a:fontRef>
+          </p:style>
+          <p:txBody>
+            <a:bodyPr lIns="0" tIns="0" rIns="0" bIns="0" rtlCol="0" anchor="ctr" anchorCtr="1"/>
+            <a:lstStyle/>
+            <a:p>
+              <a:pPr algn="ctr"/>
+              <a:endParaRPr lang="en-US" sz="1600" b="1" dirty="0">
+                <a:ln w="6600">
+                  <a:solidFill>
+                    <a:schemeClr val="accent2"/>
+                  </a:solidFill>
+                  <a:prstDash val="solid"/>
+                </a:ln>
+                <a:solidFill>
+                  <a:srgbClr val="FFFFFF"/>
+                </a:solidFill>
+                <a:effectLst>
+                  <a:outerShdw dist="38100" dir="2700000" algn="tl" rotWithShape="0">
+                    <a:schemeClr val="accent2"/>
+                  </a:outerShdw>
+                </a:effectLst>
+              </a:endParaRPr>
+            </a:p>
+            <a:p>
+              <a:pPr algn="ctr"/>
+              <a:r>
+                <a:rPr lang="en-US" sz="7200" b="1" dirty="0">
+                  <a:ln w="6600">
+                    <a:solidFill>
+                      <a:schemeClr val="accent2"/>
+                    </a:solidFill>
+                    <a:prstDash val="solid"/>
+                  </a:ln>
+                  <a:solidFill>
+                    <a:srgbClr val="FFFFFF"/>
+                  </a:solidFill>
+                  <a:effectLst>
+                    <a:outerShdw dist="38100" dir="2700000" algn="tl" rotWithShape="0">
+                      <a:schemeClr val="accent2"/>
+                    </a:outerShdw>
+                  </a:effectLst>
+                </a:rPr>
+                <a:t>“</a:t>
+              </a:r>
+              <a:endParaRPr lang="en-US" sz="7200" dirty="0"/>
+            </a:p>
+          </p:txBody>
+        </p:sp>
+      </p:grpSp>
+      <p:pic>
+        <p:nvPicPr>
+          <p:cNvPr id="64" name="Picture 63">
+            <a:extLst>
+              <a:ext uri="{FF2B5EF4-FFF2-40B4-BE49-F238E27FC236}">
+                <a16:creationId xmlns:a16="http://schemas.microsoft.com/office/drawing/2014/main" id="{04AAF27A-686D-554D-9F12-AC1ED23593D5}"/>
+              </a:ext>
+            </a:extLst>
+          </p:cNvPr>
+          <p:cNvPicPr>
+            <a:picLocks noChangeAspect="1"/>
+          </p:cNvPicPr>
+          <p:nvPr/>
+        </p:nvPicPr>
+        <p:blipFill>
+          <a:blip r:embed="rId2">
+            <a:extLst>
+              <a:ext uri="{BEBA8EAE-BF5A-486C-A8C5-ECC9F3942E4B}">
+                <a14:imgProps xmlns:a14="http://schemas.microsoft.com/office/drawing/2010/main">
+                  <a14:imgLayer r:embed="rId5">
+                    <a14:imgEffect>
+                      <a14:artisticPaintBrush/>
+                    </a14:imgEffect>
+                  </a14:imgLayer>
+                </a14:imgProps>
+              </a:ext>
+            </a:extLst>
+          </a:blip>
+          <a:stretch>
+            <a:fillRect/>
+          </a:stretch>
+        </p:blipFill>
+        <p:spPr>
+          <a:xfrm>
+            <a:off x="348897" y="4183960"/>
+            <a:ext cx="2505693" cy="368300"/>
+          </a:xfrm>
+          <a:prstGeom prst="rect">
+            <a:avLst/>
+          </a:prstGeom>
+        </p:spPr>
+      </p:pic>
+      <p:sp>
+        <p:nvSpPr>
+          <p:cNvPr id="65" name="TextBox 64">
+            <a:extLst>
+              <a:ext uri="{FF2B5EF4-FFF2-40B4-BE49-F238E27FC236}">
+                <a16:creationId xmlns:a16="http://schemas.microsoft.com/office/drawing/2014/main" id="{0E4E6F4F-0563-1D47-B87D-06AA90BBB8A0}"/>
+              </a:ext>
+            </a:extLst>
+          </p:cNvPr>
+          <p:cNvSpPr txBox="1"/>
+          <p:nvPr/>
+        </p:nvSpPr>
+        <p:spPr>
+          <a:xfrm>
+            <a:off x="433211" y="4112710"/>
+            <a:ext cx="2325190" cy="461665"/>
+          </a:xfrm>
+          <a:prstGeom prst="rect">
+            <a:avLst/>
+          </a:prstGeom>
+          <a:noFill/>
+        </p:spPr>
+        <p:txBody>
+          <a:bodyPr wrap="square" rtlCol="0">
+            <a:spAutoFit/>
+          </a:bodyPr>
+          <a:lstStyle/>
+          <a:p>
+            <a:r>
+              <a:rPr lang="en-US" sz="2400" dirty="0">
+                <a:solidFill>
+                  <a:schemeClr val="bg1"/>
+                </a:solidFill>
+                <a:latin typeface="+mj-lt"/>
+              </a:rPr>
+              <a:t>M. Smith</a:t>
+            </a:r>
+          </a:p>
+        </p:txBody>
+      </p:sp>
+      <p:grpSp>
+        <p:nvGrpSpPr>
+          <p:cNvPr id="66" name="Group 65">
+            <a:extLst>
+              <a:ext uri="{FF2B5EF4-FFF2-40B4-BE49-F238E27FC236}">
+                <a16:creationId xmlns:a16="http://schemas.microsoft.com/office/drawing/2014/main" id="{A76C7346-E4C5-3541-A717-59968E32DA69}"/>
+              </a:ext>
+            </a:extLst>
+          </p:cNvPr>
+          <p:cNvGrpSpPr/>
+          <p:nvPr/>
+        </p:nvGrpSpPr>
+        <p:grpSpPr>
+          <a:xfrm>
+            <a:off x="3647862" y="3157932"/>
+            <a:ext cx="3232464" cy="1503416"/>
+            <a:chOff x="1815738" y="2255124"/>
+            <a:chExt cx="3232464" cy="1503416"/>
+          </a:xfrm>
+        </p:grpSpPr>
+        <p:sp>
+          <p:nvSpPr>
+            <p:cNvPr id="67" name="Rectangle 66">
+              <a:extLst>
+                <a:ext uri="{FF2B5EF4-FFF2-40B4-BE49-F238E27FC236}">
+                  <a16:creationId xmlns:a16="http://schemas.microsoft.com/office/drawing/2014/main" id="{63CBCF27-CE47-D242-9B38-6DEBD730FCF7}"/>
+                </a:ext>
+              </a:extLst>
+            </p:cNvPr>
+            <p:cNvSpPr/>
+            <p:nvPr/>
+          </p:nvSpPr>
+          <p:spPr>
+            <a:xfrm>
+              <a:off x="2090058" y="2529444"/>
+              <a:ext cx="2683824" cy="954776"/>
+            </a:xfrm>
+            <a:prstGeom prst="rect">
+              <a:avLst/>
+            </a:prstGeom>
+          </p:spPr>
+          <p:style>
+            <a:lnRef idx="2">
+              <a:schemeClr val="accent1"/>
+            </a:lnRef>
+            <a:fillRef idx="1">
+              <a:schemeClr val="lt1"/>
+            </a:fillRef>
+            <a:effectRef idx="0">
+              <a:schemeClr val="accent1"/>
+            </a:effectRef>
+            <a:fontRef idx="minor">
+              <a:schemeClr val="dk1"/>
+            </a:fontRef>
+          </p:style>
+          <p:txBody>
+            <a:bodyPr rtlCol="0" anchor="ctr"/>
+            <a:lstStyle/>
+            <a:p>
+              <a:pPr algn="ctr"/>
+              <a:endParaRPr lang="en-US"/>
+            </a:p>
+          </p:txBody>
+        </p:sp>
+        <p:sp>
+          <p:nvSpPr>
+            <p:cNvPr id="68" name="Oval 67">
+              <a:extLst>
+                <a:ext uri="{FF2B5EF4-FFF2-40B4-BE49-F238E27FC236}">
+                  <a16:creationId xmlns:a16="http://schemas.microsoft.com/office/drawing/2014/main" id="{EBB7BCC2-3D62-D94A-A3BD-643E432F7FC9}"/>
+                </a:ext>
+              </a:extLst>
+            </p:cNvPr>
+            <p:cNvSpPr/>
+            <p:nvPr/>
+          </p:nvSpPr>
+          <p:spPr>
+            <a:xfrm>
+              <a:off x="1815738" y="2255124"/>
+              <a:ext cx="548640" cy="548640"/>
+            </a:xfrm>
+            <a:prstGeom prst="ellipse">
+              <a:avLst/>
+            </a:prstGeom>
+          </p:spPr>
+          <p:style>
+            <a:lnRef idx="1">
+              <a:schemeClr val="accent1"/>
+            </a:lnRef>
+            <a:fillRef idx="3">
+              <a:schemeClr val="accent1"/>
+            </a:fillRef>
+            <a:effectRef idx="2">
+              <a:schemeClr val="accent1"/>
+            </a:effectRef>
+            <a:fontRef idx="minor">
+              <a:schemeClr val="lt1"/>
+            </a:fontRef>
+          </p:style>
+          <p:txBody>
+            <a:bodyPr lIns="0" tIns="0" rIns="0" bIns="0" rtlCol="0" anchor="ctr" anchorCtr="1"/>
+            <a:lstStyle/>
+            <a:p>
+              <a:pPr algn="ctr"/>
+              <a:endParaRPr lang="en-US" sz="1600" b="1" dirty="0">
+                <a:ln w="6600">
+                  <a:solidFill>
+                    <a:schemeClr val="accent2"/>
+                  </a:solidFill>
+                  <a:prstDash val="solid"/>
+                </a:ln>
+                <a:solidFill>
+                  <a:srgbClr val="FFFFFF"/>
+                </a:solidFill>
+                <a:effectLst>
+                  <a:outerShdw dist="38100" dir="2700000" algn="tl" rotWithShape="0">
+                    <a:schemeClr val="accent2"/>
+                  </a:outerShdw>
+                </a:effectLst>
+              </a:endParaRPr>
+            </a:p>
+            <a:p>
+              <a:pPr algn="ctr"/>
+              <a:r>
+                <a:rPr lang="en-US" sz="7200" b="1" dirty="0">
+                  <a:ln w="6600">
+                    <a:solidFill>
+                      <a:schemeClr val="accent2"/>
+                    </a:solidFill>
+                    <a:prstDash val="solid"/>
+                  </a:ln>
+                  <a:solidFill>
+                    <a:srgbClr val="FFFFFF"/>
+                  </a:solidFill>
+                  <a:effectLst>
+                    <a:outerShdw dist="38100" dir="2700000" algn="tl" rotWithShape="0">
+                      <a:schemeClr val="accent2"/>
+                    </a:outerShdw>
+                  </a:effectLst>
+                </a:rPr>
+                <a:t>“</a:t>
+              </a:r>
+              <a:endParaRPr lang="en-US" sz="7200" dirty="0"/>
+            </a:p>
+          </p:txBody>
+        </p:sp>
+        <p:sp>
+          <p:nvSpPr>
+            <p:cNvPr id="69" name="Oval 68">
+              <a:extLst>
+                <a:ext uri="{FF2B5EF4-FFF2-40B4-BE49-F238E27FC236}">
+                  <a16:creationId xmlns:a16="http://schemas.microsoft.com/office/drawing/2014/main" id="{4EED2056-17CC-DD48-9A51-A28D883F22AE}"/>
+                </a:ext>
+              </a:extLst>
+            </p:cNvPr>
+            <p:cNvSpPr/>
+            <p:nvPr/>
+          </p:nvSpPr>
+          <p:spPr>
+            <a:xfrm flipV="1">
+              <a:off x="4499562" y="3209900"/>
+              <a:ext cx="548640" cy="548640"/>
+            </a:xfrm>
+            <a:prstGeom prst="ellipse">
+              <a:avLst/>
+            </a:prstGeom>
+          </p:spPr>
+          <p:style>
+            <a:lnRef idx="1">
+              <a:schemeClr val="accent1"/>
+            </a:lnRef>
+            <a:fillRef idx="3">
+              <a:schemeClr val="accent1"/>
+            </a:fillRef>
+            <a:effectRef idx="2">
+              <a:schemeClr val="accent1"/>
+            </a:effectRef>
+            <a:fontRef idx="minor">
+              <a:schemeClr val="lt1"/>
+            </a:fontRef>
+          </p:style>
+          <p:txBody>
+            <a:bodyPr lIns="0" tIns="0" rIns="0" bIns="0" rtlCol="0" anchor="ctr" anchorCtr="1"/>
+            <a:lstStyle/>
+            <a:p>
+              <a:pPr algn="ctr"/>
+              <a:endParaRPr lang="en-US" sz="1600" b="1" dirty="0">
+                <a:ln w="6600">
+                  <a:solidFill>
+                    <a:schemeClr val="accent2"/>
+                  </a:solidFill>
+                  <a:prstDash val="solid"/>
+                </a:ln>
+                <a:solidFill>
+                  <a:srgbClr val="FFFFFF"/>
+                </a:solidFill>
+                <a:effectLst>
+                  <a:outerShdw dist="38100" dir="2700000" algn="tl" rotWithShape="0">
+                    <a:schemeClr val="accent2"/>
+                  </a:outerShdw>
+                </a:effectLst>
+              </a:endParaRPr>
+            </a:p>
+            <a:p>
+              <a:pPr algn="ctr"/>
+              <a:r>
+                <a:rPr lang="en-US" sz="7200" b="1" dirty="0">
+                  <a:ln w="6600">
+                    <a:solidFill>
+                      <a:schemeClr val="accent2"/>
+                    </a:solidFill>
+                    <a:prstDash val="solid"/>
+                  </a:ln>
+                  <a:solidFill>
+                    <a:srgbClr val="FFFFFF"/>
+                  </a:solidFill>
+                  <a:effectLst>
+                    <a:outerShdw dist="38100" dir="2700000" algn="tl" rotWithShape="0">
+                      <a:schemeClr val="accent2"/>
+                    </a:outerShdw>
+                  </a:effectLst>
+                </a:rPr>
+                <a:t>“</a:t>
+              </a:r>
+              <a:endParaRPr lang="en-US" sz="7200" dirty="0"/>
+            </a:p>
+          </p:txBody>
+        </p:sp>
+      </p:grpSp>
+      <p:pic>
+        <p:nvPicPr>
+          <p:cNvPr id="70" name="Picture 69">
+            <a:extLst>
+              <a:ext uri="{FF2B5EF4-FFF2-40B4-BE49-F238E27FC236}">
+                <a16:creationId xmlns:a16="http://schemas.microsoft.com/office/drawing/2014/main" id="{9D3E200D-63F5-B84E-B5B2-4E484339FFDD}"/>
+              </a:ext>
+            </a:extLst>
+          </p:cNvPr>
+          <p:cNvPicPr>
+            <a:picLocks noChangeAspect="1"/>
+          </p:cNvPicPr>
+          <p:nvPr/>
+        </p:nvPicPr>
+        <p:blipFill>
+          <a:blip r:embed="rId2">
+            <a:extLst>
+              <a:ext uri="{BEBA8EAE-BF5A-486C-A8C5-ECC9F3942E4B}">
+                <a14:imgProps xmlns:a14="http://schemas.microsoft.com/office/drawing/2010/main">
+                  <a14:imgLayer r:embed="rId6">
+                    <a14:imgEffect>
+                      <a14:artisticPaintBrush/>
+                    </a14:imgEffect>
+                  </a14:imgLayer>
+                </a14:imgProps>
+              </a:ext>
+            </a:extLst>
+          </a:blip>
+          <a:stretch>
+            <a:fillRect/>
+          </a:stretch>
+        </p:blipFill>
+        <p:spPr>
+          <a:xfrm>
+            <a:off x="3647862" y="4387028"/>
+            <a:ext cx="2505693" cy="368300"/>
+          </a:xfrm>
+          <a:prstGeom prst="rect">
+            <a:avLst/>
+          </a:prstGeom>
+        </p:spPr>
+      </p:pic>
+      <p:sp>
+        <p:nvSpPr>
+          <p:cNvPr id="71" name="TextBox 70">
+            <a:extLst>
+              <a:ext uri="{FF2B5EF4-FFF2-40B4-BE49-F238E27FC236}">
+                <a16:creationId xmlns:a16="http://schemas.microsoft.com/office/drawing/2014/main" id="{0E87EDB4-0FFD-1946-B095-D84ABE31F1E2}"/>
+              </a:ext>
+            </a:extLst>
+          </p:cNvPr>
+          <p:cNvSpPr txBox="1"/>
+          <p:nvPr/>
+        </p:nvSpPr>
+        <p:spPr>
+          <a:xfrm>
+            <a:off x="3732176" y="4315778"/>
+            <a:ext cx="2325190" cy="461665"/>
+          </a:xfrm>
+          <a:prstGeom prst="rect">
+            <a:avLst/>
+          </a:prstGeom>
+          <a:noFill/>
+        </p:spPr>
+        <p:txBody>
+          <a:bodyPr wrap="square" rtlCol="0">
+            <a:spAutoFit/>
+          </a:bodyPr>
+          <a:lstStyle/>
+          <a:p>
+            <a:r>
+              <a:rPr lang="en-US" sz="2400" dirty="0">
+                <a:solidFill>
+                  <a:schemeClr val="bg1"/>
+                </a:solidFill>
+                <a:latin typeface="+mj-lt"/>
+              </a:rPr>
+              <a:t>Y. </a:t>
+            </a:r>
+            <a:r>
+              <a:rPr lang="en-US" sz="2400" dirty="0" err="1">
+                <a:solidFill>
+                  <a:schemeClr val="bg1"/>
+                </a:solidFill>
+                <a:latin typeface="+mj-lt"/>
+              </a:rPr>
+              <a:t>Katkici</a:t>
+            </a:r>
+            <a:endParaRPr lang="en-US" sz="2400" dirty="0">
+              <a:solidFill>
+                <a:schemeClr val="bg1"/>
+              </a:solidFill>
+              <a:latin typeface="+mj-lt"/>
+            </a:endParaRPr>
+          </a:p>
+        </p:txBody>
+      </p:sp>
+      <p:sp>
+        <p:nvSpPr>
+          <p:cNvPr id="73" name="Rectangle 72">
+            <a:extLst>
+              <a:ext uri="{FF2B5EF4-FFF2-40B4-BE49-F238E27FC236}">
+                <a16:creationId xmlns:a16="http://schemas.microsoft.com/office/drawing/2014/main" id="{7E834D45-8440-D64A-B64C-ACDCC3E9CBE4}"/>
+              </a:ext>
+            </a:extLst>
+          </p:cNvPr>
+          <p:cNvSpPr/>
+          <p:nvPr/>
+        </p:nvSpPr>
+        <p:spPr>
+          <a:xfrm>
+            <a:off x="7552706" y="1549827"/>
+            <a:ext cx="1316974" cy="2908453"/>
+          </a:xfrm>
+          <a:prstGeom prst="rect">
+            <a:avLst/>
+          </a:prstGeom>
+        </p:spPr>
+        <p:style>
+          <a:lnRef idx="2">
+            <a:schemeClr val="accent1"/>
+          </a:lnRef>
+          <a:fillRef idx="1">
+            <a:schemeClr val="lt1"/>
+          </a:fillRef>
+          <a:effectRef idx="0">
+            <a:schemeClr val="accent1"/>
+          </a:effectRef>
+          <a:fontRef idx="minor">
+            <a:schemeClr val="dk1"/>
+          </a:fontRef>
+        </p:style>
+        <p:txBody>
+          <a:bodyPr rtlCol="0" anchor="ctr"/>
+          <a:lstStyle/>
+          <a:p>
+            <a:pPr algn="ctr"/>
+            <a:endParaRPr lang="en-US"/>
+          </a:p>
+        </p:txBody>
+      </p:sp>
+      <p:sp>
+        <p:nvSpPr>
+          <p:cNvPr id="74" name="Oval 73">
+            <a:extLst>
+              <a:ext uri="{FF2B5EF4-FFF2-40B4-BE49-F238E27FC236}">
+                <a16:creationId xmlns:a16="http://schemas.microsoft.com/office/drawing/2014/main" id="{910A3071-9D0C-C847-A835-E714A0D420AC}"/>
+              </a:ext>
+            </a:extLst>
+          </p:cNvPr>
+          <p:cNvSpPr/>
+          <p:nvPr/>
+        </p:nvSpPr>
+        <p:spPr>
+          <a:xfrm>
+            <a:off x="7355340" y="1275507"/>
+            <a:ext cx="548640" cy="548640"/>
+          </a:xfrm>
+          <a:prstGeom prst="ellipse">
+            <a:avLst/>
+          </a:prstGeom>
+        </p:spPr>
+        <p:style>
+          <a:lnRef idx="1">
+            <a:schemeClr val="accent1"/>
+          </a:lnRef>
+          <a:fillRef idx="3">
+            <a:schemeClr val="accent1"/>
+          </a:fillRef>
+          <a:effectRef idx="2">
+            <a:schemeClr val="accent1"/>
+          </a:effectRef>
+          <a:fontRef idx="minor">
+            <a:schemeClr val="lt1"/>
+          </a:fontRef>
+        </p:style>
+        <p:txBody>
+          <a:bodyPr lIns="0" tIns="0" rIns="0" bIns="0" rtlCol="0" anchor="ctr" anchorCtr="1"/>
+          <a:lstStyle/>
+          <a:p>
+            <a:pPr algn="ctr"/>
+            <a:endParaRPr lang="en-US" sz="1600" b="1" dirty="0">
+              <a:ln w="6600">
+                <a:solidFill>
+                  <a:schemeClr val="accent2"/>
+                </a:solidFill>
+                <a:prstDash val="solid"/>
+              </a:ln>
+              <a:solidFill>
+                <a:srgbClr val="FFFFFF"/>
+              </a:solidFill>
+              <a:effectLst>
+                <a:outerShdw dist="38100" dir="2700000" algn="tl" rotWithShape="0">
+                  <a:schemeClr val="accent2"/>
+                </a:outerShdw>
+              </a:effectLst>
+            </a:endParaRPr>
+          </a:p>
+          <a:p>
+            <a:pPr algn="ctr"/>
+            <a:r>
+              <a:rPr lang="en-US" sz="7200" b="1" dirty="0">
+                <a:ln w="6600">
+                  <a:solidFill>
+                    <a:schemeClr val="accent2"/>
+                  </a:solidFill>
+                  <a:prstDash val="solid"/>
+                </a:ln>
+                <a:solidFill>
+                  <a:srgbClr val="FFFFFF"/>
+                </a:solidFill>
+                <a:effectLst>
+                  <a:outerShdw dist="38100" dir="2700000" algn="tl" rotWithShape="0">
+                    <a:schemeClr val="accent2"/>
+                  </a:outerShdw>
+                </a:effectLst>
+              </a:rPr>
+              <a:t>“</a:t>
+            </a:r>
+            <a:endParaRPr lang="en-US" sz="7200" dirty="0"/>
+          </a:p>
+        </p:txBody>
+      </p:sp>
+      <p:sp>
+        <p:nvSpPr>
+          <p:cNvPr id="75" name="Oval 74">
+            <a:extLst>
+              <a:ext uri="{FF2B5EF4-FFF2-40B4-BE49-F238E27FC236}">
+                <a16:creationId xmlns:a16="http://schemas.microsoft.com/office/drawing/2014/main" id="{8F3A91CE-C8B4-7D45-8BE5-F10FF9F0C315}"/>
+              </a:ext>
+            </a:extLst>
+          </p:cNvPr>
+          <p:cNvSpPr/>
+          <p:nvPr/>
+        </p:nvSpPr>
+        <p:spPr>
+          <a:xfrm flipV="1">
+            <a:off x="8543228" y="4228803"/>
+            <a:ext cx="548640" cy="548640"/>
+          </a:xfrm>
+          <a:prstGeom prst="ellipse">
+            <a:avLst/>
+          </a:prstGeom>
+        </p:spPr>
+        <p:style>
+          <a:lnRef idx="1">
+            <a:schemeClr val="accent1"/>
+          </a:lnRef>
+          <a:fillRef idx="3">
+            <a:schemeClr val="accent1"/>
+          </a:fillRef>
+          <a:effectRef idx="2">
+            <a:schemeClr val="accent1"/>
+          </a:effectRef>
+          <a:fontRef idx="minor">
+            <a:schemeClr val="lt1"/>
+          </a:fontRef>
+        </p:style>
+        <p:txBody>
+          <a:bodyPr lIns="0" tIns="0" rIns="0" bIns="0" rtlCol="0" anchor="ctr" anchorCtr="1"/>
+          <a:lstStyle/>
+          <a:p>
+            <a:pPr algn="ctr"/>
+            <a:endParaRPr lang="en-US" sz="1600" b="1" dirty="0">
+              <a:ln w="6600">
+                <a:solidFill>
+                  <a:schemeClr val="accent2"/>
+                </a:solidFill>
+                <a:prstDash val="solid"/>
+              </a:ln>
+              <a:solidFill>
+                <a:srgbClr val="FFFFFF"/>
+              </a:solidFill>
+              <a:effectLst>
+                <a:outerShdw dist="38100" dir="2700000" algn="tl" rotWithShape="0">
+                  <a:schemeClr val="accent2"/>
+                </a:outerShdw>
+              </a:effectLst>
+            </a:endParaRPr>
+          </a:p>
+          <a:p>
+            <a:pPr algn="ctr"/>
+            <a:r>
+              <a:rPr lang="en-US" sz="7200" b="1" dirty="0">
+                <a:ln w="6600">
+                  <a:solidFill>
+                    <a:schemeClr val="accent2"/>
+                  </a:solidFill>
+                  <a:prstDash val="solid"/>
+                </a:ln>
+                <a:solidFill>
+                  <a:srgbClr val="FFFFFF"/>
+                </a:solidFill>
+                <a:effectLst>
+                  <a:outerShdw dist="38100" dir="2700000" algn="tl" rotWithShape="0">
+                    <a:schemeClr val="accent2"/>
+                  </a:outerShdw>
+                </a:effectLst>
+              </a:rPr>
+              <a:t>“</a:t>
+            </a:r>
+            <a:endParaRPr lang="en-US" sz="7200" dirty="0"/>
+          </a:p>
+        </p:txBody>
+      </p:sp>
+      <p:pic>
+        <p:nvPicPr>
+          <p:cNvPr id="76" name="Picture 75">
+            <a:extLst>
+              <a:ext uri="{FF2B5EF4-FFF2-40B4-BE49-F238E27FC236}">
+                <a16:creationId xmlns:a16="http://schemas.microsoft.com/office/drawing/2014/main" id="{AF1ED96D-394D-044C-9FE5-0609EBF18D40}"/>
+              </a:ext>
+            </a:extLst>
+          </p:cNvPr>
+          <p:cNvPicPr>
+            <a:picLocks noChangeAspect="1"/>
+          </p:cNvPicPr>
+          <p:nvPr/>
+        </p:nvPicPr>
+        <p:blipFill>
+          <a:blip r:embed="rId2">
+            <a:extLst>
+              <a:ext uri="{BEBA8EAE-BF5A-486C-A8C5-ECC9F3942E4B}">
+                <a14:imgProps xmlns:a14="http://schemas.microsoft.com/office/drawing/2010/main">
+                  <a14:imgLayer r:embed="rId7">
+                    <a14:imgEffect>
+                      <a14:artisticPaintBrush/>
+                    </a14:imgEffect>
+                  </a14:imgLayer>
+                </a14:imgProps>
+              </a:ext>
+            </a:extLst>
+          </a:blip>
+          <a:stretch>
+            <a:fillRect/>
+          </a:stretch>
+        </p:blipFill>
+        <p:spPr>
+          <a:xfrm>
+            <a:off x="7251443" y="4458278"/>
+            <a:ext cx="1166040" cy="368300"/>
+          </a:xfrm>
+          <a:prstGeom prst="rect">
+            <a:avLst/>
+          </a:prstGeom>
+        </p:spPr>
+      </p:pic>
+      <p:sp>
+        <p:nvSpPr>
+          <p:cNvPr id="77" name="TextBox 76">
+            <a:extLst>
+              <a:ext uri="{FF2B5EF4-FFF2-40B4-BE49-F238E27FC236}">
+                <a16:creationId xmlns:a16="http://schemas.microsoft.com/office/drawing/2014/main" id="{E1B1861C-5779-9A42-BB5D-7A650EEA9FF2}"/>
+              </a:ext>
+            </a:extLst>
+          </p:cNvPr>
+          <p:cNvSpPr txBox="1"/>
+          <p:nvPr/>
+        </p:nvSpPr>
+        <p:spPr>
+          <a:xfrm>
+            <a:off x="7335756" y="4387028"/>
+            <a:ext cx="1081726" cy="461665"/>
+          </a:xfrm>
+          <a:prstGeom prst="rect">
+            <a:avLst/>
+          </a:prstGeom>
+          <a:noFill/>
+        </p:spPr>
+        <p:txBody>
+          <a:bodyPr wrap="square" rtlCol="0">
+            <a:spAutoFit/>
+          </a:bodyPr>
+          <a:lstStyle/>
+          <a:p>
+            <a:r>
+              <a:rPr lang="en-US" sz="2400" dirty="0">
+                <a:solidFill>
+                  <a:schemeClr val="bg1"/>
+                </a:solidFill>
+                <a:latin typeface="+mj-lt"/>
+              </a:rPr>
+              <a:t>G. </a:t>
+            </a:r>
+            <a:r>
+              <a:rPr lang="en-US" sz="2400" dirty="0" err="1">
+                <a:solidFill>
+                  <a:schemeClr val="bg1"/>
+                </a:solidFill>
+                <a:latin typeface="+mj-lt"/>
+              </a:rPr>
+              <a:t>Rua</a:t>
+            </a:r>
+            <a:endParaRPr lang="en-US" sz="2400" dirty="0">
+              <a:solidFill>
+                <a:schemeClr val="bg1"/>
+              </a:solidFill>
+              <a:latin typeface="+mj-lt"/>
+            </a:endParaRPr>
+          </a:p>
+        </p:txBody>
+      </p:sp>
+    </p:spTree>
+    <p:extLst>
+      <p:ext uri="{BB962C8B-B14F-4D97-AF65-F5344CB8AC3E}">
+        <p14:creationId xmlns:p14="http://schemas.microsoft.com/office/powerpoint/2010/main" val="944033644"/>
+      </p:ext>
+    </p:extLst>
+  </p:cSld>
+  <p:clrMapOvr>
+    <a:masterClrMapping/>
+  </p:clrMapOvr>
+</p:sld>
+</file>
+
+<file path=ppt/slides/slide42.xml><?xml version="1.0" encoding="utf-8"?>
 <p:sld xmlns:a="http://schemas.openxmlformats.org/drawingml/2006/main" xmlns:r="http://schemas.openxmlformats.org/officeDocument/2006/relationships" xmlns:p="http://schemas.openxmlformats.org/presentationml/2006/main">
   <p:cSld>
     <p:spTree>
@@ -29693,172 +31551,8 @@
 </p:sld>
 </file>
 
-<file path=ppt/slides/slide4.xml><?xml version="1.0" encoding="utf-8"?>
-<p:sld xmlns:a="http://schemas.openxmlformats.org/drawingml/2006/main" xmlns:r="http://schemas.openxmlformats.org/officeDocument/2006/relationships" xmlns:p="http://schemas.openxmlformats.org/presentationml/2006/main">
-  <p:cSld>
-    <p:spTree>
-      <p:nvGrpSpPr>
-        <p:cNvPr id="1" name=""/>
-        <p:cNvGrpSpPr/>
-        <p:nvPr/>
-      </p:nvGrpSpPr>
-      <p:grpSpPr>
-        <a:xfrm>
-          <a:off x="0" y="0"/>
-          <a:ext cx="0" cy="0"/>
-          <a:chOff x="0" y="0"/>
-          <a:chExt cx="0" cy="0"/>
-        </a:xfrm>
-      </p:grpSpPr>
-      <p:sp>
-        <p:nvSpPr>
-          <p:cNvPr id="2" name="Title 1">
-            <a:extLst>
-              <a:ext uri="{FF2B5EF4-FFF2-40B4-BE49-F238E27FC236}">
-                <a16:creationId xmlns:a16="http://schemas.microsoft.com/office/drawing/2014/main" id="{F3EC393F-6B89-E348-AEDB-92836FCF027A}"/>
-              </a:ext>
-            </a:extLst>
-          </p:cNvPr>
-          <p:cNvSpPr>
-            <a:spLocks noGrp="1"/>
-          </p:cNvSpPr>
-          <p:nvPr>
-            <p:ph type="title"/>
-          </p:nvPr>
-        </p:nvSpPr>
-        <p:spPr/>
-        <p:txBody>
-          <a:bodyPr>
-            <a:normAutofit fontScale="90000"/>
-          </a:bodyPr>
-          <a:lstStyle/>
-          <a:p>
-            <a:r>
-              <a:rPr lang="en-US" dirty="0"/>
-              <a:t>Zac Feedback</a:t>
-            </a:r>
-          </a:p>
-        </p:txBody>
-      </p:sp>
-      <p:sp>
-        <p:nvSpPr>
-          <p:cNvPr id="3" name="Text Placeholder 2">
-            <a:extLst>
-              <a:ext uri="{FF2B5EF4-FFF2-40B4-BE49-F238E27FC236}">
-                <a16:creationId xmlns:a16="http://schemas.microsoft.com/office/drawing/2014/main" id="{DF4AB8E8-02BD-A945-8C04-5D3051132811}"/>
-              </a:ext>
-            </a:extLst>
-          </p:cNvPr>
-          <p:cNvSpPr>
-            <a:spLocks noGrp="1"/>
-          </p:cNvSpPr>
-          <p:nvPr>
-            <p:ph type="body" idx="2"/>
-          </p:nvPr>
-        </p:nvSpPr>
-        <p:spPr/>
-        <p:txBody>
-          <a:bodyPr/>
-          <a:lstStyle/>
-          <a:p>
-            <a:r>
-              <a:rPr lang="en-US" dirty="0"/>
-              <a:t>Week 3</a:t>
-            </a:r>
-          </a:p>
-        </p:txBody>
-      </p:sp>
-      <p:sp>
-        <p:nvSpPr>
-          <p:cNvPr id="4" name="Content Placeholder 3">
-            <a:extLst>
-              <a:ext uri="{FF2B5EF4-FFF2-40B4-BE49-F238E27FC236}">
-                <a16:creationId xmlns:a16="http://schemas.microsoft.com/office/drawing/2014/main" id="{930750C0-1AB0-A249-8406-C8FCFB802CF6}"/>
-              </a:ext>
-            </a:extLst>
-          </p:cNvPr>
-          <p:cNvSpPr>
-            <a:spLocks noGrp="1"/>
-          </p:cNvSpPr>
-          <p:nvPr>
-            <p:ph sz="quarter" idx="1"/>
-          </p:nvPr>
-        </p:nvSpPr>
-        <p:spPr>
-          <a:xfrm>
-            <a:off x="2362200" y="1314450"/>
-            <a:ext cx="6400800" cy="3314700"/>
-          </a:xfrm>
-        </p:spPr>
-        <p:txBody>
-          <a:bodyPr>
-            <a:normAutofit fontScale="92500"/>
-          </a:bodyPr>
-          <a:lstStyle/>
-          <a:p>
-            <a:pPr marL="0" indent="0">
-              <a:buNone/>
-            </a:pPr>
-            <a:r>
-              <a:rPr lang="en-US" altLang="ja-JP" sz="1600" b="1" dirty="0">
-                <a:latin typeface="Times New Roman" panose="02020603050405020304" pitchFamily="18" charset="0"/>
-              </a:rPr>
-              <a:t>Observations:</a:t>
-            </a:r>
-          </a:p>
-          <a:p>
-            <a:pPr marL="0" indent="0">
-              <a:buNone/>
-            </a:pPr>
-            <a:r>
-              <a:rPr lang="en-US" altLang="ja-JP" sz="1200" dirty="0">
-                <a:latin typeface="Times New Roman" panose="02020603050405020304" pitchFamily="18" charset="0"/>
-              </a:rPr>
-              <a:t>Awesome stuff this week! First off, I really like the update to the persona’s page – it’s much cleaner and easier to get the full picture, great job there. For this week’s deliverables – great job on the CI list – it seems very complete and thorough. Your Estimation Record is also great – it really captures the totality of the project. As always – formatting and look/feel is spot-on. Very polished. Great job there – keep it up!</a:t>
-            </a:r>
-            <a:endParaRPr lang="en-US" altLang="ja-JP" sz="1600" b="1" dirty="0">
-              <a:latin typeface="Times New Roman" panose="02020603050405020304" pitchFamily="18" charset="0"/>
-            </a:endParaRPr>
-          </a:p>
-          <a:p>
-            <a:pPr marL="0" indent="0">
-              <a:buNone/>
-            </a:pPr>
-            <a:r>
-              <a:rPr lang="en-US" altLang="ja-JP" sz="1600" b="1" dirty="0">
-                <a:latin typeface="Times New Roman" panose="02020603050405020304" pitchFamily="18" charset="0"/>
-              </a:rPr>
-              <a:t>Insights:</a:t>
-            </a:r>
-          </a:p>
-          <a:p>
-            <a:pPr marL="0" indent="0">
-              <a:buNone/>
-            </a:pPr>
-            <a:r>
-              <a:rPr lang="en-US" altLang="ja-JP" sz="1200" dirty="0">
-                <a:latin typeface="Times New Roman" panose="02020603050405020304" pitchFamily="18" charset="0"/>
-              </a:rPr>
-              <a:t>Great job on the CI List – I like how you’ve already identified roles/responsibilities for the upcoming deliverables – shows really good organization and foresight. As for the estimation record – everything looks good. I just have one piece of feedback (and don’t worry – it was common amongst all the projects, so you’re not alone). For the Estimation item: “Implementation” – perhaps it’s a bit too high level? Trying to estimate the totality of the development work could be rather difficult to be accurate. Special tip: in next week’s module, you will be asked to provide a Component Interaction Diagram, meaning you will need to break up the development work into components. Perhaps it would be easier to estimate, and more accurate, if you were to provide estimates at the component level – so that the “Implementation” line item is broken down further. Other than that – everything is looking incredible, and I’m continually impressed with your hard work thus far. Keep it up – halfway there!</a:t>
-            </a:r>
-          </a:p>
-        </p:txBody>
-      </p:sp>
-    </p:spTree>
-    <p:extLst>
-      <p:ext uri="{BB962C8B-B14F-4D97-AF65-F5344CB8AC3E}">
-        <p14:creationId xmlns:p14="http://schemas.microsoft.com/office/powerpoint/2010/main" val="1176454950"/>
-      </p:ext>
-    </p:extLst>
-  </p:cSld>
-  <p:clrMapOvr>
-    <a:masterClrMapping/>
-  </p:clrMapOvr>
-</p:sld>
-</file>
-
 <file path=ppt/slides/slide5.xml><?xml version="1.0" encoding="utf-8"?>
-<p:sld xmlns:a="http://schemas.openxmlformats.org/drawingml/2006/main" xmlns:r="http://schemas.openxmlformats.org/officeDocument/2006/relationships" xmlns:p="http://schemas.openxmlformats.org/presentationml/2006/main">
+<p:sld xmlns:a="http://schemas.openxmlformats.org/drawingml/2006/main" xmlns:r="http://schemas.openxmlformats.org/officeDocument/2006/relationships" xmlns:p="http://schemas.openxmlformats.org/presentationml/2006/main" show="0">
   <p:cSld>
     <p:spTree>
       <p:nvGrpSpPr>
@@ -30052,7 +31746,7 @@
 </file>
 
 <file path=ppt/slides/slide6.xml><?xml version="1.0" encoding="utf-8"?>
-<p:sld xmlns:a="http://schemas.openxmlformats.org/drawingml/2006/main" xmlns:r="http://schemas.openxmlformats.org/officeDocument/2006/relationships" xmlns:p="http://schemas.openxmlformats.org/presentationml/2006/main">
+<p:sld xmlns:a="http://schemas.openxmlformats.org/drawingml/2006/main" xmlns:r="http://schemas.openxmlformats.org/officeDocument/2006/relationships" xmlns:p="http://schemas.openxmlformats.org/presentationml/2006/main" show="0">
   <p:cSld>
     <p:spTree>
       <p:nvGrpSpPr>
@@ -30217,7 +31911,7 @@
             <a:pPr lvl="1"/>
             <a:r>
               <a:rPr lang="en-US" dirty="0"/>
-              <a:t>Is report different from presentation?</a:t>
+              <a:t>Is report different from presentation? No</a:t>
             </a:r>
           </a:p>
         </p:txBody>

--- a/Final Presenation/CS_633_Zac3_term_project_report_FINAL_draft.pptx
+++ b/Final Presenation/CS_633_Zac3_term_project_report_FINAL_draft.pptx
@@ -27428,7 +27428,7 @@
             <p:ph sz="quarter" idx="1"/>
             <p:extLst>
               <p:ext uri="{D42A27DB-BD31-4B8C-83A1-F6EECF244321}">
-                <p14:modId xmlns:p14="http://schemas.microsoft.com/office/powerpoint/2010/main" val="630046201"/>
+                <p14:modId xmlns:p14="http://schemas.microsoft.com/office/powerpoint/2010/main" val="3494084431"/>
               </p:ext>
             </p:extLst>
           </p:nvPr>
@@ -27465,7 +27465,10 @@
                     <a:bodyPr/>
                     <a:lstStyle/>
                     <a:p>
-                      <a:endParaRPr lang="en-US" dirty="0"/>
+                      <a:r>
+                        <a:rPr lang="en-US" dirty="0"/>
+                        <a:t>Comment</a:t>
+                      </a:r>
                     </a:p>
                   </a:txBody>
                   <a:tcPr/>
@@ -27475,7 +27478,10 @@
                     <a:bodyPr/>
                     <a:lstStyle/>
                     <a:p>
-                      <a:endParaRPr lang="en-US"/>
+                      <a:r>
+                        <a:rPr lang="en-US" dirty="0"/>
+                        <a:t>Outcome</a:t>
+                      </a:r>
                     </a:p>
                   </a:txBody>
                   <a:tcPr/>
@@ -27583,7 +27589,7 @@
                     <a:bodyPr/>
                     <a:lstStyle/>
                     <a:p>
-                      <a:endParaRPr lang="en-US"/>
+                      <a:endParaRPr lang="en-US" dirty="0"/>
                     </a:p>
                   </a:txBody>
                   <a:tcPr/>
@@ -31292,7 +31298,7 @@
           <a:p>
             <a:r>
               <a:rPr lang="en-US" dirty="0"/>
-              <a:t>Peer Reviews</a:t>
+              <a:t>Lessons Learned</a:t>
             </a:r>
           </a:p>
         </p:txBody>

--- a/Final Presenation/CS_633_Zac3_term_project_report_FINAL_draft.pptx
+++ b/Final Presenation/CS_633_Zac3_term_project_report_FINAL_draft.pptx
@@ -11061,14 +11061,14 @@
           <a:effectLst/>
           <a:extLst>
             <a:ext uri="{909E8E84-426E-40dd-AFC4-6F175D3DCCD1}">
-              <a14:hiddenFill xmlns:a14="http://schemas.microsoft.com/office/drawing/2010/main" xmlns="">
+              <a14:hiddenFill xmlns="" xmlns:a14="http://schemas.microsoft.com/office/drawing/2010/main">
                 <a:solidFill>
                   <a:schemeClr val="accent1"/>
                 </a:solidFill>
               </a14:hiddenFill>
             </a:ext>
             <a:ext uri="{91240B29-F687-4f45-9708-019B960494DF}">
-              <a14:hiddenLine xmlns:a14="http://schemas.microsoft.com/office/drawing/2010/main" xmlns="" w="9525">
+              <a14:hiddenLine xmlns="" xmlns:a14="http://schemas.microsoft.com/office/drawing/2010/main" w="9525">
                 <a:solidFill>
                   <a:schemeClr val="tx1"/>
                 </a:solidFill>
@@ -11078,7 +11078,7 @@
               </a14:hiddenLine>
             </a:ext>
             <a:ext uri="{AF507438-7753-43e0-B8FC-AC1667EBCBE1}">
-              <a14:hiddenEffects xmlns:a14="http://schemas.microsoft.com/office/drawing/2010/main" xmlns="">
+              <a14:hiddenEffects xmlns="" xmlns:a14="http://schemas.microsoft.com/office/drawing/2010/main">
                 <a:effectLst>
                   <a:outerShdw dist="35921" dir="2700000" algn="ctr" rotWithShape="0">
                     <a:schemeClr val="bg2"/>
@@ -11212,14 +11212,14 @@
           <a:effectLst/>
           <a:extLst>
             <a:ext uri="{909E8E84-426E-40dd-AFC4-6F175D3DCCD1}">
-              <a14:hiddenFill xmlns:a14="http://schemas.microsoft.com/office/drawing/2010/main" xmlns="">
+              <a14:hiddenFill xmlns="" xmlns:a14="http://schemas.microsoft.com/office/drawing/2010/main">
                 <a:solidFill>
                   <a:schemeClr val="accent1"/>
                 </a:solidFill>
               </a14:hiddenFill>
             </a:ext>
             <a:ext uri="{91240B29-F687-4f45-9708-019B960494DF}">
-              <a14:hiddenLine xmlns:a14="http://schemas.microsoft.com/office/drawing/2010/main" xmlns="" w="9525">
+              <a14:hiddenLine xmlns="" xmlns:a14="http://schemas.microsoft.com/office/drawing/2010/main" w="9525">
                 <a:solidFill>
                   <a:schemeClr val="tx1"/>
                 </a:solidFill>
@@ -11229,7 +11229,7 @@
               </a14:hiddenLine>
             </a:ext>
             <a:ext uri="{AF507438-7753-43e0-B8FC-AC1667EBCBE1}">
-              <a14:hiddenEffects xmlns:a14="http://schemas.microsoft.com/office/drawing/2010/main" xmlns="">
+              <a14:hiddenEffects xmlns="" xmlns:a14="http://schemas.microsoft.com/office/drawing/2010/main">
                 <a:effectLst>
                   <a:outerShdw dist="35921" dir="2700000" algn="ctr" rotWithShape="0">
                     <a:schemeClr val="bg2"/>
@@ -16226,7 +16226,7 @@
           <a:p>
             <a:r>
               <a:rPr lang="en-US" dirty="0"/>
-              <a:t>Test Cases – Log In (NEG)</a:t>
+              <a:t>Test Cases – Log In (POS)</a:t>
             </a:r>
           </a:p>
         </p:txBody>
@@ -16483,31 +16483,1892 @@
           </a:p>
         </p:txBody>
       </p:sp>
-      <p:sp>
-        <p:nvSpPr>
-          <p:cNvPr id="3" name="Content Placeholder 2">
+      <p:graphicFrame>
+        <p:nvGraphicFramePr>
+          <p:cNvPr id="6" name="Content Placeholder 5">
             <a:extLst>
               <a:ext uri="{FF2B5EF4-FFF2-40B4-BE49-F238E27FC236}">
-                <a16:creationId xmlns:a16="http://schemas.microsoft.com/office/drawing/2014/main" id="{AD8308D9-AFFE-AF4F-A177-404443BE4CD6}"/>
+                <a16:creationId xmlns:a16="http://schemas.microsoft.com/office/drawing/2014/main" id="{60FC6571-5DB1-454E-A97B-E7AA73213013}"/>
               </a:ext>
             </a:extLst>
           </p:cNvPr>
-          <p:cNvSpPr>
-            <a:spLocks noGrp="1"/>
-          </p:cNvSpPr>
+          <p:cNvGraphicFramePr>
+            <a:graphicFrameLocks noGrp="1"/>
+          </p:cNvGraphicFramePr>
           <p:nvPr>
             <p:ph sz="quarter" idx="1"/>
+            <p:extLst>
+              <p:ext uri="{D42A27DB-BD31-4B8C-83A1-F6EECF244321}">
+                <p14:modId xmlns:p14="http://schemas.microsoft.com/office/powerpoint/2010/main" val="299267239"/>
+              </p:ext>
+            </p:extLst>
           </p:nvPr>
-        </p:nvSpPr>
-        <p:spPr/>
-        <p:txBody>
-          <a:bodyPr/>
-          <a:lstStyle/>
-          <a:p>
-            <a:endParaRPr lang="en-US"/>
-          </a:p>
-        </p:txBody>
-      </p:sp>
+        </p:nvGraphicFramePr>
+        <p:xfrm>
+          <a:off x="1857375" y="1416963"/>
+          <a:ext cx="4851400" cy="3072033"/>
+        </p:xfrm>
+        <a:graphic>
+          <a:graphicData uri="http://schemas.openxmlformats.org/drawingml/2006/table">
+            <a:tbl>
+              <a:tblPr>
+                <a:tableStyleId>{B301B821-A1FF-4177-AEE7-76D212191A09}</a:tableStyleId>
+              </a:tblPr>
+              <a:tblGrid>
+                <a:gridCol w="774700">
+                  <a:extLst>
+                    <a:ext uri="{9D8B030D-6E8A-4147-A177-3AD203B41FA5}">
+                      <a16:colId xmlns:a16="http://schemas.microsoft.com/office/drawing/2014/main" val="345757521"/>
+                    </a:ext>
+                  </a:extLst>
+                </a:gridCol>
+                <a:gridCol w="1019175">
+                  <a:extLst>
+                    <a:ext uri="{9D8B030D-6E8A-4147-A177-3AD203B41FA5}">
+                      <a16:colId xmlns:a16="http://schemas.microsoft.com/office/drawing/2014/main" val="443652253"/>
+                    </a:ext>
+                  </a:extLst>
+                </a:gridCol>
+                <a:gridCol w="1019175">
+                  <a:extLst>
+                    <a:ext uri="{9D8B030D-6E8A-4147-A177-3AD203B41FA5}">
+                      <a16:colId xmlns:a16="http://schemas.microsoft.com/office/drawing/2014/main" val="2251815030"/>
+                    </a:ext>
+                  </a:extLst>
+                </a:gridCol>
+                <a:gridCol w="1019175">
+                  <a:extLst>
+                    <a:ext uri="{9D8B030D-6E8A-4147-A177-3AD203B41FA5}">
+                      <a16:colId xmlns:a16="http://schemas.microsoft.com/office/drawing/2014/main" val="4152837818"/>
+                    </a:ext>
+                  </a:extLst>
+                </a:gridCol>
+                <a:gridCol w="1019175">
+                  <a:extLst>
+                    <a:ext uri="{9D8B030D-6E8A-4147-A177-3AD203B41FA5}">
+                      <a16:colId xmlns:a16="http://schemas.microsoft.com/office/drawing/2014/main" val="2245834379"/>
+                    </a:ext>
+                  </a:extLst>
+                </a:gridCol>
+              </a:tblGrid>
+              <a:tr h="219982">
+                <a:tc>
+                  <a:txBody>
+                    <a:bodyPr/>
+                    <a:lstStyle/>
+                    <a:p>
+                      <a:pPr algn="l" fontAlgn="b"/>
+                      <a:r>
+                        <a:rPr lang="en-US" sz="1200" u="none" strike="noStrike">
+                          <a:effectLst/>
+                        </a:rPr>
+                        <a:t>TEST CASES</a:t>
+                      </a:r>
+                      <a:endParaRPr lang="en-US" sz="1200" b="0" i="0" u="none" strike="noStrike">
+                        <a:solidFill>
+                          <a:srgbClr val="000000"/>
+                        </a:solidFill>
+                        <a:effectLst/>
+                        <a:latin typeface="Calibri" panose="020F0502020204030204" pitchFamily="34" charset="0"/>
+                      </a:endParaRPr>
+                    </a:p>
+                  </a:txBody>
+                  <a:tcPr marL="9525" marR="9525" marT="9525" marB="0" anchor="b"/>
+                </a:tc>
+                <a:tc>
+                  <a:txBody>
+                    <a:bodyPr/>
+                    <a:lstStyle/>
+                    <a:p>
+                      <a:pPr algn="l" fontAlgn="b"/>
+                      <a:endParaRPr lang="en-US" sz="1200" b="0" i="0" u="none" strike="noStrike">
+                        <a:solidFill>
+                          <a:srgbClr val="000000"/>
+                        </a:solidFill>
+                        <a:effectLst/>
+                        <a:latin typeface="Calibri" panose="020F0502020204030204" pitchFamily="34" charset="0"/>
+                      </a:endParaRPr>
+                    </a:p>
+                  </a:txBody>
+                  <a:tcPr marL="9525" marR="9525" marT="9525" marB="0" anchor="b"/>
+                </a:tc>
+                <a:tc>
+                  <a:txBody>
+                    <a:bodyPr/>
+                    <a:lstStyle/>
+                    <a:p>
+                      <a:pPr algn="l" fontAlgn="b"/>
+                      <a:endParaRPr lang="en-US" sz="1200" b="0" i="0" u="none" strike="noStrike">
+                        <a:solidFill>
+                          <a:srgbClr val="000000"/>
+                        </a:solidFill>
+                        <a:effectLst/>
+                        <a:latin typeface="Calibri" panose="020F0502020204030204" pitchFamily="34" charset="0"/>
+                      </a:endParaRPr>
+                    </a:p>
+                  </a:txBody>
+                  <a:tcPr marL="9525" marR="9525" marT="9525" marB="0" anchor="b"/>
+                </a:tc>
+                <a:tc>
+                  <a:txBody>
+                    <a:bodyPr/>
+                    <a:lstStyle/>
+                    <a:p>
+                      <a:pPr algn="l" fontAlgn="b"/>
+                      <a:endParaRPr lang="en-US" sz="1200" b="0" i="0" u="none" strike="noStrike">
+                        <a:solidFill>
+                          <a:srgbClr val="000000"/>
+                        </a:solidFill>
+                        <a:effectLst/>
+                        <a:latin typeface="Calibri" panose="020F0502020204030204" pitchFamily="34" charset="0"/>
+                      </a:endParaRPr>
+                    </a:p>
+                  </a:txBody>
+                  <a:tcPr marL="9525" marR="9525" marT="9525" marB="0" anchor="b"/>
+                </a:tc>
+                <a:tc>
+                  <a:txBody>
+                    <a:bodyPr/>
+                    <a:lstStyle/>
+                    <a:p>
+                      <a:pPr algn="l" fontAlgn="b"/>
+                      <a:endParaRPr lang="en-US" sz="1200" b="0" i="0" u="none" strike="noStrike">
+                        <a:solidFill>
+                          <a:srgbClr val="000000"/>
+                        </a:solidFill>
+                        <a:effectLst/>
+                        <a:latin typeface="Calibri" panose="020F0502020204030204" pitchFamily="34" charset="0"/>
+                      </a:endParaRPr>
+                    </a:p>
+                  </a:txBody>
+                  <a:tcPr marL="9525" marR="9525" marT="9525" marB="0" anchor="b"/>
+                </a:tc>
+                <a:extLst>
+                  <a:ext uri="{0D108BD9-81ED-4DB2-BD59-A6C34878D82A}">
+                    <a16:rowId xmlns:a16="http://schemas.microsoft.com/office/drawing/2014/main" val="3717305652"/>
+                  </a:ext>
+                </a:extLst>
+              </a:tr>
+              <a:tr h="219982">
+                <a:tc>
+                  <a:txBody>
+                    <a:bodyPr/>
+                    <a:lstStyle/>
+                    <a:p>
+                      <a:pPr algn="l" fontAlgn="b"/>
+                      <a:r>
+                        <a:rPr lang="en-US" sz="1200" u="none" strike="noStrike">
+                          <a:effectLst/>
+                        </a:rPr>
+                        <a:t>case</a:t>
+                      </a:r>
+                      <a:endParaRPr lang="en-US" sz="1200" b="0" i="0" u="none" strike="noStrike">
+                        <a:solidFill>
+                          <a:srgbClr val="000000"/>
+                        </a:solidFill>
+                        <a:effectLst/>
+                        <a:latin typeface="Calibri" panose="020F0502020204030204" pitchFamily="34" charset="0"/>
+                      </a:endParaRPr>
+                    </a:p>
+                  </a:txBody>
+                  <a:tcPr marL="9525" marR="9525" marT="9525" marB="0" anchor="b"/>
+                </a:tc>
+                <a:tc>
+                  <a:txBody>
+                    <a:bodyPr/>
+                    <a:lstStyle/>
+                    <a:p>
+                      <a:pPr algn="l" fontAlgn="b"/>
+                      <a:r>
+                        <a:rPr lang="en-US" sz="1200" u="none" strike="noStrike">
+                          <a:effectLst/>
+                        </a:rPr>
+                        <a:t>Function</a:t>
+                      </a:r>
+                      <a:endParaRPr lang="en-US" sz="1200" b="0" i="0" u="none" strike="noStrike">
+                        <a:solidFill>
+                          <a:srgbClr val="000000"/>
+                        </a:solidFill>
+                        <a:effectLst/>
+                        <a:latin typeface="Calibri" panose="020F0502020204030204" pitchFamily="34" charset="0"/>
+                      </a:endParaRPr>
+                    </a:p>
+                  </a:txBody>
+                  <a:tcPr marL="9525" marR="9525" marT="9525" marB="0" anchor="b"/>
+                </a:tc>
+                <a:tc>
+                  <a:txBody>
+                    <a:bodyPr/>
+                    <a:lstStyle/>
+                    <a:p>
+                      <a:pPr algn="l" fontAlgn="b"/>
+                      <a:r>
+                        <a:rPr lang="en-US" sz="1200" u="none" strike="noStrike">
+                          <a:effectLst/>
+                        </a:rPr>
+                        <a:t>user</a:t>
+                      </a:r>
+                      <a:endParaRPr lang="en-US" sz="1200" b="0" i="0" u="none" strike="noStrike">
+                        <a:solidFill>
+                          <a:srgbClr val="000000"/>
+                        </a:solidFill>
+                        <a:effectLst/>
+                        <a:latin typeface="Calibri" panose="020F0502020204030204" pitchFamily="34" charset="0"/>
+                      </a:endParaRPr>
+                    </a:p>
+                  </a:txBody>
+                  <a:tcPr marL="9525" marR="9525" marT="9525" marB="0" anchor="b"/>
+                </a:tc>
+                <a:tc>
+                  <a:txBody>
+                    <a:bodyPr/>
+                    <a:lstStyle/>
+                    <a:p>
+                      <a:pPr algn="l" fontAlgn="b"/>
+                      <a:r>
+                        <a:rPr lang="en-US" sz="1200" u="none" strike="noStrike">
+                          <a:effectLst/>
+                        </a:rPr>
+                        <a:t>source</a:t>
+                      </a:r>
+                      <a:endParaRPr lang="en-US" sz="1200" b="0" i="0" u="none" strike="noStrike">
+                        <a:solidFill>
+                          <a:srgbClr val="000000"/>
+                        </a:solidFill>
+                        <a:effectLst/>
+                        <a:latin typeface="Calibri" panose="020F0502020204030204" pitchFamily="34" charset="0"/>
+                      </a:endParaRPr>
+                    </a:p>
+                  </a:txBody>
+                  <a:tcPr marL="9525" marR="9525" marT="9525" marB="0" anchor="b"/>
+                </a:tc>
+                <a:tc>
+                  <a:txBody>
+                    <a:bodyPr/>
+                    <a:lstStyle/>
+                    <a:p>
+                      <a:pPr algn="l" fontAlgn="b"/>
+                      <a:r>
+                        <a:rPr lang="en-US" sz="1200" u="none" strike="noStrike">
+                          <a:effectLst/>
+                        </a:rPr>
+                        <a:t>pairings</a:t>
+                      </a:r>
+                      <a:endParaRPr lang="en-US" sz="1200" b="0" i="0" u="none" strike="noStrike">
+                        <a:solidFill>
+                          <a:srgbClr val="000000"/>
+                        </a:solidFill>
+                        <a:effectLst/>
+                        <a:latin typeface="Calibri" panose="020F0502020204030204" pitchFamily="34" charset="0"/>
+                      </a:endParaRPr>
+                    </a:p>
+                  </a:txBody>
+                  <a:tcPr marL="9525" marR="9525" marT="9525" marB="0" anchor="b"/>
+                </a:tc>
+                <a:extLst>
+                  <a:ext uri="{0D108BD9-81ED-4DB2-BD59-A6C34878D82A}">
+                    <a16:rowId xmlns:a16="http://schemas.microsoft.com/office/drawing/2014/main" val="2723526602"/>
+                  </a:ext>
+                </a:extLst>
+              </a:tr>
+              <a:tr h="219982">
+                <a:tc>
+                  <a:txBody>
+                    <a:bodyPr/>
+                    <a:lstStyle/>
+                    <a:p>
+                      <a:pPr algn="r" fontAlgn="b"/>
+                      <a:r>
+                        <a:rPr lang="en-US" sz="1200" u="none" strike="noStrike">
+                          <a:effectLst/>
+                        </a:rPr>
+                        <a:t>1</a:t>
+                      </a:r>
+                      <a:endParaRPr lang="en-US" sz="1200" b="0" i="0" u="none" strike="noStrike">
+                        <a:solidFill>
+                          <a:srgbClr val="000000"/>
+                        </a:solidFill>
+                        <a:effectLst/>
+                        <a:latin typeface="Calibri" panose="020F0502020204030204" pitchFamily="34" charset="0"/>
+                      </a:endParaRPr>
+                    </a:p>
+                  </a:txBody>
+                  <a:tcPr marL="9525" marR="9525" marT="9525" marB="0" anchor="b"/>
+                </a:tc>
+                <a:tc>
+                  <a:txBody>
+                    <a:bodyPr/>
+                    <a:lstStyle/>
+                    <a:p>
+                      <a:pPr algn="l" fontAlgn="b"/>
+                      <a:r>
+                        <a:rPr lang="en-US" sz="1200" u="none" strike="noStrike">
+                          <a:effectLst/>
+                        </a:rPr>
+                        <a:t>Register</a:t>
+                      </a:r>
+                      <a:endParaRPr lang="en-US" sz="1200" b="0" i="0" u="none" strike="noStrike">
+                        <a:solidFill>
+                          <a:srgbClr val="000000"/>
+                        </a:solidFill>
+                        <a:effectLst/>
+                        <a:latin typeface="Calibri" panose="020F0502020204030204" pitchFamily="34" charset="0"/>
+                      </a:endParaRPr>
+                    </a:p>
+                  </a:txBody>
+                  <a:tcPr marL="9525" marR="9525" marT="9525" marB="0" anchor="b"/>
+                </a:tc>
+                <a:tc>
+                  <a:txBody>
+                    <a:bodyPr/>
+                    <a:lstStyle/>
+                    <a:p>
+                      <a:pPr algn="l" fontAlgn="b"/>
+                      <a:r>
+                        <a:rPr lang="en-US" sz="1200" u="none" strike="noStrike" dirty="0">
+                          <a:effectLst/>
+                        </a:rPr>
+                        <a:t>trainer</a:t>
+                      </a:r>
+                      <a:endParaRPr lang="en-US" sz="1200" b="0" i="0" u="none" strike="noStrike" dirty="0">
+                        <a:solidFill>
+                          <a:srgbClr val="000000"/>
+                        </a:solidFill>
+                        <a:effectLst/>
+                        <a:latin typeface="Calibri" panose="020F0502020204030204" pitchFamily="34" charset="0"/>
+                      </a:endParaRPr>
+                    </a:p>
+                  </a:txBody>
+                  <a:tcPr marL="9525" marR="9525" marT="9525" marB="0" anchor="b"/>
+                </a:tc>
+                <a:tc>
+                  <a:txBody>
+                    <a:bodyPr/>
+                    <a:lstStyle/>
+                    <a:p>
+                      <a:pPr algn="l" fontAlgn="b"/>
+                      <a:r>
+                        <a:rPr lang="en-US" sz="1200" u="none" strike="noStrike">
+                          <a:effectLst/>
+                        </a:rPr>
+                        <a:t>internal</a:t>
+                      </a:r>
+                      <a:endParaRPr lang="en-US" sz="1200" b="0" i="0" u="none" strike="noStrike">
+                        <a:solidFill>
+                          <a:srgbClr val="000000"/>
+                        </a:solidFill>
+                        <a:effectLst/>
+                        <a:latin typeface="Calibri" panose="020F0502020204030204" pitchFamily="34" charset="0"/>
+                      </a:endParaRPr>
+                    </a:p>
+                  </a:txBody>
+                  <a:tcPr marL="9525" marR="9525" marT="9525" marB="0" anchor="b"/>
+                </a:tc>
+                <a:tc>
+                  <a:txBody>
+                    <a:bodyPr/>
+                    <a:lstStyle/>
+                    <a:p>
+                      <a:pPr algn="r" fontAlgn="b"/>
+                      <a:r>
+                        <a:rPr lang="en-US" sz="1200" u="none" strike="noStrike">
+                          <a:effectLst/>
+                        </a:rPr>
+                        <a:t>3</a:t>
+                      </a:r>
+                      <a:endParaRPr lang="en-US" sz="1200" b="0" i="0" u="none" strike="noStrike">
+                        <a:solidFill>
+                          <a:srgbClr val="000000"/>
+                        </a:solidFill>
+                        <a:effectLst/>
+                        <a:latin typeface="Calibri" panose="020F0502020204030204" pitchFamily="34" charset="0"/>
+                      </a:endParaRPr>
+                    </a:p>
+                  </a:txBody>
+                  <a:tcPr marL="9525" marR="9525" marT="9525" marB="0" anchor="b"/>
+                </a:tc>
+                <a:extLst>
+                  <a:ext uri="{0D108BD9-81ED-4DB2-BD59-A6C34878D82A}">
+                    <a16:rowId xmlns:a16="http://schemas.microsoft.com/office/drawing/2014/main" val="1195390739"/>
+                  </a:ext>
+                </a:extLst>
+              </a:tr>
+              <a:tr h="219982">
+                <a:tc>
+                  <a:txBody>
+                    <a:bodyPr/>
+                    <a:lstStyle/>
+                    <a:p>
+                      <a:pPr algn="r" fontAlgn="b"/>
+                      <a:r>
+                        <a:rPr lang="en-US" sz="1200" u="none" strike="noStrike" dirty="0">
+                          <a:effectLst/>
+                        </a:rPr>
+                        <a:t>2</a:t>
+                      </a:r>
+                      <a:endParaRPr lang="en-US" sz="1200" b="0" i="0" u="none" strike="noStrike" dirty="0">
+                        <a:solidFill>
+                          <a:srgbClr val="000000"/>
+                        </a:solidFill>
+                        <a:effectLst/>
+                        <a:latin typeface="Calibri" panose="020F0502020204030204" pitchFamily="34" charset="0"/>
+                      </a:endParaRPr>
+                    </a:p>
+                  </a:txBody>
+                  <a:tcPr marL="9525" marR="9525" marT="9525" marB="0" anchor="b">
+                    <a:solidFill>
+                      <a:srgbClr val="FFFF00"/>
+                    </a:solidFill>
+                  </a:tcPr>
+                </a:tc>
+                <a:tc>
+                  <a:txBody>
+                    <a:bodyPr/>
+                    <a:lstStyle/>
+                    <a:p>
+                      <a:pPr algn="l" fontAlgn="b"/>
+                      <a:r>
+                        <a:rPr lang="en-US" sz="1200" u="none" strike="noStrike" dirty="0">
+                          <a:effectLst/>
+                        </a:rPr>
+                        <a:t>Register</a:t>
+                      </a:r>
+                      <a:endParaRPr lang="en-US" sz="1200" b="0" i="0" u="none" strike="noStrike" dirty="0">
+                        <a:solidFill>
+                          <a:srgbClr val="000000"/>
+                        </a:solidFill>
+                        <a:effectLst/>
+                        <a:latin typeface="Calibri" panose="020F0502020204030204" pitchFamily="34" charset="0"/>
+                      </a:endParaRPr>
+                    </a:p>
+                  </a:txBody>
+                  <a:tcPr marL="9525" marR="9525" marT="9525" marB="0" anchor="b">
+                    <a:solidFill>
+                      <a:srgbClr val="FFFF00"/>
+                    </a:solidFill>
+                  </a:tcPr>
+                </a:tc>
+                <a:tc>
+                  <a:txBody>
+                    <a:bodyPr/>
+                    <a:lstStyle/>
+                    <a:p>
+                      <a:pPr algn="l" fontAlgn="b"/>
+                      <a:r>
+                        <a:rPr lang="en-US" sz="1200" u="none" strike="noStrike" dirty="0">
+                          <a:effectLst/>
+                        </a:rPr>
+                        <a:t>customer</a:t>
+                      </a:r>
+                      <a:endParaRPr lang="en-US" sz="1200" b="0" i="0" u="none" strike="noStrike" dirty="0">
+                        <a:solidFill>
+                          <a:srgbClr val="000000"/>
+                        </a:solidFill>
+                        <a:effectLst/>
+                        <a:latin typeface="Calibri" panose="020F0502020204030204" pitchFamily="34" charset="0"/>
+                      </a:endParaRPr>
+                    </a:p>
+                  </a:txBody>
+                  <a:tcPr marL="9525" marR="9525" marT="9525" marB="0" anchor="b">
+                    <a:solidFill>
+                      <a:srgbClr val="FFFF00"/>
+                    </a:solidFill>
+                  </a:tcPr>
+                </a:tc>
+                <a:tc>
+                  <a:txBody>
+                    <a:bodyPr/>
+                    <a:lstStyle/>
+                    <a:p>
+                      <a:pPr algn="l" fontAlgn="b"/>
+                      <a:r>
+                        <a:rPr lang="en-US" sz="1200" u="none" strike="noStrike" dirty="0">
+                          <a:effectLst/>
+                        </a:rPr>
+                        <a:t>external</a:t>
+                      </a:r>
+                      <a:endParaRPr lang="en-US" sz="1200" b="0" i="0" u="none" strike="noStrike" dirty="0">
+                        <a:solidFill>
+                          <a:srgbClr val="000000"/>
+                        </a:solidFill>
+                        <a:effectLst/>
+                        <a:latin typeface="Calibri" panose="020F0502020204030204" pitchFamily="34" charset="0"/>
+                      </a:endParaRPr>
+                    </a:p>
+                  </a:txBody>
+                  <a:tcPr marL="9525" marR="9525" marT="9525" marB="0" anchor="b">
+                    <a:solidFill>
+                      <a:srgbClr val="FFFF00"/>
+                    </a:solidFill>
+                  </a:tcPr>
+                </a:tc>
+                <a:tc>
+                  <a:txBody>
+                    <a:bodyPr/>
+                    <a:lstStyle/>
+                    <a:p>
+                      <a:pPr algn="r" fontAlgn="b"/>
+                      <a:r>
+                        <a:rPr lang="en-US" sz="1200" u="none" strike="noStrike" dirty="0">
+                          <a:effectLst/>
+                        </a:rPr>
+                        <a:t>3</a:t>
+                      </a:r>
+                      <a:endParaRPr lang="en-US" sz="1200" b="0" i="0" u="none" strike="noStrike" dirty="0">
+                        <a:solidFill>
+                          <a:srgbClr val="000000"/>
+                        </a:solidFill>
+                        <a:effectLst/>
+                        <a:latin typeface="Calibri" panose="020F0502020204030204" pitchFamily="34" charset="0"/>
+                      </a:endParaRPr>
+                    </a:p>
+                  </a:txBody>
+                  <a:tcPr marL="9525" marR="9525" marT="9525" marB="0" anchor="b">
+                    <a:solidFill>
+                      <a:srgbClr val="FFFF00"/>
+                    </a:solidFill>
+                  </a:tcPr>
+                </a:tc>
+                <a:extLst>
+                  <a:ext uri="{0D108BD9-81ED-4DB2-BD59-A6C34878D82A}">
+                    <a16:rowId xmlns:a16="http://schemas.microsoft.com/office/drawing/2014/main" val="89442531"/>
+                  </a:ext>
+                </a:extLst>
+              </a:tr>
+              <a:tr h="219982">
+                <a:tc>
+                  <a:txBody>
+                    <a:bodyPr/>
+                    <a:lstStyle/>
+                    <a:p>
+                      <a:pPr algn="r" fontAlgn="b"/>
+                      <a:r>
+                        <a:rPr lang="en-US" sz="1200" u="none" strike="noStrike">
+                          <a:effectLst/>
+                        </a:rPr>
+                        <a:t>3</a:t>
+                      </a:r>
+                      <a:endParaRPr lang="en-US" sz="1200" b="0" i="0" u="none" strike="noStrike">
+                        <a:solidFill>
+                          <a:srgbClr val="000000"/>
+                        </a:solidFill>
+                        <a:effectLst/>
+                        <a:latin typeface="Calibri" panose="020F0502020204030204" pitchFamily="34" charset="0"/>
+                      </a:endParaRPr>
+                    </a:p>
+                  </a:txBody>
+                  <a:tcPr marL="9525" marR="9525" marT="9525" marB="0" anchor="b"/>
+                </a:tc>
+                <a:tc>
+                  <a:txBody>
+                    <a:bodyPr/>
+                    <a:lstStyle/>
+                    <a:p>
+                      <a:pPr algn="l" fontAlgn="b"/>
+                      <a:r>
+                        <a:rPr lang="en-US" sz="1200" u="none" strike="noStrike">
+                          <a:effectLst/>
+                        </a:rPr>
+                        <a:t>Log-in</a:t>
+                      </a:r>
+                      <a:endParaRPr lang="en-US" sz="1200" b="0" i="0" u="none" strike="noStrike">
+                        <a:solidFill>
+                          <a:srgbClr val="000000"/>
+                        </a:solidFill>
+                        <a:effectLst/>
+                        <a:latin typeface="Calibri" panose="020F0502020204030204" pitchFamily="34" charset="0"/>
+                      </a:endParaRPr>
+                    </a:p>
+                  </a:txBody>
+                  <a:tcPr marL="9525" marR="9525" marT="9525" marB="0" anchor="b"/>
+                </a:tc>
+                <a:tc>
+                  <a:txBody>
+                    <a:bodyPr/>
+                    <a:lstStyle/>
+                    <a:p>
+                      <a:pPr algn="l" fontAlgn="b"/>
+                      <a:r>
+                        <a:rPr lang="en-US" sz="1200" u="none" strike="noStrike" dirty="0">
+                          <a:effectLst/>
+                        </a:rPr>
+                        <a:t>trainer</a:t>
+                      </a:r>
+                      <a:endParaRPr lang="en-US" sz="1200" b="0" i="0" u="none" strike="noStrike" dirty="0">
+                        <a:solidFill>
+                          <a:srgbClr val="000000"/>
+                        </a:solidFill>
+                        <a:effectLst/>
+                        <a:latin typeface="Calibri" panose="020F0502020204030204" pitchFamily="34" charset="0"/>
+                      </a:endParaRPr>
+                    </a:p>
+                  </a:txBody>
+                  <a:tcPr marL="9525" marR="9525" marT="9525" marB="0" anchor="b"/>
+                </a:tc>
+                <a:tc>
+                  <a:txBody>
+                    <a:bodyPr/>
+                    <a:lstStyle/>
+                    <a:p>
+                      <a:pPr algn="l" fontAlgn="b"/>
+                      <a:r>
+                        <a:rPr lang="en-US" sz="1200" u="none" strike="noStrike" dirty="0">
+                          <a:effectLst/>
+                        </a:rPr>
+                        <a:t>external</a:t>
+                      </a:r>
+                      <a:endParaRPr lang="en-US" sz="1200" b="0" i="0" u="none" strike="noStrike" dirty="0">
+                        <a:solidFill>
+                          <a:srgbClr val="000000"/>
+                        </a:solidFill>
+                        <a:effectLst/>
+                        <a:latin typeface="Calibri" panose="020F0502020204030204" pitchFamily="34" charset="0"/>
+                      </a:endParaRPr>
+                    </a:p>
+                  </a:txBody>
+                  <a:tcPr marL="9525" marR="9525" marT="9525" marB="0" anchor="b"/>
+                </a:tc>
+                <a:tc>
+                  <a:txBody>
+                    <a:bodyPr/>
+                    <a:lstStyle/>
+                    <a:p>
+                      <a:pPr algn="r" fontAlgn="b"/>
+                      <a:r>
+                        <a:rPr lang="en-US" sz="1200" u="none" strike="noStrike" dirty="0">
+                          <a:effectLst/>
+                        </a:rPr>
+                        <a:t>3</a:t>
+                      </a:r>
+                      <a:endParaRPr lang="en-US" sz="1200" b="0" i="0" u="none" strike="noStrike" dirty="0">
+                        <a:solidFill>
+                          <a:srgbClr val="000000"/>
+                        </a:solidFill>
+                        <a:effectLst/>
+                        <a:latin typeface="Calibri" panose="020F0502020204030204" pitchFamily="34" charset="0"/>
+                      </a:endParaRPr>
+                    </a:p>
+                  </a:txBody>
+                  <a:tcPr marL="9525" marR="9525" marT="9525" marB="0" anchor="b"/>
+                </a:tc>
+                <a:extLst>
+                  <a:ext uri="{0D108BD9-81ED-4DB2-BD59-A6C34878D82A}">
+                    <a16:rowId xmlns:a16="http://schemas.microsoft.com/office/drawing/2014/main" val="2061981329"/>
+                  </a:ext>
+                </a:extLst>
+              </a:tr>
+              <a:tr h="219982">
+                <a:tc>
+                  <a:txBody>
+                    <a:bodyPr/>
+                    <a:lstStyle/>
+                    <a:p>
+                      <a:pPr algn="r" fontAlgn="b"/>
+                      <a:r>
+                        <a:rPr lang="en-US" sz="1200" u="none" strike="noStrike" dirty="0">
+                          <a:effectLst/>
+                        </a:rPr>
+                        <a:t>4</a:t>
+                      </a:r>
+                      <a:endParaRPr lang="en-US" sz="1200" b="0" i="0" u="none" strike="noStrike" dirty="0">
+                        <a:solidFill>
+                          <a:srgbClr val="000000"/>
+                        </a:solidFill>
+                        <a:effectLst/>
+                        <a:latin typeface="Calibri" panose="020F0502020204030204" pitchFamily="34" charset="0"/>
+                      </a:endParaRPr>
+                    </a:p>
+                  </a:txBody>
+                  <a:tcPr marL="9525" marR="9525" marT="9525" marB="0" anchor="b">
+                    <a:solidFill>
+                      <a:srgbClr val="FFFF00"/>
+                    </a:solidFill>
+                  </a:tcPr>
+                </a:tc>
+                <a:tc>
+                  <a:txBody>
+                    <a:bodyPr/>
+                    <a:lstStyle/>
+                    <a:p>
+                      <a:pPr algn="l" fontAlgn="b"/>
+                      <a:r>
+                        <a:rPr lang="en-US" sz="1200" u="none" strike="noStrike" dirty="0">
+                          <a:effectLst/>
+                        </a:rPr>
+                        <a:t>Log-in</a:t>
+                      </a:r>
+                      <a:endParaRPr lang="en-US" sz="1200" b="0" i="0" u="none" strike="noStrike" dirty="0">
+                        <a:solidFill>
+                          <a:srgbClr val="000000"/>
+                        </a:solidFill>
+                        <a:effectLst/>
+                        <a:latin typeface="Calibri" panose="020F0502020204030204" pitchFamily="34" charset="0"/>
+                      </a:endParaRPr>
+                    </a:p>
+                  </a:txBody>
+                  <a:tcPr marL="9525" marR="9525" marT="9525" marB="0" anchor="b">
+                    <a:solidFill>
+                      <a:srgbClr val="FFFF00"/>
+                    </a:solidFill>
+                  </a:tcPr>
+                </a:tc>
+                <a:tc>
+                  <a:txBody>
+                    <a:bodyPr/>
+                    <a:lstStyle/>
+                    <a:p>
+                      <a:pPr algn="l" fontAlgn="b"/>
+                      <a:r>
+                        <a:rPr lang="en-US" sz="1200" u="none" strike="noStrike" dirty="0">
+                          <a:effectLst/>
+                        </a:rPr>
+                        <a:t>customer</a:t>
+                      </a:r>
+                      <a:endParaRPr lang="en-US" sz="1200" b="0" i="0" u="none" strike="noStrike" dirty="0">
+                        <a:solidFill>
+                          <a:srgbClr val="000000"/>
+                        </a:solidFill>
+                        <a:effectLst/>
+                        <a:latin typeface="Calibri" panose="020F0502020204030204" pitchFamily="34" charset="0"/>
+                      </a:endParaRPr>
+                    </a:p>
+                  </a:txBody>
+                  <a:tcPr marL="9525" marR="9525" marT="9525" marB="0" anchor="b">
+                    <a:solidFill>
+                      <a:srgbClr val="FFFF00"/>
+                    </a:solidFill>
+                  </a:tcPr>
+                </a:tc>
+                <a:tc>
+                  <a:txBody>
+                    <a:bodyPr/>
+                    <a:lstStyle/>
+                    <a:p>
+                      <a:pPr algn="l" fontAlgn="b"/>
+                      <a:r>
+                        <a:rPr lang="en-US" sz="1200" u="none" strike="noStrike" dirty="0">
+                          <a:effectLst/>
+                        </a:rPr>
+                        <a:t>internal</a:t>
+                      </a:r>
+                      <a:endParaRPr lang="en-US" sz="1200" b="0" i="0" u="none" strike="noStrike" dirty="0">
+                        <a:solidFill>
+                          <a:srgbClr val="000000"/>
+                        </a:solidFill>
+                        <a:effectLst/>
+                        <a:latin typeface="Calibri" panose="020F0502020204030204" pitchFamily="34" charset="0"/>
+                      </a:endParaRPr>
+                    </a:p>
+                  </a:txBody>
+                  <a:tcPr marL="9525" marR="9525" marT="9525" marB="0" anchor="b">
+                    <a:solidFill>
+                      <a:srgbClr val="FFFF00"/>
+                    </a:solidFill>
+                  </a:tcPr>
+                </a:tc>
+                <a:tc>
+                  <a:txBody>
+                    <a:bodyPr/>
+                    <a:lstStyle/>
+                    <a:p>
+                      <a:pPr algn="r" fontAlgn="b"/>
+                      <a:r>
+                        <a:rPr lang="en-US" sz="1200" u="none" strike="noStrike" dirty="0">
+                          <a:effectLst/>
+                        </a:rPr>
+                        <a:t>3</a:t>
+                      </a:r>
+                      <a:endParaRPr lang="en-US" sz="1200" b="0" i="0" u="none" strike="noStrike" dirty="0">
+                        <a:solidFill>
+                          <a:srgbClr val="000000"/>
+                        </a:solidFill>
+                        <a:effectLst/>
+                        <a:latin typeface="Calibri" panose="020F0502020204030204" pitchFamily="34" charset="0"/>
+                      </a:endParaRPr>
+                    </a:p>
+                  </a:txBody>
+                  <a:tcPr marL="9525" marR="9525" marT="9525" marB="0" anchor="b">
+                    <a:solidFill>
+                      <a:srgbClr val="FFFF00"/>
+                    </a:solidFill>
+                  </a:tcPr>
+                </a:tc>
+                <a:extLst>
+                  <a:ext uri="{0D108BD9-81ED-4DB2-BD59-A6C34878D82A}">
+                    <a16:rowId xmlns:a16="http://schemas.microsoft.com/office/drawing/2014/main" val="4207048923"/>
+                  </a:ext>
+                </a:extLst>
+              </a:tr>
+              <a:tr h="219982">
+                <a:tc>
+                  <a:txBody>
+                    <a:bodyPr/>
+                    <a:lstStyle/>
+                    <a:p>
+                      <a:pPr algn="r" fontAlgn="b"/>
+                      <a:r>
+                        <a:rPr lang="en-US" sz="1200" u="none" strike="noStrike">
+                          <a:effectLst/>
+                        </a:rPr>
+                        <a:t>5</a:t>
+                      </a:r>
+                      <a:endParaRPr lang="en-US" sz="1200" b="0" i="0" u="none" strike="noStrike">
+                        <a:solidFill>
+                          <a:srgbClr val="000000"/>
+                        </a:solidFill>
+                        <a:effectLst/>
+                        <a:latin typeface="Calibri" panose="020F0502020204030204" pitchFamily="34" charset="0"/>
+                      </a:endParaRPr>
+                    </a:p>
+                  </a:txBody>
+                  <a:tcPr marL="9525" marR="9525" marT="9525" marB="0" anchor="b"/>
+                </a:tc>
+                <a:tc>
+                  <a:txBody>
+                    <a:bodyPr/>
+                    <a:lstStyle/>
+                    <a:p>
+                      <a:pPr algn="l" fontAlgn="b"/>
+                      <a:r>
+                        <a:rPr lang="en-US" sz="1200" u="none" strike="noStrike" dirty="0">
+                          <a:effectLst/>
+                        </a:rPr>
+                        <a:t>Log meals</a:t>
+                      </a:r>
+                      <a:endParaRPr lang="en-US" sz="1200" b="0" i="0" u="none" strike="noStrike" dirty="0">
+                        <a:solidFill>
+                          <a:srgbClr val="000000"/>
+                        </a:solidFill>
+                        <a:effectLst/>
+                        <a:latin typeface="Calibri" panose="020F0502020204030204" pitchFamily="34" charset="0"/>
+                      </a:endParaRPr>
+                    </a:p>
+                  </a:txBody>
+                  <a:tcPr marL="9525" marR="9525" marT="9525" marB="0" anchor="b"/>
+                </a:tc>
+                <a:tc>
+                  <a:txBody>
+                    <a:bodyPr/>
+                    <a:lstStyle/>
+                    <a:p>
+                      <a:pPr algn="l" fontAlgn="b"/>
+                      <a:r>
+                        <a:rPr lang="en-US" sz="1200" u="none" strike="noStrike" dirty="0">
+                          <a:effectLst/>
+                        </a:rPr>
+                        <a:t>trainer</a:t>
+                      </a:r>
+                      <a:endParaRPr lang="en-US" sz="1200" b="0" i="0" u="none" strike="noStrike" dirty="0">
+                        <a:solidFill>
+                          <a:srgbClr val="000000"/>
+                        </a:solidFill>
+                        <a:effectLst/>
+                        <a:latin typeface="Calibri" panose="020F0502020204030204" pitchFamily="34" charset="0"/>
+                      </a:endParaRPr>
+                    </a:p>
+                  </a:txBody>
+                  <a:tcPr marL="9525" marR="9525" marT="9525" marB="0" anchor="b"/>
+                </a:tc>
+                <a:tc>
+                  <a:txBody>
+                    <a:bodyPr/>
+                    <a:lstStyle/>
+                    <a:p>
+                      <a:pPr algn="l" fontAlgn="b"/>
+                      <a:r>
+                        <a:rPr lang="en-US" sz="1200" u="none" strike="noStrike">
+                          <a:effectLst/>
+                        </a:rPr>
+                        <a:t>internal</a:t>
+                      </a:r>
+                      <a:endParaRPr lang="en-US" sz="1200" b="0" i="0" u="none" strike="noStrike">
+                        <a:solidFill>
+                          <a:srgbClr val="000000"/>
+                        </a:solidFill>
+                        <a:effectLst/>
+                        <a:latin typeface="Calibri" panose="020F0502020204030204" pitchFamily="34" charset="0"/>
+                      </a:endParaRPr>
+                    </a:p>
+                  </a:txBody>
+                  <a:tcPr marL="9525" marR="9525" marT="9525" marB="0" anchor="b"/>
+                </a:tc>
+                <a:tc>
+                  <a:txBody>
+                    <a:bodyPr/>
+                    <a:lstStyle/>
+                    <a:p>
+                      <a:pPr algn="r" fontAlgn="b"/>
+                      <a:r>
+                        <a:rPr lang="en-US" sz="1200" u="none" strike="noStrike" dirty="0">
+                          <a:effectLst/>
+                        </a:rPr>
+                        <a:t>2</a:t>
+                      </a:r>
+                      <a:endParaRPr lang="en-US" sz="1200" b="0" i="0" u="none" strike="noStrike" dirty="0">
+                        <a:solidFill>
+                          <a:srgbClr val="000000"/>
+                        </a:solidFill>
+                        <a:effectLst/>
+                        <a:latin typeface="Calibri" panose="020F0502020204030204" pitchFamily="34" charset="0"/>
+                      </a:endParaRPr>
+                    </a:p>
+                  </a:txBody>
+                  <a:tcPr marL="9525" marR="9525" marT="9525" marB="0" anchor="b"/>
+                </a:tc>
+                <a:extLst>
+                  <a:ext uri="{0D108BD9-81ED-4DB2-BD59-A6C34878D82A}">
+                    <a16:rowId xmlns:a16="http://schemas.microsoft.com/office/drawing/2014/main" val="2042227240"/>
+                  </a:ext>
+                </a:extLst>
+              </a:tr>
+              <a:tr h="219982">
+                <a:tc>
+                  <a:txBody>
+                    <a:bodyPr/>
+                    <a:lstStyle/>
+                    <a:p>
+                      <a:pPr algn="r" fontAlgn="b"/>
+                      <a:r>
+                        <a:rPr lang="en-US" sz="1200" u="none" strike="noStrike">
+                          <a:effectLst/>
+                        </a:rPr>
+                        <a:t>6</a:t>
+                      </a:r>
+                      <a:endParaRPr lang="en-US" sz="1200" b="0" i="0" u="none" strike="noStrike">
+                        <a:solidFill>
+                          <a:srgbClr val="000000"/>
+                        </a:solidFill>
+                        <a:effectLst/>
+                        <a:latin typeface="Calibri" panose="020F0502020204030204" pitchFamily="34" charset="0"/>
+                      </a:endParaRPr>
+                    </a:p>
+                  </a:txBody>
+                  <a:tcPr marL="9525" marR="9525" marT="9525" marB="0" anchor="b"/>
+                </a:tc>
+                <a:tc>
+                  <a:txBody>
+                    <a:bodyPr/>
+                    <a:lstStyle/>
+                    <a:p>
+                      <a:pPr algn="l" fontAlgn="b"/>
+                      <a:r>
+                        <a:rPr lang="en-US" sz="1200" u="none" strike="noStrike">
+                          <a:effectLst/>
+                        </a:rPr>
+                        <a:t>Log meals</a:t>
+                      </a:r>
+                      <a:endParaRPr lang="en-US" sz="1200" b="0" i="0" u="none" strike="noStrike">
+                        <a:solidFill>
+                          <a:srgbClr val="000000"/>
+                        </a:solidFill>
+                        <a:effectLst/>
+                        <a:latin typeface="Calibri" panose="020F0502020204030204" pitchFamily="34" charset="0"/>
+                      </a:endParaRPr>
+                    </a:p>
+                  </a:txBody>
+                  <a:tcPr marL="9525" marR="9525" marT="9525" marB="0" anchor="b"/>
+                </a:tc>
+                <a:tc>
+                  <a:txBody>
+                    <a:bodyPr/>
+                    <a:lstStyle/>
+                    <a:p>
+                      <a:pPr algn="l" fontAlgn="b"/>
+                      <a:r>
+                        <a:rPr lang="en-US" sz="1200" u="none" strike="noStrike">
+                          <a:effectLst/>
+                        </a:rPr>
+                        <a:t>customer</a:t>
+                      </a:r>
+                      <a:endParaRPr lang="en-US" sz="1200" b="0" i="0" u="none" strike="noStrike">
+                        <a:solidFill>
+                          <a:srgbClr val="000000"/>
+                        </a:solidFill>
+                        <a:effectLst/>
+                        <a:latin typeface="Calibri" panose="020F0502020204030204" pitchFamily="34" charset="0"/>
+                      </a:endParaRPr>
+                    </a:p>
+                  </a:txBody>
+                  <a:tcPr marL="9525" marR="9525" marT="9525" marB="0" anchor="b"/>
+                </a:tc>
+                <a:tc>
+                  <a:txBody>
+                    <a:bodyPr/>
+                    <a:lstStyle/>
+                    <a:p>
+                      <a:pPr algn="l" fontAlgn="b"/>
+                      <a:r>
+                        <a:rPr lang="en-US" sz="1200" u="none" strike="noStrike">
+                          <a:effectLst/>
+                        </a:rPr>
+                        <a:t>external</a:t>
+                      </a:r>
+                      <a:endParaRPr lang="en-US" sz="1200" b="0" i="0" u="none" strike="noStrike">
+                        <a:solidFill>
+                          <a:srgbClr val="000000"/>
+                        </a:solidFill>
+                        <a:effectLst/>
+                        <a:latin typeface="Calibri" panose="020F0502020204030204" pitchFamily="34" charset="0"/>
+                      </a:endParaRPr>
+                    </a:p>
+                  </a:txBody>
+                  <a:tcPr marL="9525" marR="9525" marT="9525" marB="0" anchor="b"/>
+                </a:tc>
+                <a:tc>
+                  <a:txBody>
+                    <a:bodyPr/>
+                    <a:lstStyle/>
+                    <a:p>
+                      <a:pPr algn="r" fontAlgn="b"/>
+                      <a:r>
+                        <a:rPr lang="en-US" sz="1200" u="none" strike="noStrike">
+                          <a:effectLst/>
+                        </a:rPr>
+                        <a:t>2</a:t>
+                      </a:r>
+                      <a:endParaRPr lang="en-US" sz="1200" b="0" i="0" u="none" strike="noStrike">
+                        <a:solidFill>
+                          <a:srgbClr val="000000"/>
+                        </a:solidFill>
+                        <a:effectLst/>
+                        <a:latin typeface="Calibri" panose="020F0502020204030204" pitchFamily="34" charset="0"/>
+                      </a:endParaRPr>
+                    </a:p>
+                  </a:txBody>
+                  <a:tcPr marL="9525" marR="9525" marT="9525" marB="0" anchor="b"/>
+                </a:tc>
+                <a:extLst>
+                  <a:ext uri="{0D108BD9-81ED-4DB2-BD59-A6C34878D82A}">
+                    <a16:rowId xmlns:a16="http://schemas.microsoft.com/office/drawing/2014/main" val="1093771944"/>
+                  </a:ext>
+                </a:extLst>
+              </a:tr>
+              <a:tr h="219982">
+                <a:tc>
+                  <a:txBody>
+                    <a:bodyPr/>
+                    <a:lstStyle/>
+                    <a:p>
+                      <a:pPr algn="r" fontAlgn="b"/>
+                      <a:r>
+                        <a:rPr lang="en-US" sz="1200" u="none" strike="noStrike" dirty="0">
+                          <a:effectLst/>
+                        </a:rPr>
+                        <a:t>7</a:t>
+                      </a:r>
+                      <a:endParaRPr lang="en-US" sz="1200" b="0" i="0" u="none" strike="noStrike" dirty="0">
+                        <a:solidFill>
+                          <a:srgbClr val="000000"/>
+                        </a:solidFill>
+                        <a:effectLst/>
+                        <a:latin typeface="Calibri" panose="020F0502020204030204" pitchFamily="34" charset="0"/>
+                      </a:endParaRPr>
+                    </a:p>
+                  </a:txBody>
+                  <a:tcPr marL="9525" marR="9525" marT="9525" marB="0" anchor="b"/>
+                </a:tc>
+                <a:tc>
+                  <a:txBody>
+                    <a:bodyPr/>
+                    <a:lstStyle/>
+                    <a:p>
+                      <a:pPr algn="l" fontAlgn="b"/>
+                      <a:r>
+                        <a:rPr lang="en-US" sz="1200" u="none" strike="noStrike" dirty="0">
+                          <a:effectLst/>
+                        </a:rPr>
+                        <a:t>Log info</a:t>
+                      </a:r>
+                      <a:endParaRPr lang="en-US" sz="1200" b="0" i="0" u="none" strike="noStrike" dirty="0">
+                        <a:solidFill>
+                          <a:srgbClr val="000000"/>
+                        </a:solidFill>
+                        <a:effectLst/>
+                        <a:latin typeface="Calibri" panose="020F0502020204030204" pitchFamily="34" charset="0"/>
+                      </a:endParaRPr>
+                    </a:p>
+                  </a:txBody>
+                  <a:tcPr marL="9525" marR="9525" marT="9525" marB="0" anchor="b"/>
+                </a:tc>
+                <a:tc>
+                  <a:txBody>
+                    <a:bodyPr/>
+                    <a:lstStyle/>
+                    <a:p>
+                      <a:pPr algn="l" fontAlgn="b"/>
+                      <a:r>
+                        <a:rPr lang="en-US" sz="1200" u="none" strike="noStrike">
+                          <a:effectLst/>
+                        </a:rPr>
+                        <a:t>trainer</a:t>
+                      </a:r>
+                      <a:endParaRPr lang="en-US" sz="1200" b="0" i="0" u="none" strike="noStrike">
+                        <a:solidFill>
+                          <a:srgbClr val="000000"/>
+                        </a:solidFill>
+                        <a:effectLst/>
+                        <a:latin typeface="Calibri" panose="020F0502020204030204" pitchFamily="34" charset="0"/>
+                      </a:endParaRPr>
+                    </a:p>
+                  </a:txBody>
+                  <a:tcPr marL="9525" marR="9525" marT="9525" marB="0" anchor="b"/>
+                </a:tc>
+                <a:tc>
+                  <a:txBody>
+                    <a:bodyPr/>
+                    <a:lstStyle/>
+                    <a:p>
+                      <a:pPr algn="l" fontAlgn="b"/>
+                      <a:r>
+                        <a:rPr lang="en-US" sz="1200" u="none" strike="noStrike">
+                          <a:effectLst/>
+                        </a:rPr>
+                        <a:t>external</a:t>
+                      </a:r>
+                      <a:endParaRPr lang="en-US" sz="1200" b="0" i="0" u="none" strike="noStrike">
+                        <a:solidFill>
+                          <a:srgbClr val="000000"/>
+                        </a:solidFill>
+                        <a:effectLst/>
+                        <a:latin typeface="Calibri" panose="020F0502020204030204" pitchFamily="34" charset="0"/>
+                      </a:endParaRPr>
+                    </a:p>
+                  </a:txBody>
+                  <a:tcPr marL="9525" marR="9525" marT="9525" marB="0" anchor="b"/>
+                </a:tc>
+                <a:tc>
+                  <a:txBody>
+                    <a:bodyPr/>
+                    <a:lstStyle/>
+                    <a:p>
+                      <a:pPr algn="r" fontAlgn="b"/>
+                      <a:r>
+                        <a:rPr lang="en-US" sz="1200" u="none" strike="noStrike">
+                          <a:effectLst/>
+                        </a:rPr>
+                        <a:t>2</a:t>
+                      </a:r>
+                      <a:endParaRPr lang="en-US" sz="1200" b="0" i="0" u="none" strike="noStrike">
+                        <a:solidFill>
+                          <a:srgbClr val="000000"/>
+                        </a:solidFill>
+                        <a:effectLst/>
+                        <a:latin typeface="Calibri" panose="020F0502020204030204" pitchFamily="34" charset="0"/>
+                      </a:endParaRPr>
+                    </a:p>
+                  </a:txBody>
+                  <a:tcPr marL="9525" marR="9525" marT="9525" marB="0" anchor="b"/>
+                </a:tc>
+                <a:extLst>
+                  <a:ext uri="{0D108BD9-81ED-4DB2-BD59-A6C34878D82A}">
+                    <a16:rowId xmlns:a16="http://schemas.microsoft.com/office/drawing/2014/main" val="2875775512"/>
+                  </a:ext>
+                </a:extLst>
+              </a:tr>
+              <a:tr h="219982">
+                <a:tc>
+                  <a:txBody>
+                    <a:bodyPr/>
+                    <a:lstStyle/>
+                    <a:p>
+                      <a:pPr algn="r" fontAlgn="b"/>
+                      <a:r>
+                        <a:rPr lang="en-US" sz="1200" u="none" strike="noStrike" dirty="0">
+                          <a:effectLst/>
+                          <a:highlight>
+                            <a:srgbClr val="FFFF00"/>
+                          </a:highlight>
+                        </a:rPr>
+                        <a:t>8</a:t>
+                      </a:r>
+                      <a:endParaRPr lang="en-US" sz="1200" b="0" i="0" u="none" strike="noStrike" dirty="0">
+                        <a:solidFill>
+                          <a:srgbClr val="000000"/>
+                        </a:solidFill>
+                        <a:effectLst/>
+                        <a:highlight>
+                          <a:srgbClr val="FFFF00"/>
+                        </a:highlight>
+                        <a:latin typeface="Calibri" panose="020F0502020204030204" pitchFamily="34" charset="0"/>
+                      </a:endParaRPr>
+                    </a:p>
+                  </a:txBody>
+                  <a:tcPr marL="9525" marR="9525" marT="9525" marB="0" anchor="b">
+                    <a:solidFill>
+                      <a:srgbClr val="FFFF00"/>
+                    </a:solidFill>
+                  </a:tcPr>
+                </a:tc>
+                <a:tc>
+                  <a:txBody>
+                    <a:bodyPr/>
+                    <a:lstStyle/>
+                    <a:p>
+                      <a:pPr algn="l" fontAlgn="b"/>
+                      <a:r>
+                        <a:rPr lang="en-US" sz="1200" u="none" strike="noStrike" dirty="0">
+                          <a:effectLst/>
+                          <a:highlight>
+                            <a:srgbClr val="FFFF00"/>
+                          </a:highlight>
+                        </a:rPr>
+                        <a:t>Log info</a:t>
+                      </a:r>
+                      <a:endParaRPr lang="en-US" sz="1200" b="0" i="0" u="none" strike="noStrike" dirty="0">
+                        <a:solidFill>
+                          <a:srgbClr val="000000"/>
+                        </a:solidFill>
+                        <a:effectLst/>
+                        <a:highlight>
+                          <a:srgbClr val="FFFF00"/>
+                        </a:highlight>
+                        <a:latin typeface="Calibri" panose="020F0502020204030204" pitchFamily="34" charset="0"/>
+                      </a:endParaRPr>
+                    </a:p>
+                  </a:txBody>
+                  <a:tcPr marL="9525" marR="9525" marT="9525" marB="0" anchor="b">
+                    <a:solidFill>
+                      <a:srgbClr val="FFFF00"/>
+                    </a:solidFill>
+                  </a:tcPr>
+                </a:tc>
+                <a:tc>
+                  <a:txBody>
+                    <a:bodyPr/>
+                    <a:lstStyle/>
+                    <a:p>
+                      <a:pPr algn="l" fontAlgn="b"/>
+                      <a:r>
+                        <a:rPr lang="en-US" sz="1200" u="none" strike="noStrike">
+                          <a:effectLst/>
+                          <a:highlight>
+                            <a:srgbClr val="FFFF00"/>
+                          </a:highlight>
+                        </a:rPr>
+                        <a:t>customer</a:t>
+                      </a:r>
+                      <a:endParaRPr lang="en-US" sz="1200" b="0" i="0" u="none" strike="noStrike">
+                        <a:solidFill>
+                          <a:srgbClr val="000000"/>
+                        </a:solidFill>
+                        <a:effectLst/>
+                        <a:highlight>
+                          <a:srgbClr val="FFFF00"/>
+                        </a:highlight>
+                        <a:latin typeface="Calibri" panose="020F0502020204030204" pitchFamily="34" charset="0"/>
+                      </a:endParaRPr>
+                    </a:p>
+                  </a:txBody>
+                  <a:tcPr marL="9525" marR="9525" marT="9525" marB="0" anchor="b">
+                    <a:solidFill>
+                      <a:srgbClr val="FFFF00"/>
+                    </a:solidFill>
+                  </a:tcPr>
+                </a:tc>
+                <a:tc>
+                  <a:txBody>
+                    <a:bodyPr/>
+                    <a:lstStyle/>
+                    <a:p>
+                      <a:pPr algn="l" fontAlgn="b"/>
+                      <a:r>
+                        <a:rPr lang="en-US" sz="1200" u="none" strike="noStrike" dirty="0">
+                          <a:effectLst/>
+                          <a:highlight>
+                            <a:srgbClr val="FFFF00"/>
+                          </a:highlight>
+                        </a:rPr>
+                        <a:t>internal</a:t>
+                      </a:r>
+                      <a:endParaRPr lang="en-US" sz="1200" b="0" i="0" u="none" strike="noStrike" dirty="0">
+                        <a:solidFill>
+                          <a:srgbClr val="000000"/>
+                        </a:solidFill>
+                        <a:effectLst/>
+                        <a:highlight>
+                          <a:srgbClr val="FFFF00"/>
+                        </a:highlight>
+                        <a:latin typeface="Calibri" panose="020F0502020204030204" pitchFamily="34" charset="0"/>
+                      </a:endParaRPr>
+                    </a:p>
+                  </a:txBody>
+                  <a:tcPr marL="9525" marR="9525" marT="9525" marB="0" anchor="b">
+                    <a:solidFill>
+                      <a:srgbClr val="FFFF00"/>
+                    </a:solidFill>
+                  </a:tcPr>
+                </a:tc>
+                <a:tc>
+                  <a:txBody>
+                    <a:bodyPr/>
+                    <a:lstStyle/>
+                    <a:p>
+                      <a:pPr algn="r" fontAlgn="b"/>
+                      <a:r>
+                        <a:rPr lang="en-US" sz="1200" u="none" strike="noStrike" dirty="0">
+                          <a:effectLst/>
+                          <a:highlight>
+                            <a:srgbClr val="FFFF00"/>
+                          </a:highlight>
+                        </a:rPr>
+                        <a:t>2</a:t>
+                      </a:r>
+                      <a:endParaRPr lang="en-US" sz="1200" b="0" i="0" u="none" strike="noStrike" dirty="0">
+                        <a:solidFill>
+                          <a:srgbClr val="000000"/>
+                        </a:solidFill>
+                        <a:effectLst/>
+                        <a:highlight>
+                          <a:srgbClr val="FFFF00"/>
+                        </a:highlight>
+                        <a:latin typeface="Calibri" panose="020F0502020204030204" pitchFamily="34" charset="0"/>
+                      </a:endParaRPr>
+                    </a:p>
+                  </a:txBody>
+                  <a:tcPr marL="9525" marR="9525" marT="9525" marB="0" anchor="b">
+                    <a:solidFill>
+                      <a:srgbClr val="FFFF00"/>
+                    </a:solidFill>
+                  </a:tcPr>
+                </a:tc>
+                <a:extLst>
+                  <a:ext uri="{0D108BD9-81ED-4DB2-BD59-A6C34878D82A}">
+                    <a16:rowId xmlns:a16="http://schemas.microsoft.com/office/drawing/2014/main" val="900819454"/>
+                  </a:ext>
+                </a:extLst>
+              </a:tr>
+              <a:tr h="212267">
+                <a:tc>
+                  <a:txBody>
+                    <a:bodyPr/>
+                    <a:lstStyle/>
+                    <a:p>
+                      <a:pPr algn="r" fontAlgn="b"/>
+                      <a:r>
+                        <a:rPr lang="en-US" sz="1200" u="none" strike="noStrike">
+                          <a:effectLst/>
+                        </a:rPr>
+                        <a:t>9</a:t>
+                      </a:r>
+                      <a:endParaRPr lang="en-US" sz="1200" b="0" i="0" u="none" strike="noStrike">
+                        <a:solidFill>
+                          <a:srgbClr val="000000"/>
+                        </a:solidFill>
+                        <a:effectLst/>
+                        <a:latin typeface="Calibri" panose="020F0502020204030204" pitchFamily="34" charset="0"/>
+                      </a:endParaRPr>
+                    </a:p>
+                  </a:txBody>
+                  <a:tcPr marL="9525" marR="9525" marT="9525" marB="0" anchor="b"/>
+                </a:tc>
+                <a:tc>
+                  <a:txBody>
+                    <a:bodyPr/>
+                    <a:lstStyle/>
+                    <a:p>
+                      <a:pPr algn="l" fontAlgn="b"/>
+                      <a:r>
+                        <a:rPr lang="en-US" sz="1200" u="none" strike="noStrike">
+                          <a:effectLst/>
+                        </a:rPr>
+                        <a:t>Log workout</a:t>
+                      </a:r>
+                      <a:endParaRPr lang="en-US" sz="1200" b="0" i="0" u="none" strike="noStrike">
+                        <a:solidFill>
+                          <a:srgbClr val="000000"/>
+                        </a:solidFill>
+                        <a:effectLst/>
+                        <a:latin typeface="Calibri" panose="020F0502020204030204" pitchFamily="34" charset="0"/>
+                      </a:endParaRPr>
+                    </a:p>
+                  </a:txBody>
+                  <a:tcPr marL="9525" marR="9525" marT="9525" marB="0" anchor="b"/>
+                </a:tc>
+                <a:tc>
+                  <a:txBody>
+                    <a:bodyPr/>
+                    <a:lstStyle/>
+                    <a:p>
+                      <a:pPr algn="l" fontAlgn="b"/>
+                      <a:r>
+                        <a:rPr lang="en-US" sz="1200" u="none" strike="noStrike">
+                          <a:effectLst/>
+                        </a:rPr>
+                        <a:t>trainer</a:t>
+                      </a:r>
+                      <a:endParaRPr lang="en-US" sz="1200" b="0" i="0" u="none" strike="noStrike">
+                        <a:solidFill>
+                          <a:srgbClr val="000000"/>
+                        </a:solidFill>
+                        <a:effectLst/>
+                        <a:latin typeface="Calibri" panose="020F0502020204030204" pitchFamily="34" charset="0"/>
+                      </a:endParaRPr>
+                    </a:p>
+                  </a:txBody>
+                  <a:tcPr marL="9525" marR="9525" marT="9525" marB="0" anchor="b"/>
+                </a:tc>
+                <a:tc>
+                  <a:txBody>
+                    <a:bodyPr/>
+                    <a:lstStyle/>
+                    <a:p>
+                      <a:pPr algn="l" fontAlgn="b"/>
+                      <a:r>
+                        <a:rPr lang="en-US" sz="1200" u="none" strike="noStrike">
+                          <a:effectLst/>
+                        </a:rPr>
+                        <a:t>internal</a:t>
+                      </a:r>
+                      <a:endParaRPr lang="en-US" sz="1200" b="0" i="0" u="none" strike="noStrike">
+                        <a:solidFill>
+                          <a:srgbClr val="000000"/>
+                        </a:solidFill>
+                        <a:effectLst/>
+                        <a:latin typeface="Calibri" panose="020F0502020204030204" pitchFamily="34" charset="0"/>
+                      </a:endParaRPr>
+                    </a:p>
+                  </a:txBody>
+                  <a:tcPr marL="9525" marR="9525" marT="9525" marB="0" anchor="b"/>
+                </a:tc>
+                <a:tc>
+                  <a:txBody>
+                    <a:bodyPr/>
+                    <a:lstStyle/>
+                    <a:p>
+                      <a:pPr algn="r" fontAlgn="b"/>
+                      <a:r>
+                        <a:rPr lang="en-US" sz="1200" u="none" strike="noStrike">
+                          <a:effectLst/>
+                        </a:rPr>
+                        <a:t>2</a:t>
+                      </a:r>
+                      <a:endParaRPr lang="en-US" sz="1200" b="0" i="0" u="none" strike="noStrike">
+                        <a:solidFill>
+                          <a:srgbClr val="000000"/>
+                        </a:solidFill>
+                        <a:effectLst/>
+                        <a:latin typeface="Calibri" panose="020F0502020204030204" pitchFamily="34" charset="0"/>
+                      </a:endParaRPr>
+                    </a:p>
+                  </a:txBody>
+                  <a:tcPr marL="9525" marR="9525" marT="9525" marB="0" anchor="b"/>
+                </a:tc>
+                <a:extLst>
+                  <a:ext uri="{0D108BD9-81ED-4DB2-BD59-A6C34878D82A}">
+                    <a16:rowId xmlns:a16="http://schemas.microsoft.com/office/drawing/2014/main" val="2243580629"/>
+                  </a:ext>
+                </a:extLst>
+              </a:tr>
+              <a:tr h="219982">
+                <a:tc>
+                  <a:txBody>
+                    <a:bodyPr/>
+                    <a:lstStyle/>
+                    <a:p>
+                      <a:pPr algn="r" fontAlgn="b"/>
+                      <a:r>
+                        <a:rPr lang="en-US" sz="1200" u="none" strike="noStrike" dirty="0">
+                          <a:effectLst/>
+                        </a:rPr>
+                        <a:t>10</a:t>
+                      </a:r>
+                      <a:endParaRPr lang="en-US" sz="1200" b="0" i="0" u="none" strike="noStrike" dirty="0">
+                        <a:solidFill>
+                          <a:srgbClr val="000000"/>
+                        </a:solidFill>
+                        <a:effectLst/>
+                        <a:latin typeface="Calibri" panose="020F0502020204030204" pitchFamily="34" charset="0"/>
+                      </a:endParaRPr>
+                    </a:p>
+                  </a:txBody>
+                  <a:tcPr marL="9525" marR="9525" marT="9525" marB="0" anchor="b">
+                    <a:solidFill>
+                      <a:srgbClr val="FFFF00"/>
+                    </a:solidFill>
+                  </a:tcPr>
+                </a:tc>
+                <a:tc>
+                  <a:txBody>
+                    <a:bodyPr/>
+                    <a:lstStyle/>
+                    <a:p>
+                      <a:pPr algn="l" fontAlgn="b"/>
+                      <a:r>
+                        <a:rPr lang="en-US" sz="1200" u="none" strike="noStrike" dirty="0">
+                          <a:effectLst/>
+                        </a:rPr>
+                        <a:t>Log workout</a:t>
+                      </a:r>
+                      <a:endParaRPr lang="en-US" sz="1200" b="0" i="0" u="none" strike="noStrike" dirty="0">
+                        <a:solidFill>
+                          <a:srgbClr val="000000"/>
+                        </a:solidFill>
+                        <a:effectLst/>
+                        <a:latin typeface="Calibri" panose="020F0502020204030204" pitchFamily="34" charset="0"/>
+                      </a:endParaRPr>
+                    </a:p>
+                  </a:txBody>
+                  <a:tcPr marL="9525" marR="9525" marT="9525" marB="0" anchor="b">
+                    <a:solidFill>
+                      <a:srgbClr val="FFFF00"/>
+                    </a:solidFill>
+                  </a:tcPr>
+                </a:tc>
+                <a:tc>
+                  <a:txBody>
+                    <a:bodyPr/>
+                    <a:lstStyle/>
+                    <a:p>
+                      <a:pPr algn="l" fontAlgn="b"/>
+                      <a:r>
+                        <a:rPr lang="en-US" sz="1200" u="none" strike="noStrike" dirty="0">
+                          <a:effectLst/>
+                        </a:rPr>
+                        <a:t>customer</a:t>
+                      </a:r>
+                      <a:endParaRPr lang="en-US" sz="1200" b="0" i="0" u="none" strike="noStrike" dirty="0">
+                        <a:solidFill>
+                          <a:srgbClr val="000000"/>
+                        </a:solidFill>
+                        <a:effectLst/>
+                        <a:latin typeface="Calibri" panose="020F0502020204030204" pitchFamily="34" charset="0"/>
+                      </a:endParaRPr>
+                    </a:p>
+                  </a:txBody>
+                  <a:tcPr marL="9525" marR="9525" marT="9525" marB="0" anchor="b">
+                    <a:solidFill>
+                      <a:srgbClr val="FFFF00"/>
+                    </a:solidFill>
+                  </a:tcPr>
+                </a:tc>
+                <a:tc>
+                  <a:txBody>
+                    <a:bodyPr/>
+                    <a:lstStyle/>
+                    <a:p>
+                      <a:pPr algn="l" fontAlgn="b"/>
+                      <a:r>
+                        <a:rPr lang="en-US" sz="1200" u="none" strike="noStrike" dirty="0">
+                          <a:effectLst/>
+                        </a:rPr>
+                        <a:t>external</a:t>
+                      </a:r>
+                      <a:endParaRPr lang="en-US" sz="1200" b="0" i="0" u="none" strike="noStrike" dirty="0">
+                        <a:solidFill>
+                          <a:srgbClr val="000000"/>
+                        </a:solidFill>
+                        <a:effectLst/>
+                        <a:latin typeface="Calibri" panose="020F0502020204030204" pitchFamily="34" charset="0"/>
+                      </a:endParaRPr>
+                    </a:p>
+                  </a:txBody>
+                  <a:tcPr marL="9525" marR="9525" marT="9525" marB="0" anchor="b">
+                    <a:solidFill>
+                      <a:srgbClr val="FFFF00"/>
+                    </a:solidFill>
+                  </a:tcPr>
+                </a:tc>
+                <a:tc>
+                  <a:txBody>
+                    <a:bodyPr/>
+                    <a:lstStyle/>
+                    <a:p>
+                      <a:pPr algn="r" fontAlgn="b"/>
+                      <a:r>
+                        <a:rPr lang="en-US" sz="1200" u="none" strike="noStrike" dirty="0">
+                          <a:effectLst/>
+                        </a:rPr>
+                        <a:t>2</a:t>
+                      </a:r>
+                      <a:endParaRPr lang="en-US" sz="1200" b="0" i="0" u="none" strike="noStrike" dirty="0">
+                        <a:solidFill>
+                          <a:srgbClr val="000000"/>
+                        </a:solidFill>
+                        <a:effectLst/>
+                        <a:latin typeface="Calibri" panose="020F0502020204030204" pitchFamily="34" charset="0"/>
+                      </a:endParaRPr>
+                    </a:p>
+                  </a:txBody>
+                  <a:tcPr marL="9525" marR="9525" marT="9525" marB="0" anchor="b">
+                    <a:solidFill>
+                      <a:srgbClr val="FFFF00"/>
+                    </a:solidFill>
+                  </a:tcPr>
+                </a:tc>
+                <a:extLst>
+                  <a:ext uri="{0D108BD9-81ED-4DB2-BD59-A6C34878D82A}">
+                    <a16:rowId xmlns:a16="http://schemas.microsoft.com/office/drawing/2014/main" val="827678876"/>
+                  </a:ext>
+                </a:extLst>
+              </a:tr>
+              <a:tr h="219982">
+                <a:tc>
+                  <a:txBody>
+                    <a:bodyPr/>
+                    <a:lstStyle/>
+                    <a:p>
+                      <a:pPr algn="r" fontAlgn="b"/>
+                      <a:r>
+                        <a:rPr lang="en-US" sz="1200" u="none" strike="noStrike" dirty="0">
+                          <a:effectLst/>
+                        </a:rPr>
+                        <a:t>11</a:t>
+                      </a:r>
+                      <a:endParaRPr lang="en-US" sz="1200" b="0" i="0" u="none" strike="noStrike" dirty="0">
+                        <a:solidFill>
+                          <a:srgbClr val="000000"/>
+                        </a:solidFill>
+                        <a:effectLst/>
+                        <a:latin typeface="Calibri" panose="020F0502020204030204" pitchFamily="34" charset="0"/>
+                      </a:endParaRPr>
+                    </a:p>
+                  </a:txBody>
+                  <a:tcPr marL="9525" marR="9525" marT="9525" marB="0" anchor="b"/>
+                </a:tc>
+                <a:tc>
+                  <a:txBody>
+                    <a:bodyPr/>
+                    <a:lstStyle/>
+                    <a:p>
+                      <a:pPr algn="l" fontAlgn="b"/>
+                      <a:r>
+                        <a:rPr lang="en-US" sz="1200" u="none" strike="noStrike" dirty="0">
+                          <a:effectLst/>
+                        </a:rPr>
+                        <a:t>Log schedule</a:t>
+                      </a:r>
+                      <a:endParaRPr lang="en-US" sz="1200" b="0" i="0" u="none" strike="noStrike" dirty="0">
+                        <a:solidFill>
+                          <a:srgbClr val="000000"/>
+                        </a:solidFill>
+                        <a:effectLst/>
+                        <a:latin typeface="Calibri" panose="020F0502020204030204" pitchFamily="34" charset="0"/>
+                      </a:endParaRPr>
+                    </a:p>
+                  </a:txBody>
+                  <a:tcPr marL="9525" marR="9525" marT="9525" marB="0" anchor="b"/>
+                </a:tc>
+                <a:tc>
+                  <a:txBody>
+                    <a:bodyPr/>
+                    <a:lstStyle/>
+                    <a:p>
+                      <a:pPr algn="l" fontAlgn="b"/>
+                      <a:r>
+                        <a:rPr lang="en-US" sz="1200" u="none" strike="noStrike" dirty="0">
+                          <a:effectLst/>
+                        </a:rPr>
+                        <a:t>trainer</a:t>
+                      </a:r>
+                      <a:endParaRPr lang="en-US" sz="1200" b="0" i="0" u="none" strike="noStrike" dirty="0">
+                        <a:solidFill>
+                          <a:srgbClr val="000000"/>
+                        </a:solidFill>
+                        <a:effectLst/>
+                        <a:latin typeface="Calibri" panose="020F0502020204030204" pitchFamily="34" charset="0"/>
+                      </a:endParaRPr>
+                    </a:p>
+                  </a:txBody>
+                  <a:tcPr marL="9525" marR="9525" marT="9525" marB="0" anchor="b"/>
+                </a:tc>
+                <a:tc>
+                  <a:txBody>
+                    <a:bodyPr/>
+                    <a:lstStyle/>
+                    <a:p>
+                      <a:pPr algn="l" fontAlgn="b"/>
+                      <a:r>
+                        <a:rPr lang="en-US" sz="1200" u="none" strike="noStrike" dirty="0">
+                          <a:effectLst/>
+                        </a:rPr>
+                        <a:t>external</a:t>
+                      </a:r>
+                      <a:endParaRPr lang="en-US" sz="1200" b="0" i="0" u="none" strike="noStrike" dirty="0">
+                        <a:solidFill>
+                          <a:srgbClr val="000000"/>
+                        </a:solidFill>
+                        <a:effectLst/>
+                        <a:latin typeface="Calibri" panose="020F0502020204030204" pitchFamily="34" charset="0"/>
+                      </a:endParaRPr>
+                    </a:p>
+                  </a:txBody>
+                  <a:tcPr marL="9525" marR="9525" marT="9525" marB="0" anchor="b"/>
+                </a:tc>
+                <a:tc>
+                  <a:txBody>
+                    <a:bodyPr/>
+                    <a:lstStyle/>
+                    <a:p>
+                      <a:pPr algn="r" fontAlgn="b"/>
+                      <a:r>
+                        <a:rPr lang="en-US" sz="1200" u="none" strike="noStrike" dirty="0">
+                          <a:effectLst/>
+                        </a:rPr>
+                        <a:t>2</a:t>
+                      </a:r>
+                      <a:endParaRPr lang="en-US" sz="1200" b="0" i="0" u="none" strike="noStrike" dirty="0">
+                        <a:solidFill>
+                          <a:srgbClr val="000000"/>
+                        </a:solidFill>
+                        <a:effectLst/>
+                        <a:latin typeface="Calibri" panose="020F0502020204030204" pitchFamily="34" charset="0"/>
+                      </a:endParaRPr>
+                    </a:p>
+                  </a:txBody>
+                  <a:tcPr marL="9525" marR="9525" marT="9525" marB="0" anchor="b"/>
+                </a:tc>
+                <a:extLst>
+                  <a:ext uri="{0D108BD9-81ED-4DB2-BD59-A6C34878D82A}">
+                    <a16:rowId xmlns:a16="http://schemas.microsoft.com/office/drawing/2014/main" val="3073027346"/>
+                  </a:ext>
+                </a:extLst>
+              </a:tr>
+              <a:tr h="219982">
+                <a:tc>
+                  <a:txBody>
+                    <a:bodyPr/>
+                    <a:lstStyle/>
+                    <a:p>
+                      <a:pPr algn="r" fontAlgn="b"/>
+                      <a:r>
+                        <a:rPr lang="en-US" sz="1200" u="none" strike="noStrike" dirty="0">
+                          <a:effectLst/>
+                        </a:rPr>
+                        <a:t>12</a:t>
+                      </a:r>
+                      <a:endParaRPr lang="en-US" sz="1200" b="0" i="0" u="none" strike="noStrike" dirty="0">
+                        <a:solidFill>
+                          <a:srgbClr val="000000"/>
+                        </a:solidFill>
+                        <a:effectLst/>
+                        <a:latin typeface="Calibri" panose="020F0502020204030204" pitchFamily="34" charset="0"/>
+                      </a:endParaRPr>
+                    </a:p>
+                  </a:txBody>
+                  <a:tcPr marL="9525" marR="9525" marT="9525" marB="0" anchor="b">
+                    <a:solidFill>
+                      <a:srgbClr val="FFFF00"/>
+                    </a:solidFill>
+                  </a:tcPr>
+                </a:tc>
+                <a:tc>
+                  <a:txBody>
+                    <a:bodyPr/>
+                    <a:lstStyle/>
+                    <a:p>
+                      <a:pPr algn="l" fontAlgn="b"/>
+                      <a:r>
+                        <a:rPr lang="en-US" sz="1200" u="none" strike="noStrike" dirty="0">
+                          <a:effectLst/>
+                        </a:rPr>
+                        <a:t>Log schedule</a:t>
+                      </a:r>
+                      <a:endParaRPr lang="en-US" sz="1200" b="0" i="0" u="none" strike="noStrike" dirty="0">
+                        <a:solidFill>
+                          <a:srgbClr val="000000"/>
+                        </a:solidFill>
+                        <a:effectLst/>
+                        <a:latin typeface="Calibri" panose="020F0502020204030204" pitchFamily="34" charset="0"/>
+                      </a:endParaRPr>
+                    </a:p>
+                  </a:txBody>
+                  <a:tcPr marL="9525" marR="9525" marT="9525" marB="0" anchor="b">
+                    <a:solidFill>
+                      <a:srgbClr val="FFFF00"/>
+                    </a:solidFill>
+                  </a:tcPr>
+                </a:tc>
+                <a:tc>
+                  <a:txBody>
+                    <a:bodyPr/>
+                    <a:lstStyle/>
+                    <a:p>
+                      <a:pPr algn="l" fontAlgn="b"/>
+                      <a:r>
+                        <a:rPr lang="en-US" sz="1200" u="none" strike="noStrike" dirty="0">
+                          <a:effectLst/>
+                        </a:rPr>
+                        <a:t>customer</a:t>
+                      </a:r>
+                      <a:endParaRPr lang="en-US" sz="1200" b="0" i="0" u="none" strike="noStrike" dirty="0">
+                        <a:solidFill>
+                          <a:srgbClr val="000000"/>
+                        </a:solidFill>
+                        <a:effectLst/>
+                        <a:latin typeface="Calibri" panose="020F0502020204030204" pitchFamily="34" charset="0"/>
+                      </a:endParaRPr>
+                    </a:p>
+                  </a:txBody>
+                  <a:tcPr marL="9525" marR="9525" marT="9525" marB="0" anchor="b">
+                    <a:solidFill>
+                      <a:srgbClr val="FFFF00"/>
+                    </a:solidFill>
+                  </a:tcPr>
+                </a:tc>
+                <a:tc>
+                  <a:txBody>
+                    <a:bodyPr/>
+                    <a:lstStyle/>
+                    <a:p>
+                      <a:pPr algn="l" fontAlgn="b"/>
+                      <a:r>
+                        <a:rPr lang="en-US" sz="1200" u="none" strike="noStrike" dirty="0">
+                          <a:effectLst/>
+                        </a:rPr>
+                        <a:t>internal</a:t>
+                      </a:r>
+                      <a:endParaRPr lang="en-US" sz="1200" b="0" i="0" u="none" strike="noStrike" dirty="0">
+                        <a:solidFill>
+                          <a:srgbClr val="000000"/>
+                        </a:solidFill>
+                        <a:effectLst/>
+                        <a:latin typeface="Calibri" panose="020F0502020204030204" pitchFamily="34" charset="0"/>
+                      </a:endParaRPr>
+                    </a:p>
+                  </a:txBody>
+                  <a:tcPr marL="9525" marR="9525" marT="9525" marB="0" anchor="b">
+                    <a:solidFill>
+                      <a:srgbClr val="FFFF00"/>
+                    </a:solidFill>
+                  </a:tcPr>
+                </a:tc>
+                <a:tc>
+                  <a:txBody>
+                    <a:bodyPr/>
+                    <a:lstStyle/>
+                    <a:p>
+                      <a:pPr algn="r" fontAlgn="b"/>
+                      <a:r>
+                        <a:rPr lang="en-US" sz="1200" u="none" strike="noStrike" dirty="0">
+                          <a:effectLst/>
+                        </a:rPr>
+                        <a:t>2</a:t>
+                      </a:r>
+                      <a:endParaRPr lang="en-US" sz="1200" b="0" i="0" u="none" strike="noStrike" dirty="0">
+                        <a:solidFill>
+                          <a:srgbClr val="000000"/>
+                        </a:solidFill>
+                        <a:effectLst/>
+                        <a:latin typeface="Calibri" panose="020F0502020204030204" pitchFamily="34" charset="0"/>
+                      </a:endParaRPr>
+                    </a:p>
+                  </a:txBody>
+                  <a:tcPr marL="9525" marR="9525" marT="9525" marB="0" anchor="b">
+                    <a:solidFill>
+                      <a:srgbClr val="FFFF00"/>
+                    </a:solidFill>
+                  </a:tcPr>
+                </a:tc>
+                <a:extLst>
+                  <a:ext uri="{0D108BD9-81ED-4DB2-BD59-A6C34878D82A}">
+                    <a16:rowId xmlns:a16="http://schemas.microsoft.com/office/drawing/2014/main" val="564533195"/>
+                  </a:ext>
+                </a:extLst>
+              </a:tr>
+            </a:tbl>
+          </a:graphicData>
+        </a:graphic>
+      </p:graphicFrame>
       <p:sp>
         <p:nvSpPr>
           <p:cNvPr id="4" name="TextBox 3">
@@ -17995,7 +19856,7 @@
                   <a:schemeClr val="bg1"/>
                 </a:solidFill>
               </a:rPr>
-              <a:t>     Lorem ipsum dolor sit </a:t>
+              <a:t>When mapping test cases to use cases, a lot of variables have to be considered. Using </a:t>
             </a:r>
             <a:r>
               <a:rPr lang="en-US" sz="1400" dirty="0" err="1">
@@ -18003,7 +19864,7 @@
                   <a:schemeClr val="bg1"/>
                 </a:solidFill>
               </a:rPr>
-              <a:t>amet</a:t>
+              <a:t>AllPairs</a:t>
             </a:r>
             <a:r>
               <a:rPr lang="en-US" sz="1400" dirty="0">
@@ -18011,248 +19872,21 @@
                   <a:schemeClr val="bg1"/>
                 </a:solidFill>
               </a:rPr>
-              <a:t>, </a:t>
+              <a:t> was helpful in narrowing down and organizing </a:t>
             </a:r>
             <a:r>
-              <a:rPr lang="en-US" sz="1400" dirty="0" err="1">
+              <a:rPr lang="en-US" sz="1400">
                 <a:solidFill>
                   <a:schemeClr val="bg1"/>
                 </a:solidFill>
               </a:rPr>
-              <a:t>consectetur</a:t>
+              <a:t>test cases.</a:t>
             </a:r>
-            <a:r>
-              <a:rPr lang="en-US" sz="1400" dirty="0">
-                <a:solidFill>
-                  <a:schemeClr val="bg1"/>
-                </a:solidFill>
-              </a:rPr>
-              <a:t> </a:t>
-            </a:r>
-            <a:r>
-              <a:rPr lang="en-US" sz="1400" dirty="0" err="1">
-                <a:solidFill>
-                  <a:schemeClr val="bg1"/>
-                </a:solidFill>
-              </a:rPr>
-              <a:t>adipiscing</a:t>
-            </a:r>
-            <a:r>
-              <a:rPr lang="en-US" sz="1400" dirty="0">
-                <a:solidFill>
-                  <a:schemeClr val="bg1"/>
-                </a:solidFill>
-              </a:rPr>
-              <a:t> </a:t>
-            </a:r>
-            <a:r>
-              <a:rPr lang="en-US" sz="1400" dirty="0" err="1">
-                <a:solidFill>
-                  <a:schemeClr val="bg1"/>
-                </a:solidFill>
-              </a:rPr>
-              <a:t>elit</a:t>
-            </a:r>
-            <a:r>
-              <a:rPr lang="en-US" sz="1400" dirty="0">
-                <a:solidFill>
-                  <a:schemeClr val="bg1"/>
-                </a:solidFill>
-              </a:rPr>
-              <a:t>. </a:t>
-            </a:r>
-            <a:r>
-              <a:rPr lang="en-US" sz="1400" dirty="0" err="1">
-                <a:solidFill>
-                  <a:schemeClr val="bg1"/>
-                </a:solidFill>
-              </a:rPr>
-              <a:t>Praesent</a:t>
-            </a:r>
-            <a:r>
-              <a:rPr lang="en-US" sz="1400" dirty="0">
-                <a:solidFill>
-                  <a:schemeClr val="bg1"/>
-                </a:solidFill>
-              </a:rPr>
-              <a:t> </a:t>
-            </a:r>
-            <a:r>
-              <a:rPr lang="en-US" sz="1400" dirty="0" err="1">
-                <a:solidFill>
-                  <a:schemeClr val="bg1"/>
-                </a:solidFill>
-              </a:rPr>
-              <a:t>finibus</a:t>
-            </a:r>
-            <a:r>
-              <a:rPr lang="en-US" sz="1400" dirty="0">
-                <a:solidFill>
-                  <a:schemeClr val="bg1"/>
-                </a:solidFill>
-              </a:rPr>
-              <a:t> </a:t>
-            </a:r>
-            <a:r>
-              <a:rPr lang="en-US" sz="1400" dirty="0" err="1">
-                <a:solidFill>
-                  <a:schemeClr val="bg1"/>
-                </a:solidFill>
-              </a:rPr>
-              <a:t>turpis</a:t>
-            </a:r>
-            <a:r>
-              <a:rPr lang="en-US" sz="1400" dirty="0">
-                <a:solidFill>
-                  <a:schemeClr val="bg1"/>
-                </a:solidFill>
-              </a:rPr>
-              <a:t> at </a:t>
-            </a:r>
-            <a:r>
-              <a:rPr lang="en-US" sz="1400" dirty="0" err="1">
-                <a:solidFill>
-                  <a:schemeClr val="bg1"/>
-                </a:solidFill>
-              </a:rPr>
-              <a:t>lacinia</a:t>
-            </a:r>
-            <a:r>
-              <a:rPr lang="en-US" sz="1400" dirty="0">
-                <a:solidFill>
-                  <a:schemeClr val="bg1"/>
-                </a:solidFill>
-              </a:rPr>
-              <a:t> </a:t>
-            </a:r>
-            <a:r>
-              <a:rPr lang="en-US" sz="1400" dirty="0" err="1">
-                <a:solidFill>
-                  <a:schemeClr val="bg1"/>
-                </a:solidFill>
-              </a:rPr>
-              <a:t>venenatis</a:t>
-            </a:r>
-            <a:r>
-              <a:rPr lang="en-US" sz="1400" dirty="0">
-                <a:solidFill>
-                  <a:schemeClr val="bg1"/>
-                </a:solidFill>
-              </a:rPr>
-              <a:t>. </a:t>
-            </a:r>
-            <a:r>
-              <a:rPr lang="en-US" sz="1400" dirty="0" err="1">
-                <a:solidFill>
-                  <a:schemeClr val="bg1"/>
-                </a:solidFill>
-              </a:rPr>
-              <a:t>Morbi</a:t>
-            </a:r>
-            <a:r>
-              <a:rPr lang="en-US" sz="1400" dirty="0">
-                <a:solidFill>
-                  <a:schemeClr val="bg1"/>
-                </a:solidFill>
-              </a:rPr>
-              <a:t> </a:t>
-            </a:r>
-            <a:r>
-              <a:rPr lang="en-US" sz="1400" dirty="0" err="1">
-                <a:solidFill>
-                  <a:schemeClr val="bg1"/>
-                </a:solidFill>
-              </a:rPr>
-              <a:t>laoreet</a:t>
-            </a:r>
-            <a:r>
-              <a:rPr lang="en-US" sz="1400" dirty="0">
-                <a:solidFill>
-                  <a:schemeClr val="bg1"/>
-                </a:solidFill>
-              </a:rPr>
-              <a:t> </a:t>
-            </a:r>
-            <a:r>
-              <a:rPr lang="en-US" sz="1400" dirty="0" err="1">
-                <a:solidFill>
-                  <a:schemeClr val="bg1"/>
-                </a:solidFill>
-              </a:rPr>
-              <a:t>tortor</a:t>
-            </a:r>
-            <a:r>
-              <a:rPr lang="en-US" sz="1400" dirty="0">
-                <a:solidFill>
-                  <a:schemeClr val="bg1"/>
-                </a:solidFill>
-              </a:rPr>
-              <a:t> dolor, </a:t>
-            </a:r>
-            <a:r>
-              <a:rPr lang="en-US" sz="1400" dirty="0" err="1">
-                <a:solidFill>
-                  <a:schemeClr val="bg1"/>
-                </a:solidFill>
-              </a:rPr>
-              <a:t>sed</a:t>
-            </a:r>
-            <a:r>
-              <a:rPr lang="en-US" sz="1400" dirty="0">
-                <a:solidFill>
-                  <a:schemeClr val="bg1"/>
-                </a:solidFill>
-              </a:rPr>
-              <a:t> </a:t>
-            </a:r>
-            <a:r>
-              <a:rPr lang="en-US" sz="1400" dirty="0" err="1">
-                <a:solidFill>
-                  <a:schemeClr val="bg1"/>
-                </a:solidFill>
-              </a:rPr>
-              <a:t>luctus</a:t>
-            </a:r>
-            <a:r>
-              <a:rPr lang="en-US" sz="1400" dirty="0">
-                <a:solidFill>
-                  <a:schemeClr val="bg1"/>
-                </a:solidFill>
-              </a:rPr>
-              <a:t> </a:t>
-            </a:r>
-            <a:r>
-              <a:rPr lang="en-US" sz="1400" dirty="0" err="1">
-                <a:solidFill>
-                  <a:schemeClr val="bg1"/>
-                </a:solidFill>
-              </a:rPr>
-              <a:t>tellus</a:t>
-            </a:r>
-            <a:r>
-              <a:rPr lang="en-US" sz="1400" dirty="0">
-                <a:solidFill>
-                  <a:schemeClr val="bg1"/>
-                </a:solidFill>
-              </a:rPr>
-              <a:t> </a:t>
-            </a:r>
-            <a:r>
-              <a:rPr lang="en-US" sz="1400" dirty="0" err="1">
-                <a:solidFill>
-                  <a:schemeClr val="bg1"/>
-                </a:solidFill>
-              </a:rPr>
-              <a:t>lacinia</a:t>
-            </a:r>
-            <a:r>
-              <a:rPr lang="en-US" sz="1400" dirty="0">
-                <a:solidFill>
-                  <a:schemeClr val="bg1"/>
-                </a:solidFill>
-              </a:rPr>
-              <a:t>.</a:t>
-            </a:r>
+            <a:endParaRPr lang="en-US" sz="1400" dirty="0">
+              <a:solidFill>
+                <a:schemeClr val="bg1"/>
+              </a:solidFill>
+            </a:endParaRPr>
           </a:p>
         </p:txBody>
       </p:sp>

--- a/Final Presenation/CS_633_Zac3_term_project_report_FINAL_draft.pptx
+++ b/Final Presenation/CS_633_Zac3_term_project_report_FINAL_draft.pptx
@@ -18482,38 +18482,15 @@
         </p:nvSpPr>
         <p:spPr/>
         <p:txBody>
-          <a:bodyPr/>
+          <a:bodyPr>
+            <a:normAutofit/>
+          </a:bodyPr>
           <a:lstStyle/>
           <a:p>
-            <a:pPr marL="0" indent="0">
-              <a:buNone/>
-            </a:pPr>
-            <a:endParaRPr lang="en-US" dirty="0"/>
-          </a:p>
-        </p:txBody>
-      </p:sp>
-      <p:sp>
-        <p:nvSpPr>
-          <p:cNvPr id="6" name="Content Placeholder 5">
-            <a:extLst>
-              <a:ext uri="{FF2B5EF4-FFF2-40B4-BE49-F238E27FC236}">
-                <a16:creationId xmlns:a16="http://schemas.microsoft.com/office/drawing/2014/main" id="{57A9D618-F249-DB40-AD13-54CEE032E94A}"/>
-              </a:ext>
-            </a:extLst>
-          </p:cNvPr>
-          <p:cNvSpPr>
-            <a:spLocks noGrp="1"/>
-          </p:cNvSpPr>
-          <p:nvPr>
-            <p:ph sz="quarter" idx="2"/>
-          </p:nvPr>
-        </p:nvSpPr>
-        <p:spPr/>
-        <p:txBody>
-          <a:bodyPr/>
-          <a:lstStyle/>
-          <a:p>
-            <a:endParaRPr lang="en-US"/>
+            <a:r>
+              <a:rPr lang="en-US" sz="2400" dirty="0"/>
+              <a:t>One functional defect was identified during test case 3. When logging schedules and workouts, the graphical charts were not updating to demonstrate the users full workout. </a:t>
+            </a:r>
           </a:p>
         </p:txBody>
       </p:sp>
@@ -18552,6 +18529,38 @@
           </a:p>
         </p:txBody>
       </p:sp>
+      <p:pic>
+        <p:nvPicPr>
+          <p:cNvPr id="7" name="Content Placeholder 6">
+            <a:extLst>
+              <a:ext uri="{FF2B5EF4-FFF2-40B4-BE49-F238E27FC236}">
+                <a16:creationId xmlns:a16="http://schemas.microsoft.com/office/drawing/2014/main" id="{00E53455-B3F5-4DD6-96E9-6C74C897EF10}"/>
+              </a:ext>
+            </a:extLst>
+          </p:cNvPr>
+          <p:cNvPicPr>
+            <a:picLocks noGrp="1" noChangeAspect="1"/>
+          </p:cNvPicPr>
+          <p:nvPr>
+            <p:ph sz="quarter" idx="2"/>
+          </p:nvPr>
+        </p:nvPicPr>
+        <p:blipFill>
+          <a:blip r:embed="rId2"/>
+          <a:stretch>
+            <a:fillRect/>
+          </a:stretch>
+        </p:blipFill>
+        <p:spPr>
+          <a:xfrm>
+            <a:off x="5023694" y="1192213"/>
+            <a:ext cx="3528912" cy="3429000"/>
+          </a:xfrm>
+          <a:prstGeom prst="rect">
+            <a:avLst/>
+          </a:prstGeom>
+        </p:spPr>
+      </p:pic>
     </p:spTree>
     <p:extLst>
       <p:ext uri="{BB962C8B-B14F-4D97-AF65-F5344CB8AC3E}">
@@ -19872,21 +19881,8 @@
                   <a:schemeClr val="bg1"/>
                 </a:solidFill>
               </a:rPr>
-              <a:t> was helpful in narrowing down and organizing </a:t>
+              <a:t> was helpful in narrowing down and organizing test cases.</a:t>
             </a:r>
-            <a:r>
-              <a:rPr lang="en-US" sz="1400">
-                <a:solidFill>
-                  <a:schemeClr val="bg1"/>
-                </a:solidFill>
-              </a:rPr>
-              <a:t>test cases.</a:t>
-            </a:r>
-            <a:endParaRPr lang="en-US" sz="1400" dirty="0">
-              <a:solidFill>
-                <a:schemeClr val="bg1"/>
-              </a:solidFill>
-            </a:endParaRPr>
           </a:p>
         </p:txBody>
       </p:sp>

--- a/Final Presenation/CS_633_Zac3_term_project_report_FINAL_draft.pptx
+++ b/Final Presenation/CS_633_Zac3_term_project_report_FINAL_draft.pptx
@@ -5,7 +5,7 @@
     <p:sldMasterId id="2147483660" r:id="rId1"/>
   </p:sldMasterIdLst>
   <p:notesMasterIdLst>
-    <p:notesMasterId r:id="rId49"/>
+    <p:notesMasterId r:id="rId47"/>
   </p:notesMasterIdLst>
   <p:sldIdLst>
     <p:sldId id="256" r:id="rId2"/>
@@ -13,48 +13,46 @@
     <p:sldId id="273" r:id="rId4"/>
     <p:sldId id="257" r:id="rId5"/>
     <p:sldId id="267" r:id="rId6"/>
-    <p:sldId id="285" r:id="rId7"/>
-    <p:sldId id="266" r:id="rId8"/>
-    <p:sldId id="265" r:id="rId9"/>
-    <p:sldId id="291" r:id="rId10"/>
-    <p:sldId id="272" r:id="rId11"/>
-    <p:sldId id="305" r:id="rId12"/>
-    <p:sldId id="281" r:id="rId13"/>
-    <p:sldId id="282" r:id="rId14"/>
-    <p:sldId id="318" r:id="rId15"/>
-    <p:sldId id="319" r:id="rId16"/>
-    <p:sldId id="320" r:id="rId17"/>
-    <p:sldId id="321" r:id="rId18"/>
-    <p:sldId id="279" r:id="rId19"/>
-    <p:sldId id="278" r:id="rId20"/>
-    <p:sldId id="280" r:id="rId21"/>
-    <p:sldId id="314" r:id="rId22"/>
-    <p:sldId id="315" r:id="rId23"/>
-    <p:sldId id="316" r:id="rId24"/>
-    <p:sldId id="317" r:id="rId25"/>
-    <p:sldId id="329" r:id="rId26"/>
-    <p:sldId id="330" r:id="rId27"/>
-    <p:sldId id="296" r:id="rId28"/>
-    <p:sldId id="284" r:id="rId29"/>
-    <p:sldId id="327" r:id="rId30"/>
-    <p:sldId id="335" r:id="rId31"/>
-    <p:sldId id="336" r:id="rId32"/>
-    <p:sldId id="337" r:id="rId33"/>
-    <p:sldId id="334" r:id="rId34"/>
-    <p:sldId id="313" r:id="rId35"/>
-    <p:sldId id="289" r:id="rId36"/>
-    <p:sldId id="298" r:id="rId37"/>
-    <p:sldId id="293" r:id="rId38"/>
-    <p:sldId id="325" r:id="rId39"/>
-    <p:sldId id="295" r:id="rId40"/>
-    <p:sldId id="331" r:id="rId41"/>
-    <p:sldId id="311" r:id="rId42"/>
-    <p:sldId id="310" r:id="rId43"/>
-    <p:sldId id="308" r:id="rId44"/>
-    <p:sldId id="307" r:id="rId45"/>
-    <p:sldId id="309" r:id="rId46"/>
-    <p:sldId id="323" r:id="rId47"/>
-    <p:sldId id="306" r:id="rId48"/>
+    <p:sldId id="266" r:id="rId7"/>
+    <p:sldId id="265" r:id="rId8"/>
+    <p:sldId id="272" r:id="rId9"/>
+    <p:sldId id="305" r:id="rId10"/>
+    <p:sldId id="281" r:id="rId11"/>
+    <p:sldId id="282" r:id="rId12"/>
+    <p:sldId id="318" r:id="rId13"/>
+    <p:sldId id="319" r:id="rId14"/>
+    <p:sldId id="320" r:id="rId15"/>
+    <p:sldId id="321" r:id="rId16"/>
+    <p:sldId id="279" r:id="rId17"/>
+    <p:sldId id="278" r:id="rId18"/>
+    <p:sldId id="280" r:id="rId19"/>
+    <p:sldId id="314" r:id="rId20"/>
+    <p:sldId id="315" r:id="rId21"/>
+    <p:sldId id="316" r:id="rId22"/>
+    <p:sldId id="317" r:id="rId23"/>
+    <p:sldId id="329" r:id="rId24"/>
+    <p:sldId id="330" r:id="rId25"/>
+    <p:sldId id="296" r:id="rId26"/>
+    <p:sldId id="284" r:id="rId27"/>
+    <p:sldId id="327" r:id="rId28"/>
+    <p:sldId id="335" r:id="rId29"/>
+    <p:sldId id="336" r:id="rId30"/>
+    <p:sldId id="337" r:id="rId31"/>
+    <p:sldId id="334" r:id="rId32"/>
+    <p:sldId id="313" r:id="rId33"/>
+    <p:sldId id="289" r:id="rId34"/>
+    <p:sldId id="298" r:id="rId35"/>
+    <p:sldId id="293" r:id="rId36"/>
+    <p:sldId id="325" r:id="rId37"/>
+    <p:sldId id="295" r:id="rId38"/>
+    <p:sldId id="331" r:id="rId39"/>
+    <p:sldId id="311" r:id="rId40"/>
+    <p:sldId id="310" r:id="rId41"/>
+    <p:sldId id="308" r:id="rId42"/>
+    <p:sldId id="307" r:id="rId43"/>
+    <p:sldId id="309" r:id="rId44"/>
+    <p:sldId id="323" r:id="rId45"/>
+    <p:sldId id="306" r:id="rId46"/>
   </p:sldIdLst>
   <p:sldSz cx="9144000" cy="5143500" type="screen16x9"/>
   <p:notesSz cx="6858000" cy="9144000"/>
@@ -262,7 +260,7 @@
           <a:p>
             <a:fld id="{9B8A9A2D-E852-3844-9DB4-1B4DAD75F3D7}" type="datetimeFigureOut">
               <a:rPr lang="en-US" smtClean="0"/>
-              <a:t>2/25/18</a:t>
+              <a:t>2/25/2018</a:t>
             </a:fld>
             <a:endParaRPr lang="en-US"/>
           </a:p>
@@ -740,7 +738,7 @@
           <a:p>
             <a:fld id="{4F7A579F-9BF5-CC4C-8D8C-36F12F760E42}" type="slidenum">
               <a:rPr lang="en-US" smtClean="0"/>
-              <a:t>23</a:t>
+              <a:t>21</a:t>
             </a:fld>
             <a:endParaRPr lang="en-US"/>
           </a:p>
@@ -852,7 +850,7 @@
           <a:p>
             <a:fld id="{4F7A579F-9BF5-CC4C-8D8C-36F12F760E42}" type="slidenum">
               <a:rPr lang="en-US" smtClean="0"/>
-              <a:t>24</a:t>
+              <a:t>22</a:t>
             </a:fld>
             <a:endParaRPr lang="en-US"/>
           </a:p>
@@ -936,7 +934,7 @@
           <a:p>
             <a:fld id="{4F7A579F-9BF5-CC4C-8D8C-36F12F760E42}" type="slidenum">
               <a:rPr lang="en-US" smtClean="0"/>
-              <a:t>27</a:t>
+              <a:t>25</a:t>
             </a:fld>
             <a:endParaRPr lang="en-US"/>
           </a:p>
@@ -1020,7 +1018,7 @@
           <a:p>
             <a:fld id="{4F7A579F-9BF5-CC4C-8D8C-36F12F760E42}" type="slidenum">
               <a:rPr lang="en-US" smtClean="0"/>
-              <a:t>33</a:t>
+              <a:t>31</a:t>
             </a:fld>
             <a:endParaRPr lang="en-US"/>
           </a:p>
@@ -1104,7 +1102,7 @@
           <a:p>
             <a:fld id="{4F7A579F-9BF5-CC4C-8D8C-36F12F760E42}" type="slidenum">
               <a:rPr lang="en-US" smtClean="0"/>
-              <a:t>38</a:t>
+              <a:t>36</a:t>
             </a:fld>
             <a:endParaRPr lang="en-US"/>
           </a:p>
@@ -1188,7 +1186,7 @@
           <a:p>
             <a:fld id="{4F7A579F-9BF5-CC4C-8D8C-36F12F760E42}" type="slidenum">
               <a:rPr lang="en-US" smtClean="0"/>
-              <a:t>40</a:t>
+              <a:t>38</a:t>
             </a:fld>
             <a:endParaRPr lang="en-US"/>
           </a:p>
@@ -1272,7 +1270,7 @@
           <a:p>
             <a:fld id="{4F7A579F-9BF5-CC4C-8D8C-36F12F760E42}" type="slidenum">
               <a:rPr lang="en-US" smtClean="0"/>
-              <a:t>41</a:t>
+              <a:t>39</a:t>
             </a:fld>
             <a:endParaRPr lang="en-US"/>
           </a:p>
@@ -1356,7 +1354,7 @@
           <a:p>
             <a:fld id="{4F7A579F-9BF5-CC4C-8D8C-36F12F760E42}" type="slidenum">
               <a:rPr lang="en-US" smtClean="0"/>
-              <a:t>42</a:t>
+              <a:t>40</a:t>
             </a:fld>
             <a:endParaRPr lang="en-US"/>
           </a:p>
@@ -1440,7 +1438,7 @@
           <a:p>
             <a:fld id="{4F7A579F-9BF5-CC4C-8D8C-36F12F760E42}" type="slidenum">
               <a:rPr lang="en-US" smtClean="0"/>
-              <a:t>47</a:t>
+              <a:t>45</a:t>
             </a:fld>
             <a:endParaRPr lang="en-US"/>
           </a:p>
@@ -1700,7 +1698,7 @@
           <a:p>
             <a:fld id="{4F7A579F-9BF5-CC4C-8D8C-36F12F760E42}" type="slidenum">
               <a:rPr lang="en-US" smtClean="0"/>
-              <a:t>14</a:t>
+              <a:t>12</a:t>
             </a:fld>
             <a:endParaRPr lang="en-US"/>
           </a:p>
@@ -1792,7 +1790,7 @@
           <a:p>
             <a:fld id="{4F7A579F-9BF5-CC4C-8D8C-36F12F760E42}" type="slidenum">
               <a:rPr lang="en-US" smtClean="0"/>
-              <a:t>15</a:t>
+              <a:t>13</a:t>
             </a:fld>
             <a:endParaRPr lang="en-US"/>
           </a:p>
@@ -1884,7 +1882,7 @@
           <a:p>
             <a:fld id="{4F7A579F-9BF5-CC4C-8D8C-36F12F760E42}" type="slidenum">
               <a:rPr lang="en-US" smtClean="0"/>
-              <a:t>16</a:t>
+              <a:t>14</a:t>
             </a:fld>
             <a:endParaRPr lang="en-US"/>
           </a:p>
@@ -1976,7 +1974,7 @@
           <a:p>
             <a:fld id="{4F7A579F-9BF5-CC4C-8D8C-36F12F760E42}" type="slidenum">
               <a:rPr lang="en-US" smtClean="0"/>
-              <a:t>17</a:t>
+              <a:t>15</a:t>
             </a:fld>
             <a:endParaRPr lang="en-US"/>
           </a:p>
@@ -2060,7 +2058,7 @@
           <a:p>
             <a:fld id="{4F7A579F-9BF5-CC4C-8D8C-36F12F760E42}" type="slidenum">
               <a:rPr lang="en-US" smtClean="0"/>
-              <a:t>19</a:t>
+              <a:t>17</a:t>
             </a:fld>
             <a:endParaRPr lang="en-US"/>
           </a:p>
@@ -2152,7 +2150,7 @@
           <a:p>
             <a:fld id="{4F7A579F-9BF5-CC4C-8D8C-36F12F760E42}" type="slidenum">
               <a:rPr lang="en-US" smtClean="0"/>
-              <a:t>22</a:t>
+              <a:t>20</a:t>
             </a:fld>
             <a:endParaRPr lang="en-US"/>
           </a:p>
@@ -2460,7 +2458,7 @@
           <a:p>
             <a:fld id="{CBBBF805-5D4B-8F4E-93F2-E4965DAE73BF}" type="datetimeFigureOut">
               <a:rPr lang="en-US" smtClean="0"/>
-              <a:t>2/25/18</a:t>
+              <a:t>2/25/2018</a:t>
             </a:fld>
             <a:endParaRPr lang="en-US"/>
           </a:p>
@@ -2650,7 +2648,7 @@
           <a:p>
             <a:fld id="{CBBBF805-5D4B-8F4E-93F2-E4965DAE73BF}" type="datetimeFigureOut">
               <a:rPr lang="en-US" smtClean="0"/>
-              <a:t>2/25/18</a:t>
+              <a:t>2/25/2018</a:t>
             </a:fld>
             <a:endParaRPr lang="en-US"/>
           </a:p>
@@ -2834,7 +2832,7 @@
           <a:p>
             <a:fld id="{CBBBF805-5D4B-8F4E-93F2-E4965DAE73BF}" type="datetimeFigureOut">
               <a:rPr lang="en-US" smtClean="0"/>
-              <a:t>2/25/18</a:t>
+              <a:t>2/25/2018</a:t>
             </a:fld>
             <a:endParaRPr lang="en-US"/>
           </a:p>
@@ -3096,7 +3094,7 @@
           <a:p>
             <a:fld id="{CBBBF805-5D4B-8F4E-93F2-E4965DAE73BF}" type="datetimeFigureOut">
               <a:rPr lang="en-US" smtClean="0"/>
-              <a:t>2/25/18</a:t>
+              <a:t>2/25/2018</a:t>
             </a:fld>
             <a:endParaRPr lang="en-US"/>
           </a:p>
@@ -3511,7 +3509,7 @@
           <a:p>
             <a:fld id="{CBBBF805-5D4B-8F4E-93F2-E4965DAE73BF}" type="datetimeFigureOut">
               <a:rPr lang="en-US" smtClean="0"/>
-              <a:t>2/25/18</a:t>
+              <a:t>2/25/2018</a:t>
             </a:fld>
             <a:endParaRPr lang="en-US"/>
           </a:p>
@@ -3782,7 +3780,7 @@
           <a:p>
             <a:fld id="{CBBBF805-5D4B-8F4E-93F2-E4965DAE73BF}" type="datetimeFigureOut">
               <a:rPr lang="en-US" smtClean="0"/>
-              <a:t>2/25/18</a:t>
+              <a:t>2/25/2018</a:t>
             </a:fld>
             <a:endParaRPr lang="en-US"/>
           </a:p>
@@ -4017,7 +4015,7 @@
           <a:p>
             <a:fld id="{CBBBF805-5D4B-8F4E-93F2-E4965DAE73BF}" type="datetimeFigureOut">
               <a:rPr lang="en-US" smtClean="0"/>
-              <a:t>2/25/18</a:t>
+              <a:t>2/25/2018</a:t>
             </a:fld>
             <a:endParaRPr lang="en-US"/>
           </a:p>
@@ -4211,7 +4209,7 @@
           <a:p>
             <a:fld id="{CBBBF805-5D4B-8F4E-93F2-E4965DAE73BF}" type="datetimeFigureOut">
               <a:rPr lang="en-US" smtClean="0"/>
-              <a:t>2/25/18</a:t>
+              <a:t>2/25/2018</a:t>
             </a:fld>
             <a:endParaRPr lang="en-US"/>
           </a:p>
@@ -4309,7 +4307,7 @@
           <a:p>
             <a:fld id="{CBBBF805-5D4B-8F4E-93F2-E4965DAE73BF}" type="datetimeFigureOut">
               <a:rPr lang="en-US" smtClean="0"/>
-              <a:t>2/25/18</a:t>
+              <a:t>2/25/2018</a:t>
             </a:fld>
             <a:endParaRPr lang="en-US"/>
           </a:p>
@@ -4444,7 +4442,7 @@
           <a:p>
             <a:fld id="{CBBBF805-5D4B-8F4E-93F2-E4965DAE73BF}" type="datetimeFigureOut">
               <a:rPr lang="en-US" smtClean="0"/>
-              <a:t>2/25/18</a:t>
+              <a:t>2/25/2018</a:t>
             </a:fld>
             <a:endParaRPr lang="en-US"/>
           </a:p>
@@ -4961,7 +4959,7 @@
           <a:p>
             <a:fld id="{CBBBF805-5D4B-8F4E-93F2-E4965DAE73BF}" type="datetimeFigureOut">
               <a:rPr lang="en-US" smtClean="0"/>
-              <a:t>2/25/18</a:t>
+              <a:t>2/25/2018</a:t>
             </a:fld>
             <a:endParaRPr lang="en-US"/>
           </a:p>
@@ -5401,7 +5399,7 @@
           <a:p>
             <a:fld id="{CBBBF805-5D4B-8F4E-93F2-E4965DAE73BF}" type="datetimeFigureOut">
               <a:rPr lang="en-US" smtClean="0"/>
-              <a:t>2/25/18</a:t>
+              <a:t>2/25/2018</a:t>
             </a:fld>
             <a:endParaRPr lang="en-US"/>
           </a:p>
@@ -6224,614 +6222,6 @@
           <a:chExt cx="0" cy="0"/>
         </a:xfrm>
       </p:grpSpPr>
-      <p:sp>
-        <p:nvSpPr>
-          <p:cNvPr id="5" name="Text Placeholder 4">
-            <a:extLst>
-              <a:ext uri="{FF2B5EF4-FFF2-40B4-BE49-F238E27FC236}">
-                <a16:creationId xmlns:a16="http://schemas.microsoft.com/office/drawing/2014/main" id="{4297ADF3-BC92-B548-B50D-6294C3AFCBC5}"/>
-              </a:ext>
-            </a:extLst>
-          </p:cNvPr>
-          <p:cNvSpPr>
-            <a:spLocks noGrp="1"/>
-          </p:cNvSpPr>
-          <p:nvPr>
-            <p:ph type="body" idx="1"/>
-          </p:nvPr>
-        </p:nvSpPr>
-        <p:spPr/>
-        <p:txBody>
-          <a:bodyPr/>
-          <a:lstStyle/>
-          <a:p>
-            <a:r>
-              <a:rPr lang="en-US" dirty="0"/>
-              <a:t> </a:t>
-            </a:r>
-          </a:p>
-        </p:txBody>
-      </p:sp>
-      <p:sp>
-        <p:nvSpPr>
-          <p:cNvPr id="4" name="Title 3">
-            <a:extLst>
-              <a:ext uri="{FF2B5EF4-FFF2-40B4-BE49-F238E27FC236}">
-                <a16:creationId xmlns:a16="http://schemas.microsoft.com/office/drawing/2014/main" id="{5AC4E82C-61B5-3F4E-B395-7FB7D51AAAA4}"/>
-              </a:ext>
-            </a:extLst>
-          </p:cNvPr>
-          <p:cNvSpPr>
-            <a:spLocks noGrp="1"/>
-          </p:cNvSpPr>
-          <p:nvPr>
-            <p:ph type="title"/>
-          </p:nvPr>
-        </p:nvSpPr>
-        <p:spPr/>
-        <p:txBody>
-          <a:bodyPr>
-            <a:normAutofit fontScale="90000"/>
-          </a:bodyPr>
-          <a:lstStyle/>
-          <a:p>
-            <a:r>
-              <a:rPr lang="en-US" dirty="0"/>
-              <a:t>Product Design </a:t>
-            </a:r>
-          </a:p>
-        </p:txBody>
-      </p:sp>
-    </p:spTree>
-    <p:extLst>
-      <p:ext uri="{BB962C8B-B14F-4D97-AF65-F5344CB8AC3E}">
-        <p14:creationId xmlns:p14="http://schemas.microsoft.com/office/powerpoint/2010/main" val="3146360402"/>
-      </p:ext>
-    </p:extLst>
-  </p:cSld>
-  <p:clrMapOvr>
-    <a:masterClrMapping/>
-  </p:clrMapOvr>
-</p:sld>
-</file>
-
-<file path=ppt/slides/slide11.xml><?xml version="1.0" encoding="utf-8"?>
-<p:sld xmlns:a="http://schemas.openxmlformats.org/drawingml/2006/main" xmlns:r="http://schemas.openxmlformats.org/officeDocument/2006/relationships" xmlns:p="http://schemas.openxmlformats.org/presentationml/2006/main">
-  <p:cSld>
-    <p:spTree>
-      <p:nvGrpSpPr>
-        <p:cNvPr id="1" name=""/>
-        <p:cNvGrpSpPr/>
-        <p:nvPr/>
-      </p:nvGrpSpPr>
-      <p:grpSpPr>
-        <a:xfrm>
-          <a:off x="0" y="0"/>
-          <a:ext cx="0" cy="0"/>
-          <a:chOff x="0" y="0"/>
-          <a:chExt cx="0" cy="0"/>
-        </a:xfrm>
-      </p:grpSpPr>
-      <p:sp>
-        <p:nvSpPr>
-          <p:cNvPr id="2" name="Title 1">
-            <a:extLst>
-              <a:ext uri="{FF2B5EF4-FFF2-40B4-BE49-F238E27FC236}">
-                <a16:creationId xmlns:a16="http://schemas.microsoft.com/office/drawing/2014/main" id="{B1B2C581-8DFA-B744-A18C-B9B2311BBF9B}"/>
-              </a:ext>
-            </a:extLst>
-          </p:cNvPr>
-          <p:cNvSpPr>
-            <a:spLocks noGrp="1"/>
-          </p:cNvSpPr>
-          <p:nvPr>
-            <p:ph type="title"/>
-          </p:nvPr>
-        </p:nvSpPr>
-        <p:spPr/>
-        <p:txBody>
-          <a:bodyPr>
-            <a:normAutofit fontScale="90000"/>
-          </a:bodyPr>
-          <a:lstStyle/>
-          <a:p>
-            <a:r>
-              <a:rPr lang="en-US" dirty="0"/>
-              <a:t>Backlog</a:t>
-            </a:r>
-          </a:p>
-        </p:txBody>
-      </p:sp>
-      <p:sp>
-        <p:nvSpPr>
-          <p:cNvPr id="3" name="Content Placeholder 2">
-            <a:extLst>
-              <a:ext uri="{FF2B5EF4-FFF2-40B4-BE49-F238E27FC236}">
-                <a16:creationId xmlns:a16="http://schemas.microsoft.com/office/drawing/2014/main" id="{83E4EF94-659E-3441-8B01-876BD6A9AD4C}"/>
-              </a:ext>
-            </a:extLst>
-          </p:cNvPr>
-          <p:cNvSpPr>
-            <a:spLocks noGrp="1"/>
-          </p:cNvSpPr>
-          <p:nvPr>
-            <p:ph sz="quarter" idx="2"/>
-          </p:nvPr>
-        </p:nvSpPr>
-        <p:spPr>
-          <a:xfrm>
-            <a:off x="609600" y="1828800"/>
-            <a:ext cx="3886200" cy="1770743"/>
-          </a:xfrm>
-        </p:spPr>
-        <p:txBody>
-          <a:bodyPr>
-            <a:normAutofit lnSpcReduction="10000"/>
-          </a:bodyPr>
-          <a:lstStyle/>
-          <a:p>
-            <a:r>
-              <a:rPr lang="en-US" sz="1800" dirty="0"/>
-              <a:t>Register &amp; Log-in</a:t>
-            </a:r>
-          </a:p>
-          <a:p>
-            <a:r>
-              <a:rPr lang="en-US" sz="1800" dirty="0"/>
-              <a:t>Measurements &amp; Goals</a:t>
-            </a:r>
-          </a:p>
-          <a:p>
-            <a:r>
-              <a:rPr lang="en-US" sz="1800" dirty="0"/>
-              <a:t>Design Workout</a:t>
-            </a:r>
-          </a:p>
-          <a:p>
-            <a:r>
-              <a:rPr lang="en-US" sz="1800" dirty="0"/>
-              <a:t>Track Workout</a:t>
-            </a:r>
-          </a:p>
-          <a:p>
-            <a:r>
-              <a:rPr lang="en-US" sz="1800" dirty="0"/>
-              <a:t>Food Diary</a:t>
-            </a:r>
-          </a:p>
-        </p:txBody>
-      </p:sp>
-      <p:sp>
-        <p:nvSpPr>
-          <p:cNvPr id="11" name="Content Placeholder 10">
-            <a:extLst>
-              <a:ext uri="{FF2B5EF4-FFF2-40B4-BE49-F238E27FC236}">
-                <a16:creationId xmlns:a16="http://schemas.microsoft.com/office/drawing/2014/main" id="{5A026F69-F532-324F-A82C-E7095E673F39}"/>
-              </a:ext>
-            </a:extLst>
-          </p:cNvPr>
-          <p:cNvSpPr>
-            <a:spLocks noGrp="1"/>
-          </p:cNvSpPr>
-          <p:nvPr>
-            <p:ph sz="quarter" idx="4"/>
-          </p:nvPr>
-        </p:nvSpPr>
-        <p:spPr>
-          <a:xfrm>
-            <a:off x="609600" y="3987261"/>
-            <a:ext cx="3886200" cy="1291771"/>
-          </a:xfrm>
-        </p:spPr>
-        <p:txBody>
-          <a:bodyPr>
-            <a:normAutofit lnSpcReduction="10000"/>
-          </a:bodyPr>
-          <a:lstStyle/>
-          <a:p>
-            <a:r>
-              <a:rPr lang="en-US" sz="1800" dirty="0"/>
-              <a:t>Website Administration</a:t>
-            </a:r>
-          </a:p>
-          <a:p>
-            <a:r>
-              <a:rPr lang="en-US" sz="1800" dirty="0"/>
-              <a:t>Tracker Integration</a:t>
-            </a:r>
-          </a:p>
-          <a:p>
-            <a:r>
-              <a:rPr lang="en-US" sz="1800" dirty="0"/>
-              <a:t>Import/Export Function</a:t>
-            </a:r>
-          </a:p>
-        </p:txBody>
-      </p:sp>
-      <p:sp>
-        <p:nvSpPr>
-          <p:cNvPr id="9" name="Text Placeholder 8">
-            <a:extLst>
-              <a:ext uri="{FF2B5EF4-FFF2-40B4-BE49-F238E27FC236}">
-                <a16:creationId xmlns:a16="http://schemas.microsoft.com/office/drawing/2014/main" id="{84369AB4-D9D5-0346-9711-42947D029A1B}"/>
-              </a:ext>
-            </a:extLst>
-          </p:cNvPr>
-          <p:cNvSpPr>
-            <a:spLocks noGrp="1"/>
-          </p:cNvSpPr>
-          <p:nvPr>
-            <p:ph type="body" sz="quarter" idx="1"/>
-          </p:nvPr>
-        </p:nvSpPr>
-        <p:spPr>
-          <a:xfrm>
-            <a:off x="609600" y="1314450"/>
-            <a:ext cx="3886200" cy="480060"/>
-          </a:xfrm>
-        </p:spPr>
-        <p:txBody>
-          <a:bodyPr/>
-          <a:lstStyle/>
-          <a:p>
-            <a:r>
-              <a:rPr lang="en-US" dirty="0"/>
-              <a:t>User Epics</a:t>
-            </a:r>
-          </a:p>
-        </p:txBody>
-      </p:sp>
-      <p:sp>
-        <p:nvSpPr>
-          <p:cNvPr id="10" name="Text Placeholder 9">
-            <a:extLst>
-              <a:ext uri="{FF2B5EF4-FFF2-40B4-BE49-F238E27FC236}">
-                <a16:creationId xmlns:a16="http://schemas.microsoft.com/office/drawing/2014/main" id="{F7369FDA-1453-264F-BD5B-DDDCD7F0CDCF}"/>
-              </a:ext>
-            </a:extLst>
-          </p:cNvPr>
-          <p:cNvSpPr>
-            <a:spLocks noGrp="1"/>
-          </p:cNvSpPr>
-          <p:nvPr>
-            <p:ph type="body" sz="quarter" idx="3"/>
-          </p:nvPr>
-        </p:nvSpPr>
-        <p:spPr>
-          <a:xfrm>
-            <a:off x="609600" y="3497948"/>
-            <a:ext cx="3886200" cy="480060"/>
-          </a:xfrm>
-        </p:spPr>
-        <p:txBody>
-          <a:bodyPr/>
-          <a:lstStyle/>
-          <a:p>
-            <a:r>
-              <a:rPr lang="en-US" dirty="0"/>
-              <a:t>Technical  Epics</a:t>
-            </a:r>
-          </a:p>
-        </p:txBody>
-      </p:sp>
-      <p:sp>
-        <p:nvSpPr>
-          <p:cNvPr id="8" name="TextBox 7">
-            <a:extLst>
-              <a:ext uri="{FF2B5EF4-FFF2-40B4-BE49-F238E27FC236}">
-                <a16:creationId xmlns:a16="http://schemas.microsoft.com/office/drawing/2014/main" id="{2338BF37-22D9-487E-86EB-FE1C460BAF0C}"/>
-              </a:ext>
-            </a:extLst>
-          </p:cNvPr>
-          <p:cNvSpPr txBox="1"/>
-          <p:nvPr/>
-        </p:nvSpPr>
-        <p:spPr>
-          <a:xfrm>
-            <a:off x="215659" y="39219"/>
-            <a:ext cx="1095555" cy="369332"/>
-          </a:xfrm>
-          <a:prstGeom prst="rect">
-            <a:avLst/>
-          </a:prstGeom>
-          <a:noFill/>
-        </p:spPr>
-        <p:txBody>
-          <a:bodyPr wrap="square" rtlCol="0">
-            <a:spAutoFit/>
-          </a:bodyPr>
-          <a:lstStyle/>
-          <a:p>
-            <a:r>
-              <a:rPr lang="en-US" dirty="0"/>
-              <a:t>Gabriel</a:t>
-            </a:r>
-          </a:p>
-        </p:txBody>
-      </p:sp>
-      <p:pic>
-        <p:nvPicPr>
-          <p:cNvPr id="13" name="Content Placeholder 7">
-            <a:extLst>
-              <a:ext uri="{FF2B5EF4-FFF2-40B4-BE49-F238E27FC236}">
-                <a16:creationId xmlns:a16="http://schemas.microsoft.com/office/drawing/2014/main" id="{08C0548C-0E1E-A441-87C8-DC06CE0BD3AF}"/>
-              </a:ext>
-            </a:extLst>
-          </p:cNvPr>
-          <p:cNvPicPr>
-            <a:picLocks noChangeAspect="1"/>
-          </p:cNvPicPr>
-          <p:nvPr/>
-        </p:nvPicPr>
-        <p:blipFill>
-          <a:blip r:embed="rId2"/>
-          <a:stretch>
-            <a:fillRect/>
-          </a:stretch>
-        </p:blipFill>
-        <p:spPr>
-          <a:xfrm>
-            <a:off x="4800600" y="1875569"/>
-            <a:ext cx="3886200" cy="2592511"/>
-          </a:xfrm>
-          <a:prstGeom prst="rect">
-            <a:avLst/>
-          </a:prstGeom>
-        </p:spPr>
-        <p:style>
-          <a:lnRef idx="2">
-            <a:schemeClr val="dk1"/>
-          </a:lnRef>
-          <a:fillRef idx="1">
-            <a:schemeClr val="lt1"/>
-          </a:fillRef>
-          <a:effectRef idx="0">
-            <a:schemeClr val="dk1"/>
-          </a:effectRef>
-          <a:fontRef idx="minor">
-            <a:schemeClr val="dk1"/>
-          </a:fontRef>
-        </p:style>
-      </p:pic>
-      <p:sp>
-        <p:nvSpPr>
-          <p:cNvPr id="14" name="Text Placeholder 5">
-            <a:extLst>
-              <a:ext uri="{FF2B5EF4-FFF2-40B4-BE49-F238E27FC236}">
-                <a16:creationId xmlns:a16="http://schemas.microsoft.com/office/drawing/2014/main" id="{9DE0739F-C6A7-714E-86CA-3A67589CEEAB}"/>
-              </a:ext>
-            </a:extLst>
-          </p:cNvPr>
-          <p:cNvSpPr txBox="1">
-            <a:spLocks/>
-          </p:cNvSpPr>
-          <p:nvPr/>
-        </p:nvSpPr>
-        <p:spPr>
-          <a:xfrm>
-            <a:off x="4800600" y="1314450"/>
-            <a:ext cx="3886200" cy="480060"/>
-          </a:xfrm>
-          <a:prstGeom prst="rect">
-            <a:avLst/>
-          </a:prstGeom>
-          <a:solidFill>
-            <a:schemeClr val="accent3"/>
-          </a:solidFill>
-        </p:spPr>
-        <p:txBody>
-          <a:bodyPr vert="horz" rtlCol="0" anchor="ctr">
-            <a:normAutofit/>
-          </a:bodyPr>
-          <a:lstStyle>
-            <a:lvl1pPr marL="0" indent="0" algn="l" rtl="0" eaLnBrk="1" latinLnBrk="0" hangingPunct="1">
-              <a:spcBef>
-                <a:spcPts val="700"/>
-              </a:spcBef>
-              <a:buClr>
-                <a:schemeClr val="accent2"/>
-              </a:buClr>
-              <a:buSzPct val="60000"/>
-              <a:buFontTx/>
-              <a:buNone/>
-              <a:defRPr kumimoji="0" sz="2000" b="1" kern="1200">
-                <a:solidFill>
-                  <a:srgbClr val="FFFFFF"/>
-                </a:solidFill>
-                <a:latin typeface="+mn-lt"/>
-                <a:ea typeface="+mn-ea"/>
-                <a:cs typeface="+mn-cs"/>
-              </a:defRPr>
-            </a:lvl1pPr>
-            <a:lvl2pPr marL="640080" indent="-274320" algn="l" rtl="0" eaLnBrk="1" latinLnBrk="0" hangingPunct="1">
-              <a:spcBef>
-                <a:spcPts val="550"/>
-              </a:spcBef>
-              <a:buClr>
-                <a:schemeClr val="accent1"/>
-              </a:buClr>
-              <a:buSzPct val="70000"/>
-              <a:buFont typeface="Wingdings 2"/>
-              <a:buChar char=""/>
-              <a:defRPr kumimoji="0" sz="2600" kern="1200">
-                <a:solidFill>
-                  <a:schemeClr val="tx1"/>
-                </a:solidFill>
-                <a:latin typeface="+mn-lt"/>
-                <a:ea typeface="+mn-ea"/>
-                <a:cs typeface="+mn-cs"/>
-              </a:defRPr>
-            </a:lvl2pPr>
-            <a:lvl3pPr marL="914400" indent="-228600" algn="l" rtl="0" eaLnBrk="1" latinLnBrk="0" hangingPunct="1">
-              <a:spcBef>
-                <a:spcPts val="500"/>
-              </a:spcBef>
-              <a:buClr>
-                <a:schemeClr val="accent2"/>
-              </a:buClr>
-              <a:buSzPct val="75000"/>
-              <a:buFont typeface="Wingdings"/>
-              <a:buChar char=""/>
-              <a:defRPr kumimoji="0" sz="2300" kern="1200">
-                <a:solidFill>
-                  <a:schemeClr val="tx1"/>
-                </a:solidFill>
-                <a:latin typeface="+mn-lt"/>
-                <a:ea typeface="+mn-ea"/>
-                <a:cs typeface="+mn-cs"/>
-              </a:defRPr>
-            </a:lvl3pPr>
-            <a:lvl4pPr marL="1371600" indent="-228600" algn="l" rtl="0" eaLnBrk="1" latinLnBrk="0" hangingPunct="1">
-              <a:spcBef>
-                <a:spcPts val="400"/>
-              </a:spcBef>
-              <a:buClr>
-                <a:schemeClr val="accent3"/>
-              </a:buClr>
-              <a:buSzPct val="75000"/>
-              <a:buFont typeface="Wingdings"/>
-              <a:buChar char=""/>
-              <a:defRPr kumimoji="0" sz="2000" kern="1200">
-                <a:solidFill>
-                  <a:schemeClr val="tx1"/>
-                </a:solidFill>
-                <a:latin typeface="+mn-lt"/>
-                <a:ea typeface="+mn-ea"/>
-                <a:cs typeface="+mn-cs"/>
-              </a:defRPr>
-            </a:lvl4pPr>
-            <a:lvl5pPr marL="1828800" indent="-228600" algn="l" rtl="0" eaLnBrk="1" latinLnBrk="0" hangingPunct="1">
-              <a:spcBef>
-                <a:spcPts val="400"/>
-              </a:spcBef>
-              <a:buClr>
-                <a:schemeClr val="accent4"/>
-              </a:buClr>
-              <a:buSzPct val="65000"/>
-              <a:buFont typeface="Wingdings"/>
-              <a:buChar char=""/>
-              <a:defRPr kumimoji="0" sz="2000" kern="1200">
-                <a:solidFill>
-                  <a:schemeClr val="tx1"/>
-                </a:solidFill>
-                <a:latin typeface="+mn-lt"/>
-                <a:ea typeface="+mn-ea"/>
-                <a:cs typeface="+mn-cs"/>
-              </a:defRPr>
-            </a:lvl5pPr>
-            <a:lvl6pPr marL="2103120" indent="-228600" algn="l" rtl="0" eaLnBrk="1" latinLnBrk="0" hangingPunct="1">
-              <a:spcBef>
-                <a:spcPct val="20000"/>
-              </a:spcBef>
-              <a:buClr>
-                <a:schemeClr val="accent1"/>
-              </a:buClr>
-              <a:buFont typeface="Wingdings"/>
-              <a:buChar char="§"/>
-              <a:defRPr kumimoji="0" sz="1800" kern="1200" baseline="0">
-                <a:solidFill>
-                  <a:schemeClr val="tx1"/>
-                </a:solidFill>
-                <a:latin typeface="+mn-lt"/>
-                <a:ea typeface="+mn-ea"/>
-                <a:cs typeface="+mn-cs"/>
-              </a:defRPr>
-            </a:lvl6pPr>
-            <a:lvl7pPr marL="2377440" indent="-228600" algn="l" rtl="0" eaLnBrk="1" latinLnBrk="0" hangingPunct="1">
-              <a:spcBef>
-                <a:spcPct val="20000"/>
-              </a:spcBef>
-              <a:buClr>
-                <a:schemeClr val="accent2"/>
-              </a:buClr>
-              <a:buFont typeface="Wingdings"/>
-              <a:buChar char="§"/>
-              <a:defRPr kumimoji="0" sz="1800" kern="1200" baseline="0">
-                <a:solidFill>
-                  <a:schemeClr val="tx1"/>
-                </a:solidFill>
-                <a:latin typeface="+mn-lt"/>
-                <a:ea typeface="+mn-ea"/>
-                <a:cs typeface="+mn-cs"/>
-              </a:defRPr>
-            </a:lvl7pPr>
-            <a:lvl8pPr marL="2651760" indent="-228600" algn="l" rtl="0" eaLnBrk="1" latinLnBrk="0" hangingPunct="1">
-              <a:spcBef>
-                <a:spcPct val="20000"/>
-              </a:spcBef>
-              <a:buClr>
-                <a:schemeClr val="accent3"/>
-              </a:buClr>
-              <a:buFont typeface="Wingdings"/>
-              <a:buChar char="§"/>
-              <a:defRPr kumimoji="0" sz="1800" kern="1200" baseline="0">
-                <a:solidFill>
-                  <a:schemeClr val="tx1"/>
-                </a:solidFill>
-                <a:latin typeface="+mn-lt"/>
-                <a:ea typeface="+mn-ea"/>
-                <a:cs typeface="+mn-cs"/>
-              </a:defRPr>
-            </a:lvl8pPr>
-            <a:lvl9pPr marL="2926080" indent="-228600" algn="l" rtl="0" eaLnBrk="1" latinLnBrk="0" hangingPunct="1">
-              <a:spcBef>
-                <a:spcPct val="20000"/>
-              </a:spcBef>
-              <a:buClr>
-                <a:schemeClr val="accent4"/>
-              </a:buClr>
-              <a:buFont typeface="Wingdings"/>
-              <a:buChar char="§"/>
-              <a:defRPr kumimoji="0" sz="1800" kern="1200" baseline="0">
-                <a:solidFill>
-                  <a:schemeClr val="tx1"/>
-                </a:solidFill>
-                <a:latin typeface="+mn-lt"/>
-                <a:ea typeface="+mn-ea"/>
-                <a:cs typeface="+mn-cs"/>
-              </a:defRPr>
-            </a:lvl9pPr>
-          </a:lstStyle>
-          <a:p>
-            <a:pPr defTabSz="914400"/>
-            <a:r>
-              <a:rPr lang="en-US"/>
-              <a:t>Pivotal Tracker</a:t>
-            </a:r>
-            <a:endParaRPr lang="en-US" dirty="0"/>
-          </a:p>
-        </p:txBody>
-      </p:sp>
-    </p:spTree>
-    <p:extLst>
-      <p:ext uri="{BB962C8B-B14F-4D97-AF65-F5344CB8AC3E}">
-        <p14:creationId xmlns:p14="http://schemas.microsoft.com/office/powerpoint/2010/main" val="3872865239"/>
-      </p:ext>
-    </p:extLst>
-  </p:cSld>
-  <p:clrMapOvr>
-    <a:masterClrMapping/>
-  </p:clrMapOvr>
-</p:sld>
-</file>
-
-<file path=ppt/slides/slide12.xml><?xml version="1.0" encoding="utf-8"?>
-<p:sld xmlns:a="http://schemas.openxmlformats.org/drawingml/2006/main" xmlns:r="http://schemas.openxmlformats.org/officeDocument/2006/relationships" xmlns:p="http://schemas.openxmlformats.org/presentationml/2006/main">
-  <p:cSld>
-    <p:spTree>
-      <p:nvGrpSpPr>
-        <p:cNvPr id="1" name=""/>
-        <p:cNvGrpSpPr/>
-        <p:nvPr/>
-      </p:nvGrpSpPr>
-      <p:grpSpPr>
-        <a:xfrm>
-          <a:off x="0" y="0"/>
-          <a:ext cx="0" cy="0"/>
-          <a:chOff x="0" y="0"/>
-          <a:chExt cx="0" cy="0"/>
-        </a:xfrm>
-      </p:grpSpPr>
       <p:graphicFrame>
         <p:nvGraphicFramePr>
           <p:cNvPr id="7" name="Table 6"/>
@@ -8276,7 +7666,7 @@
 </p:sld>
 </file>
 
-<file path=ppt/slides/slide13.xml><?xml version="1.0" encoding="utf-8"?>
+<file path=ppt/slides/slide11.xml><?xml version="1.0" encoding="utf-8"?>
 <p:sld xmlns:a="http://schemas.openxmlformats.org/drawingml/2006/main" xmlns:r="http://schemas.openxmlformats.org/officeDocument/2006/relationships" xmlns:p="http://schemas.openxmlformats.org/presentationml/2006/main">
   <p:cSld>
     <p:spTree>
@@ -10053,7 +9443,7 @@
 </p:sld>
 </file>
 
-<file path=ppt/slides/slide14.xml><?xml version="1.0" encoding="utf-8"?>
+<file path=ppt/slides/slide12.xml><?xml version="1.0" encoding="utf-8"?>
 <p:sld xmlns:a="http://schemas.openxmlformats.org/drawingml/2006/main" xmlns:r="http://schemas.openxmlformats.org/officeDocument/2006/relationships" xmlns:p="http://schemas.openxmlformats.org/presentationml/2006/main">
   <p:cSld>
     <p:spTree>
@@ -10226,7 +9616,7 @@
 </p:sld>
 </file>
 
-<file path=ppt/slides/slide15.xml><?xml version="1.0" encoding="utf-8"?>
+<file path=ppt/slides/slide13.xml><?xml version="1.0" encoding="utf-8"?>
 <p:sld xmlns:a="http://schemas.openxmlformats.org/drawingml/2006/main" xmlns:r="http://schemas.openxmlformats.org/officeDocument/2006/relationships" xmlns:p="http://schemas.openxmlformats.org/presentationml/2006/main">
   <p:cSld>
     <p:spTree>
@@ -10398,7 +9788,7 @@
 </p:sld>
 </file>
 
-<file path=ppt/slides/slide16.xml><?xml version="1.0" encoding="utf-8"?>
+<file path=ppt/slides/slide14.xml><?xml version="1.0" encoding="utf-8"?>
 <p:sld xmlns:a="http://schemas.openxmlformats.org/drawingml/2006/main" xmlns:r="http://schemas.openxmlformats.org/officeDocument/2006/relationships" xmlns:p="http://schemas.openxmlformats.org/presentationml/2006/main">
   <p:cSld>
     <p:spTree>
@@ -10817,7 +10207,7 @@
 </p:sld>
 </file>
 
-<file path=ppt/slides/slide17.xml><?xml version="1.0" encoding="utf-8"?>
+<file path=ppt/slides/slide15.xml><?xml version="1.0" encoding="utf-8"?>
 <p:sld xmlns:a="http://schemas.openxmlformats.org/drawingml/2006/main" xmlns:r="http://schemas.openxmlformats.org/officeDocument/2006/relationships" xmlns:p="http://schemas.openxmlformats.org/presentationml/2006/main">
   <p:cSld>
     <p:spTree>
@@ -10989,7 +10379,7 @@
 </p:sld>
 </file>
 
-<file path=ppt/slides/slide18.xml><?xml version="1.0" encoding="utf-8"?>
+<file path=ppt/slides/slide16.xml><?xml version="1.0" encoding="utf-8"?>
 <p:sld xmlns:a="http://schemas.openxmlformats.org/drawingml/2006/main" xmlns:r="http://schemas.openxmlformats.org/officeDocument/2006/relationships" xmlns:p="http://schemas.openxmlformats.org/presentationml/2006/main">
   <p:cSld>
     <p:spTree>
@@ -11061,14 +10451,14 @@
           <a:effectLst/>
           <a:extLst>
             <a:ext uri="{909E8E84-426E-40dd-AFC4-6F175D3DCCD1}">
-              <a14:hiddenFill xmlns="" xmlns:a14="http://schemas.microsoft.com/office/drawing/2010/main">
+              <a14:hiddenFill xmlns:a14="http://schemas.microsoft.com/office/drawing/2010/main" xmlns="">
                 <a:solidFill>
                   <a:schemeClr val="accent1"/>
                 </a:solidFill>
               </a14:hiddenFill>
             </a:ext>
             <a:ext uri="{91240B29-F687-4f45-9708-019B960494DF}">
-              <a14:hiddenLine xmlns="" xmlns:a14="http://schemas.microsoft.com/office/drawing/2010/main" w="9525">
+              <a14:hiddenLine xmlns:a14="http://schemas.microsoft.com/office/drawing/2010/main" xmlns="" w="9525">
                 <a:solidFill>
                   <a:schemeClr val="tx1"/>
                 </a:solidFill>
@@ -11078,7 +10468,7 @@
               </a14:hiddenLine>
             </a:ext>
             <a:ext uri="{AF507438-7753-43e0-B8FC-AC1667EBCBE1}">
-              <a14:hiddenEffects xmlns="" xmlns:a14="http://schemas.microsoft.com/office/drawing/2010/main">
+              <a14:hiddenEffects xmlns:a14="http://schemas.microsoft.com/office/drawing/2010/main" xmlns="">
                 <a:effectLst>
                   <a:outerShdw dist="35921" dir="2700000" algn="ctr" rotWithShape="0">
                     <a:schemeClr val="bg2"/>
@@ -11137,7 +10527,7 @@
 </p:sld>
 </file>
 
-<file path=ppt/slides/slide19.xml><?xml version="1.0" encoding="utf-8"?>
+<file path=ppt/slides/slide17.xml><?xml version="1.0" encoding="utf-8"?>
 <p:sld xmlns:a="http://schemas.openxmlformats.org/drawingml/2006/main" xmlns:r="http://schemas.openxmlformats.org/officeDocument/2006/relationships" xmlns:p="http://schemas.openxmlformats.org/presentationml/2006/main">
   <p:cSld>
     <p:spTree>
@@ -11212,14 +10602,14 @@
           <a:effectLst/>
           <a:extLst>
             <a:ext uri="{909E8E84-426E-40dd-AFC4-6F175D3DCCD1}">
-              <a14:hiddenFill xmlns="" xmlns:a14="http://schemas.microsoft.com/office/drawing/2010/main">
+              <a14:hiddenFill xmlns:a14="http://schemas.microsoft.com/office/drawing/2010/main" xmlns="">
                 <a:solidFill>
                   <a:schemeClr val="accent1"/>
                 </a:solidFill>
               </a14:hiddenFill>
             </a:ext>
             <a:ext uri="{91240B29-F687-4f45-9708-019B960494DF}">
-              <a14:hiddenLine xmlns="" xmlns:a14="http://schemas.microsoft.com/office/drawing/2010/main" w="9525">
+              <a14:hiddenLine xmlns:a14="http://schemas.microsoft.com/office/drawing/2010/main" xmlns="" w="9525">
                 <a:solidFill>
                   <a:schemeClr val="tx1"/>
                 </a:solidFill>
@@ -11229,7 +10619,7 @@
               </a14:hiddenLine>
             </a:ext>
             <a:ext uri="{AF507438-7753-43e0-B8FC-AC1667EBCBE1}">
-              <a14:hiddenEffects xmlns="" xmlns:a14="http://schemas.microsoft.com/office/drawing/2010/main">
+              <a14:hiddenEffects xmlns:a14="http://schemas.microsoft.com/office/drawing/2010/main" xmlns="">
                 <a:effectLst>
                   <a:outerShdw dist="35921" dir="2700000" algn="ctr" rotWithShape="0">
                     <a:schemeClr val="bg2"/>
@@ -11279,6 +10669,228 @@
     <p:extLst>
       <p:ext uri="{BB962C8B-B14F-4D97-AF65-F5344CB8AC3E}">
         <p14:creationId xmlns:p14="http://schemas.microsoft.com/office/powerpoint/2010/main" val="1123207631"/>
+      </p:ext>
+    </p:extLst>
+  </p:cSld>
+  <p:clrMapOvr>
+    <a:masterClrMapping/>
+  </p:clrMapOvr>
+</p:sld>
+</file>
+
+<file path=ppt/slides/slide18.xml><?xml version="1.0" encoding="utf-8"?>
+<p:sld xmlns:a="http://schemas.openxmlformats.org/drawingml/2006/main" xmlns:r="http://schemas.openxmlformats.org/officeDocument/2006/relationships" xmlns:p="http://schemas.openxmlformats.org/presentationml/2006/main">
+  <p:cSld>
+    <p:spTree>
+      <p:nvGrpSpPr>
+        <p:cNvPr id="1" name=""/>
+        <p:cNvGrpSpPr/>
+        <p:nvPr/>
+      </p:nvGrpSpPr>
+      <p:grpSpPr>
+        <a:xfrm>
+          <a:off x="0" y="0"/>
+          <a:ext cx="0" cy="0"/>
+          <a:chOff x="0" y="0"/>
+          <a:chExt cx="0" cy="0"/>
+        </a:xfrm>
+      </p:grpSpPr>
+      <p:sp>
+        <p:nvSpPr>
+          <p:cNvPr id="2" name="Title 1"/>
+          <p:cNvSpPr>
+            <a:spLocks noGrp="1"/>
+          </p:cNvSpPr>
+          <p:nvPr>
+            <p:ph type="title"/>
+          </p:nvPr>
+        </p:nvSpPr>
+        <p:spPr>
+          <a:xfrm>
+            <a:off x="612648" y="356616"/>
+            <a:ext cx="8153400" cy="742950"/>
+          </a:xfrm>
+        </p:spPr>
+        <p:txBody>
+          <a:bodyPr>
+            <a:normAutofit fontScale="90000"/>
+          </a:bodyPr>
+          <a:lstStyle/>
+          <a:p>
+            <a:r>
+              <a:rPr lang="en-US" dirty="0"/>
+              <a:t>Components Diagram</a:t>
+            </a:r>
+          </a:p>
+        </p:txBody>
+      </p:sp>
+      <p:pic>
+        <p:nvPicPr>
+          <p:cNvPr id="15" name="Content Placeholder 14">
+            <a:extLst>
+              <a:ext uri="{FF2B5EF4-FFF2-40B4-BE49-F238E27FC236}">
+                <a16:creationId xmlns:a16="http://schemas.microsoft.com/office/drawing/2014/main" id="{FE7537B7-BACE-E44B-B46B-E45ACBD78502}"/>
+              </a:ext>
+            </a:extLst>
+          </p:cNvPr>
+          <p:cNvPicPr>
+            <a:picLocks noGrp="1" noChangeAspect="1"/>
+          </p:cNvPicPr>
+          <p:nvPr>
+            <p:ph sz="quarter" idx="1"/>
+          </p:nvPr>
+        </p:nvPicPr>
+        <p:blipFill>
+          <a:blip r:embed="rId2"/>
+          <a:stretch>
+            <a:fillRect/>
+          </a:stretch>
+        </p:blipFill>
+        <p:spPr>
+          <a:xfrm>
+            <a:off x="1148271" y="1200836"/>
+            <a:ext cx="7082155" cy="3943882"/>
+          </a:xfrm>
+        </p:spPr>
+      </p:pic>
+      <p:sp>
+        <p:nvSpPr>
+          <p:cNvPr id="4" name="TextBox 3">
+            <a:extLst>
+              <a:ext uri="{FF2B5EF4-FFF2-40B4-BE49-F238E27FC236}">
+                <a16:creationId xmlns:a16="http://schemas.microsoft.com/office/drawing/2014/main" id="{3283A6BD-83FE-4A97-8C5A-DC68997E1AB2}"/>
+              </a:ext>
+            </a:extLst>
+          </p:cNvPr>
+          <p:cNvSpPr txBox="1"/>
+          <p:nvPr/>
+        </p:nvSpPr>
+        <p:spPr>
+          <a:xfrm>
+            <a:off x="215659" y="39219"/>
+            <a:ext cx="1095555" cy="369332"/>
+          </a:xfrm>
+          <a:prstGeom prst="rect">
+            <a:avLst/>
+          </a:prstGeom>
+          <a:noFill/>
+        </p:spPr>
+        <p:txBody>
+          <a:bodyPr wrap="square" rtlCol="0">
+            <a:spAutoFit/>
+          </a:bodyPr>
+          <a:lstStyle/>
+          <a:p>
+            <a:r>
+              <a:rPr lang="en-US" dirty="0" err="1"/>
+              <a:t>Yigit</a:t>
+            </a:r>
+            <a:endParaRPr lang="en-US" dirty="0"/>
+          </a:p>
+        </p:txBody>
+      </p:sp>
+    </p:spTree>
+    <p:extLst>
+      <p:ext uri="{BB962C8B-B14F-4D97-AF65-F5344CB8AC3E}">
+        <p14:creationId xmlns:p14="http://schemas.microsoft.com/office/powerpoint/2010/main" val="1454905493"/>
+      </p:ext>
+    </p:extLst>
+  </p:cSld>
+  <p:clrMapOvr>
+    <a:masterClrMapping/>
+  </p:clrMapOvr>
+</p:sld>
+</file>
+
+<file path=ppt/slides/slide19.xml><?xml version="1.0" encoding="utf-8"?>
+<p:sld xmlns:a="http://schemas.openxmlformats.org/drawingml/2006/main" xmlns:r="http://schemas.openxmlformats.org/officeDocument/2006/relationships" xmlns:p="http://schemas.openxmlformats.org/presentationml/2006/main">
+  <p:cSld>
+    <p:spTree>
+      <p:nvGrpSpPr>
+        <p:cNvPr id="1" name=""/>
+        <p:cNvGrpSpPr/>
+        <p:nvPr/>
+      </p:nvGrpSpPr>
+      <p:grpSpPr>
+        <a:xfrm>
+          <a:off x="0" y="0"/>
+          <a:ext cx="0" cy="0"/>
+          <a:chOff x="0" y="0"/>
+          <a:chExt cx="0" cy="0"/>
+        </a:xfrm>
+      </p:grpSpPr>
+      <p:sp>
+        <p:nvSpPr>
+          <p:cNvPr id="5" name="Text Placeholder 4">
+            <a:extLst>
+              <a:ext uri="{FF2B5EF4-FFF2-40B4-BE49-F238E27FC236}">
+                <a16:creationId xmlns:a16="http://schemas.microsoft.com/office/drawing/2014/main" id="{4297ADF3-BC92-B548-B50D-6294C3AFCBC5}"/>
+              </a:ext>
+            </a:extLst>
+          </p:cNvPr>
+          <p:cNvSpPr>
+            <a:spLocks noGrp="1"/>
+          </p:cNvSpPr>
+          <p:nvPr>
+            <p:ph type="body" idx="1"/>
+          </p:nvPr>
+        </p:nvSpPr>
+        <p:spPr>
+          <a:xfrm>
+            <a:off x="1277530" y="1998125"/>
+            <a:ext cx="7123113" cy="1254919"/>
+          </a:xfrm>
+        </p:spPr>
+        <p:txBody>
+          <a:bodyPr/>
+          <a:lstStyle/>
+          <a:p>
+            <a:r>
+              <a:rPr lang="en-US" dirty="0"/>
+              <a:t> </a:t>
+            </a:r>
+          </a:p>
+        </p:txBody>
+      </p:sp>
+      <p:sp>
+        <p:nvSpPr>
+          <p:cNvPr id="4" name="Title 3">
+            <a:extLst>
+              <a:ext uri="{FF2B5EF4-FFF2-40B4-BE49-F238E27FC236}">
+                <a16:creationId xmlns:a16="http://schemas.microsoft.com/office/drawing/2014/main" id="{5AC4E82C-61B5-3F4E-B395-7FB7D51AAAA4}"/>
+              </a:ext>
+            </a:extLst>
+          </p:cNvPr>
+          <p:cNvSpPr>
+            <a:spLocks noGrp="1"/>
+          </p:cNvSpPr>
+          <p:nvPr>
+            <p:ph type="title"/>
+          </p:nvPr>
+        </p:nvSpPr>
+        <p:spPr>
+          <a:xfrm>
+            <a:off x="1371600" y="1200150"/>
+            <a:ext cx="7772400" cy="742950"/>
+          </a:xfrm>
+        </p:spPr>
+        <p:txBody>
+          <a:bodyPr lIns="0" rIns="0">
+            <a:noAutofit/>
+          </a:bodyPr>
+          <a:lstStyle/>
+          <a:p>
+            <a:r>
+              <a:rPr lang="en-US" sz="4000" dirty="0"/>
+              <a:t>Wireframes</a:t>
+            </a:r>
+          </a:p>
+        </p:txBody>
+      </p:sp>
+    </p:spTree>
+    <p:extLst>
+      <p:ext uri="{BB962C8B-B14F-4D97-AF65-F5344CB8AC3E}">
+        <p14:creationId xmlns:p14="http://schemas.microsoft.com/office/powerpoint/2010/main" val="215999996"/>
       </p:ext>
     </p:extLst>
   </p:cSld>
@@ -11481,228 +11093,6 @@
 </file>
 
 <file path=ppt/slides/slide20.xml><?xml version="1.0" encoding="utf-8"?>
-<p:sld xmlns:a="http://schemas.openxmlformats.org/drawingml/2006/main" xmlns:r="http://schemas.openxmlformats.org/officeDocument/2006/relationships" xmlns:p="http://schemas.openxmlformats.org/presentationml/2006/main">
-  <p:cSld>
-    <p:spTree>
-      <p:nvGrpSpPr>
-        <p:cNvPr id="1" name=""/>
-        <p:cNvGrpSpPr/>
-        <p:nvPr/>
-      </p:nvGrpSpPr>
-      <p:grpSpPr>
-        <a:xfrm>
-          <a:off x="0" y="0"/>
-          <a:ext cx="0" cy="0"/>
-          <a:chOff x="0" y="0"/>
-          <a:chExt cx="0" cy="0"/>
-        </a:xfrm>
-      </p:grpSpPr>
-      <p:sp>
-        <p:nvSpPr>
-          <p:cNvPr id="2" name="Title 1"/>
-          <p:cNvSpPr>
-            <a:spLocks noGrp="1"/>
-          </p:cNvSpPr>
-          <p:nvPr>
-            <p:ph type="title"/>
-          </p:nvPr>
-        </p:nvSpPr>
-        <p:spPr>
-          <a:xfrm>
-            <a:off x="612648" y="356616"/>
-            <a:ext cx="8153400" cy="742950"/>
-          </a:xfrm>
-        </p:spPr>
-        <p:txBody>
-          <a:bodyPr>
-            <a:normAutofit fontScale="90000"/>
-          </a:bodyPr>
-          <a:lstStyle/>
-          <a:p>
-            <a:r>
-              <a:rPr lang="en-US" dirty="0"/>
-              <a:t>Components Diagram</a:t>
-            </a:r>
-          </a:p>
-        </p:txBody>
-      </p:sp>
-      <p:pic>
-        <p:nvPicPr>
-          <p:cNvPr id="15" name="Content Placeholder 14">
-            <a:extLst>
-              <a:ext uri="{FF2B5EF4-FFF2-40B4-BE49-F238E27FC236}">
-                <a16:creationId xmlns:a16="http://schemas.microsoft.com/office/drawing/2014/main" id="{FE7537B7-BACE-E44B-B46B-E45ACBD78502}"/>
-              </a:ext>
-            </a:extLst>
-          </p:cNvPr>
-          <p:cNvPicPr>
-            <a:picLocks noGrp="1" noChangeAspect="1"/>
-          </p:cNvPicPr>
-          <p:nvPr>
-            <p:ph sz="quarter" idx="1"/>
-          </p:nvPr>
-        </p:nvPicPr>
-        <p:blipFill>
-          <a:blip r:embed="rId2"/>
-          <a:stretch>
-            <a:fillRect/>
-          </a:stretch>
-        </p:blipFill>
-        <p:spPr>
-          <a:xfrm>
-            <a:off x="1148271" y="1200836"/>
-            <a:ext cx="7082155" cy="3943882"/>
-          </a:xfrm>
-        </p:spPr>
-      </p:pic>
-      <p:sp>
-        <p:nvSpPr>
-          <p:cNvPr id="4" name="TextBox 3">
-            <a:extLst>
-              <a:ext uri="{FF2B5EF4-FFF2-40B4-BE49-F238E27FC236}">
-                <a16:creationId xmlns:a16="http://schemas.microsoft.com/office/drawing/2014/main" id="{3283A6BD-83FE-4A97-8C5A-DC68997E1AB2}"/>
-              </a:ext>
-            </a:extLst>
-          </p:cNvPr>
-          <p:cNvSpPr txBox="1"/>
-          <p:nvPr/>
-        </p:nvSpPr>
-        <p:spPr>
-          <a:xfrm>
-            <a:off x="215659" y="39219"/>
-            <a:ext cx="1095555" cy="369332"/>
-          </a:xfrm>
-          <a:prstGeom prst="rect">
-            <a:avLst/>
-          </a:prstGeom>
-          <a:noFill/>
-        </p:spPr>
-        <p:txBody>
-          <a:bodyPr wrap="square" rtlCol="0">
-            <a:spAutoFit/>
-          </a:bodyPr>
-          <a:lstStyle/>
-          <a:p>
-            <a:r>
-              <a:rPr lang="en-US" dirty="0" err="1"/>
-              <a:t>Yigit</a:t>
-            </a:r>
-            <a:endParaRPr lang="en-US" dirty="0"/>
-          </a:p>
-        </p:txBody>
-      </p:sp>
-    </p:spTree>
-    <p:extLst>
-      <p:ext uri="{BB962C8B-B14F-4D97-AF65-F5344CB8AC3E}">
-        <p14:creationId xmlns:p14="http://schemas.microsoft.com/office/powerpoint/2010/main" val="1454905493"/>
-      </p:ext>
-    </p:extLst>
-  </p:cSld>
-  <p:clrMapOvr>
-    <a:masterClrMapping/>
-  </p:clrMapOvr>
-</p:sld>
-</file>
-
-<file path=ppt/slides/slide21.xml><?xml version="1.0" encoding="utf-8"?>
-<p:sld xmlns:a="http://schemas.openxmlformats.org/drawingml/2006/main" xmlns:r="http://schemas.openxmlformats.org/officeDocument/2006/relationships" xmlns:p="http://schemas.openxmlformats.org/presentationml/2006/main">
-  <p:cSld>
-    <p:spTree>
-      <p:nvGrpSpPr>
-        <p:cNvPr id="1" name=""/>
-        <p:cNvGrpSpPr/>
-        <p:nvPr/>
-      </p:nvGrpSpPr>
-      <p:grpSpPr>
-        <a:xfrm>
-          <a:off x="0" y="0"/>
-          <a:ext cx="0" cy="0"/>
-          <a:chOff x="0" y="0"/>
-          <a:chExt cx="0" cy="0"/>
-        </a:xfrm>
-      </p:grpSpPr>
-      <p:sp>
-        <p:nvSpPr>
-          <p:cNvPr id="5" name="Text Placeholder 4">
-            <a:extLst>
-              <a:ext uri="{FF2B5EF4-FFF2-40B4-BE49-F238E27FC236}">
-                <a16:creationId xmlns:a16="http://schemas.microsoft.com/office/drawing/2014/main" id="{4297ADF3-BC92-B548-B50D-6294C3AFCBC5}"/>
-              </a:ext>
-            </a:extLst>
-          </p:cNvPr>
-          <p:cNvSpPr>
-            <a:spLocks noGrp="1"/>
-          </p:cNvSpPr>
-          <p:nvPr>
-            <p:ph type="body" idx="1"/>
-          </p:nvPr>
-        </p:nvSpPr>
-        <p:spPr>
-          <a:xfrm>
-            <a:off x="1277530" y="1998125"/>
-            <a:ext cx="7123113" cy="1254919"/>
-          </a:xfrm>
-        </p:spPr>
-        <p:txBody>
-          <a:bodyPr/>
-          <a:lstStyle/>
-          <a:p>
-            <a:r>
-              <a:rPr lang="en-US" dirty="0"/>
-              <a:t> </a:t>
-            </a:r>
-          </a:p>
-        </p:txBody>
-      </p:sp>
-      <p:sp>
-        <p:nvSpPr>
-          <p:cNvPr id="4" name="Title 3">
-            <a:extLst>
-              <a:ext uri="{FF2B5EF4-FFF2-40B4-BE49-F238E27FC236}">
-                <a16:creationId xmlns:a16="http://schemas.microsoft.com/office/drawing/2014/main" id="{5AC4E82C-61B5-3F4E-B395-7FB7D51AAAA4}"/>
-              </a:ext>
-            </a:extLst>
-          </p:cNvPr>
-          <p:cNvSpPr>
-            <a:spLocks noGrp="1"/>
-          </p:cNvSpPr>
-          <p:nvPr>
-            <p:ph type="title"/>
-          </p:nvPr>
-        </p:nvSpPr>
-        <p:spPr>
-          <a:xfrm>
-            <a:off x="1371600" y="1200150"/>
-            <a:ext cx="7772400" cy="742950"/>
-          </a:xfrm>
-        </p:spPr>
-        <p:txBody>
-          <a:bodyPr lIns="0" rIns="0">
-            <a:noAutofit/>
-          </a:bodyPr>
-          <a:lstStyle/>
-          <a:p>
-            <a:r>
-              <a:rPr lang="en-US" sz="4000" dirty="0"/>
-              <a:t>Wireframes</a:t>
-            </a:r>
-          </a:p>
-        </p:txBody>
-      </p:sp>
-    </p:spTree>
-    <p:extLst>
-      <p:ext uri="{BB962C8B-B14F-4D97-AF65-F5344CB8AC3E}">
-        <p14:creationId xmlns:p14="http://schemas.microsoft.com/office/powerpoint/2010/main" val="215999996"/>
-      </p:ext>
-    </p:extLst>
-  </p:cSld>
-  <p:clrMapOvr>
-    <a:masterClrMapping/>
-  </p:clrMapOvr>
-</p:sld>
-</file>
-
-<file path=ppt/slides/slide22.xml><?xml version="1.0" encoding="utf-8"?>
 <p:sld xmlns:a="http://schemas.openxmlformats.org/drawingml/2006/main" xmlns:r="http://schemas.openxmlformats.org/officeDocument/2006/relationships" xmlns:p="http://schemas.openxmlformats.org/presentationml/2006/main">
   <p:cSld>
     <p:spTree>
@@ -12161,7 +11551,7 @@
 </p:sld>
 </file>
 
-<file path=ppt/slides/slide23.xml><?xml version="1.0" encoding="utf-8"?>
+<file path=ppt/slides/slide21.xml><?xml version="1.0" encoding="utf-8"?>
 <p:sld xmlns:a="http://schemas.openxmlformats.org/drawingml/2006/main" xmlns:r="http://schemas.openxmlformats.org/officeDocument/2006/relationships" xmlns:p="http://schemas.openxmlformats.org/presentationml/2006/main">
   <p:cSld>
     <p:spTree>
@@ -12620,7 +12010,7 @@
 </p:sld>
 </file>
 
-<file path=ppt/slides/slide24.xml><?xml version="1.0" encoding="utf-8"?>
+<file path=ppt/slides/slide22.xml><?xml version="1.0" encoding="utf-8"?>
 <p:sld xmlns:a="http://schemas.openxmlformats.org/drawingml/2006/main" xmlns:r="http://schemas.openxmlformats.org/officeDocument/2006/relationships" xmlns:p="http://schemas.openxmlformats.org/presentationml/2006/main">
   <p:cSld>
     <p:spTree>
@@ -13079,7 +12469,7 @@
 </p:sld>
 </file>
 
-<file path=ppt/slides/slide25.xml><?xml version="1.0" encoding="utf-8"?>
+<file path=ppt/slides/slide23.xml><?xml version="1.0" encoding="utf-8"?>
 <p:sld xmlns:a="http://schemas.openxmlformats.org/drawingml/2006/main" xmlns:r="http://schemas.openxmlformats.org/officeDocument/2006/relationships" xmlns:p="http://schemas.openxmlformats.org/presentationml/2006/main">
   <p:cSld>
     <p:spTree>
@@ -13167,7 +12557,7 @@
 </p:sld>
 </file>
 
-<file path=ppt/slides/slide26.xml><?xml version="1.0" encoding="utf-8"?>
+<file path=ppt/slides/slide24.xml><?xml version="1.0" encoding="utf-8"?>
 <p:sld xmlns:a="http://schemas.openxmlformats.org/drawingml/2006/main" xmlns:r="http://schemas.openxmlformats.org/officeDocument/2006/relationships" xmlns:p="http://schemas.openxmlformats.org/presentationml/2006/main">
   <p:cSld>
     <p:spTree>
@@ -13349,7 +12739,7 @@
 </p:sld>
 </file>
 
-<file path=ppt/slides/slide27.xml><?xml version="1.0" encoding="utf-8"?>
+<file path=ppt/slides/slide25.xml><?xml version="1.0" encoding="utf-8"?>
 <p:sld xmlns:a="http://schemas.openxmlformats.org/drawingml/2006/main" xmlns:r="http://schemas.openxmlformats.org/officeDocument/2006/relationships" xmlns:p="http://schemas.openxmlformats.org/presentationml/2006/main">
   <p:cSld>
     <p:spTree>
@@ -14406,7 +13796,7 @@
 </p:sld>
 </file>
 
-<file path=ppt/slides/slide28.xml><?xml version="1.0" encoding="utf-8"?>
+<file path=ppt/slides/slide26.xml><?xml version="1.0" encoding="utf-8"?>
 <p:sld xmlns:a="http://schemas.openxmlformats.org/drawingml/2006/main" xmlns:r="http://schemas.openxmlformats.org/officeDocument/2006/relationships" xmlns:p="http://schemas.openxmlformats.org/presentationml/2006/main">
   <p:cSld>
     <p:spTree>
@@ -14494,7 +13884,7 @@
 </p:sld>
 </file>
 
-<file path=ppt/slides/slide29.xml><?xml version="1.0" encoding="utf-8"?>
+<file path=ppt/slides/slide27.xml><?xml version="1.0" encoding="utf-8"?>
 <p:sld xmlns:a="http://schemas.openxmlformats.org/drawingml/2006/main" xmlns:r="http://schemas.openxmlformats.org/officeDocument/2006/relationships" xmlns:p="http://schemas.openxmlformats.org/presentationml/2006/main">
   <p:cSld>
     <p:spTree>
@@ -15970,95 +15360,7 @@
 </p:sld>
 </file>
 
-<file path=ppt/slides/slide3.xml><?xml version="1.0" encoding="utf-8"?>
-<p:sld xmlns:a="http://schemas.openxmlformats.org/drawingml/2006/main" xmlns:r="http://schemas.openxmlformats.org/officeDocument/2006/relationships" xmlns:p="http://schemas.openxmlformats.org/presentationml/2006/main">
-  <p:cSld>
-    <p:spTree>
-      <p:nvGrpSpPr>
-        <p:cNvPr id="1" name=""/>
-        <p:cNvGrpSpPr/>
-        <p:nvPr/>
-      </p:nvGrpSpPr>
-      <p:grpSpPr>
-        <a:xfrm>
-          <a:off x="0" y="0"/>
-          <a:ext cx="0" cy="0"/>
-          <a:chOff x="0" y="0"/>
-          <a:chExt cx="0" cy="0"/>
-        </a:xfrm>
-      </p:grpSpPr>
-      <p:sp>
-        <p:nvSpPr>
-          <p:cNvPr id="5" name="Text Placeholder 4">
-            <a:extLst>
-              <a:ext uri="{FF2B5EF4-FFF2-40B4-BE49-F238E27FC236}">
-                <a16:creationId xmlns:a16="http://schemas.microsoft.com/office/drawing/2014/main" id="{4297ADF3-BC92-B548-B50D-6294C3AFCBC5}"/>
-              </a:ext>
-            </a:extLst>
-          </p:cNvPr>
-          <p:cNvSpPr>
-            <a:spLocks noGrp="1"/>
-          </p:cNvSpPr>
-          <p:nvPr>
-            <p:ph type="body" idx="1"/>
-          </p:nvPr>
-        </p:nvSpPr>
-        <p:spPr/>
-        <p:txBody>
-          <a:bodyPr/>
-          <a:lstStyle/>
-          <a:p>
-            <a:r>
-              <a:rPr lang="en-US" dirty="0"/>
-              <a:t> </a:t>
-            </a:r>
-          </a:p>
-        </p:txBody>
-      </p:sp>
-      <p:sp>
-        <p:nvSpPr>
-          <p:cNvPr id="4" name="Title 3">
-            <a:extLst>
-              <a:ext uri="{FF2B5EF4-FFF2-40B4-BE49-F238E27FC236}">
-                <a16:creationId xmlns:a16="http://schemas.microsoft.com/office/drawing/2014/main" id="{5AC4E82C-61B5-3F4E-B395-7FB7D51AAAA4}"/>
-              </a:ext>
-            </a:extLst>
-          </p:cNvPr>
-          <p:cNvSpPr>
-            <a:spLocks noGrp="1"/>
-          </p:cNvSpPr>
-          <p:nvPr>
-            <p:ph type="title"/>
-          </p:nvPr>
-        </p:nvSpPr>
-        <p:spPr/>
-        <p:txBody>
-          <a:bodyPr>
-            <a:normAutofit fontScale="90000"/>
-          </a:bodyPr>
-          <a:lstStyle/>
-          <a:p>
-            <a:r>
-              <a:rPr lang="en-US" dirty="0"/>
-              <a:t>Project Scope</a:t>
-            </a:r>
-          </a:p>
-        </p:txBody>
-      </p:sp>
-    </p:spTree>
-    <p:extLst>
-      <p:ext uri="{BB962C8B-B14F-4D97-AF65-F5344CB8AC3E}">
-        <p14:creationId xmlns:p14="http://schemas.microsoft.com/office/powerpoint/2010/main" val="3339443119"/>
-      </p:ext>
-    </p:extLst>
-  </p:cSld>
-  <p:clrMapOvr>
-    <a:masterClrMapping/>
-  </p:clrMapOvr>
-</p:sld>
-</file>
-
-<file path=ppt/slides/slide30.xml><?xml version="1.0" encoding="utf-8"?>
+<file path=ppt/slides/slide28.xml><?xml version="1.0" encoding="utf-8"?>
 <p:sld xmlns:a="http://schemas.openxmlformats.org/drawingml/2006/main" xmlns:r="http://schemas.openxmlformats.org/officeDocument/2006/relationships" xmlns:p="http://schemas.openxmlformats.org/presentationml/2006/main">
   <p:cSld>
     <p:spTree>
@@ -16184,7 +15486,7 @@
 </p:sld>
 </file>
 
-<file path=ppt/slides/slide31.xml><?xml version="1.0" encoding="utf-8"?>
+<file path=ppt/slides/slide29.xml><?xml version="1.0" encoding="utf-8"?>
 <p:sld xmlns:a="http://schemas.openxmlformats.org/drawingml/2006/main" xmlns:r="http://schemas.openxmlformats.org/officeDocument/2006/relationships" xmlns:p="http://schemas.openxmlformats.org/presentationml/2006/main">
   <p:cSld>
     <p:spTree>
@@ -16310,7 +15612,95 @@
 </p:sld>
 </file>
 
-<file path=ppt/slides/slide32.xml><?xml version="1.0" encoding="utf-8"?>
+<file path=ppt/slides/slide3.xml><?xml version="1.0" encoding="utf-8"?>
+<p:sld xmlns:a="http://schemas.openxmlformats.org/drawingml/2006/main" xmlns:r="http://schemas.openxmlformats.org/officeDocument/2006/relationships" xmlns:p="http://schemas.openxmlformats.org/presentationml/2006/main">
+  <p:cSld>
+    <p:spTree>
+      <p:nvGrpSpPr>
+        <p:cNvPr id="1" name=""/>
+        <p:cNvGrpSpPr/>
+        <p:nvPr/>
+      </p:nvGrpSpPr>
+      <p:grpSpPr>
+        <a:xfrm>
+          <a:off x="0" y="0"/>
+          <a:ext cx="0" cy="0"/>
+          <a:chOff x="0" y="0"/>
+          <a:chExt cx="0" cy="0"/>
+        </a:xfrm>
+      </p:grpSpPr>
+      <p:sp>
+        <p:nvSpPr>
+          <p:cNvPr id="5" name="Text Placeholder 4">
+            <a:extLst>
+              <a:ext uri="{FF2B5EF4-FFF2-40B4-BE49-F238E27FC236}">
+                <a16:creationId xmlns:a16="http://schemas.microsoft.com/office/drawing/2014/main" id="{4297ADF3-BC92-B548-B50D-6294C3AFCBC5}"/>
+              </a:ext>
+            </a:extLst>
+          </p:cNvPr>
+          <p:cNvSpPr>
+            <a:spLocks noGrp="1"/>
+          </p:cNvSpPr>
+          <p:nvPr>
+            <p:ph type="body" idx="1"/>
+          </p:nvPr>
+        </p:nvSpPr>
+        <p:spPr/>
+        <p:txBody>
+          <a:bodyPr/>
+          <a:lstStyle/>
+          <a:p>
+            <a:r>
+              <a:rPr lang="en-US" dirty="0"/>
+              <a:t> </a:t>
+            </a:r>
+          </a:p>
+        </p:txBody>
+      </p:sp>
+      <p:sp>
+        <p:nvSpPr>
+          <p:cNvPr id="4" name="Title 3">
+            <a:extLst>
+              <a:ext uri="{FF2B5EF4-FFF2-40B4-BE49-F238E27FC236}">
+                <a16:creationId xmlns:a16="http://schemas.microsoft.com/office/drawing/2014/main" id="{5AC4E82C-61B5-3F4E-B395-7FB7D51AAAA4}"/>
+              </a:ext>
+            </a:extLst>
+          </p:cNvPr>
+          <p:cNvSpPr>
+            <a:spLocks noGrp="1"/>
+          </p:cNvSpPr>
+          <p:nvPr>
+            <p:ph type="title"/>
+          </p:nvPr>
+        </p:nvSpPr>
+        <p:spPr/>
+        <p:txBody>
+          <a:bodyPr>
+            <a:normAutofit fontScale="90000"/>
+          </a:bodyPr>
+          <a:lstStyle/>
+          <a:p>
+            <a:r>
+              <a:rPr lang="en-US" dirty="0"/>
+              <a:t>Project Scope</a:t>
+            </a:r>
+          </a:p>
+        </p:txBody>
+      </p:sp>
+    </p:spTree>
+    <p:extLst>
+      <p:ext uri="{BB962C8B-B14F-4D97-AF65-F5344CB8AC3E}">
+        <p14:creationId xmlns:p14="http://schemas.microsoft.com/office/powerpoint/2010/main" val="3339443119"/>
+      </p:ext>
+    </p:extLst>
+  </p:cSld>
+  <p:clrMapOvr>
+    <a:masterClrMapping/>
+  </p:clrMapOvr>
+</p:sld>
+</file>
+
+<file path=ppt/slides/slide30.xml><?xml version="1.0" encoding="utf-8"?>
 <p:sld xmlns:a="http://schemas.openxmlformats.org/drawingml/2006/main" xmlns:r="http://schemas.openxmlformats.org/officeDocument/2006/relationships" xmlns:p="http://schemas.openxmlformats.org/presentationml/2006/main">
   <p:cSld>
     <p:spTree>
@@ -16436,7 +15826,7 @@
 </p:sld>
 </file>
 
-<file path=ppt/slides/slide33.xml><?xml version="1.0" encoding="utf-8"?>
+<file path=ppt/slides/slide31.xml><?xml version="1.0" encoding="utf-8"?>
 <p:sld xmlns:a="http://schemas.openxmlformats.org/drawingml/2006/main" xmlns:r="http://schemas.openxmlformats.org/officeDocument/2006/relationships" xmlns:p="http://schemas.openxmlformats.org/presentationml/2006/main">
   <p:cSld>
     <p:spTree>
@@ -18417,7 +17807,7 @@
 </p:sld>
 </file>
 
-<file path=ppt/slides/slide34.xml><?xml version="1.0" encoding="utf-8"?>
+<file path=ppt/slides/slide32.xml><?xml version="1.0" encoding="utf-8"?>
 <p:sld xmlns:a="http://schemas.openxmlformats.org/drawingml/2006/main" xmlns:r="http://schemas.openxmlformats.org/officeDocument/2006/relationships" xmlns:p="http://schemas.openxmlformats.org/presentationml/2006/main">
   <p:cSld>
     <p:spTree>
@@ -18574,7 +17964,7 @@
 </p:sld>
 </file>
 
-<file path=ppt/slides/slide35.xml><?xml version="1.0" encoding="utf-8"?>
+<file path=ppt/slides/slide33.xml><?xml version="1.0" encoding="utf-8"?>
 <p:sld xmlns:a="http://schemas.openxmlformats.org/drawingml/2006/main" xmlns:r="http://schemas.openxmlformats.org/officeDocument/2006/relationships" xmlns:p="http://schemas.openxmlformats.org/presentationml/2006/main">
   <p:cSld>
     <p:spTree>
@@ -18662,7 +18052,7 @@
 </p:sld>
 </file>
 
-<file path=ppt/slides/slide36.xml><?xml version="1.0" encoding="utf-8"?>
+<file path=ppt/slides/slide34.xml><?xml version="1.0" encoding="utf-8"?>
 <p:sld xmlns:a="http://schemas.openxmlformats.org/drawingml/2006/main" xmlns:r="http://schemas.openxmlformats.org/officeDocument/2006/relationships" xmlns:p="http://schemas.openxmlformats.org/presentationml/2006/main">
   <p:cSld>
     <p:spTree>
@@ -18808,7 +18198,7 @@
 </p:sld>
 </file>
 
-<file path=ppt/slides/slide37.xml><?xml version="1.0" encoding="utf-8"?>
+<file path=ppt/slides/slide35.xml><?xml version="1.0" encoding="utf-8"?>
 <p:sld xmlns:a="http://schemas.openxmlformats.org/drawingml/2006/main" xmlns:r="http://schemas.openxmlformats.org/officeDocument/2006/relationships" xmlns:p="http://schemas.openxmlformats.org/presentationml/2006/main">
   <p:cSld>
     <p:spTree>
@@ -18896,7 +18286,7 @@
 </p:sld>
 </file>
 
-<file path=ppt/slides/slide38.xml><?xml version="1.0" encoding="utf-8"?>
+<file path=ppt/slides/slide36.xml><?xml version="1.0" encoding="utf-8"?>
 <p:sld xmlns:a="http://schemas.openxmlformats.org/drawingml/2006/main" xmlns:r="http://schemas.openxmlformats.org/officeDocument/2006/relationships" xmlns:p="http://schemas.openxmlformats.org/presentationml/2006/main">
   <p:cSld>
     <p:spTree>
@@ -19569,263 +18959,7 @@
                   <a:schemeClr val="bg1"/>
                 </a:solidFill>
               </a:rPr>
-              <a:t>     Lorem ipsum dolor sit </a:t>
-            </a:r>
-            <a:r>
-              <a:rPr lang="en-US" sz="1400" dirty="0" err="1">
-                <a:solidFill>
-                  <a:schemeClr val="bg1"/>
-                </a:solidFill>
-              </a:rPr>
-              <a:t>amet</a:t>
-            </a:r>
-            <a:r>
-              <a:rPr lang="en-US" sz="1400" dirty="0">
-                <a:solidFill>
-                  <a:schemeClr val="bg1"/>
-                </a:solidFill>
-              </a:rPr>
-              <a:t>, </a:t>
-            </a:r>
-            <a:r>
-              <a:rPr lang="en-US" sz="1400" dirty="0" err="1">
-                <a:solidFill>
-                  <a:schemeClr val="bg1"/>
-                </a:solidFill>
-              </a:rPr>
-              <a:t>consectetur</a:t>
-            </a:r>
-            <a:r>
-              <a:rPr lang="en-US" sz="1400" dirty="0">
-                <a:solidFill>
-                  <a:schemeClr val="bg1"/>
-                </a:solidFill>
-              </a:rPr>
-              <a:t> </a:t>
-            </a:r>
-            <a:r>
-              <a:rPr lang="en-US" sz="1400" dirty="0" err="1">
-                <a:solidFill>
-                  <a:schemeClr val="bg1"/>
-                </a:solidFill>
-              </a:rPr>
-              <a:t>adipiscing</a:t>
-            </a:r>
-            <a:r>
-              <a:rPr lang="en-US" sz="1400" dirty="0">
-                <a:solidFill>
-                  <a:schemeClr val="bg1"/>
-                </a:solidFill>
-              </a:rPr>
-              <a:t> </a:t>
-            </a:r>
-            <a:r>
-              <a:rPr lang="en-US" sz="1400" dirty="0" err="1">
-                <a:solidFill>
-                  <a:schemeClr val="bg1"/>
-                </a:solidFill>
-              </a:rPr>
-              <a:t>elit</a:t>
-            </a:r>
-            <a:r>
-              <a:rPr lang="en-US" sz="1400" dirty="0">
-                <a:solidFill>
-                  <a:schemeClr val="bg1"/>
-                </a:solidFill>
-              </a:rPr>
-              <a:t>. </a:t>
-            </a:r>
-            <a:r>
-              <a:rPr lang="en-US" sz="1400" dirty="0" err="1">
-                <a:solidFill>
-                  <a:schemeClr val="bg1"/>
-                </a:solidFill>
-              </a:rPr>
-              <a:t>Praesent</a:t>
-            </a:r>
-            <a:r>
-              <a:rPr lang="en-US" sz="1400" dirty="0">
-                <a:solidFill>
-                  <a:schemeClr val="bg1"/>
-                </a:solidFill>
-              </a:rPr>
-              <a:t> </a:t>
-            </a:r>
-            <a:r>
-              <a:rPr lang="en-US" sz="1400" dirty="0" err="1">
-                <a:solidFill>
-                  <a:schemeClr val="bg1"/>
-                </a:solidFill>
-              </a:rPr>
-              <a:t>finibus</a:t>
-            </a:r>
-            <a:r>
-              <a:rPr lang="en-US" sz="1400" dirty="0">
-                <a:solidFill>
-                  <a:schemeClr val="bg1"/>
-                </a:solidFill>
-              </a:rPr>
-              <a:t> </a:t>
-            </a:r>
-            <a:r>
-              <a:rPr lang="en-US" sz="1400" dirty="0" err="1">
-                <a:solidFill>
-                  <a:schemeClr val="bg1"/>
-                </a:solidFill>
-              </a:rPr>
-              <a:t>turpis</a:t>
-            </a:r>
-            <a:r>
-              <a:rPr lang="en-US" sz="1400" dirty="0">
-                <a:solidFill>
-                  <a:schemeClr val="bg1"/>
-                </a:solidFill>
-              </a:rPr>
-              <a:t> at </a:t>
-            </a:r>
-            <a:r>
-              <a:rPr lang="en-US" sz="1400" dirty="0" err="1">
-                <a:solidFill>
-                  <a:schemeClr val="bg1"/>
-                </a:solidFill>
-              </a:rPr>
-              <a:t>lacinia</a:t>
-            </a:r>
-            <a:r>
-              <a:rPr lang="en-US" sz="1400" dirty="0">
-                <a:solidFill>
-                  <a:schemeClr val="bg1"/>
-                </a:solidFill>
-              </a:rPr>
-              <a:t> </a:t>
-            </a:r>
-            <a:r>
-              <a:rPr lang="en-US" sz="1400" dirty="0" err="1">
-                <a:solidFill>
-                  <a:schemeClr val="bg1"/>
-                </a:solidFill>
-              </a:rPr>
-              <a:t>venenatis</a:t>
-            </a:r>
-            <a:r>
-              <a:rPr lang="en-US" sz="1400" dirty="0">
-                <a:solidFill>
-                  <a:schemeClr val="bg1"/>
-                </a:solidFill>
-              </a:rPr>
-              <a:t>. </a:t>
-            </a:r>
-            <a:r>
-              <a:rPr lang="en-US" sz="1400" dirty="0" err="1">
-                <a:solidFill>
-                  <a:schemeClr val="bg1"/>
-                </a:solidFill>
-              </a:rPr>
-              <a:t>Morbi</a:t>
-            </a:r>
-            <a:r>
-              <a:rPr lang="en-US" sz="1400" dirty="0">
-                <a:solidFill>
-                  <a:schemeClr val="bg1"/>
-                </a:solidFill>
-              </a:rPr>
-              <a:t> </a:t>
-            </a:r>
-            <a:r>
-              <a:rPr lang="en-US" sz="1400" dirty="0" err="1">
-                <a:solidFill>
-                  <a:schemeClr val="bg1"/>
-                </a:solidFill>
-              </a:rPr>
-              <a:t>laoreet</a:t>
-            </a:r>
-            <a:r>
-              <a:rPr lang="en-US" sz="1400" dirty="0">
-                <a:solidFill>
-                  <a:schemeClr val="bg1"/>
-                </a:solidFill>
-              </a:rPr>
-              <a:t> </a:t>
-            </a:r>
-            <a:r>
-              <a:rPr lang="en-US" sz="1400" dirty="0" err="1">
-                <a:solidFill>
-                  <a:schemeClr val="bg1"/>
-                </a:solidFill>
-              </a:rPr>
-              <a:t>tortor</a:t>
-            </a:r>
-            <a:r>
-              <a:rPr lang="en-US" sz="1400" dirty="0">
-                <a:solidFill>
-                  <a:schemeClr val="bg1"/>
-                </a:solidFill>
-              </a:rPr>
-              <a:t> dolor, </a:t>
-            </a:r>
-            <a:r>
-              <a:rPr lang="en-US" sz="1400" dirty="0" err="1">
-                <a:solidFill>
-                  <a:schemeClr val="bg1"/>
-                </a:solidFill>
-              </a:rPr>
-              <a:t>sed</a:t>
-            </a:r>
-            <a:r>
-              <a:rPr lang="en-US" sz="1400" dirty="0">
-                <a:solidFill>
-                  <a:schemeClr val="bg1"/>
-                </a:solidFill>
-              </a:rPr>
-              <a:t> </a:t>
-            </a:r>
-            <a:r>
-              <a:rPr lang="en-US" sz="1400" dirty="0" err="1">
-                <a:solidFill>
-                  <a:schemeClr val="bg1"/>
-                </a:solidFill>
-              </a:rPr>
-              <a:t>luctus</a:t>
-            </a:r>
-            <a:r>
-              <a:rPr lang="en-US" sz="1400" dirty="0">
-                <a:solidFill>
-                  <a:schemeClr val="bg1"/>
-                </a:solidFill>
-              </a:rPr>
-              <a:t> </a:t>
-            </a:r>
-            <a:r>
-              <a:rPr lang="en-US" sz="1400" dirty="0" err="1">
-                <a:solidFill>
-                  <a:schemeClr val="bg1"/>
-                </a:solidFill>
-              </a:rPr>
-              <a:t>tellus</a:t>
-            </a:r>
-            <a:r>
-              <a:rPr lang="en-US" sz="1400" dirty="0">
-                <a:solidFill>
-                  <a:schemeClr val="bg1"/>
-                </a:solidFill>
-              </a:rPr>
-              <a:t> </a:t>
-            </a:r>
-            <a:r>
-              <a:rPr lang="en-US" sz="1400" dirty="0" err="1">
-                <a:solidFill>
-                  <a:schemeClr val="bg1"/>
-                </a:solidFill>
-              </a:rPr>
-              <a:t>lacinia</a:t>
-            </a:r>
-            <a:r>
-              <a:rPr lang="en-US" sz="1400" dirty="0">
-                <a:solidFill>
-                  <a:schemeClr val="bg1"/>
-                </a:solidFill>
-              </a:rPr>
-              <a:t>.</a:t>
+              <a:t>      Each project tells us who we are. It is more internal than it seems. We were like Power Rangers in remote offices doing Agile.</a:t>
             </a:r>
           </a:p>
         </p:txBody>
@@ -19865,7 +18999,7 @@
                   <a:schemeClr val="bg1"/>
                 </a:solidFill>
               </a:rPr>
-              <a:t>When mapping test cases to use cases, a lot of variables have to be considered. Using </a:t>
+              <a:t>      When mapping test cases to use cases, a lot of variables have to be considered. Using </a:t>
             </a:r>
             <a:r>
               <a:rPr lang="en-US" sz="1400" dirty="0" err="1">
@@ -20832,6 +19966,41 @@
           </p:txBody>
         </p:sp>
       </p:grpSp>
+      <p:sp>
+        <p:nvSpPr>
+          <p:cNvPr id="37" name="TextBox 36">
+            <a:extLst>
+              <a:ext uri="{FF2B5EF4-FFF2-40B4-BE49-F238E27FC236}">
+                <a16:creationId xmlns:a16="http://schemas.microsoft.com/office/drawing/2014/main" id="{98F4DBC5-62AD-4903-BA3B-CB9AD541E299}"/>
+              </a:ext>
+            </a:extLst>
+          </p:cNvPr>
+          <p:cNvSpPr txBox="1"/>
+          <p:nvPr/>
+        </p:nvSpPr>
+        <p:spPr>
+          <a:xfrm>
+            <a:off x="377952" y="71366"/>
+            <a:ext cx="1509623" cy="369332"/>
+          </a:xfrm>
+          <a:prstGeom prst="rect">
+            <a:avLst/>
+          </a:prstGeom>
+          <a:noFill/>
+        </p:spPr>
+        <p:txBody>
+          <a:bodyPr wrap="square" rtlCol="0">
+            <a:spAutoFit/>
+          </a:bodyPr>
+          <a:lstStyle/>
+          <a:p>
+            <a:r>
+              <a:rPr lang="en-US" dirty="0"/>
+              <a:t>All</a:t>
+            </a:r>
+          </a:p>
+        </p:txBody>
+      </p:sp>
     </p:spTree>
     <p:extLst>
       <p:ext uri="{BB962C8B-B14F-4D97-AF65-F5344CB8AC3E}">
@@ -20845,7 +20014,7 @@
 </p:sld>
 </file>
 
-<file path=ppt/slides/slide39.xml><?xml version="1.0" encoding="utf-8"?>
+<file path=ppt/slides/slide37.xml><?xml version="1.0" encoding="utf-8"?>
 <p:sld xmlns:a="http://schemas.openxmlformats.org/drawingml/2006/main" xmlns:r="http://schemas.openxmlformats.org/officeDocument/2006/relationships" xmlns:p="http://schemas.openxmlformats.org/presentationml/2006/main">
   <p:cSld>
     <p:spTree>
@@ -21212,6 +20381,179 @@
 </p:sld>
 </file>
 
+<file path=ppt/slides/slide38.xml><?xml version="1.0" encoding="utf-8"?>
+<p:sld xmlns:a="http://schemas.openxmlformats.org/drawingml/2006/main" xmlns:r="http://schemas.openxmlformats.org/officeDocument/2006/relationships" xmlns:p="http://schemas.openxmlformats.org/presentationml/2006/main" show="0">
+  <p:cSld>
+    <p:spTree>
+      <p:nvGrpSpPr>
+        <p:cNvPr id="1" name=""/>
+        <p:cNvGrpSpPr/>
+        <p:nvPr/>
+      </p:nvGrpSpPr>
+      <p:grpSpPr>
+        <a:xfrm>
+          <a:off x="0" y="0"/>
+          <a:ext cx="0" cy="0"/>
+          <a:chOff x="0" y="0"/>
+          <a:chExt cx="0" cy="0"/>
+        </a:xfrm>
+      </p:grpSpPr>
+      <p:sp>
+        <p:nvSpPr>
+          <p:cNvPr id="6" name="Text Placeholder 5">
+            <a:extLst>
+              <a:ext uri="{FF2B5EF4-FFF2-40B4-BE49-F238E27FC236}">
+                <a16:creationId xmlns:a16="http://schemas.microsoft.com/office/drawing/2014/main" id="{C88B64DC-B194-4247-9A4B-7250FD8CA703}"/>
+              </a:ext>
+            </a:extLst>
+          </p:cNvPr>
+          <p:cNvSpPr>
+            <a:spLocks noGrp="1"/>
+          </p:cNvSpPr>
+          <p:nvPr>
+            <p:ph type="body" idx="1"/>
+          </p:nvPr>
+        </p:nvSpPr>
+        <p:spPr/>
+        <p:txBody>
+          <a:bodyPr/>
+          <a:lstStyle/>
+          <a:p>
+            <a:endParaRPr lang="en-US" dirty="0"/>
+          </a:p>
+        </p:txBody>
+      </p:sp>
+      <p:sp>
+        <p:nvSpPr>
+          <p:cNvPr id="5" name="Title 4">
+            <a:extLst>
+              <a:ext uri="{FF2B5EF4-FFF2-40B4-BE49-F238E27FC236}">
+                <a16:creationId xmlns:a16="http://schemas.microsoft.com/office/drawing/2014/main" id="{41F79BE7-F06D-FC4E-9E44-0EAE1230EF59}"/>
+              </a:ext>
+            </a:extLst>
+          </p:cNvPr>
+          <p:cNvSpPr>
+            <a:spLocks noGrp="1"/>
+          </p:cNvSpPr>
+          <p:nvPr>
+            <p:ph type="title"/>
+          </p:nvPr>
+        </p:nvSpPr>
+        <p:spPr/>
+        <p:txBody>
+          <a:bodyPr>
+            <a:normAutofit fontScale="90000"/>
+          </a:bodyPr>
+          <a:lstStyle/>
+          <a:p>
+            <a:r>
+              <a:rPr lang="en-US" dirty="0"/>
+              <a:t>Appendix</a:t>
+            </a:r>
+          </a:p>
+        </p:txBody>
+      </p:sp>
+    </p:spTree>
+    <p:extLst>
+      <p:ext uri="{BB962C8B-B14F-4D97-AF65-F5344CB8AC3E}">
+        <p14:creationId xmlns:p14="http://schemas.microsoft.com/office/powerpoint/2010/main" val="1369437424"/>
+      </p:ext>
+    </p:extLst>
+  </p:cSld>
+  <p:clrMapOvr>
+    <a:masterClrMapping/>
+  </p:clrMapOvr>
+</p:sld>
+</file>
+
+<file path=ppt/slides/slide39.xml><?xml version="1.0" encoding="utf-8"?>
+<p:sld xmlns:a="http://schemas.openxmlformats.org/drawingml/2006/main" xmlns:r="http://schemas.openxmlformats.org/officeDocument/2006/relationships" xmlns:p="http://schemas.openxmlformats.org/presentationml/2006/main" show="0">
+  <p:cSld>
+    <p:spTree>
+      <p:nvGrpSpPr>
+        <p:cNvPr id="1" name=""/>
+        <p:cNvGrpSpPr/>
+        <p:nvPr/>
+      </p:nvGrpSpPr>
+      <p:grpSpPr>
+        <a:xfrm>
+          <a:off x="0" y="0"/>
+          <a:ext cx="0" cy="0"/>
+          <a:chOff x="0" y="0"/>
+          <a:chExt cx="0" cy="0"/>
+        </a:xfrm>
+      </p:grpSpPr>
+      <p:sp>
+        <p:nvSpPr>
+          <p:cNvPr id="6" name="Text Placeholder 5">
+            <a:extLst>
+              <a:ext uri="{FF2B5EF4-FFF2-40B4-BE49-F238E27FC236}">
+                <a16:creationId xmlns:a16="http://schemas.microsoft.com/office/drawing/2014/main" id="{C88B64DC-B194-4247-9A4B-7250FD8CA703}"/>
+              </a:ext>
+            </a:extLst>
+          </p:cNvPr>
+          <p:cNvSpPr>
+            <a:spLocks noGrp="1"/>
+          </p:cNvSpPr>
+          <p:nvPr>
+            <p:ph type="body" idx="1"/>
+          </p:nvPr>
+        </p:nvSpPr>
+        <p:spPr/>
+        <p:txBody>
+          <a:bodyPr/>
+          <a:lstStyle/>
+          <a:p>
+            <a:r>
+              <a:rPr lang="en-US" dirty="0"/>
+              <a:t>Review</a:t>
+            </a:r>
+          </a:p>
+        </p:txBody>
+      </p:sp>
+      <p:sp>
+        <p:nvSpPr>
+          <p:cNvPr id="5" name="Title 4">
+            <a:extLst>
+              <a:ext uri="{FF2B5EF4-FFF2-40B4-BE49-F238E27FC236}">
+                <a16:creationId xmlns:a16="http://schemas.microsoft.com/office/drawing/2014/main" id="{41F79BE7-F06D-FC4E-9E44-0EAE1230EF59}"/>
+              </a:ext>
+            </a:extLst>
+          </p:cNvPr>
+          <p:cNvSpPr>
+            <a:spLocks noGrp="1"/>
+          </p:cNvSpPr>
+          <p:nvPr>
+            <p:ph type="title"/>
+          </p:nvPr>
+        </p:nvSpPr>
+        <p:spPr/>
+        <p:txBody>
+          <a:bodyPr>
+            <a:normAutofit fontScale="90000"/>
+          </a:bodyPr>
+          <a:lstStyle/>
+          <a:p>
+            <a:r>
+              <a:rPr lang="en-US" dirty="0"/>
+              <a:t>Weekly Feedback</a:t>
+            </a:r>
+          </a:p>
+        </p:txBody>
+      </p:sp>
+    </p:spTree>
+    <p:extLst>
+      <p:ext uri="{BB962C8B-B14F-4D97-AF65-F5344CB8AC3E}">
+        <p14:creationId xmlns:p14="http://schemas.microsoft.com/office/powerpoint/2010/main" val="3806475897"/>
+      </p:ext>
+    </p:extLst>
+  </p:cSld>
+  <p:clrMapOvr>
+    <a:masterClrMapping/>
+  </p:clrMapOvr>
+</p:sld>
+</file>
+
 <file path=ppt/slides/slide4.xml><?xml version="1.0" encoding="utf-8"?>
 <p:sld xmlns:a="http://schemas.openxmlformats.org/drawingml/2006/main" xmlns:r="http://schemas.openxmlformats.org/officeDocument/2006/relationships" xmlns:p="http://schemas.openxmlformats.org/presentationml/2006/main">
   <p:cSld>
@@ -23232,179 +22574,6 @@
 </file>
 
 <file path=ppt/slides/slide40.xml><?xml version="1.0" encoding="utf-8"?>
-<p:sld xmlns:a="http://schemas.openxmlformats.org/drawingml/2006/main" xmlns:r="http://schemas.openxmlformats.org/officeDocument/2006/relationships" xmlns:p="http://schemas.openxmlformats.org/presentationml/2006/main" show="0">
-  <p:cSld>
-    <p:spTree>
-      <p:nvGrpSpPr>
-        <p:cNvPr id="1" name=""/>
-        <p:cNvGrpSpPr/>
-        <p:nvPr/>
-      </p:nvGrpSpPr>
-      <p:grpSpPr>
-        <a:xfrm>
-          <a:off x="0" y="0"/>
-          <a:ext cx="0" cy="0"/>
-          <a:chOff x="0" y="0"/>
-          <a:chExt cx="0" cy="0"/>
-        </a:xfrm>
-      </p:grpSpPr>
-      <p:sp>
-        <p:nvSpPr>
-          <p:cNvPr id="6" name="Text Placeholder 5">
-            <a:extLst>
-              <a:ext uri="{FF2B5EF4-FFF2-40B4-BE49-F238E27FC236}">
-                <a16:creationId xmlns:a16="http://schemas.microsoft.com/office/drawing/2014/main" id="{C88B64DC-B194-4247-9A4B-7250FD8CA703}"/>
-              </a:ext>
-            </a:extLst>
-          </p:cNvPr>
-          <p:cNvSpPr>
-            <a:spLocks noGrp="1"/>
-          </p:cNvSpPr>
-          <p:nvPr>
-            <p:ph type="body" idx="1"/>
-          </p:nvPr>
-        </p:nvSpPr>
-        <p:spPr/>
-        <p:txBody>
-          <a:bodyPr/>
-          <a:lstStyle/>
-          <a:p>
-            <a:endParaRPr lang="en-US" dirty="0"/>
-          </a:p>
-        </p:txBody>
-      </p:sp>
-      <p:sp>
-        <p:nvSpPr>
-          <p:cNvPr id="5" name="Title 4">
-            <a:extLst>
-              <a:ext uri="{FF2B5EF4-FFF2-40B4-BE49-F238E27FC236}">
-                <a16:creationId xmlns:a16="http://schemas.microsoft.com/office/drawing/2014/main" id="{41F79BE7-F06D-FC4E-9E44-0EAE1230EF59}"/>
-              </a:ext>
-            </a:extLst>
-          </p:cNvPr>
-          <p:cNvSpPr>
-            <a:spLocks noGrp="1"/>
-          </p:cNvSpPr>
-          <p:nvPr>
-            <p:ph type="title"/>
-          </p:nvPr>
-        </p:nvSpPr>
-        <p:spPr/>
-        <p:txBody>
-          <a:bodyPr>
-            <a:normAutofit fontScale="90000"/>
-          </a:bodyPr>
-          <a:lstStyle/>
-          <a:p>
-            <a:r>
-              <a:rPr lang="en-US" dirty="0"/>
-              <a:t>Appendix</a:t>
-            </a:r>
-          </a:p>
-        </p:txBody>
-      </p:sp>
-    </p:spTree>
-    <p:extLst>
-      <p:ext uri="{BB962C8B-B14F-4D97-AF65-F5344CB8AC3E}">
-        <p14:creationId xmlns:p14="http://schemas.microsoft.com/office/powerpoint/2010/main" val="1369437424"/>
-      </p:ext>
-    </p:extLst>
-  </p:cSld>
-  <p:clrMapOvr>
-    <a:masterClrMapping/>
-  </p:clrMapOvr>
-</p:sld>
-</file>
-
-<file path=ppt/slides/slide41.xml><?xml version="1.0" encoding="utf-8"?>
-<p:sld xmlns:a="http://schemas.openxmlformats.org/drawingml/2006/main" xmlns:r="http://schemas.openxmlformats.org/officeDocument/2006/relationships" xmlns:p="http://schemas.openxmlformats.org/presentationml/2006/main" show="0">
-  <p:cSld>
-    <p:spTree>
-      <p:nvGrpSpPr>
-        <p:cNvPr id="1" name=""/>
-        <p:cNvGrpSpPr/>
-        <p:nvPr/>
-      </p:nvGrpSpPr>
-      <p:grpSpPr>
-        <a:xfrm>
-          <a:off x="0" y="0"/>
-          <a:ext cx="0" cy="0"/>
-          <a:chOff x="0" y="0"/>
-          <a:chExt cx="0" cy="0"/>
-        </a:xfrm>
-      </p:grpSpPr>
-      <p:sp>
-        <p:nvSpPr>
-          <p:cNvPr id="6" name="Text Placeholder 5">
-            <a:extLst>
-              <a:ext uri="{FF2B5EF4-FFF2-40B4-BE49-F238E27FC236}">
-                <a16:creationId xmlns:a16="http://schemas.microsoft.com/office/drawing/2014/main" id="{C88B64DC-B194-4247-9A4B-7250FD8CA703}"/>
-              </a:ext>
-            </a:extLst>
-          </p:cNvPr>
-          <p:cNvSpPr>
-            <a:spLocks noGrp="1"/>
-          </p:cNvSpPr>
-          <p:nvPr>
-            <p:ph type="body" idx="1"/>
-          </p:nvPr>
-        </p:nvSpPr>
-        <p:spPr/>
-        <p:txBody>
-          <a:bodyPr/>
-          <a:lstStyle/>
-          <a:p>
-            <a:r>
-              <a:rPr lang="en-US" dirty="0"/>
-              <a:t>Review</a:t>
-            </a:r>
-          </a:p>
-        </p:txBody>
-      </p:sp>
-      <p:sp>
-        <p:nvSpPr>
-          <p:cNvPr id="5" name="Title 4">
-            <a:extLst>
-              <a:ext uri="{FF2B5EF4-FFF2-40B4-BE49-F238E27FC236}">
-                <a16:creationId xmlns:a16="http://schemas.microsoft.com/office/drawing/2014/main" id="{41F79BE7-F06D-FC4E-9E44-0EAE1230EF59}"/>
-              </a:ext>
-            </a:extLst>
-          </p:cNvPr>
-          <p:cNvSpPr>
-            <a:spLocks noGrp="1"/>
-          </p:cNvSpPr>
-          <p:nvPr>
-            <p:ph type="title"/>
-          </p:nvPr>
-        </p:nvSpPr>
-        <p:spPr/>
-        <p:txBody>
-          <a:bodyPr>
-            <a:normAutofit fontScale="90000"/>
-          </a:bodyPr>
-          <a:lstStyle/>
-          <a:p>
-            <a:r>
-              <a:rPr lang="en-US" dirty="0"/>
-              <a:t>Weekly Feedback</a:t>
-            </a:r>
-          </a:p>
-        </p:txBody>
-      </p:sp>
-    </p:spTree>
-    <p:extLst>
-      <p:ext uri="{BB962C8B-B14F-4D97-AF65-F5344CB8AC3E}">
-        <p14:creationId xmlns:p14="http://schemas.microsoft.com/office/powerpoint/2010/main" val="3806475897"/>
-      </p:ext>
-    </p:extLst>
-  </p:cSld>
-  <p:clrMapOvr>
-    <a:masterClrMapping/>
-  </p:clrMapOvr>
-</p:sld>
-</file>
-
-<file path=ppt/slides/slide42.xml><?xml version="1.0" encoding="utf-8"?>
 <p:sld xmlns:a="http://schemas.openxmlformats.org/drawingml/2006/main" xmlns:r="http://schemas.openxmlformats.org/officeDocument/2006/relationships" xmlns:p="http://schemas.openxmlformats.org/presentationml/2006/main" show="0">
   <p:cSld>
     <p:spTree>
@@ -23568,7 +22737,7 @@
 </p:sld>
 </file>
 
-<file path=ppt/slides/slide43.xml><?xml version="1.0" encoding="utf-8"?>
+<file path=ppt/slides/slide41.xml><?xml version="1.0" encoding="utf-8"?>
 <p:sld xmlns:a="http://schemas.openxmlformats.org/drawingml/2006/main" xmlns:r="http://schemas.openxmlformats.org/officeDocument/2006/relationships" xmlns:p="http://schemas.openxmlformats.org/presentationml/2006/main" show="0">
   <p:cSld>
     <p:spTree>
@@ -23793,7 +22962,7 @@
 </p:sld>
 </file>
 
-<file path=ppt/slides/slide44.xml><?xml version="1.0" encoding="utf-8"?>
+<file path=ppt/slides/slide42.xml><?xml version="1.0" encoding="utf-8"?>
 <p:sld xmlns:a="http://schemas.openxmlformats.org/drawingml/2006/main" xmlns:r="http://schemas.openxmlformats.org/officeDocument/2006/relationships" xmlns:p="http://schemas.openxmlformats.org/presentationml/2006/main" show="0">
   <p:cSld>
     <p:spTree>
@@ -23957,7 +23126,7 @@
 </p:sld>
 </file>
 
-<file path=ppt/slides/slide45.xml><?xml version="1.0" encoding="utf-8"?>
+<file path=ppt/slides/slide43.xml><?xml version="1.0" encoding="utf-8"?>
 <p:sld xmlns:a="http://schemas.openxmlformats.org/drawingml/2006/main" xmlns:r="http://schemas.openxmlformats.org/officeDocument/2006/relationships" xmlns:p="http://schemas.openxmlformats.org/presentationml/2006/main" show="0">
   <p:cSld>
     <p:spTree>
@@ -24151,7 +23320,7 @@
 </p:sld>
 </file>
 
-<file path=ppt/slides/slide46.xml><?xml version="1.0" encoding="utf-8"?>
+<file path=ppt/slides/slide44.xml><?xml version="1.0" encoding="utf-8"?>
 <p:sld xmlns:a="http://schemas.openxmlformats.org/drawingml/2006/main" xmlns:r="http://schemas.openxmlformats.org/officeDocument/2006/relationships" xmlns:p="http://schemas.openxmlformats.org/presentationml/2006/main" show="0">
   <p:cSld>
     <p:spTree>
@@ -24307,7 +23476,7 @@
 </p:sld>
 </file>
 
-<file path=ppt/slides/slide47.xml><?xml version="1.0" encoding="utf-8"?>
+<file path=ppt/slides/slide45.xml><?xml version="1.0" encoding="utf-8"?>
 <p:sld xmlns:a="http://schemas.openxmlformats.org/drawingml/2006/main" xmlns:r="http://schemas.openxmlformats.org/officeDocument/2006/relationships" xmlns:p="http://schemas.openxmlformats.org/presentationml/2006/main" show="0">
   <p:cSld>
     <p:spTree>
@@ -26912,719 +26081,6 @@
       </p:grpSpPr>
       <p:sp>
         <p:nvSpPr>
-          <p:cNvPr id="2" name="Title 1">
-            <a:extLst>
-              <a:ext uri="{FF2B5EF4-FFF2-40B4-BE49-F238E27FC236}">
-                <a16:creationId xmlns:a16="http://schemas.microsoft.com/office/drawing/2014/main" id="{AF5566C5-06A0-0147-8D9B-61850422503C}"/>
-              </a:ext>
-            </a:extLst>
-          </p:cNvPr>
-          <p:cNvSpPr>
-            <a:spLocks noGrp="1"/>
-          </p:cNvSpPr>
-          <p:nvPr>
-            <p:ph type="title"/>
-          </p:nvPr>
-        </p:nvSpPr>
-        <p:spPr/>
-        <p:txBody>
-          <a:bodyPr>
-            <a:normAutofit fontScale="90000"/>
-          </a:bodyPr>
-          <a:lstStyle/>
-          <a:p>
-            <a:r>
-              <a:rPr lang="en-US" dirty="0"/>
-              <a:t>RASCI Stakeholders</a:t>
-            </a:r>
-          </a:p>
-        </p:txBody>
-      </p:sp>
-      <p:sp>
-        <p:nvSpPr>
-          <p:cNvPr id="5" name="TextBox 4">
-            <a:extLst>
-              <a:ext uri="{FF2B5EF4-FFF2-40B4-BE49-F238E27FC236}">
-                <a16:creationId xmlns:a16="http://schemas.microsoft.com/office/drawing/2014/main" id="{ACD72721-8306-4810-9BDB-55F272B39059}"/>
-              </a:ext>
-            </a:extLst>
-          </p:cNvPr>
-          <p:cNvSpPr txBox="1"/>
-          <p:nvPr/>
-        </p:nvSpPr>
-        <p:spPr>
-          <a:xfrm>
-            <a:off x="215660" y="39219"/>
-            <a:ext cx="741872" cy="369332"/>
-          </a:xfrm>
-          <a:prstGeom prst="rect">
-            <a:avLst/>
-          </a:prstGeom>
-          <a:noFill/>
-        </p:spPr>
-        <p:txBody>
-          <a:bodyPr wrap="square" rtlCol="0">
-            <a:spAutoFit/>
-          </a:bodyPr>
-          <a:lstStyle/>
-          <a:p>
-            <a:r>
-              <a:rPr lang="en-US" dirty="0"/>
-              <a:t>Patty</a:t>
-            </a:r>
-          </a:p>
-        </p:txBody>
-      </p:sp>
-      <p:graphicFrame>
-        <p:nvGraphicFramePr>
-          <p:cNvPr id="7" name="Content Placeholder 3">
-            <a:extLst>
-              <a:ext uri="{FF2B5EF4-FFF2-40B4-BE49-F238E27FC236}">
-                <a16:creationId xmlns:a16="http://schemas.microsoft.com/office/drawing/2014/main" id="{24554AC6-75A2-7347-8BD2-AFBF05C2D56E}"/>
-              </a:ext>
-            </a:extLst>
-          </p:cNvPr>
-          <p:cNvGraphicFramePr>
-            <a:graphicFrameLocks/>
-          </p:cNvGraphicFramePr>
-          <p:nvPr>
-            <p:extLst>
-              <p:ext uri="{D42A27DB-BD31-4B8C-83A1-F6EECF244321}">
-                <p14:modId xmlns:p14="http://schemas.microsoft.com/office/powerpoint/2010/main" val="588722418"/>
-              </p:ext>
-            </p:extLst>
-          </p:nvPr>
-        </p:nvGraphicFramePr>
-        <p:xfrm>
-          <a:off x="612775" y="1200150"/>
-          <a:ext cx="8138161" cy="2910840"/>
-        </p:xfrm>
-        <a:graphic>
-          <a:graphicData uri="http://schemas.openxmlformats.org/drawingml/2006/table">
-            <a:tbl>
-              <a:tblPr firstRow="1" bandRow="1">
-                <a:tableStyleId>{21E4AEA4-8DFA-4A89-87EB-49C32662AFE0}</a:tableStyleId>
-              </a:tblPr>
-              <a:tblGrid>
-                <a:gridCol w="2637920">
-                  <a:extLst>
-                    <a:ext uri="{9D8B030D-6E8A-4147-A177-3AD203B41FA5}">
-                      <a16:colId xmlns:a16="http://schemas.microsoft.com/office/drawing/2014/main" val="2338350991"/>
-                    </a:ext>
-                  </a:extLst>
-                </a:gridCol>
-                <a:gridCol w="1000591">
-                  <a:extLst>
-                    <a:ext uri="{9D8B030D-6E8A-4147-A177-3AD203B41FA5}">
-                      <a16:colId xmlns:a16="http://schemas.microsoft.com/office/drawing/2014/main" val="627167975"/>
-                    </a:ext>
-                  </a:extLst>
-                </a:gridCol>
-                <a:gridCol w="1000591">
-                  <a:extLst>
-                    <a:ext uri="{9D8B030D-6E8A-4147-A177-3AD203B41FA5}">
-                      <a16:colId xmlns:a16="http://schemas.microsoft.com/office/drawing/2014/main" val="4063173513"/>
-                    </a:ext>
-                  </a:extLst>
-                </a:gridCol>
-                <a:gridCol w="1273479">
-                  <a:extLst>
-                    <a:ext uri="{9D8B030D-6E8A-4147-A177-3AD203B41FA5}">
-                      <a16:colId xmlns:a16="http://schemas.microsoft.com/office/drawing/2014/main" val="518481965"/>
-                    </a:ext>
-                  </a:extLst>
-                </a:gridCol>
-                <a:gridCol w="1112790">
-                  <a:extLst>
-                    <a:ext uri="{9D8B030D-6E8A-4147-A177-3AD203B41FA5}">
-                      <a16:colId xmlns:a16="http://schemas.microsoft.com/office/drawing/2014/main" val="4131041269"/>
-                    </a:ext>
-                  </a:extLst>
-                </a:gridCol>
-                <a:gridCol w="1112790">
-                  <a:extLst>
-                    <a:ext uri="{9D8B030D-6E8A-4147-A177-3AD203B41FA5}">
-                      <a16:colId xmlns:a16="http://schemas.microsoft.com/office/drawing/2014/main" val="1946934312"/>
-                    </a:ext>
-                  </a:extLst>
-                </a:gridCol>
-              </a:tblGrid>
-              <a:tr h="370840">
-                <a:tc>
-                  <a:txBody>
-                    <a:bodyPr/>
-                    <a:lstStyle/>
-                    <a:p>
-                      <a:r>
-                        <a:rPr lang="en-US" sz="1400" dirty="0"/>
-                        <a:t>Task/Deliverable</a:t>
-                      </a:r>
-                    </a:p>
-                  </a:txBody>
-                  <a:tcPr anchor="ctr"/>
-                </a:tc>
-                <a:tc>
-                  <a:txBody>
-                    <a:bodyPr/>
-                    <a:lstStyle/>
-                    <a:p>
-                      <a:pPr algn="ctr"/>
-                      <a:r>
-                        <a:rPr lang="en-US" sz="1400" dirty="0"/>
-                        <a:t>Customer User</a:t>
-                      </a:r>
-                    </a:p>
-                  </a:txBody>
-                  <a:tcPr anchor="ctr"/>
-                </a:tc>
-                <a:tc>
-                  <a:txBody>
-                    <a:bodyPr/>
-                    <a:lstStyle/>
-                    <a:p>
-                      <a:pPr algn="ctr"/>
-                      <a:r>
-                        <a:rPr lang="en-US" sz="1400" dirty="0"/>
-                        <a:t>Trainer User </a:t>
-                      </a:r>
-                    </a:p>
-                  </a:txBody>
-                  <a:tcPr anchor="ctr"/>
-                </a:tc>
-                <a:tc>
-                  <a:txBody>
-                    <a:bodyPr/>
-                    <a:lstStyle/>
-                    <a:p>
-                      <a:pPr algn="ctr"/>
-                      <a:r>
-                        <a:rPr lang="en-US" sz="1400" dirty="0"/>
-                        <a:t>Administrator</a:t>
-                      </a:r>
-                    </a:p>
-                  </a:txBody>
-                  <a:tcPr anchor="ctr"/>
-                </a:tc>
-                <a:tc>
-                  <a:txBody>
-                    <a:bodyPr/>
-                    <a:lstStyle/>
-                    <a:p>
-                      <a:pPr algn="ctr"/>
-                      <a:r>
-                        <a:rPr lang="en-US" sz="1400" dirty="0"/>
-                        <a:t>Automation User</a:t>
-                      </a:r>
-                    </a:p>
-                  </a:txBody>
-                  <a:tcPr anchor="ctr"/>
-                </a:tc>
-                <a:tc>
-                  <a:txBody>
-                    <a:bodyPr/>
-                    <a:lstStyle/>
-                    <a:p>
-                      <a:pPr algn="ctr"/>
-                      <a:r>
-                        <a:rPr lang="en-US" sz="1400" dirty="0"/>
-                        <a:t>Meal Prep Tracker</a:t>
-                      </a:r>
-                    </a:p>
-                  </a:txBody>
-                  <a:tcPr anchor="ctr"/>
-                </a:tc>
-                <a:extLst>
-                  <a:ext uri="{0D108BD9-81ED-4DB2-BD59-A6C34878D82A}">
-                    <a16:rowId xmlns:a16="http://schemas.microsoft.com/office/drawing/2014/main" val="605913524"/>
-                  </a:ext>
-                </a:extLst>
-              </a:tr>
-              <a:tr h="370840">
-                <a:tc>
-                  <a:txBody>
-                    <a:bodyPr/>
-                    <a:lstStyle/>
-                    <a:p>
-                      <a:r>
-                        <a:rPr lang="en-US" dirty="0"/>
-                        <a:t>Register for an account</a:t>
-                      </a:r>
-                    </a:p>
-                  </a:txBody>
-                  <a:tcPr/>
-                </a:tc>
-                <a:tc>
-                  <a:txBody>
-                    <a:bodyPr/>
-                    <a:lstStyle/>
-                    <a:p>
-                      <a:pPr algn="ctr"/>
-                      <a:r>
-                        <a:rPr lang="en-US" dirty="0"/>
-                        <a:t>C</a:t>
-                      </a:r>
-                    </a:p>
-                  </a:txBody>
-                  <a:tcPr/>
-                </a:tc>
-                <a:tc>
-                  <a:txBody>
-                    <a:bodyPr/>
-                    <a:lstStyle/>
-                    <a:p>
-                      <a:pPr algn="ctr"/>
-                      <a:r>
-                        <a:rPr lang="en-US" dirty="0"/>
-                        <a:t>C</a:t>
-                      </a:r>
-                    </a:p>
-                  </a:txBody>
-                  <a:tcPr/>
-                </a:tc>
-                <a:tc>
-                  <a:txBody>
-                    <a:bodyPr/>
-                    <a:lstStyle/>
-                    <a:p>
-                      <a:pPr algn="ctr"/>
-                      <a:r>
-                        <a:rPr lang="en-US" dirty="0"/>
-                        <a:t>A</a:t>
-                      </a:r>
-                    </a:p>
-                  </a:txBody>
-                  <a:tcPr/>
-                </a:tc>
-                <a:tc>
-                  <a:txBody>
-                    <a:bodyPr/>
-                    <a:lstStyle/>
-                    <a:p>
-                      <a:pPr algn="ctr"/>
-                      <a:r>
-                        <a:rPr lang="en-US" dirty="0"/>
-                        <a:t>I</a:t>
-                      </a:r>
-                    </a:p>
-                  </a:txBody>
-                  <a:tcPr/>
-                </a:tc>
-                <a:tc>
-                  <a:txBody>
-                    <a:bodyPr/>
-                    <a:lstStyle/>
-                    <a:p>
-                      <a:pPr algn="ctr"/>
-                      <a:r>
-                        <a:rPr lang="en-US" dirty="0"/>
-                        <a:t>-</a:t>
-                      </a:r>
-                    </a:p>
-                  </a:txBody>
-                  <a:tcPr/>
-                </a:tc>
-                <a:extLst>
-                  <a:ext uri="{0D108BD9-81ED-4DB2-BD59-A6C34878D82A}">
-                    <a16:rowId xmlns:a16="http://schemas.microsoft.com/office/drawing/2014/main" val="2136912607"/>
-                  </a:ext>
-                </a:extLst>
-              </a:tr>
-              <a:tr h="370840">
-                <a:tc>
-                  <a:txBody>
-                    <a:bodyPr/>
-                    <a:lstStyle/>
-                    <a:p>
-                      <a:r>
-                        <a:rPr lang="en-US" dirty="0"/>
-                        <a:t>Update user profile &amp; measurements</a:t>
-                      </a:r>
-                    </a:p>
-                  </a:txBody>
-                  <a:tcPr/>
-                </a:tc>
-                <a:tc>
-                  <a:txBody>
-                    <a:bodyPr/>
-                    <a:lstStyle/>
-                    <a:p>
-                      <a:pPr algn="ctr"/>
-                      <a:r>
-                        <a:rPr lang="en-US" dirty="0"/>
-                        <a:t>R</a:t>
-                      </a:r>
-                    </a:p>
-                  </a:txBody>
-                  <a:tcPr/>
-                </a:tc>
-                <a:tc>
-                  <a:txBody>
-                    <a:bodyPr/>
-                    <a:lstStyle/>
-                    <a:p>
-                      <a:pPr algn="ctr"/>
-                      <a:r>
-                        <a:rPr lang="en-US" dirty="0"/>
-                        <a:t>-</a:t>
-                      </a:r>
-                    </a:p>
-                  </a:txBody>
-                  <a:tcPr/>
-                </a:tc>
-                <a:tc>
-                  <a:txBody>
-                    <a:bodyPr/>
-                    <a:lstStyle/>
-                    <a:p>
-                      <a:pPr algn="ctr"/>
-                      <a:r>
-                        <a:rPr lang="en-US" dirty="0"/>
-                        <a:t>I</a:t>
-                      </a:r>
-                    </a:p>
-                  </a:txBody>
-                  <a:tcPr/>
-                </a:tc>
-                <a:tc>
-                  <a:txBody>
-                    <a:bodyPr/>
-                    <a:lstStyle/>
-                    <a:p>
-                      <a:pPr algn="ctr"/>
-                      <a:r>
-                        <a:rPr lang="en-US" dirty="0"/>
-                        <a:t>I</a:t>
-                      </a:r>
-                    </a:p>
-                  </a:txBody>
-                  <a:tcPr/>
-                </a:tc>
-                <a:tc>
-                  <a:txBody>
-                    <a:bodyPr/>
-                    <a:lstStyle/>
-                    <a:p>
-                      <a:pPr algn="ctr"/>
-                      <a:r>
-                        <a:rPr lang="en-US" dirty="0"/>
-                        <a:t>-</a:t>
-                      </a:r>
-                    </a:p>
-                  </a:txBody>
-                  <a:tcPr/>
-                </a:tc>
-                <a:extLst>
-                  <a:ext uri="{0D108BD9-81ED-4DB2-BD59-A6C34878D82A}">
-                    <a16:rowId xmlns:a16="http://schemas.microsoft.com/office/drawing/2014/main" val="299649972"/>
-                  </a:ext>
-                </a:extLst>
-              </a:tr>
-              <a:tr h="370840">
-                <a:tc>
-                  <a:txBody>
-                    <a:bodyPr/>
-                    <a:lstStyle/>
-                    <a:p>
-                      <a:r>
-                        <a:rPr lang="en-US" dirty="0"/>
-                        <a:t>Add workouts</a:t>
-                      </a:r>
-                    </a:p>
-                  </a:txBody>
-                  <a:tcPr/>
-                </a:tc>
-                <a:tc>
-                  <a:txBody>
-                    <a:bodyPr/>
-                    <a:lstStyle/>
-                    <a:p>
-                      <a:pPr algn="ctr"/>
-                      <a:r>
-                        <a:rPr lang="en-US" dirty="0"/>
-                        <a:t>A</a:t>
-                      </a:r>
-                    </a:p>
-                  </a:txBody>
-                  <a:tcPr/>
-                </a:tc>
-                <a:tc>
-                  <a:txBody>
-                    <a:bodyPr/>
-                    <a:lstStyle/>
-                    <a:p>
-                      <a:pPr algn="ctr"/>
-                      <a:r>
-                        <a:rPr lang="en-US" dirty="0"/>
-                        <a:t>A</a:t>
-                      </a:r>
-                    </a:p>
-                  </a:txBody>
-                  <a:tcPr/>
-                </a:tc>
-                <a:tc>
-                  <a:txBody>
-                    <a:bodyPr/>
-                    <a:lstStyle/>
-                    <a:p>
-                      <a:pPr algn="ctr"/>
-                      <a:r>
-                        <a:rPr lang="en-US" dirty="0"/>
-                        <a:t>R</a:t>
-                      </a:r>
-                    </a:p>
-                  </a:txBody>
-                  <a:tcPr/>
-                </a:tc>
-                <a:tc>
-                  <a:txBody>
-                    <a:bodyPr/>
-                    <a:lstStyle/>
-                    <a:p>
-                      <a:pPr algn="ctr"/>
-                      <a:r>
-                        <a:rPr lang="en-US" dirty="0"/>
-                        <a:t>I</a:t>
-                      </a:r>
-                    </a:p>
-                  </a:txBody>
-                  <a:tcPr/>
-                </a:tc>
-                <a:tc>
-                  <a:txBody>
-                    <a:bodyPr/>
-                    <a:lstStyle/>
-                    <a:p>
-                      <a:pPr algn="ctr"/>
-                      <a:r>
-                        <a:rPr lang="en-US" dirty="0"/>
-                        <a:t>-</a:t>
-                      </a:r>
-                    </a:p>
-                  </a:txBody>
-                  <a:tcPr/>
-                </a:tc>
-                <a:extLst>
-                  <a:ext uri="{0D108BD9-81ED-4DB2-BD59-A6C34878D82A}">
-                    <a16:rowId xmlns:a16="http://schemas.microsoft.com/office/drawing/2014/main" val="3803061631"/>
-                  </a:ext>
-                </a:extLst>
-              </a:tr>
-              <a:tr h="370840">
-                <a:tc>
-                  <a:txBody>
-                    <a:bodyPr/>
-                    <a:lstStyle/>
-                    <a:p>
-                      <a:r>
-                        <a:rPr lang="en-US" dirty="0"/>
-                        <a:t>Log food intake</a:t>
-                      </a:r>
-                    </a:p>
-                  </a:txBody>
-                  <a:tcPr/>
-                </a:tc>
-                <a:tc>
-                  <a:txBody>
-                    <a:bodyPr/>
-                    <a:lstStyle/>
-                    <a:p>
-                      <a:pPr algn="ctr"/>
-                      <a:r>
-                        <a:rPr lang="en-US" dirty="0"/>
-                        <a:t>A</a:t>
-                      </a:r>
-                    </a:p>
-                  </a:txBody>
-                  <a:tcPr/>
-                </a:tc>
-                <a:tc>
-                  <a:txBody>
-                    <a:bodyPr/>
-                    <a:lstStyle/>
-                    <a:p>
-                      <a:pPr algn="ctr"/>
-                      <a:r>
-                        <a:rPr lang="en-US" dirty="0"/>
-                        <a:t>S</a:t>
-                      </a:r>
-                    </a:p>
-                  </a:txBody>
-                  <a:tcPr/>
-                </a:tc>
-                <a:tc>
-                  <a:txBody>
-                    <a:bodyPr/>
-                    <a:lstStyle/>
-                    <a:p>
-                      <a:pPr algn="ctr"/>
-                      <a:r>
-                        <a:rPr lang="en-US" dirty="0"/>
-                        <a:t>R</a:t>
-                      </a:r>
-                    </a:p>
-                  </a:txBody>
-                  <a:tcPr/>
-                </a:tc>
-                <a:tc>
-                  <a:txBody>
-                    <a:bodyPr/>
-                    <a:lstStyle/>
-                    <a:p>
-                      <a:pPr algn="ctr"/>
-                      <a:r>
-                        <a:rPr lang="en-US" dirty="0"/>
-                        <a:t>-</a:t>
-                      </a:r>
-                    </a:p>
-                  </a:txBody>
-                  <a:tcPr/>
-                </a:tc>
-                <a:tc>
-                  <a:txBody>
-                    <a:bodyPr/>
-                    <a:lstStyle/>
-                    <a:p>
-                      <a:pPr algn="ctr"/>
-                      <a:r>
-                        <a:rPr lang="en-US" dirty="0"/>
-                        <a:t>R</a:t>
-                      </a:r>
-                    </a:p>
-                  </a:txBody>
-                  <a:tcPr/>
-                </a:tc>
-                <a:extLst>
-                  <a:ext uri="{0D108BD9-81ED-4DB2-BD59-A6C34878D82A}">
-                    <a16:rowId xmlns:a16="http://schemas.microsoft.com/office/drawing/2014/main" val="3877054878"/>
-                  </a:ext>
-                </a:extLst>
-              </a:tr>
-              <a:tr h="370840">
-                <a:tc>
-                  <a:txBody>
-                    <a:bodyPr/>
-                    <a:lstStyle/>
-                    <a:p>
-                      <a:r>
-                        <a:rPr lang="en-US" dirty="0"/>
-                        <a:t>Update improved measurements</a:t>
-                      </a:r>
-                    </a:p>
-                  </a:txBody>
-                  <a:tcPr/>
-                </a:tc>
-                <a:tc>
-                  <a:txBody>
-                    <a:bodyPr/>
-                    <a:lstStyle/>
-                    <a:p>
-                      <a:pPr algn="ctr"/>
-                      <a:r>
-                        <a:rPr lang="en-US" dirty="0"/>
-                        <a:t>R</a:t>
-                      </a:r>
-                    </a:p>
-                  </a:txBody>
-                  <a:tcPr/>
-                </a:tc>
-                <a:tc>
-                  <a:txBody>
-                    <a:bodyPr/>
-                    <a:lstStyle/>
-                    <a:p>
-                      <a:pPr algn="ctr"/>
-                      <a:r>
-                        <a:rPr lang="en-US" dirty="0"/>
-                        <a:t>-</a:t>
-                      </a:r>
-                    </a:p>
-                  </a:txBody>
-                  <a:tcPr/>
-                </a:tc>
-                <a:tc>
-                  <a:txBody>
-                    <a:bodyPr/>
-                    <a:lstStyle/>
-                    <a:p>
-                      <a:pPr algn="ctr"/>
-                      <a:r>
-                        <a:rPr lang="en-US" dirty="0"/>
-                        <a:t>I</a:t>
-                      </a:r>
-                    </a:p>
-                  </a:txBody>
-                  <a:tcPr/>
-                </a:tc>
-                <a:tc>
-                  <a:txBody>
-                    <a:bodyPr/>
-                    <a:lstStyle/>
-                    <a:p>
-                      <a:pPr algn="ctr"/>
-                      <a:r>
-                        <a:rPr lang="en-US" dirty="0"/>
-                        <a:t>I</a:t>
-                      </a:r>
-                    </a:p>
-                  </a:txBody>
-                  <a:tcPr/>
-                </a:tc>
-                <a:tc>
-                  <a:txBody>
-                    <a:bodyPr/>
-                    <a:lstStyle/>
-                    <a:p>
-                      <a:pPr algn="ctr"/>
-                      <a:r>
-                        <a:rPr lang="en-US" dirty="0"/>
-                        <a:t>-</a:t>
-                      </a:r>
-                    </a:p>
-                  </a:txBody>
-                  <a:tcPr/>
-                </a:tc>
-                <a:extLst>
-                  <a:ext uri="{0D108BD9-81ED-4DB2-BD59-A6C34878D82A}">
-                    <a16:rowId xmlns:a16="http://schemas.microsoft.com/office/drawing/2014/main" val="3685907694"/>
-                  </a:ext>
-                </a:extLst>
-              </a:tr>
-            </a:tbl>
-          </a:graphicData>
-        </a:graphic>
-      </p:graphicFrame>
-    </p:spTree>
-    <p:extLst>
-      <p:ext uri="{BB962C8B-B14F-4D97-AF65-F5344CB8AC3E}">
-        <p14:creationId xmlns:p14="http://schemas.microsoft.com/office/powerpoint/2010/main" val="2916945863"/>
-      </p:ext>
-    </p:extLst>
-  </p:cSld>
-  <p:clrMapOvr>
-    <a:masterClrMapping/>
-  </p:clrMapOvr>
-</p:sld>
-</file>
-
-<file path=ppt/slides/slide7.xml><?xml version="1.0" encoding="utf-8"?>
-<p:sld xmlns:a="http://schemas.openxmlformats.org/drawingml/2006/main" xmlns:r="http://schemas.openxmlformats.org/officeDocument/2006/relationships" xmlns:p="http://schemas.openxmlformats.org/presentationml/2006/main">
-  <p:cSld>
-    <p:spTree>
-      <p:nvGrpSpPr>
-        <p:cNvPr id="1" name=""/>
-        <p:cNvGrpSpPr/>
-        <p:nvPr/>
-      </p:nvGrpSpPr>
-      <p:grpSpPr>
-        <a:xfrm>
-          <a:off x="0" y="0"/>
-          <a:ext cx="0" cy="0"/>
-          <a:chOff x="0" y="0"/>
-          <a:chExt cx="0" cy="0"/>
-        </a:xfrm>
-      </p:grpSpPr>
-      <p:sp>
-        <p:nvSpPr>
           <p:cNvPr id="2" name="Title 1"/>
           <p:cNvSpPr>
             <a:spLocks noGrp="1"/>
@@ -30998,7 +29454,7 @@
 </p:sld>
 </file>
 
-<file path=ppt/slides/slide8.xml><?xml version="1.0" encoding="utf-8"?>
+<file path=ppt/slides/slide7.xml><?xml version="1.0" encoding="utf-8"?>
 <p:sld xmlns:a="http://schemas.openxmlformats.org/drawingml/2006/main" xmlns:r="http://schemas.openxmlformats.org/officeDocument/2006/relationships" xmlns:p="http://schemas.openxmlformats.org/presentationml/2006/main">
   <p:cSld>
     <p:spTree>
@@ -31069,7 +29525,7 @@
           <a:p>
             <a:r>
               <a:rPr lang="en-US" dirty="0"/>
-              <a:t>Patty</a:t>
+              <a:t>Gabriel</a:t>
             </a:r>
           </a:p>
         </p:txBody>
@@ -36640,7 +35096,7 @@
 </p:sld>
 </file>
 
-<file path=ppt/slides/slide9.xml><?xml version="1.0" encoding="utf-8"?>
+<file path=ppt/slides/slide8.xml><?xml version="1.0" encoding="utf-8"?>
 <p:sld xmlns:a="http://schemas.openxmlformats.org/drawingml/2006/main" xmlns:r="http://schemas.openxmlformats.org/officeDocument/2006/relationships" xmlns:p="http://schemas.openxmlformats.org/presentationml/2006/main">
   <p:cSld>
     <p:spTree>
@@ -36657,41 +35113,40 @@
           <a:chExt cx="0" cy="0"/>
         </a:xfrm>
       </p:grpSpPr>
-      <p:pic>
-        <p:nvPicPr>
-          <p:cNvPr id="6" name="Content Placeholder 5">
+      <p:sp>
+        <p:nvSpPr>
+          <p:cNvPr id="5" name="Text Placeholder 4">
             <a:extLst>
               <a:ext uri="{FF2B5EF4-FFF2-40B4-BE49-F238E27FC236}">
-                <a16:creationId xmlns:a16="http://schemas.microsoft.com/office/drawing/2014/main" id="{F5201106-0443-4156-BF9A-5DB3E0A59466}"/>
+                <a16:creationId xmlns:a16="http://schemas.microsoft.com/office/drawing/2014/main" id="{4297ADF3-BC92-B548-B50D-6294C3AFCBC5}"/>
               </a:ext>
             </a:extLst>
           </p:cNvPr>
-          <p:cNvPicPr>
-            <a:picLocks noGrp="1" noChangeAspect="1"/>
-          </p:cNvPicPr>
-          <p:nvPr/>
-        </p:nvPicPr>
-        <p:blipFill rotWithShape="1">
-          <a:blip r:embed="rId2"/>
-          <a:srcRect l="4505" t="31137" r="28994" b="17673"/>
-          <a:stretch/>
-        </p:blipFill>
-        <p:spPr>
-          <a:xfrm>
-            <a:off x="612648" y="1200150"/>
-            <a:ext cx="8156448" cy="3531659"/>
-          </a:xfrm>
-          <a:prstGeom prst="rect">
-            <a:avLst/>
-          </a:prstGeom>
-        </p:spPr>
-      </p:pic>
+          <p:cNvSpPr>
+            <a:spLocks noGrp="1"/>
+          </p:cNvSpPr>
+          <p:nvPr>
+            <p:ph type="body" idx="1"/>
+          </p:nvPr>
+        </p:nvSpPr>
+        <p:spPr/>
+        <p:txBody>
+          <a:bodyPr/>
+          <a:lstStyle/>
+          <a:p>
+            <a:r>
+              <a:rPr lang="en-US" dirty="0"/>
+              <a:t> </a:t>
+            </a:r>
+          </a:p>
+        </p:txBody>
+      </p:sp>
       <p:sp>
         <p:nvSpPr>
-          <p:cNvPr id="2" name="Title 1">
+          <p:cNvPr id="4" name="Title 3">
             <a:extLst>
               <a:ext uri="{FF2B5EF4-FFF2-40B4-BE49-F238E27FC236}">
-                <a16:creationId xmlns:a16="http://schemas.microsoft.com/office/drawing/2014/main" id="{DE7F33FD-C94E-C74F-AC47-B50F6900B3D4}"/>
+                <a16:creationId xmlns:a16="http://schemas.microsoft.com/office/drawing/2014/main" id="{5AC4E82C-61B5-3F4E-B395-7FB7D51AAAA4}"/>
               </a:ext>
             </a:extLst>
           </p:cNvPr>
@@ -36711,17 +35166,249 @@
           <a:p>
             <a:r>
               <a:rPr lang="en-US" dirty="0"/>
-              <a:t>Estimation Accuracy</a:t>
+              <a:t>Product Design </a:t>
+            </a:r>
+          </a:p>
+        </p:txBody>
+      </p:sp>
+    </p:spTree>
+    <p:extLst>
+      <p:ext uri="{BB962C8B-B14F-4D97-AF65-F5344CB8AC3E}">
+        <p14:creationId xmlns:p14="http://schemas.microsoft.com/office/powerpoint/2010/main" val="3146360402"/>
+      </p:ext>
+    </p:extLst>
+  </p:cSld>
+  <p:clrMapOvr>
+    <a:masterClrMapping/>
+  </p:clrMapOvr>
+</p:sld>
+</file>
+
+<file path=ppt/slides/slide9.xml><?xml version="1.0" encoding="utf-8"?>
+<p:sld xmlns:a="http://schemas.openxmlformats.org/drawingml/2006/main" xmlns:r="http://schemas.openxmlformats.org/officeDocument/2006/relationships" xmlns:p="http://schemas.openxmlformats.org/presentationml/2006/main">
+  <p:cSld>
+    <p:spTree>
+      <p:nvGrpSpPr>
+        <p:cNvPr id="1" name=""/>
+        <p:cNvGrpSpPr/>
+        <p:nvPr/>
+      </p:nvGrpSpPr>
+      <p:grpSpPr>
+        <a:xfrm>
+          <a:off x="0" y="0"/>
+          <a:ext cx="0" cy="0"/>
+          <a:chOff x="0" y="0"/>
+          <a:chExt cx="0" cy="0"/>
+        </a:xfrm>
+      </p:grpSpPr>
+      <p:sp>
+        <p:nvSpPr>
+          <p:cNvPr id="2" name="Title 1">
+            <a:extLst>
+              <a:ext uri="{FF2B5EF4-FFF2-40B4-BE49-F238E27FC236}">
+                <a16:creationId xmlns:a16="http://schemas.microsoft.com/office/drawing/2014/main" id="{B1B2C581-8DFA-B744-A18C-B9B2311BBF9B}"/>
+              </a:ext>
+            </a:extLst>
+          </p:cNvPr>
+          <p:cNvSpPr>
+            <a:spLocks noGrp="1"/>
+          </p:cNvSpPr>
+          <p:nvPr>
+            <p:ph type="title"/>
+          </p:nvPr>
+        </p:nvSpPr>
+        <p:spPr/>
+        <p:txBody>
+          <a:bodyPr>
+            <a:normAutofit fontScale="90000"/>
+          </a:bodyPr>
+          <a:lstStyle/>
+          <a:p>
+            <a:r>
+              <a:rPr lang="en-US" dirty="0"/>
+              <a:t>Backlog</a:t>
             </a:r>
           </a:p>
         </p:txBody>
       </p:sp>
       <p:sp>
         <p:nvSpPr>
-          <p:cNvPr id="5" name="TextBox 4">
+          <p:cNvPr id="3" name="Content Placeholder 2">
             <a:extLst>
               <a:ext uri="{FF2B5EF4-FFF2-40B4-BE49-F238E27FC236}">
-                <a16:creationId xmlns:a16="http://schemas.microsoft.com/office/drawing/2014/main" id="{2CA6EB12-1BA9-4AF1-BC7B-EB5BF7428359}"/>
+                <a16:creationId xmlns:a16="http://schemas.microsoft.com/office/drawing/2014/main" id="{83E4EF94-659E-3441-8B01-876BD6A9AD4C}"/>
+              </a:ext>
+            </a:extLst>
+          </p:cNvPr>
+          <p:cNvSpPr>
+            <a:spLocks noGrp="1"/>
+          </p:cNvSpPr>
+          <p:nvPr>
+            <p:ph sz="quarter" idx="2"/>
+          </p:nvPr>
+        </p:nvSpPr>
+        <p:spPr>
+          <a:xfrm>
+            <a:off x="609600" y="1828800"/>
+            <a:ext cx="3886200" cy="1770743"/>
+          </a:xfrm>
+        </p:spPr>
+        <p:txBody>
+          <a:bodyPr>
+            <a:normAutofit lnSpcReduction="10000"/>
+          </a:bodyPr>
+          <a:lstStyle/>
+          <a:p>
+            <a:r>
+              <a:rPr lang="en-US" sz="1800" dirty="0"/>
+              <a:t>Register &amp; Log-in</a:t>
+            </a:r>
+          </a:p>
+          <a:p>
+            <a:r>
+              <a:rPr lang="en-US" sz="1800" dirty="0"/>
+              <a:t>Measurements &amp; Goals</a:t>
+            </a:r>
+          </a:p>
+          <a:p>
+            <a:r>
+              <a:rPr lang="en-US" sz="1800" dirty="0"/>
+              <a:t>Design Workout</a:t>
+            </a:r>
+          </a:p>
+          <a:p>
+            <a:r>
+              <a:rPr lang="en-US" sz="1800" dirty="0"/>
+              <a:t>Track Workout</a:t>
+            </a:r>
+          </a:p>
+          <a:p>
+            <a:r>
+              <a:rPr lang="en-US" sz="1800" dirty="0"/>
+              <a:t>Food Diary</a:t>
+            </a:r>
+          </a:p>
+        </p:txBody>
+      </p:sp>
+      <p:sp>
+        <p:nvSpPr>
+          <p:cNvPr id="11" name="Content Placeholder 10">
+            <a:extLst>
+              <a:ext uri="{FF2B5EF4-FFF2-40B4-BE49-F238E27FC236}">
+                <a16:creationId xmlns:a16="http://schemas.microsoft.com/office/drawing/2014/main" id="{5A026F69-F532-324F-A82C-E7095E673F39}"/>
+              </a:ext>
+            </a:extLst>
+          </p:cNvPr>
+          <p:cNvSpPr>
+            <a:spLocks noGrp="1"/>
+          </p:cNvSpPr>
+          <p:nvPr>
+            <p:ph sz="quarter" idx="4"/>
+          </p:nvPr>
+        </p:nvSpPr>
+        <p:spPr>
+          <a:xfrm>
+            <a:off x="609600" y="3987261"/>
+            <a:ext cx="3886200" cy="1291771"/>
+          </a:xfrm>
+        </p:spPr>
+        <p:txBody>
+          <a:bodyPr>
+            <a:normAutofit lnSpcReduction="10000"/>
+          </a:bodyPr>
+          <a:lstStyle/>
+          <a:p>
+            <a:r>
+              <a:rPr lang="en-US" sz="1800" dirty="0"/>
+              <a:t>Website Administration</a:t>
+            </a:r>
+          </a:p>
+          <a:p>
+            <a:r>
+              <a:rPr lang="en-US" sz="1800" dirty="0"/>
+              <a:t>Tracker Integration</a:t>
+            </a:r>
+          </a:p>
+          <a:p>
+            <a:r>
+              <a:rPr lang="en-US" sz="1800" dirty="0"/>
+              <a:t>Import/Export Function</a:t>
+            </a:r>
+          </a:p>
+        </p:txBody>
+      </p:sp>
+      <p:sp>
+        <p:nvSpPr>
+          <p:cNvPr id="9" name="Text Placeholder 8">
+            <a:extLst>
+              <a:ext uri="{FF2B5EF4-FFF2-40B4-BE49-F238E27FC236}">
+                <a16:creationId xmlns:a16="http://schemas.microsoft.com/office/drawing/2014/main" id="{84369AB4-D9D5-0346-9711-42947D029A1B}"/>
+              </a:ext>
+            </a:extLst>
+          </p:cNvPr>
+          <p:cNvSpPr>
+            <a:spLocks noGrp="1"/>
+          </p:cNvSpPr>
+          <p:nvPr>
+            <p:ph type="body" sz="quarter" idx="1"/>
+          </p:nvPr>
+        </p:nvSpPr>
+        <p:spPr>
+          <a:xfrm>
+            <a:off x="609600" y="1314450"/>
+            <a:ext cx="3886200" cy="480060"/>
+          </a:xfrm>
+        </p:spPr>
+        <p:txBody>
+          <a:bodyPr/>
+          <a:lstStyle/>
+          <a:p>
+            <a:r>
+              <a:rPr lang="en-US" dirty="0"/>
+              <a:t>User Epics</a:t>
+            </a:r>
+          </a:p>
+        </p:txBody>
+      </p:sp>
+      <p:sp>
+        <p:nvSpPr>
+          <p:cNvPr id="10" name="Text Placeholder 9">
+            <a:extLst>
+              <a:ext uri="{FF2B5EF4-FFF2-40B4-BE49-F238E27FC236}">
+                <a16:creationId xmlns:a16="http://schemas.microsoft.com/office/drawing/2014/main" id="{F7369FDA-1453-264F-BD5B-DDDCD7F0CDCF}"/>
+              </a:ext>
+            </a:extLst>
+          </p:cNvPr>
+          <p:cNvSpPr>
+            <a:spLocks noGrp="1"/>
+          </p:cNvSpPr>
+          <p:nvPr>
+            <p:ph type="body" sz="quarter" idx="3"/>
+          </p:nvPr>
+        </p:nvSpPr>
+        <p:spPr>
+          <a:xfrm>
+            <a:off x="609600" y="3497948"/>
+            <a:ext cx="3886200" cy="480060"/>
+          </a:xfrm>
+        </p:spPr>
+        <p:txBody>
+          <a:bodyPr/>
+          <a:lstStyle/>
+          <a:p>
+            <a:r>
+              <a:rPr lang="en-US" dirty="0"/>
+              <a:t>Technical  Epics</a:t>
+            </a:r>
+          </a:p>
+        </p:txBody>
+      </p:sp>
+      <p:sp>
+        <p:nvSpPr>
+          <p:cNvPr id="8" name="TextBox 7">
+            <a:extLst>
+              <a:ext uri="{FF2B5EF4-FFF2-40B4-BE49-F238E27FC236}">
+                <a16:creationId xmlns:a16="http://schemas.microsoft.com/office/drawing/2014/main" id="{2338BF37-22D9-487E-86EB-FE1C460BAF0C}"/>
               </a:ext>
             </a:extLst>
           </p:cNvPr>
@@ -36746,15 +35433,268 @@
           <a:p>
             <a:r>
               <a:rPr lang="en-US" dirty="0"/>
-              <a:t>Patty</a:t>
+              <a:t>Gabriel</a:t>
             </a:r>
+          </a:p>
+        </p:txBody>
+      </p:sp>
+      <p:pic>
+        <p:nvPicPr>
+          <p:cNvPr id="13" name="Content Placeholder 7">
+            <a:extLst>
+              <a:ext uri="{FF2B5EF4-FFF2-40B4-BE49-F238E27FC236}">
+                <a16:creationId xmlns:a16="http://schemas.microsoft.com/office/drawing/2014/main" id="{08C0548C-0E1E-A441-87C8-DC06CE0BD3AF}"/>
+              </a:ext>
+            </a:extLst>
+          </p:cNvPr>
+          <p:cNvPicPr>
+            <a:picLocks noChangeAspect="1"/>
+          </p:cNvPicPr>
+          <p:nvPr/>
+        </p:nvPicPr>
+        <p:blipFill>
+          <a:blip r:embed="rId2"/>
+          <a:stretch>
+            <a:fillRect/>
+          </a:stretch>
+        </p:blipFill>
+        <p:spPr>
+          <a:xfrm>
+            <a:off x="4800600" y="1875569"/>
+            <a:ext cx="3886200" cy="2592511"/>
+          </a:xfrm>
+          <a:prstGeom prst="rect">
+            <a:avLst/>
+          </a:prstGeom>
+        </p:spPr>
+        <p:style>
+          <a:lnRef idx="2">
+            <a:schemeClr val="dk1"/>
+          </a:lnRef>
+          <a:fillRef idx="1">
+            <a:schemeClr val="lt1"/>
+          </a:fillRef>
+          <a:effectRef idx="0">
+            <a:schemeClr val="dk1"/>
+          </a:effectRef>
+          <a:fontRef idx="minor">
+            <a:schemeClr val="dk1"/>
+          </a:fontRef>
+        </p:style>
+      </p:pic>
+      <p:sp>
+        <p:nvSpPr>
+          <p:cNvPr id="14" name="Text Placeholder 5">
+            <a:extLst>
+              <a:ext uri="{FF2B5EF4-FFF2-40B4-BE49-F238E27FC236}">
+                <a16:creationId xmlns:a16="http://schemas.microsoft.com/office/drawing/2014/main" id="{9DE0739F-C6A7-714E-86CA-3A67589CEEAB}"/>
+              </a:ext>
+            </a:extLst>
+          </p:cNvPr>
+          <p:cNvSpPr txBox="1">
+            <a:spLocks/>
+          </p:cNvSpPr>
+          <p:nvPr/>
+        </p:nvSpPr>
+        <p:spPr>
+          <a:xfrm>
+            <a:off x="4800600" y="1314450"/>
+            <a:ext cx="3886200" cy="480060"/>
+          </a:xfrm>
+          <a:prstGeom prst="rect">
+            <a:avLst/>
+          </a:prstGeom>
+          <a:solidFill>
+            <a:schemeClr val="accent3"/>
+          </a:solidFill>
+        </p:spPr>
+        <p:txBody>
+          <a:bodyPr vert="horz" rtlCol="0" anchor="ctr">
+            <a:normAutofit/>
+          </a:bodyPr>
+          <a:lstStyle>
+            <a:lvl1pPr marL="0" indent="0" algn="l" rtl="0" eaLnBrk="1" latinLnBrk="0" hangingPunct="1">
+              <a:spcBef>
+                <a:spcPts val="700"/>
+              </a:spcBef>
+              <a:buClr>
+                <a:schemeClr val="accent2"/>
+              </a:buClr>
+              <a:buSzPct val="60000"/>
+              <a:buFontTx/>
+              <a:buNone/>
+              <a:defRPr kumimoji="0" sz="2000" b="1" kern="1200">
+                <a:solidFill>
+                  <a:srgbClr val="FFFFFF"/>
+                </a:solidFill>
+                <a:latin typeface="+mn-lt"/>
+                <a:ea typeface="+mn-ea"/>
+                <a:cs typeface="+mn-cs"/>
+              </a:defRPr>
+            </a:lvl1pPr>
+            <a:lvl2pPr marL="640080" indent="-274320" algn="l" rtl="0" eaLnBrk="1" latinLnBrk="0" hangingPunct="1">
+              <a:spcBef>
+                <a:spcPts val="550"/>
+              </a:spcBef>
+              <a:buClr>
+                <a:schemeClr val="accent1"/>
+              </a:buClr>
+              <a:buSzPct val="70000"/>
+              <a:buFont typeface="Wingdings 2"/>
+              <a:buChar char=""/>
+              <a:defRPr kumimoji="0" sz="2600" kern="1200">
+                <a:solidFill>
+                  <a:schemeClr val="tx1"/>
+                </a:solidFill>
+                <a:latin typeface="+mn-lt"/>
+                <a:ea typeface="+mn-ea"/>
+                <a:cs typeface="+mn-cs"/>
+              </a:defRPr>
+            </a:lvl2pPr>
+            <a:lvl3pPr marL="914400" indent="-228600" algn="l" rtl="0" eaLnBrk="1" latinLnBrk="0" hangingPunct="1">
+              <a:spcBef>
+                <a:spcPts val="500"/>
+              </a:spcBef>
+              <a:buClr>
+                <a:schemeClr val="accent2"/>
+              </a:buClr>
+              <a:buSzPct val="75000"/>
+              <a:buFont typeface="Wingdings"/>
+              <a:buChar char=""/>
+              <a:defRPr kumimoji="0" sz="2300" kern="1200">
+                <a:solidFill>
+                  <a:schemeClr val="tx1"/>
+                </a:solidFill>
+                <a:latin typeface="+mn-lt"/>
+                <a:ea typeface="+mn-ea"/>
+                <a:cs typeface="+mn-cs"/>
+              </a:defRPr>
+            </a:lvl3pPr>
+            <a:lvl4pPr marL="1371600" indent="-228600" algn="l" rtl="0" eaLnBrk="1" latinLnBrk="0" hangingPunct="1">
+              <a:spcBef>
+                <a:spcPts val="400"/>
+              </a:spcBef>
+              <a:buClr>
+                <a:schemeClr val="accent3"/>
+              </a:buClr>
+              <a:buSzPct val="75000"/>
+              <a:buFont typeface="Wingdings"/>
+              <a:buChar char=""/>
+              <a:defRPr kumimoji="0" sz="2000" kern="1200">
+                <a:solidFill>
+                  <a:schemeClr val="tx1"/>
+                </a:solidFill>
+                <a:latin typeface="+mn-lt"/>
+                <a:ea typeface="+mn-ea"/>
+                <a:cs typeface="+mn-cs"/>
+              </a:defRPr>
+            </a:lvl4pPr>
+            <a:lvl5pPr marL="1828800" indent="-228600" algn="l" rtl="0" eaLnBrk="1" latinLnBrk="0" hangingPunct="1">
+              <a:spcBef>
+                <a:spcPts val="400"/>
+              </a:spcBef>
+              <a:buClr>
+                <a:schemeClr val="accent4"/>
+              </a:buClr>
+              <a:buSzPct val="65000"/>
+              <a:buFont typeface="Wingdings"/>
+              <a:buChar char=""/>
+              <a:defRPr kumimoji="0" sz="2000" kern="1200">
+                <a:solidFill>
+                  <a:schemeClr val="tx1"/>
+                </a:solidFill>
+                <a:latin typeface="+mn-lt"/>
+                <a:ea typeface="+mn-ea"/>
+                <a:cs typeface="+mn-cs"/>
+              </a:defRPr>
+            </a:lvl5pPr>
+            <a:lvl6pPr marL="2103120" indent="-228600" algn="l" rtl="0" eaLnBrk="1" latinLnBrk="0" hangingPunct="1">
+              <a:spcBef>
+                <a:spcPct val="20000"/>
+              </a:spcBef>
+              <a:buClr>
+                <a:schemeClr val="accent1"/>
+              </a:buClr>
+              <a:buFont typeface="Wingdings"/>
+              <a:buChar char="§"/>
+              <a:defRPr kumimoji="0" sz="1800" kern="1200" baseline="0">
+                <a:solidFill>
+                  <a:schemeClr val="tx1"/>
+                </a:solidFill>
+                <a:latin typeface="+mn-lt"/>
+                <a:ea typeface="+mn-ea"/>
+                <a:cs typeface="+mn-cs"/>
+              </a:defRPr>
+            </a:lvl6pPr>
+            <a:lvl7pPr marL="2377440" indent="-228600" algn="l" rtl="0" eaLnBrk="1" latinLnBrk="0" hangingPunct="1">
+              <a:spcBef>
+                <a:spcPct val="20000"/>
+              </a:spcBef>
+              <a:buClr>
+                <a:schemeClr val="accent2"/>
+              </a:buClr>
+              <a:buFont typeface="Wingdings"/>
+              <a:buChar char="§"/>
+              <a:defRPr kumimoji="0" sz="1800" kern="1200" baseline="0">
+                <a:solidFill>
+                  <a:schemeClr val="tx1"/>
+                </a:solidFill>
+                <a:latin typeface="+mn-lt"/>
+                <a:ea typeface="+mn-ea"/>
+                <a:cs typeface="+mn-cs"/>
+              </a:defRPr>
+            </a:lvl7pPr>
+            <a:lvl8pPr marL="2651760" indent="-228600" algn="l" rtl="0" eaLnBrk="1" latinLnBrk="0" hangingPunct="1">
+              <a:spcBef>
+                <a:spcPct val="20000"/>
+              </a:spcBef>
+              <a:buClr>
+                <a:schemeClr val="accent3"/>
+              </a:buClr>
+              <a:buFont typeface="Wingdings"/>
+              <a:buChar char="§"/>
+              <a:defRPr kumimoji="0" sz="1800" kern="1200" baseline="0">
+                <a:solidFill>
+                  <a:schemeClr val="tx1"/>
+                </a:solidFill>
+                <a:latin typeface="+mn-lt"/>
+                <a:ea typeface="+mn-ea"/>
+                <a:cs typeface="+mn-cs"/>
+              </a:defRPr>
+            </a:lvl8pPr>
+            <a:lvl9pPr marL="2926080" indent="-228600" algn="l" rtl="0" eaLnBrk="1" latinLnBrk="0" hangingPunct="1">
+              <a:spcBef>
+                <a:spcPct val="20000"/>
+              </a:spcBef>
+              <a:buClr>
+                <a:schemeClr val="accent4"/>
+              </a:buClr>
+              <a:buFont typeface="Wingdings"/>
+              <a:buChar char="§"/>
+              <a:defRPr kumimoji="0" sz="1800" kern="1200" baseline="0">
+                <a:solidFill>
+                  <a:schemeClr val="tx1"/>
+                </a:solidFill>
+                <a:latin typeface="+mn-lt"/>
+                <a:ea typeface="+mn-ea"/>
+                <a:cs typeface="+mn-cs"/>
+              </a:defRPr>
+            </a:lvl9pPr>
+          </a:lstStyle>
+          <a:p>
+            <a:pPr defTabSz="914400"/>
+            <a:r>
+              <a:rPr lang="en-US"/>
+              <a:t>Pivotal Tracker</a:t>
+            </a:r>
+            <a:endParaRPr lang="en-US" dirty="0"/>
           </a:p>
         </p:txBody>
       </p:sp>
     </p:spTree>
     <p:extLst>
       <p:ext uri="{BB962C8B-B14F-4D97-AF65-F5344CB8AC3E}">
-        <p14:creationId xmlns:p14="http://schemas.microsoft.com/office/powerpoint/2010/main" val="1718878460"/>
+        <p14:creationId xmlns:p14="http://schemas.microsoft.com/office/powerpoint/2010/main" val="3872865239"/>
       </p:ext>
     </p:extLst>
   </p:cSld>

--- a/Final Presenation/CS_633_Zac3_term_project_report_FINAL_draft.pptx
+++ b/Final Presenation/CS_633_Zac3_term_project_report_FINAL_draft.pptx
@@ -10451,14 +10451,14 @@
           <a:effectLst/>
           <a:extLst>
             <a:ext uri="{909E8E84-426E-40dd-AFC4-6F175D3DCCD1}">
-              <a14:hiddenFill xmlns:a14="http://schemas.microsoft.com/office/drawing/2010/main" xmlns="">
+              <a14:hiddenFill xmlns="" xmlns:a14="http://schemas.microsoft.com/office/drawing/2010/main">
                 <a:solidFill>
                   <a:schemeClr val="accent1"/>
                 </a:solidFill>
               </a14:hiddenFill>
             </a:ext>
             <a:ext uri="{91240B29-F687-4f45-9708-019B960494DF}">
-              <a14:hiddenLine xmlns:a14="http://schemas.microsoft.com/office/drawing/2010/main" xmlns="" w="9525">
+              <a14:hiddenLine xmlns="" xmlns:a14="http://schemas.microsoft.com/office/drawing/2010/main" w="9525">
                 <a:solidFill>
                   <a:schemeClr val="tx1"/>
                 </a:solidFill>
@@ -10468,7 +10468,7 @@
               </a14:hiddenLine>
             </a:ext>
             <a:ext uri="{AF507438-7753-43e0-B8FC-AC1667EBCBE1}">
-              <a14:hiddenEffects xmlns:a14="http://schemas.microsoft.com/office/drawing/2010/main" xmlns="">
+              <a14:hiddenEffects xmlns="" xmlns:a14="http://schemas.microsoft.com/office/drawing/2010/main">
                 <a:effectLst>
                   <a:outerShdw dist="35921" dir="2700000" algn="ctr" rotWithShape="0">
                     <a:schemeClr val="bg2"/>
@@ -10602,14 +10602,14 @@
           <a:effectLst/>
           <a:extLst>
             <a:ext uri="{909E8E84-426E-40dd-AFC4-6F175D3DCCD1}">
-              <a14:hiddenFill xmlns:a14="http://schemas.microsoft.com/office/drawing/2010/main" xmlns="">
+              <a14:hiddenFill xmlns="" xmlns:a14="http://schemas.microsoft.com/office/drawing/2010/main">
                 <a:solidFill>
                   <a:schemeClr val="accent1"/>
                 </a:solidFill>
               </a14:hiddenFill>
             </a:ext>
             <a:ext uri="{91240B29-F687-4f45-9708-019B960494DF}">
-              <a14:hiddenLine xmlns:a14="http://schemas.microsoft.com/office/drawing/2010/main" xmlns="" w="9525">
+              <a14:hiddenLine xmlns="" xmlns:a14="http://schemas.microsoft.com/office/drawing/2010/main" w="9525">
                 <a:solidFill>
                   <a:schemeClr val="tx1"/>
                 </a:solidFill>
@@ -10619,7 +10619,7 @@
               </a14:hiddenLine>
             </a:ext>
             <a:ext uri="{AF507438-7753-43e0-B8FC-AC1667EBCBE1}">
-              <a14:hiddenEffects xmlns:a14="http://schemas.microsoft.com/office/drawing/2010/main" xmlns="">
+              <a14:hiddenEffects xmlns="" xmlns:a14="http://schemas.microsoft.com/office/drawing/2010/main">
                 <a:effectLst>
                   <a:outerShdw dist="35921" dir="2700000" algn="ctr" rotWithShape="0">
                     <a:schemeClr val="bg2"/>
@@ -15444,29 +15444,28 @@
       </p:sp>
       <p:pic>
         <p:nvPicPr>
-          <p:cNvPr id="9" name="Content Placeholder 8">
+          <p:cNvPr id="5" name="Picture 4">
             <a:extLst>
               <a:ext uri="{FF2B5EF4-FFF2-40B4-BE49-F238E27FC236}">
-                <a16:creationId xmlns:a16="http://schemas.microsoft.com/office/drawing/2014/main" id="{99F634FB-BF67-45BB-A7A8-1A92BA955026}"/>
+                <a16:creationId xmlns:a16="http://schemas.microsoft.com/office/drawing/2014/main" id="{FCFF612C-77D3-408B-AF8F-4AE9DE92775A}"/>
               </a:ext>
             </a:extLst>
           </p:cNvPr>
           <p:cNvPicPr>
-            <a:picLocks noGrp="1" noChangeAspect="1"/>
+            <a:picLocks noChangeAspect="1"/>
           </p:cNvPicPr>
-          <p:nvPr>
-            <p:ph sz="quarter" idx="1"/>
-          </p:nvPr>
+          <p:nvPr/>
         </p:nvPicPr>
-        <p:blipFill rotWithShape="1">
+        <p:blipFill>
           <a:blip r:embed="rId2"/>
-          <a:srcRect l="32786" t="24637" r="32370" b="13704"/>
-          <a:stretch/>
+          <a:stretch>
+            <a:fillRect/>
+          </a:stretch>
         </p:blipFill>
         <p:spPr>
           <a:xfrm>
-            <a:off x="2618737" y="1154430"/>
-            <a:ext cx="3928848" cy="3910741"/>
+            <a:off x="3096883" y="1200150"/>
+            <a:ext cx="3816602" cy="3725296"/>
           </a:xfrm>
           <a:prstGeom prst="rect">
             <a:avLst/>
@@ -15747,37 +15746,6 @@
           </a:p>
         </p:txBody>
       </p:sp>
-      <p:pic>
-        <p:nvPicPr>
-          <p:cNvPr id="7" name="Content Placeholder 6">
-            <a:extLst>
-              <a:ext uri="{FF2B5EF4-FFF2-40B4-BE49-F238E27FC236}">
-                <a16:creationId xmlns:a16="http://schemas.microsoft.com/office/drawing/2014/main" id="{FF05E6A3-480C-44B7-992E-A6B68E08844E}"/>
-              </a:ext>
-            </a:extLst>
-          </p:cNvPr>
-          <p:cNvPicPr>
-            <a:picLocks noGrp="1" noChangeAspect="1"/>
-          </p:cNvPicPr>
-          <p:nvPr>
-            <p:ph sz="quarter" idx="1"/>
-          </p:nvPr>
-        </p:nvPicPr>
-        <p:blipFill rotWithShape="1">
-          <a:blip r:embed="rId2"/>
-          <a:srcRect l="57747" t="24670" r="7122" b="10957"/>
-          <a:stretch/>
-        </p:blipFill>
-        <p:spPr>
-          <a:xfrm>
-            <a:off x="2636982" y="1154648"/>
-            <a:ext cx="3870036" cy="3988852"/>
-          </a:xfrm>
-          <a:prstGeom prst="rect">
-            <a:avLst/>
-          </a:prstGeom>
-        </p:spPr>
-      </p:pic>
       <p:sp>
         <p:nvSpPr>
           <p:cNvPr id="6" name="TextBox 5">
@@ -15813,6 +15781,36 @@
           </a:p>
         </p:txBody>
       </p:sp>
+      <p:pic>
+        <p:nvPicPr>
+          <p:cNvPr id="5" name="Picture 4">
+            <a:extLst>
+              <a:ext uri="{FF2B5EF4-FFF2-40B4-BE49-F238E27FC236}">
+                <a16:creationId xmlns:a16="http://schemas.microsoft.com/office/drawing/2014/main" id="{8AD52BA5-8F36-427B-BFFB-65F51087882A}"/>
+              </a:ext>
+            </a:extLst>
+          </p:cNvPr>
+          <p:cNvPicPr>
+            <a:picLocks noChangeAspect="1"/>
+          </p:cNvPicPr>
+          <p:nvPr/>
+        </p:nvPicPr>
+        <p:blipFill>
+          <a:blip r:embed="rId2"/>
+          <a:stretch>
+            <a:fillRect/>
+          </a:stretch>
+        </p:blipFill>
+        <p:spPr>
+          <a:xfrm>
+            <a:off x="2710523" y="1197714"/>
+            <a:ext cx="3722953" cy="3859521"/>
+          </a:xfrm>
+          <a:prstGeom prst="rect">
+            <a:avLst/>
+          </a:prstGeom>
+        </p:spPr>
+      </p:pic>
     </p:spTree>
     <p:extLst>
       <p:ext uri="{BB962C8B-B14F-4D97-AF65-F5344CB8AC3E}">
@@ -29546,7 +29544,7 @@
             <p:ph sz="quarter" idx="1"/>
             <p:extLst>
               <p:ext uri="{D42A27DB-BD31-4B8C-83A1-F6EECF244321}">
-                <p14:modId xmlns:p14="http://schemas.microsoft.com/office/powerpoint/2010/main" val="1580801003"/>
+                <p14:modId xmlns:p14="http://schemas.microsoft.com/office/powerpoint/2010/main" val="3152276285"/>
               </p:ext>
             </p:extLst>
           </p:nvPr>
@@ -29627,7 +29625,53 @@
                 </a:gridCol>
               </a:tblGrid>
               <a:tr h="248432">
-                <a:tc rowSpan="2">
+                <a:tc rowSpan="2" gridSpan="2">
+                  <a:txBody>
+                    <a:bodyPr/>
+                    <a:lstStyle/>
+                    <a:p>
+                      <a:pPr algn="ctr" fontAlgn="ctr"/>
+                      <a:r>
+                        <a:rPr lang="en-US" sz="1600" b="0" i="0" u="none" strike="noStrike" dirty="0">
+                          <a:solidFill>
+                            <a:schemeClr val="bg1"/>
+                          </a:solidFill>
+                          <a:effectLst/>
+                          <a:latin typeface="Calibri"/>
+                        </a:rPr>
+                        <a:t>Estimation Accuracy: -114%</a:t>
+                      </a:r>
+                      <a:endParaRPr lang="sk-SK" sz="1600" b="0" i="0" u="none" strike="noStrike" dirty="0">
+                        <a:solidFill>
+                          <a:schemeClr val="bg1"/>
+                        </a:solidFill>
+                        <a:effectLst/>
+                        <a:latin typeface="Calibri"/>
+                      </a:endParaRPr>
+                    </a:p>
+                  </a:txBody>
+                  <a:tcPr marL="12226" marR="12226" marT="12700" marB="0" anchor="ctr">
+                    <a:lnR w="9525" cap="flat" cmpd="sng" algn="ctr">
+                      <a:solidFill>
+                        <a:srgbClr val="968C8C"/>
+                      </a:solidFill>
+                      <a:prstDash val="solid"/>
+                      <a:round/>
+                      <a:headEnd type="none" w="med" len="med"/>
+                      <a:tailEnd type="none" w="med" len="med"/>
+                    </a:lnR>
+                    <a:lnT w="38100" cap="flat" cmpd="sng" algn="ctr">
+                      <a:solidFill>
+                        <a:srgbClr val="000000"/>
+                      </a:solidFill>
+                      <a:prstDash val="solid"/>
+                      <a:round/>
+                      <a:headEnd type="none" w="med" len="med"/>
+                      <a:tailEnd type="none" w="med" len="med"/>
+                    </a:lnT>
+                  </a:tcPr>
+                </a:tc>
+                <a:tc rowSpan="2" hMerge="1">
                   <a:txBody>
                     <a:bodyPr/>
                     <a:lstStyle/>
@@ -29643,42 +29687,6 @@
                     </a:p>
                   </a:txBody>
                   <a:tcPr marL="12226" marR="12226" marT="12700" marB="0" anchor="b">
-                    <a:lnR w="9525" cap="flat" cmpd="sng" algn="ctr">
-                      <a:solidFill>
-                        <a:srgbClr val="968C8C"/>
-                      </a:solidFill>
-                      <a:prstDash val="solid"/>
-                      <a:round/>
-                      <a:headEnd type="none" w="med" len="med"/>
-                      <a:tailEnd type="none" w="med" len="med"/>
-                    </a:lnR>
-                    <a:lnT w="38100" cap="flat" cmpd="sng" algn="ctr">
-                      <a:solidFill>
-                        <a:srgbClr val="000000"/>
-                      </a:solidFill>
-                      <a:prstDash val="solid"/>
-                      <a:round/>
-                      <a:headEnd type="none" w="med" len="med"/>
-                      <a:tailEnd type="none" w="med" len="med"/>
-                    </a:lnT>
-                  </a:tcPr>
-                </a:tc>
-                <a:tc rowSpan="2">
-                  <a:txBody>
-                    <a:bodyPr/>
-                    <a:lstStyle/>
-                    <a:p>
-                      <a:pPr algn="ctr" fontAlgn="ctr"/>
-                      <a:endParaRPr lang="sk-SK" sz="2000" b="0" i="0" u="none" strike="noStrike" dirty="0">
-                        <a:solidFill>
-                          <a:srgbClr val="000000"/>
-                        </a:solidFill>
-                        <a:effectLst/>
-                        <a:latin typeface="Calibri"/>
-                      </a:endParaRPr>
-                    </a:p>
-                  </a:txBody>
-                  <a:tcPr marL="12226" marR="12226" marT="12700" marB="0" anchor="b">
                     <a:lnL w="9525" cap="flat" cmpd="sng" algn="ctr">
                       <a:solidFill>
                         <a:srgbClr val="968C8C"/>
@@ -30047,7 +30055,7 @@
                 </a:extLst>
               </a:tr>
               <a:tr h="406368">
-                <a:tc vMerge="1">
+                <a:tc gridSpan="2" vMerge="1">
                   <a:txBody>
                     <a:bodyPr/>
                     <a:lstStyle/>
@@ -30057,7 +30065,7 @@
                   </a:txBody>
                   <a:tcPr/>
                 </a:tc>
-                <a:tc vMerge="1">
+                <a:tc hMerge="1" vMerge="1">
                   <a:txBody>
                     <a:bodyPr/>
                     <a:lstStyle/>
@@ -33622,12 +33630,12 @@
                     <a:p>
                       <a:pPr algn="l" fontAlgn="ctr"/>
                       <a:r>
-                        <a:rPr lang="en-US" sz="1200" u="none" strike="noStrike">
+                        <a:rPr lang="en-US" sz="1200" u="none" strike="noStrike" dirty="0">
                           <a:effectLst/>
                         </a:rPr>
                         <a:t>Issues from peer reviews attained</a:t>
                       </a:r>
-                      <a:endParaRPr lang="en-US" sz="1200" b="0" i="0" u="none" strike="noStrike">
+                      <a:endParaRPr lang="en-US" sz="1200" b="0" i="0" u="none" strike="noStrike" dirty="0">
                         <a:solidFill>
                           <a:srgbClr val="000000"/>
                         </a:solidFill>
@@ -33998,7 +34006,7 @@
                         <a:rPr lang="en-US" sz="1200" u="none" strike="noStrike" dirty="0" err="1">
                           <a:effectLst/>
                         </a:rPr>
-                        <a:t>FitFOrMe</a:t>
+                        <a:t>FitForMe</a:t>
                       </a:r>
                       <a:endParaRPr lang="en-US" sz="1200" b="0" i="0" u="none" strike="noStrike" dirty="0">
                         <a:solidFill>
